--- a/BusinessAdjectives2.pptx
+++ b/BusinessAdjectives2.pptx
@@ -255,7 +255,7 @@
             <a:spLocks noGrp="1" noChangeArrowheads="1"/>
             <a:extLst>
               <a:ext uri="smNativeData">
-                <pr:smNativeData xmlns:pr="smNativeData" val="SMDATA_13_lv/SZRMAAAAlAAAAZAAAAA8BAAAAkAAAAEgAAACQAAAASAAAAAAAAAABAAAAAAAAAAEAAABQAAAAAAAAAAAA4D8AAAAAAADgPwAAAAAAAOA/AAAAAAAA4D8AAAAAAADgPwAAAAAAAOA/AAAAAAAA4D8AAAAAAADgPwAAAAAAAOA/AAAAAAAA4D8CAAAAjAAAAAAAAAAAAAAAu+DjDP///wgAAAAAAAAAAAAAAAAAAAAAAAAAAAAAAAAAAAAAZAAAAAEAAABAAAAAAAAAAAAAAAAAAAAAAAAAAAAAAAAAAAAAAAAAAAAAAAAAAAAAAAAAAAAAAAAAAAAAAAAAAAAAAAAAAAAAAAAAAAAAAAAAAAAAAAAAAAAAAAAAAAAAFAAAADwAAAAAAAAAAAAAAAAAAAkUAAAAAQAAABQAAAAUAAAAFAAAAAEAAAAAAAAAZAAAAGQAAAAAAAAAZAAAAGQAAAAVAAAAYAAAAAAAAAAAAAAADwAAACADAAAAAAAAAAAAAAEAAACgMgAAVgcAAKr4//8BAAAAf39/AAEAAABkAAAAAAAAABQAAABAHwAAAAAAACYAAAAAAAAAwOD//wAAAAAmAAAAZAAAABYAAABMAAAAAAAAAAAAAAAEAAAAAAAAAAEAAACAgIAKAAAAACgAAAAoAAAAZAAAAGQAAAAAAAAAzMzMAAAAAABQAAAAUAAAAGQAAABkAAAAAAAAABcAAAAUAAAAAAAAAAAAAAD/fwAA/38AAAAAAAAJAAAABAAAAAAAAAAMAAAAEAAAAAAAAAAAAAAAAAAAAAAAAAAeAAAAaAAAAAAAAAAAAAAAAAAAAAAAAAAAAAAAECcAABAnAAAAAAAAAAAAAAAAAAAAAAAAAAAAAAAAAAAAAAAAAAAAABQAAAAAAAAAwMD/AAAAAABkAAAAMgAAAAAAAABkAAAAAAAAAH9/fwAKAAAAHwAAAFQAAAAAAAAFAAAAAQAAAAAAAAAAAAAAAAAAAAAAAAAAAAAAAAAAAAAAAAAAAAAAAn9/fwAAAAADzMzMAMDA/wB/f38AAAAAAAAAAAAAAAAAAAAAAAAAAAAhAAAAGAAAABQAAAA4BAAAGg0AAAg0AAAmFgAAEAAAACYAAAAIAAAAAQAAAAAAAAA="/>
+                <pr:smNativeData xmlns:pr="smNativeData" val="SMDATA_13_of3fZRMAAAAlAAAAZAAAAA8BAAAAkAAAAEgAAACQAAAASAAAAAAAAAABAAAAAAAAAAEAAABQAAAAAAAAAAAA4D8AAAAAAADgPwAAAAAAAOA/AAAAAAAA4D8AAAAAAADgPwAAAAAAAOA/AAAAAAAA4D8AAAAAAADgPwAAAAAAAOA/AAAAAAAA4D8CAAAAjAAAAAAAAAAAAAAAu+DjDP///wgAAAAAAAAAAAAAAAAAAAAAAAAAAAAAAAAAAAAAZAAAAAEAAABAAAAAAAAAAAAAAAAAAAAAAAAAAAAAAAAAAAAAAAAAAAAAAAAAAAAAAAAAAAAAAAAAAAAAAAAAAAAAAAAAAAAAAAAAAAAAAAAAAAAAAAAAAAAAAAAAAAAAFAAAADwAAAAAAAAAAAAAAAAAAAkUAAAAAQAAABQAAAAUAAAAFAAAAAEAAAAAAAAAZAAAAGQAAAAAAAAAZAAAAGQAAAAVAAAAYAAAAAAAAAAAAAAADwAAACADAAAAAAAAAAAAAAEAAACgMgAAVgcAAKr4//8BAAAAf39/AAEAAABkAAAAAAAAABQAAABAHwAAAAAAACYAAAAAAAAAwOD//wAAAAAmAAAAZAAAABYAAABMAAAAAAAAAAAAAAAEAAAAAAAAAAEAAACAgIAKAAAAACgAAAAoAAAAZAAAAGQAAAAAAAAAzMzMAAAAAABQAAAAUAAAAGQAAABkAAAAAAAAABcAAAAUAAAAAAAAAAAAAAD/fwAA/38AAAAAAAAJAAAABAAAAAAAAAAMAAAAEAAAAAAAAAAAAAAAAAAAAAAAAAAeAAAAaAAAAAAAAAAAAAAAAAAAAAAAAAAAAAAAECcAABAnAAAAAAAAAAAAAAAAAAAAAAAAAAAAAAAAAAAAAAAAAAAAABQAAAAAAAAAwMD/AAAAAABkAAAAMgAAAAAAAABkAAAAAAAAAH9/fwAKAAAAHwAAAFQAAAAAAAAFAAAAAQAAAAAAAAAAAAAAAAAAAAAAAAAAAAAAAAAAAAAAAAAAAAAAAn9/fwAAAAADzMzMAMDA/wB/f38AAAAAAAAAAAAAAAAAAAAAAAAAAAAhAAAAGAAAABQAAAA4BAAAGg0AAAg0AAAmFgAAEAAAACYAAAAIAAAAAQAAAAAAAAA="/>
               </a:ext>
             </a:extLst>
           </p:cNvSpPr>
@@ -287,7 +287,7 @@
             <a:spLocks noGrp="1" noChangeArrowheads="1"/>
             <a:extLst>
               <a:ext uri="smNativeData">
-                <pr:smNativeData xmlns:pr="smNativeData" val="SMDATA_13_lv/SZRMAAAAlAAAAZAAAAA8BAAAAkAAAAEgAAACQAAAASAAAAAAAAAAAAAAAAAAAAAEAAABQAAAAAAAAAAAA4D8AAAAAAADgPwAAAAAAAOA/AAAAAAAA4D8AAAAAAADgPwAAAAAAAOA/AAAAAAAA4D8AAAAAAADgPwAAAAAAAOA/AAAAAAAA4D8CAAAAjAAAAAAAAAAAAAAAu+DjDP///wgAAAAAAAAAAAAAAAAAAAAAAAAAAAAAAAAAAAAAZAAAAAEAAABAAAAAAAAAAAAAAAAAAAAAAAAAAAAAAAAAAAAAAAAAAAAAAAAAAAAAAAAAAAAAAAAAAAAAAAAAAAAAAAAAAAAAAAAAAAAAAAAAAAAAAAAAAAAAAAAAAAAAFAAAADwAAAAAAAAAAAAAAAAAAAkUAAAAAQAAABQAAAAUAAAAFAAAAAEAAAAAAAAAZAAAAGQAAAAAAAAAZAAAAGQAAAAVAAAAYAAAAAAAAAAAAAAADwAAACADAAAAAAAAAAAAAAEAAACgMgAAVgcAAKr4//8BAAAAf39/AAEAAABkAAAAAAAAABQAAABAHwAAAAAAACYAAAAAAAAAwOD//wAAAAAmAAAAZAAAABYAAABMAAAAAAAAAAAAAAAEAAAAAAAAAAEAAACAgIAKAAAAACgAAAAoAAAAZAAAAGQAAAAAAAAAzMzMAAAAAABQAAAAUAAAAGQAAABkAAAAAAAAABcAAAAUAAAAAAAAAAAAAAD/fwAA/38AAAAAAAAJAAAABAAAAAAAAAAMAAAAEAAAAAAAAAAAAAAAAAAAAAAAAAAeAAAAaAAAAAAAAAAAAAAAAAAAAAAAAAAAAAAAECcAABAnAAAAAAAAAAAAAAAAAAAAAAAAAAAAAAAAAAAAAAAAAAAAABQAAAAAAAAAwMD/AAAAAABkAAAAMgAAAAAAAABkAAAAAAAAAH9/fwAKAAAAHwAAAFQAAAAAAAAFAAAAAQAAAAAAAAAAAAAAAAAAAAAAAAAAAAAAAAAAAAAAAAAAAAAAAn9/fwAAAAADzMzMAMDA/wB/f38AAAAAAAAAAAAAAAAAAAAAAAAAAAAhAAAAGAAAABQAAABwCAAA6BcAANAvAACwIgAAEAAAACYAAAAIAAAAAYAAAAAAAAA="/>
+                <pr:smNativeData xmlns:pr="smNativeData" val="SMDATA_13_of3fZRMAAAAlAAAAZAAAAA8BAAAAkAAAAEgAAACQAAAASAAAAAAAAAAAAAAAAAAAAAEAAABQAAAAAAAAAAAA4D8AAAAAAADgPwAAAAAAAOA/AAAAAAAA4D8AAAAAAADgPwAAAAAAAOA/AAAAAAAA4D8AAAAAAADgPwAAAAAAAOA/AAAAAAAA4D8CAAAAjAAAAAAAAAAAAAAAu+DjDP///wgAAAAAAAAAAAAAAAAAAAAAAAAAAAAAAAAAAAAAZAAAAAEAAABAAAAAAAAAAAAAAAAAAAAAAAAAAAAAAAAAAAAAAAAAAAAAAAAAAAAAAAAAAAAAAAAAAAAAAAAAAAAAAAAAAAAAAAAAAAAAAAAAAAAAAAAAAAAAAAAAAAAAFAAAADwAAAAAAAAAAAAAAAAAAAkUAAAAAQAAABQAAAAUAAAAFAAAAAEAAAAAAAAAZAAAAGQAAAAAAAAAZAAAAGQAAAAVAAAAYAAAAAAAAAAAAAAADwAAACADAAAAAAAAAAAAAAEAAACgMgAAVgcAAKr4//8BAAAAf39/AAEAAABkAAAAAAAAABQAAABAHwAAAAAAACYAAAAAAAAAwOD//wAAAAAmAAAAZAAAABYAAABMAAAAAAAAAAAAAAAEAAAAAAAAAAEAAACAgIAKAAAAACgAAAAoAAAAZAAAAGQAAAAAAAAAzMzMAAAAAABQAAAAUAAAAGQAAABkAAAAAAAAABcAAAAUAAAAAAAAAAAAAAD/fwAA/38AAAAAAAAJAAAABAAAAAAAAAAMAAAAEAAAAAAAAAAAAAAAAAAAAAAAAAAeAAAAaAAAAAAAAAAAAAAAAAAAAAAAAAAAAAAAECcAABAnAAAAAAAAAAAAAAAAAAAAAAAAAAAAAAAAAAAAAAAAAAAAABQAAAAAAAAAwMD/AAAAAABkAAAAMgAAAAAAAABkAAAAAAAAAH9/fwAKAAAAHwAAAFQAAAAAAAAFAAAAAQAAAAAAAAAAAAAAAAAAAAAAAAAAAAAAAAAAAAAAAAAAAAAAAn9/fwAAAAADzMzMAMDA/wB/f38AAAAAAAAAAAAAAAAAAAAAAAAAAAAhAAAAGAAAABQAAABwCAAA6BcAANAvAACwIgAAEAAAACYAAAAIAAAAAYAAAAAAAAA="/>
               </a:ext>
             </a:extLst>
           </p:cNvSpPr>
@@ -347,7 +347,7 @@
             <a:spLocks noGrp="1" noChangeArrowheads="1"/>
             <a:extLst>
               <a:ext uri="smNativeData">
-                <pr:smNativeData xmlns:pr="smNativeData" val="SMDATA_13_lv/SZRMAAAAlAAAAZAAAAA8BAAAAkAAAAEgAAACQAAAASAAAAAAAAAABAAAAAAAAAAEAAABQAAAAAAAAAAAA4D8AAAAAAADgPwAAAAAAAOA/AAAAAAAA4D8AAAAAAADgPwAAAAAAAOA/AAAAAAAA4D8AAAAAAADgPwAAAAAAAOA/AAAAAAAA4D8CAAAAjAAAAAAAAAAAAAAAu+DjDP///wgAAAAAAAAAAAAAAAAAAAAAAAAAAAAAAAAAAAAAZAAAAAEAAABAAAAAAAAAAAAAAAAAAAAAAAAAAAAAAAAAAAAAAAAAAAAAAAAAAAAAAAAAAAAAAAAAAAAAAAAAAAAAAAAAAAAAAAAAAAAAAAAAAAAAAAAAAAAAAAAAAAAAFAAAADwAAAAAAAAAAAAAAAAAAAkUAAAAAQAAABQAAAAUAAAAFAAAAAEAAAAAAAAAZAAAAGQAAAAAAAAAZAAAAGQAAAAVAAAAYAAAAAAAAAAAAAAADwAAACADAAAAAAAAAAAAAAEAAACgMgAAVgcAAKr4//8BAAAAf39/AAEAAABkAAAAAAAAABQAAABAHwAAAAAAACYAAAAAAAAAwOD//wAAAAAmAAAAZAAAABYAAABMAAAAAAAAAAAAAAAEAAAAAAAAAAEAAACAgIAKAAAAACgAAAAoAAAAZAAAAGQAAAAAAAAAzMzMAAAAAABQAAAAUAAAAGQAAABkAAAAAAAAABcAAAAUAAAAAAAAAAAAAAD/fwAA/38AAAAAAAAJAAAABAAAAAAAAAAMAAAAEAAAAAAAAAAAAAAAAAAAAAAAAAAeAAAAaAAAAAAAAAAAAAAAAAAAAAAAAAAAAAAAECcAABAnAAAAAAAAAAAAAAAAAAAAAAAAAAAAAAAAAAAAAAAAAAAAABQAAAAAAAAAwMD/AAAAAABkAAAAMgAAAAAAAABkAAAAAAAAAH9/fwAKAAAAHwAAAFQAAAAAAAAFAAAAAQAAAAAAAAAAAAAAAAAAAAAAAAAAAAAAAAAAAAAAAAAAAAAAAn9/fwAAAAADzMzMAMDA/wB/f38AAAAAAAAAAAAAAAAAAAAAAAAAAAAhAAAAGAAAABQAAADQAgAAGycAAPAPAABZKQAAEAAAACYAAAAIAAAAAAAAAAAAAAA="/>
+                <pr:smNativeData xmlns:pr="smNativeData" val="SMDATA_13_of3fZRMAAAAlAAAAZAAAAA8BAAAAkAAAAEgAAACQAAAASAAAAAAAAAABAAAAAAAAAAEAAABQAAAAAAAAAAAA4D8AAAAAAADgPwAAAAAAAOA/AAAAAAAA4D8AAAAAAADgPwAAAAAAAOA/AAAAAAAA4D8AAAAAAADgPwAAAAAAAOA/AAAAAAAA4D8CAAAAjAAAAAAAAAAAAAAAu+DjDP///wgAAAAAAAAAAAAAAAAAAAAAAAAAAAAAAAAAAAAAZAAAAAEAAABAAAAAAAAAAAAAAAAAAAAAAAAAAAAAAAAAAAAAAAAAAAAAAAAAAAAAAAAAAAAAAAAAAAAAAAAAAAAAAAAAAAAAAAAAAAAAAAAAAAAAAAAAAAAAAAAAAAAAFAAAADwAAAAAAAAAAAAAAAAAAAkUAAAAAQAAABQAAAAUAAAAFAAAAAEAAAAAAAAAZAAAAGQAAAAAAAAAZAAAAGQAAAAVAAAAYAAAAAAAAAAAAAAADwAAACADAAAAAAAAAAAAAAEAAACgMgAAVgcAAKr4//8BAAAAf39/AAEAAABkAAAAAAAAABQAAABAHwAAAAAAACYAAAAAAAAAwOD//wAAAAAmAAAAZAAAABYAAABMAAAAAAAAAAAAAAAEAAAAAAAAAAEAAACAgIAKAAAAACgAAAAoAAAAZAAAAGQAAAAAAAAAzMzMAAAAAABQAAAAUAAAAGQAAABkAAAAAAAAABcAAAAUAAAAAAAAAAAAAAD/fwAA/38AAAAAAAAJAAAABAAAAAAAAAAMAAAAEAAAAAAAAAAAAAAAAAAAAAAAAAAeAAAAaAAAAAAAAAAAAAAAAAAAAAAAAAAAAAAAECcAABAnAAAAAAAAAAAAAAAAAAAAAAAAAAAAAAAAAAAAAAAAAAAAABQAAAAAAAAAwMD/AAAAAABkAAAAMgAAAAAAAABkAAAAAAAAAH9/fwAKAAAAHwAAAFQAAAAAAAAFAAAAAQAAAAAAAAAAAAAAAAAAAAAAAAAAAAAAAAAAAAAAAAAAAAAAAn9/fwAAAAADzMzMAMDA/wB/f38AAAAAAAAAAAAAAAAAAAAAAAAAAAAhAAAAGAAAABQAAADQAgAAGycAAPAPAABZKQAAEAAAACYAAAAIAAAAAAAAAAAAAAA="/>
               </a:ext>
             </a:extLst>
           </p:cNvSpPr>
@@ -361,7 +361,7 @@
           <a:lstStyle/>
           <a:p>
             <a:pPr/>
-            <a:fld id="{3F6CDAEA-A4D2-392C-9CD4-5279949A6A07}" type="datetime1">
+            <a:fld id="{3F1208C0-8ED2-47FE-9CAA-78AB46E46A2D}" type="datetime1">
               <a:t/>
             </a:fld>
           </a:p>
@@ -374,7 +374,7 @@
             <a:spLocks noGrp="1" noChangeArrowheads="1"/>
             <a:extLst>
               <a:ext uri="smNativeData">
-                <pr:smNativeData xmlns:pr="smNativeData" val="SMDATA_13_lv/SZRMAAAAlAAAAZAAAAA8BAAAAkAAAAEgAAACQAAAASAAAAAAAAAABAAAAAAAAAAEAAABQAAAAAAAAAAAA4D8AAAAAAADgPwAAAAAAAOA/AAAAAAAA4D8AAAAAAADgPwAAAAAAAOA/AAAAAAAA4D8AAAAAAADgPwAAAAAAAOA/AAAAAAAA4D8CAAAAjAAAAAAAAAAAAAAAu+DjDP///wgAAAAAAAAAAAAAAAAAAAAAAAAAAAAAAAAAAAAAZAAAAAEAAABAAAAAAAAAAAAAAAAAAAAAAAAAAAAAAAAAAAAAAAAAAAAAAAAAAAAAAAAAAAAAAAAAAAAAAAAAAAAAAAAAAAAAAAAAAAAAAAAAAAAAAAAAAAAAAAAAAAAAFAAAADwAAAAAAAAAAAAAAAAAAAkUAAAAAQAAABQAAAAUAAAAFAAAAAEAAAAAAAAAZAAAAGQAAAAAAAAAZAAAAGQAAAAVAAAAYAAAAAAAAAAAAAAADwAAACADAAAAAAAAAAAAAAEAAACgMgAAVgcAAKr4//8BAAAAf39/AAEAAABkAAAAAAAAABQAAABAHwAAAAAAACYAAAAAAAAAwOD//wAAAAAmAAAAZAAAABYAAABMAAAAAAAAAAAAAAAEAAAAAAAAAAEAAACAgIAKAAAAACgAAAAoAAAAZAAAAGQAAAAAAAAAzMzMAAAAAABQAAAAUAAAAGQAAABkAAAAAAAAABcAAAAUAAAAAAAAAAAAAAD/fwAA/38AAAAAAAAJAAAABAAAAAAAAAAMAAAAEAAAAAAAAAAAAAAAAAAAAAAAAAAeAAAAaAAAAAAAAAAAAAAAAAAAAAAAAAAAAAAAECcAABAnAAAAAAAAAAAAAAAAAAAAAAAAAAAAAAAAAAAAAAAAAAAAABQAAAAAAAAAwMD/AAAAAABkAAAAMgAAAAAAAABkAAAAAAAAAH9/fwAKAAAAHwAAAFQAAAAAAAAFAAAAAQAAAAAAAAAAAAAAAAAAAAAAAAAAAAAAAAAAAAAAAAAAAAAAAn9/fwAAAAADzMzMAMDA/wB/f38AAAAAAAAAAAAAAAAAAAAAAAAAAAAhAAAAGAAAABQAAAA4EwAAGycAAAglAABZKQAAEAAAACYAAAAIAAAAAAAAAAAAAAA="/>
+                <pr:smNativeData xmlns:pr="smNativeData" val="SMDATA_13_of3fZRMAAAAlAAAAZAAAAA8BAAAAkAAAAEgAAACQAAAASAAAAAAAAAABAAAAAAAAAAEAAABQAAAAAAAAAAAA4D8AAAAAAADgPwAAAAAAAOA/AAAAAAAA4D8AAAAAAADgPwAAAAAAAOA/AAAAAAAA4D8AAAAAAADgPwAAAAAAAOA/AAAAAAAA4D8CAAAAjAAAAAAAAAAAAAAAu+DjDP///wgAAAAAAAAAAAAAAAAAAAAAAAAAAAAAAAAAAAAAZAAAAAEAAABAAAAAAAAAAAAAAAAAAAAAAAAAAAAAAAAAAAAAAAAAAAAAAAAAAAAAAAAAAAAAAAAAAAAAAAAAAAAAAAAAAAAAAAAAAAAAAAAAAAAAAAAAAAAAAAAAAAAAFAAAADwAAAAAAAAAAAAAAAAAAAkUAAAAAQAAABQAAAAUAAAAFAAAAAEAAAAAAAAAZAAAAGQAAAAAAAAAZAAAAGQAAAAVAAAAYAAAAAAAAAAAAAAADwAAACADAAAAAAAAAAAAAAEAAACgMgAAVgcAAKr4//8BAAAAf39/AAEAAABkAAAAAAAAABQAAABAHwAAAAAAACYAAAAAAAAAwOD//wAAAAAmAAAAZAAAABYAAABMAAAAAAAAAAAAAAAEAAAAAAAAAAEAAACAgIAKAAAAACgAAAAoAAAAZAAAAGQAAAAAAAAAzMzMAAAAAABQAAAAUAAAAGQAAABkAAAAAAAAABcAAAAUAAAAAAAAAAAAAAD/fwAA/38AAAAAAAAJAAAABAAAAAAAAAAMAAAAEAAAAAAAAAAAAAAAAAAAAAAAAAAeAAAAaAAAAAAAAAAAAAAAAAAAAAAAAAAAAAAAECcAABAnAAAAAAAAAAAAAAAAAAAAAAAAAAAAAAAAAAAAAAAAAAAAABQAAAAAAAAAwMD/AAAAAABkAAAAMgAAAAAAAABkAAAAAAAAAH9/fwAKAAAAHwAAAFQAAAAAAAAFAAAAAQAAAAAAAAAAAAAAAAAAAAAAAAAAAAAAAAAAAAAAAAAAAAAAAn9/fwAAAAADzMzMAMDA/wB/f38AAAAAAAAAAAAAAAAAAAAAAAAAAAAhAAAAGAAAABQAAAA4EwAAGycAAAglAABZKQAAEAAAACYAAAAIAAAAAAAAAAAAAAA="/>
               </a:ext>
             </a:extLst>
           </p:cNvSpPr>
@@ -398,7 +398,7 @@
             <a:spLocks noGrp="1" noChangeArrowheads="1"/>
             <a:extLst>
               <a:ext uri="smNativeData">
-                <pr:smNativeData xmlns:pr="smNativeData" val="SMDATA_13_lv/SZRMAAAAlAAAAZAAAAA8BAAAAkAAAAEgAAACQAAAASAAAAAAAAAABAAAAAAAAAAEAAABQAAAAAAAAAAAA4D8AAAAAAADgPwAAAAAAAOA/AAAAAAAA4D8AAAAAAADgPwAAAAAAAOA/AAAAAAAA4D8AAAAAAADgPwAAAAAAAOA/AAAAAAAA4D8CAAAAjAAAAAAAAAAAAAAAu+DjDP///wgAAAAAAAAAAAAAAAAAAAAAAAAAAAAAAAAAAAAAZAAAAAEAAABAAAAAAAAAAAAAAAAAAAAAAAAAAAAAAAAAAAAAAAAAAAAAAAAAAAAAAAAAAAAAAAAAAAAAAAAAAAAAAAAAAAAAAAAAAAAAAAAAAAAAAAAAAAAAAAAAAAAAFAAAADwAAAAAAAAAAAAAAAAAAAkUAAAAAQAAABQAAAAUAAAAFAAAAAEAAAAAAAAAZAAAAGQAAAAAAAAAZAAAAGQAAAAVAAAAYAAAAAAAAAAAAAAADwAAACADAAAAAAAAAAAAAAEAAACgMgAAVgcAAKr4//8BAAAAf39/AAEAAABkAAAAAAAAABQAAABAHwAAAAAAACYAAAAAAAAAwOD//wAAAAAmAAAAZAAAABYAAABMAAAAAAAAAAAAAAAEAAAAAAAAAAEAAACAgIAKAAAAACgAAAAoAAAAZAAAAGQAAAAAAAAAzMzMAAAAAABQAAAAUAAAAGQAAABkAAAAAAAAABcAAAAUAAAAAAAAAAAAAAD/fwAA/38AAAAAAAAJAAAABAAAAAAAAAAMAAAAEAAAAAAAAAAAAAAAAAAAAAAAAAAeAAAAaAAAAAAAAAAAAAAAAAAAAAAAAAAAAAAAECcAABAnAAAAAAAAAAAAAAAAAAAAAAAAAAAAAAAAAAAAAAAAAAAAABQAAAAAAAAAwMD/AAAAAABkAAAAMgAAAAAAAABkAAAAAAAAAH9/fwAKAAAAHwAAAFQAAAAAAAAFAAAAAQAAAAAAAAAAAAAAAAAAAAAAAAAAAAAAAAAAAAAAAAAAAAAAAn9/fwAAAAADzMzMAMDA/wB/f38AAAAAAAAAAAAAAAAAAAAAAAAAAAAhAAAAGAAAABQAAABQKAAAGycAAHA1AABZKQAAEAAAACYAAAAIAAAAAAAAAAAAAAA="/>
+                <pr:smNativeData xmlns:pr="smNativeData" val="SMDATA_13_of3fZRMAAAAlAAAAZAAAAA8BAAAAkAAAAEgAAACQAAAASAAAAAAAAAABAAAAAAAAAAEAAABQAAAAAAAAAAAA4D8AAAAAAADgPwAAAAAAAOA/AAAAAAAA4D8AAAAAAADgPwAAAAAAAOA/AAAAAAAA4D8AAAAAAADgPwAAAAAAAOA/AAAAAAAA4D8CAAAAjAAAAAAAAAAAAAAAu+DjDP///wgAAAAAAAAAAAAAAAAAAAAAAAAAAAAAAAAAAAAAZAAAAAEAAABAAAAAAAAAAAAAAAAAAAAAAAAAAAAAAAAAAAAAAAAAAAAAAAAAAAAAAAAAAAAAAAAAAAAAAAAAAAAAAAAAAAAAAAAAAAAAAAAAAAAAAAAAAAAAAAAAAAAAFAAAADwAAAAAAAAAAAAAAAAAAAkUAAAAAQAAABQAAAAUAAAAFAAAAAEAAAAAAAAAZAAAAGQAAAAAAAAAZAAAAGQAAAAVAAAAYAAAAAAAAAAAAAAADwAAACADAAAAAAAAAAAAAAEAAACgMgAAVgcAAKr4//8BAAAAf39/AAEAAABkAAAAAAAAABQAAABAHwAAAAAAACYAAAAAAAAAwOD//wAAAAAmAAAAZAAAABYAAABMAAAAAAAAAAAAAAAEAAAAAAAAAAEAAACAgIAKAAAAACgAAAAoAAAAZAAAAGQAAAAAAAAAzMzMAAAAAABQAAAAUAAAAGQAAABkAAAAAAAAABcAAAAUAAAAAAAAAAAAAAD/fwAA/38AAAAAAAAJAAAABAAAAAAAAAAMAAAAEAAAAAAAAAAAAAAAAAAAAAAAAAAeAAAAaAAAAAAAAAAAAAAAAAAAAAAAAAAAAAAAECcAABAnAAAAAAAAAAAAAAAAAAAAAAAAAAAAAAAAAAAAAAAAAAAAABQAAAAAAAAAwMD/AAAAAABkAAAAMgAAAAAAAABkAAAAAAAAAH9/fwAKAAAAHwAAAFQAAAAAAAAFAAAAAQAAAAAAAAAAAAAAAAAAAAAAAAAAAAAAAAAAAAAAAAAAAAAAAn9/fwAAAAADzMzMAMDA/wB/f38AAAAAAAAAAAAAAAAAAAAAAAAAAAAhAAAAGAAAABQAAABQKAAAGycAAHA1AABZKQAAEAAAACYAAAAIAAAAAAAAAAAAAAA="/>
               </a:ext>
             </a:extLst>
           </p:cNvSpPr>
@@ -412,7 +412,7 @@
           <a:lstStyle/>
           <a:p>
             <a:pPr/>
-            <a:fld id="{3F6CD614-5AD2-3920-9CD4-AC75989A6AF9}" type="slidenum">
+            <a:fld id="{3F121525-6BD2-47E3-9CAA-9DB65BE46AC8}" type="slidenum">
               <a:t/>
             </a:fld>
           </a:p>
@@ -450,7 +450,7 @@
             <a:spLocks noGrp="1" noChangeArrowheads="1"/>
             <a:extLst>
               <a:ext uri="smNativeData">
-                <pr:smNativeData xmlns:pr="smNativeData" val="SMDATA_13_lv/SZRMAAAAlAAAAZAAAAA8BAAAAkAAAAEgAAACQAAAASAAAAAAAAAABAAAAAAAAAAEAAABQAAAAAAAAAAAA4D8AAAAAAADgPwAAAAAAAOA/AAAAAAAA4D8AAAAAAADgPwAAAAAAAOA/AAAAAAAA4D8AAAAAAADgPwAAAAAAAOA/AAAAAAAA4D8CAAAAjAAAAAAAAAAAAAAAu+DjDP///wgAAAAAAAAAAAAAAAAAAAAAAAAAAAAAAAAAAAAAZAAAAAEAAABAAAAAAAAAAAAAAAAAAAAAAAAAAAAAAAAAAAAAAAAAAAAAAAAAAAAAAAAAAAAAAAAAAAAAAAAAAAAAAAAAAAAAAAAAAAAAAAAAAAAAAAAAAAAAAAAAAAAAFAAAADwAAAAAAAAAAAAAAAAAAAkUAAAAAQAAABQAAAAUAAAAFAAAAAEAAAAAAAAAZAAAAGQAAAAAAAAAZAAAAGQAAAAVAAAAYAAAAAAAAAAAAAAADwAAACADAAAAAAAAAAAAAAEAAACgMgAAVgcAAKr4//8BAAAAf39/AAEAAABkAAAAAAAAABQAAABAHwAAAAAAACYAAAAAAAAAwOD//wAAAAAmAAAAZAAAABYAAABMAAAAAAAAAAAAAAAEAAAAAAAAAAEAAACAgIAKAAAAACgAAAAoAAAAZAAAAGQAAAAAAAAAzMzMAAAAAABQAAAAUAAAAGQAAABkAAAAAAAAABcAAAAUAAAAAAAAAAAAAAD/fwAA/38AAAAAAAAJAAAABAAAAAAAAAAMAAAAEAAAAAAAAAAAAAAAAAAAAAAAAAAeAAAAaAAAAAAAAAAAAAAAAAAAAAAAAAAAAAAAECcAABAnAAAAAAAAAAAAAAAAAAAAAAAAAAAAAAAAAAAAAAAAAAAAABQAAAAAAAAAwMD/AAAAAABkAAAAMgAAAAAAAABkAAAAAAAAAH9/fwAKAAAAHwAAAFQAAAAAAAAFAAAAAQAAAAAAAAAAAAAAAAAAAAAAAAAAAAAAAAAAAAAAAAAAAAAAAn9/fwAAAAADzMzMAMDA/wB/f38AAAAAAAAAAAAAAAAAAAAAAAAAAAAhAAAAGAAAABQAAADQAgAAsAEAAHA1AAC4CAAAEAAAACYAAAAIAAAAAAAAAAAAAAA="/>
+                <pr:smNativeData xmlns:pr="smNativeData" val="SMDATA_13_of3fZRMAAAAlAAAAZAAAAA8BAAAAkAAAAEgAAACQAAAASAAAAAAAAAABAAAAAAAAAAEAAABQAAAAAAAAAAAA4D8AAAAAAADgPwAAAAAAAOA/AAAAAAAA4D8AAAAAAADgPwAAAAAAAOA/AAAAAAAA4D8AAAAAAADgPwAAAAAAAOA/AAAAAAAA4D8CAAAAjAAAAAAAAAAAAAAAu+DjDP///wgAAAAAAAAAAAAAAAAAAAAAAAAAAAAAAAAAAAAAZAAAAAEAAABAAAAAAAAAAAAAAAAAAAAAAAAAAAAAAAAAAAAAAAAAAAAAAAAAAAAAAAAAAAAAAAAAAAAAAAAAAAAAAAAAAAAAAAAAAAAAAAAAAAAAAAAAAAAAAAAAAAAAFAAAADwAAAAAAAAAAAAAAAAAAAkUAAAAAQAAABQAAAAUAAAAFAAAAAEAAAAAAAAAZAAAAGQAAAAAAAAAZAAAAGQAAAAVAAAAYAAAAAAAAAAAAAAADwAAACADAAAAAAAAAAAAAAEAAACgMgAAVgcAAKr4//8BAAAAf39/AAEAAABkAAAAAAAAABQAAABAHwAAAAAAACYAAAAAAAAAwOD//wAAAAAmAAAAZAAAABYAAABMAAAAAAAAAAAAAAAEAAAAAAAAAAEAAACAgIAKAAAAACgAAAAoAAAAZAAAAGQAAAAAAAAAzMzMAAAAAABQAAAAUAAAAGQAAABkAAAAAAAAABcAAAAUAAAAAAAAAAAAAAD/fwAA/38AAAAAAAAJAAAABAAAAAAAAAAMAAAAEAAAAAAAAAAAAAAAAAAAAAAAAAAeAAAAaAAAAAAAAAAAAAAAAAAAAAAAAAAAAAAAECcAABAnAAAAAAAAAAAAAAAAAAAAAAAAAAAAAAAAAAAAAAAAAAAAABQAAAAAAAAAwMD/AAAAAABkAAAAMgAAAAAAAABkAAAAAAAAAH9/fwAKAAAAHwAAAFQAAAAAAAAFAAAAAQAAAAAAAAAAAAAAAAAAAAAAAAAAAAAAAAAAAAAAAAAAAAAAAn9/fwAAAAADzMzMAMDA/wB/f38AAAAAAAAAAAAAAAAAAAAAAAAAAAAhAAAAGAAAABQAAADQAgAAsAEAAHA1AAC4CAAAEAAAACYAAAAIAAAAAAAAAAAAAAA="/>
               </a:ext>
             </a:extLst>
           </p:cNvSpPr>
@@ -477,7 +477,7 @@
             <a:spLocks noGrp="1" noChangeArrowheads="1"/>
             <a:extLst>
               <a:ext uri="smNativeData">
-                <pr:smNativeData xmlns:pr="smNativeData" val="SMDATA_13_lv/SZRMAAAAlAAAAZAAAAA8BAAAAkAAAAEgAAACQAAAASAAAAAAAAAAAAAAAAQAAAAEAAABQAAAAAAAAAAAA4D8AAAAAAADgPwAAAAAAAOA/AAAAAAAA4D8AAAAAAADgPwAAAAAAAOA/AAAAAAAA4D8AAAAAAADgPwAAAAAAAOA/AAAAAAAA4D8CAAAAjAAAAAAAAAAAAAAAu+DjDP///wgAAAAAAAAAAAAAAAAAAAAAAAAAAAAAAAAAAAAAZAAAAAEAAABAAAAAAAAAAAAAAAAAAAAAAAAAAAAAAAAAAAAAAAAAAAAAAAAAAAAAAAAAAAAAAAAAAAAAAAAAAAAAAAAAAAAAAAAAAAAAAAAAAAAAAAAAAAAAAAAAAAAAFAAAADwAAAAAAAAAAAAAAAAAAAkUAAAAAQAAABQAAAAUAAAAFAAAAAEAAAAAAAAAZAAAAGQAAAAAAAAAZAAAAGQAAAAVAAAAYAAAAAAAAAAAAAAADwAAACADAAAAAAAAAAAAAAEAAACgMgAAVgcAAKr4//8BAAAAf39/AAEAAABkAAAAAAAAABQAAABAHwAAAAAAACYAAAAAAAAAwOD//wAAAAAmAAAAZAAAABYAAABMAAAAAAAAAAAAAAAEAAAAAAAAAAEAAACAgIAKAAAAACgAAAAoAAAAZAAAAGQAAAAAAAAAzMzMAAAAAABQAAAAUAAAAGQAAABkAAAAAAAAABcAAAAUAAAAAAAAAAAAAAD/fwAA/38AAAAAAAAJAAAABAAAAAAAAAAMAAAAEAAAAAAAAAAAAAAAAAAAAAAAAAAeAAAAaAAAAAAAAAAAAAAAAAAAAAAAAAAAAAAAECcAABAnAAAAAAAAAAAAAAAAAAAAAAAAAAAAAAAAAAAAAAAAAAAAABQAAAAAAAAAwMD/AAAAAABkAAAAMgAAAAAAAABkAAAAAAAAAH9/fwAKAAAAHwAAAFQAAAAAAAAFAAAAAQAAAAAAAAAAAAAAAAAAAAAAAAAAAAAAAAAAAAAAAAAAAAAAAn9/fwAAAAADzMzMAMDA/wB/f38AAAAAAAAAAAAAAAAAAAAAAAAAAAAhAAAAGAAAABQAAADQAgAA2AkAAHA1AACwJQAAEAAAACYAAAAIAAAAAgAAAAAAAAA="/>
+                <pr:smNativeData xmlns:pr="smNativeData" val="SMDATA_13_of3fZRMAAAAlAAAAZAAAAA8BAAAAkAAAAEgAAACQAAAASAAAAAAAAAAAAAAAAQAAAAEAAABQAAAAAAAAAAAA4D8AAAAAAADgPwAAAAAAAOA/AAAAAAAA4D8AAAAAAADgPwAAAAAAAOA/AAAAAAAA4D8AAAAAAADgPwAAAAAAAOA/AAAAAAAA4D8CAAAAjAAAAAAAAAAAAAAAu+DjDP///wgAAAAAAAAAAAAAAAAAAAAAAAAAAAAAAAAAAAAAZAAAAAEAAABAAAAAAAAAAAAAAAAAAAAAAAAAAAAAAAAAAAAAAAAAAAAAAAAAAAAAAAAAAAAAAAAAAAAAAAAAAAAAAAAAAAAAAAAAAAAAAAAAAAAAAAAAAAAAAAAAAAAAFAAAADwAAAAAAAAAAAAAAAAAAAkUAAAAAQAAABQAAAAUAAAAFAAAAAEAAAAAAAAAZAAAAGQAAAAAAAAAZAAAAGQAAAAVAAAAYAAAAAAAAAAAAAAADwAAACADAAAAAAAAAAAAAAEAAACgMgAAVgcAAKr4//8BAAAAf39/AAEAAABkAAAAAAAAABQAAABAHwAAAAAAACYAAAAAAAAAwOD//wAAAAAmAAAAZAAAABYAAABMAAAAAAAAAAAAAAAEAAAAAAAAAAEAAACAgIAKAAAAACgAAAAoAAAAZAAAAGQAAAAAAAAAzMzMAAAAAABQAAAAUAAAAGQAAABkAAAAAAAAABcAAAAUAAAAAAAAAAAAAAD/fwAA/38AAAAAAAAJAAAABAAAAAAAAAAMAAAAEAAAAAAAAAAAAAAAAAAAAAAAAAAeAAAAaAAAAAAAAAAAAAAAAAAAAAAAAAAAAAAAECcAABAnAAAAAAAAAAAAAAAAAAAAAAAAAAAAAAAAAAAAAAAAAAAAABQAAAAAAAAAwMD/AAAAAABkAAAAMgAAAAAAAABkAAAAAAAAAH9/fwAKAAAAHwAAAFQAAAAAAAAFAAAAAQAAAAAAAAAAAAAAAAAAAAAAAAAAAAAAAAAAAAAAAAAAAAAAAn9/fwAAAAADzMzMAMDA/wB/f38AAAAAAAAAAAAAAAAAAAAAAAAAAAAhAAAAGAAAABQAAADQAgAA2AkAAHA1AACwJQAAEAAAACYAAAAIAAAAAgAAAAAAAAA="/>
               </a:ext>
             </a:extLst>
           </p:cNvSpPr>
@@ -532,7 +532,7 @@
             <a:spLocks noGrp="1" noChangeArrowheads="1"/>
             <a:extLst>
               <a:ext uri="smNativeData">
-                <pr:smNativeData xmlns:pr="smNativeData" val="SMDATA_13_lv/SZRMAAAAlAAAAZAAAAA8BAAAAkAAAAEgAAACQAAAASAAAAAAAAAABAAAAAAAAAAEAAABQAAAAAAAAAAAA4D8AAAAAAADgPwAAAAAAAOA/AAAAAAAA4D8AAAAAAADgPwAAAAAAAOA/AAAAAAAA4D8AAAAAAADgPwAAAAAAAOA/AAAAAAAA4D8CAAAAjAAAAAAAAAAAAAAAu+DjDP///wgAAAAAAAAAAAAAAAAAAAAAAAAAAAAAAAAAAAAAZAAAAAEAAABAAAAAAAAAAAAAAAAAAAAAAAAAAAAAAAAAAAAAAAAAAAAAAAAAAAAAAAAAAAAAAAAAAAAAAAAAAAAAAAAAAAAAAAAAAAAAAAAAAAAAAAAAAAAAAAAAAAAAFAAAADwAAAAAAAAAAAAAAAAAAAkUAAAAAQAAABQAAAAUAAAAFAAAAAEAAAAAAAAAZAAAAGQAAAAAAAAAZAAAAGQAAAAVAAAAYAAAAAAAAAAAAAAADwAAACADAAAAAAAAAAAAAAEAAACgMgAAVgcAAKr4//8BAAAAf39/AAEAAABkAAAAAAAAABQAAABAHwAAAAAAACYAAAAAAAAAwOD//wAAAAAmAAAAZAAAABYAAABMAAAAAAAAAAAAAAAEAAAAAAAAAAEAAACAgIAKAAAAACgAAAAoAAAAZAAAAGQAAAAAAAAAzMzMAAAAAABQAAAAUAAAAGQAAABkAAAAAAAAABcAAAAUAAAAAAAAAAAAAAD/fwAA/38AAAAAAAAJAAAABAAAAAAAAAAMAAAAEAAAAAAAAAAAAAAAAAAAAAAAAAAeAAAAaAAAAAAAAAAAAAAAAAAAAAAAAAAAAAAAECcAABAnAAAAAAAAAAAAAAAAAAAAAAAAAAAAAAAAAAAAAAAAAAAAABQAAAAAAAAAwMD/AAAAAABkAAAAMgAAAAAAAABkAAAAAAAAAH9/fwAKAAAAHwAAAFQAAAAAAAAFAAAAAQAAAAAAAAAAAAAAAAAAAAAAAAAAAAAAAAAAAAAAAAAAAAAAAn9/fwAAAAADzMzMAMDA/wB/f38AAAAAAAAAAAAAAAAAAAAAAAAAAAAhAAAAGAAAABQAAADQAgAAGycAAPAPAABZKQAAEAAAACYAAAAIAAAAAAAAAAAAAAA="/>
+                <pr:smNativeData xmlns:pr="smNativeData" val="SMDATA_13_of3fZRMAAAAlAAAAZAAAAA8BAAAAkAAAAEgAAACQAAAASAAAAAAAAAABAAAAAAAAAAEAAABQAAAAAAAAAAAA4D8AAAAAAADgPwAAAAAAAOA/AAAAAAAA4D8AAAAAAADgPwAAAAAAAOA/AAAAAAAA4D8AAAAAAADgPwAAAAAAAOA/AAAAAAAA4D8CAAAAjAAAAAAAAAAAAAAAu+DjDP///wgAAAAAAAAAAAAAAAAAAAAAAAAAAAAAAAAAAAAAZAAAAAEAAABAAAAAAAAAAAAAAAAAAAAAAAAAAAAAAAAAAAAAAAAAAAAAAAAAAAAAAAAAAAAAAAAAAAAAAAAAAAAAAAAAAAAAAAAAAAAAAAAAAAAAAAAAAAAAAAAAAAAAFAAAADwAAAAAAAAAAAAAAAAAAAkUAAAAAQAAABQAAAAUAAAAFAAAAAEAAAAAAAAAZAAAAGQAAAAAAAAAZAAAAGQAAAAVAAAAYAAAAAAAAAAAAAAADwAAACADAAAAAAAAAAAAAAEAAACgMgAAVgcAAKr4//8BAAAAf39/AAEAAABkAAAAAAAAABQAAABAHwAAAAAAACYAAAAAAAAAwOD//wAAAAAmAAAAZAAAABYAAABMAAAAAAAAAAAAAAAEAAAAAAAAAAEAAACAgIAKAAAAACgAAAAoAAAAZAAAAGQAAAAAAAAAzMzMAAAAAABQAAAAUAAAAGQAAABkAAAAAAAAABcAAAAUAAAAAAAAAAAAAAD/fwAA/38AAAAAAAAJAAAABAAAAAAAAAAMAAAAEAAAAAAAAAAAAAAAAAAAAAAAAAAeAAAAaAAAAAAAAAAAAAAAAAAAAAAAAAAAAAAAECcAABAnAAAAAAAAAAAAAAAAAAAAAAAAAAAAAAAAAAAAAAAAAAAAABQAAAAAAAAAwMD/AAAAAABkAAAAMgAAAAAAAABkAAAAAAAAAH9/fwAKAAAAHwAAAFQAAAAAAAAFAAAAAQAAAAAAAAAAAAAAAAAAAAAAAAAAAAAAAAAAAAAAAAAAAAAAAn9/fwAAAAADzMzMAMDA/wB/f38AAAAAAAAAAAAAAAAAAAAAAAAAAAAhAAAAGAAAABQAAADQAgAAGycAAPAPAABZKQAAEAAAACYAAAAIAAAAAAAAAAAAAAA="/>
               </a:ext>
             </a:extLst>
           </p:cNvSpPr>
@@ -546,7 +546,7 @@
           <a:lstStyle/>
           <a:p>
             <a:pPr/>
-            <a:fld id="{3F6CF7AD-E3D2-3901-9CD4-1554B99A6A40}" type="datetime1">
+            <a:fld id="{3F1217A1-EFD2-47E1-9CAA-19B459E46A4C}" type="datetime1">
               <a:t/>
             </a:fld>
           </a:p>
@@ -559,7 +559,7 @@
             <a:spLocks noGrp="1" noChangeArrowheads="1"/>
             <a:extLst>
               <a:ext uri="smNativeData">
-                <pr:smNativeData xmlns:pr="smNativeData" val="SMDATA_13_lv/SZRMAAAAlAAAAZAAAAA8BAAAAkAAAAEgAAACQAAAASAAAAAAAAAABAAAAAAAAAAEAAABQAAAAAAAAAAAA4D8AAAAAAADgPwAAAAAAAOA/AAAAAAAA4D8AAAAAAADgPwAAAAAAAOA/AAAAAAAA4D8AAAAAAADgPwAAAAAAAOA/AAAAAAAA4D8CAAAAjAAAAAAAAAAAAAAAu+DjDP///wgAAAAAAAAAAAAAAAAAAAAAAAAAAAAAAAAAAAAAZAAAAAEAAABAAAAAAAAAAAAAAAAAAAAAAAAAAAAAAAAAAAAAAAAAAAAAAAAAAAAAAAAAAAAAAAAAAAAAAAAAAAAAAAAAAAAAAAAAAAAAAAAAAAAAAAAAAAAAAAAAAAAAFAAAADwAAAAAAAAAAAAAAAAAAAkUAAAAAQAAABQAAAAUAAAAFAAAAAEAAAAAAAAAZAAAAGQAAAAAAAAAZAAAAGQAAAAVAAAAYAAAAAAAAAAAAAAADwAAACADAAAAAAAAAAAAAAEAAACgMgAAVgcAAKr4//8BAAAAf39/AAEAAABkAAAAAAAAABQAAABAHwAAAAAAACYAAAAAAAAAwOD//wAAAAAmAAAAZAAAABYAAABMAAAAAAAAAAAAAAAEAAAAAAAAAAEAAACAgIAKAAAAACgAAAAoAAAAZAAAAGQAAAAAAAAAzMzMAAAAAABQAAAAUAAAAGQAAABkAAAAAAAAABcAAAAUAAAAAAAAAAAAAAD/fwAA/38AAAAAAAAJAAAABAAAAAAAAAAMAAAAEAAAAAAAAAAAAAAAAAAAAAAAAAAeAAAAaAAAAAAAAAAAAAAAAAAAAAAAAAAAAAAAECcAABAnAAAAAAAAAAAAAAAAAAAAAAAAAAAAAAAAAAAAAAAAAAAAABQAAAAAAAAAwMD/AAAAAABkAAAAMgAAAAAAAABkAAAAAAAAAH9/fwAKAAAAHwAAAFQAAAAAAAAFAAAAAQAAAAAAAAAAAAAAAAAAAAAAAAAAAAAAAAAAAAAAAAAAAAAAAn9/fwAAAAADzMzMAMDA/wB/f38AAAAAAAAAAAAAAAAAAAAAAAAAAAAhAAAAGAAAABQAAAA4EwAAGycAAAglAABZKQAAEAAAACYAAAAIAAAAAAAAAAAAAAA="/>
+                <pr:smNativeData xmlns:pr="smNativeData" val="SMDATA_13_of3fZRMAAAAlAAAAZAAAAA8BAAAAkAAAAEgAAACQAAAASAAAAAAAAAABAAAAAAAAAAEAAABQAAAAAAAAAAAA4D8AAAAAAADgPwAAAAAAAOA/AAAAAAAA4D8AAAAAAADgPwAAAAAAAOA/AAAAAAAA4D8AAAAAAADgPwAAAAAAAOA/AAAAAAAA4D8CAAAAjAAAAAAAAAAAAAAAu+DjDP///wgAAAAAAAAAAAAAAAAAAAAAAAAAAAAAAAAAAAAAZAAAAAEAAABAAAAAAAAAAAAAAAAAAAAAAAAAAAAAAAAAAAAAAAAAAAAAAAAAAAAAAAAAAAAAAAAAAAAAAAAAAAAAAAAAAAAAAAAAAAAAAAAAAAAAAAAAAAAAAAAAAAAAFAAAADwAAAAAAAAAAAAAAAAAAAkUAAAAAQAAABQAAAAUAAAAFAAAAAEAAAAAAAAAZAAAAGQAAAAAAAAAZAAAAGQAAAAVAAAAYAAAAAAAAAAAAAAADwAAACADAAAAAAAAAAAAAAEAAACgMgAAVgcAAKr4//8BAAAAf39/AAEAAABkAAAAAAAAABQAAABAHwAAAAAAACYAAAAAAAAAwOD//wAAAAAmAAAAZAAAABYAAABMAAAAAAAAAAAAAAAEAAAAAAAAAAEAAACAgIAKAAAAACgAAAAoAAAAZAAAAGQAAAAAAAAAzMzMAAAAAABQAAAAUAAAAGQAAABkAAAAAAAAABcAAAAUAAAAAAAAAAAAAAD/fwAA/38AAAAAAAAJAAAABAAAAAAAAAAMAAAAEAAAAAAAAAAAAAAAAAAAAAAAAAAeAAAAaAAAAAAAAAAAAAAAAAAAAAAAAAAAAAAAECcAABAnAAAAAAAAAAAAAAAAAAAAAAAAAAAAAAAAAAAAAAAAAAAAABQAAAAAAAAAwMD/AAAAAABkAAAAMgAAAAAAAABkAAAAAAAAAH9/fwAKAAAAHwAAAFQAAAAAAAAFAAAAAQAAAAAAAAAAAAAAAAAAAAAAAAAAAAAAAAAAAAAAAAAAAAAAAn9/fwAAAAADzMzMAMDA/wB/f38AAAAAAAAAAAAAAAAAAAAAAAAAAAAhAAAAGAAAABQAAAA4EwAAGycAAAglAABZKQAAEAAAACYAAAAIAAAAAAAAAAAAAAA="/>
               </a:ext>
             </a:extLst>
           </p:cNvSpPr>
@@ -583,7 +583,7 @@
             <a:spLocks noGrp="1" noChangeArrowheads="1"/>
             <a:extLst>
               <a:ext uri="smNativeData">
-                <pr:smNativeData xmlns:pr="smNativeData" val="SMDATA_13_lv/SZRMAAAAlAAAAZAAAAA8BAAAAkAAAAEgAAACQAAAASAAAAAAAAAABAAAAAAAAAAEAAABQAAAAAAAAAAAA4D8AAAAAAADgPwAAAAAAAOA/AAAAAAAA4D8AAAAAAADgPwAAAAAAAOA/AAAAAAAA4D8AAAAAAADgPwAAAAAAAOA/AAAAAAAA4D8CAAAAjAAAAAAAAAAAAAAAu+DjDP///wgAAAAAAAAAAAAAAAAAAAAAAAAAAAAAAAAAAAAAZAAAAAEAAABAAAAAAAAAAAAAAAAAAAAAAAAAAAAAAAAAAAAAAAAAAAAAAAAAAAAAAAAAAAAAAAAAAAAAAAAAAAAAAAAAAAAAAAAAAAAAAAAAAAAAAAAAAAAAAAAAAAAAFAAAADwAAAAAAAAAAAAAAAAAAAkUAAAAAQAAABQAAAAUAAAAFAAAAAEAAAAAAAAAZAAAAGQAAAAAAAAAZAAAAGQAAAAVAAAAYAAAAAAAAAAAAAAADwAAACADAAAAAAAAAAAAAAEAAACgMgAAVgcAAKr4//8BAAAAf39/AAEAAABkAAAAAAAAABQAAABAHwAAAAAAACYAAAAAAAAAwOD//wAAAAAmAAAAZAAAABYAAABMAAAAAAAAAAAAAAAEAAAAAAAAAAEAAACAgIAKAAAAACgAAAAoAAAAZAAAAGQAAAAAAAAAzMzMAAAAAABQAAAAUAAAAGQAAABkAAAAAAAAABcAAAAUAAAAAAAAAAAAAAD/fwAA/38AAAAAAAAJAAAABAAAAAAAAAAMAAAAEAAAAAAAAAAAAAAAAAAAAAAAAAAeAAAAaAAAAAAAAAAAAAAAAAAAAAAAAAAAAAAAECcAABAnAAAAAAAAAAAAAAAAAAAAAAAAAAAAAAAAAAAAAAAAAAAAABQAAAAAAAAAwMD/AAAAAABkAAAAMgAAAAAAAABkAAAAAAAAAH9/fwAKAAAAHwAAAFQAAAAAAAAFAAAAAQAAAAAAAAAAAAAAAAAAAAAAAAAAAAAAAAAAAAAAAAAAAAAAAn9/fwAAAAADzMzMAMDA/wB/f38AAAAAAAAAAAAAAAAAAAAAAAAAAAAhAAAAGAAAABQAAABQKAAAGycAAHA1AABZKQAAEAAAACYAAAAIAAAAAAAAAAAAAAA="/>
+                <pr:smNativeData xmlns:pr="smNativeData" val="SMDATA_13_of3fZRMAAAAlAAAAZAAAAA8BAAAAkAAAAEgAAACQAAAASAAAAAAAAAABAAAAAAAAAAEAAABQAAAAAAAAAAAA4D8AAAAAAADgPwAAAAAAAOA/AAAAAAAA4D8AAAAAAADgPwAAAAAAAOA/AAAAAAAA4D8AAAAAAADgPwAAAAAAAOA/AAAAAAAA4D8CAAAAjAAAAAAAAAAAAAAAu+DjDP///wgAAAAAAAAAAAAAAAAAAAAAAAAAAAAAAAAAAAAAZAAAAAEAAABAAAAAAAAAAAAAAAAAAAAAAAAAAAAAAAAAAAAAAAAAAAAAAAAAAAAAAAAAAAAAAAAAAAAAAAAAAAAAAAAAAAAAAAAAAAAAAAAAAAAAAAAAAAAAAAAAAAAAFAAAADwAAAAAAAAAAAAAAAAAAAkUAAAAAQAAABQAAAAUAAAAFAAAAAEAAAAAAAAAZAAAAGQAAAAAAAAAZAAAAGQAAAAVAAAAYAAAAAAAAAAAAAAADwAAACADAAAAAAAAAAAAAAEAAACgMgAAVgcAAKr4//8BAAAAf39/AAEAAABkAAAAAAAAABQAAABAHwAAAAAAACYAAAAAAAAAwOD//wAAAAAmAAAAZAAAABYAAABMAAAAAAAAAAAAAAAEAAAAAAAAAAEAAACAgIAKAAAAACgAAAAoAAAAZAAAAGQAAAAAAAAAzMzMAAAAAABQAAAAUAAAAGQAAABkAAAAAAAAABcAAAAUAAAAAAAAAAAAAAD/fwAA/38AAAAAAAAJAAAABAAAAAAAAAAMAAAAEAAAAAAAAAAAAAAAAAAAAAAAAAAeAAAAaAAAAAAAAAAAAAAAAAAAAAAAAAAAAAAAECcAABAnAAAAAAAAAAAAAAAAAAAAAAAAAAAAAAAAAAAAAAAAAAAAABQAAAAAAAAAwMD/AAAAAABkAAAAMgAAAAAAAABkAAAAAAAAAH9/fwAKAAAAHwAAAFQAAAAAAAAFAAAAAQAAAAAAAAAAAAAAAAAAAAAAAAAAAAAAAAAAAAAAAAAAAAAAAn9/fwAAAAADzMzMAMDA/wB/f38AAAAAAAAAAAAAAAAAAAAAAAAAAAAhAAAAGAAAABQAAABQKAAAGycAAHA1AABZKQAAEAAAACYAAAAIAAAAAAAAAAAAAAA="/>
               </a:ext>
             </a:extLst>
           </p:cNvSpPr>
@@ -597,7 +597,7 @@
           <a:lstStyle/>
           <a:p>
             <a:pPr/>
-            <a:fld id="{3F6CC62A-64D2-3930-9CD4-9265889A6AC7}" type="slidenum">
+            <a:fld id="{3F122780-CED2-47D1-9CAA-388469E46A6D}" type="slidenum">
               <a:t/>
             </a:fld>
           </a:p>
@@ -635,7 +635,7 @@
             <a:spLocks noGrp="1" noChangeArrowheads="1"/>
             <a:extLst>
               <a:ext uri="smNativeData">
-                <pr:smNativeData xmlns:pr="smNativeData" val="SMDATA_13_lv/SZRMAAAAlAAAAZAAAAA8BAAAAkAAAAEgAAACQAAAASAAAAAAAAAACAAAAAQAAAAEAAABQAAAAAAAAAAAA4D8AAAAAAADgPwAAAAAAAOA/AAAAAAAA4D8AAAAAAADgPwAAAAAAAOA/AAAAAAAA4D8AAAAAAADgPwAAAAAAAOA/AAAAAAAA4D8CAAAAjAAAAAAAAAAAAAAAu+DjDP///wgAAAAAAAAAAAAAAAAAAAAAAAAAAAAAAAAAAAAAZAAAAAEAAABAAAAAAAAAAAAAAAAAAAAAAAAAAAAAAAAAAAAAAAAAAAAAAAAAAAAAAAAAAAAAAAAAAAAAAAAAAAAAAAAAAAAAAAAAAAAAAAAAAAAAAAAAAAAAAAAAAAAAFAAAADwAAAAAAAAAAAAAAAAAAAkUAAAAAQAAABQAAAAUAAAAFAAAAAEAAAAAAAAAZAAAAGQAAAAAAAAAZAAAAGQAAAAVAAAAYAAAAAAAAAAAAAAADwAAACADAAAAAAAAAAAAAAEAAACgMgAAVgcAAKr4//8BAAAAf39/AAEAAABkAAAAAAAAABQAAABAHwAAAAAAACYAAAAAAAAAwOD//wAAAAAmAAAAZAAAABYAAABMAAAAAAAAAAAAAAAEAAAAAAAAAAEAAACAgIAKAAAAACgAAAAoAAAAZAAAAGQAAAAAAAAAzMzMAAAAAABQAAAAUAAAAGQAAABkAAAAAAAAABcAAAAUAAAAAAAAAAAAAAD/fwAA/38AAAAAAAAJAAAABAAAAAAAAAAMAAAAEAAAAAAAAAAAAAAAAAAAAAAAAAAeAAAAaAAAAAAAAAAAAAAAAAAAAAAAAAAAAAAAECcAABAnAAAAAAAAAAAAAAAAAAAAAAAAAAAAAAAAAAAAAAAAAAAAABQAAAAAAAAAwMD/AAAAAABkAAAAMgAAAAAAAABkAAAAAAAAAH9/fwAKAAAAHwAAAFQAAAAAAAAFAAAAAQAAAAAAAAAAAAAAAAAAAAAAAAAAAAAAAAAAAAAAAAAAAAAAAn9/fwAAAAADzMzMAMDA/wB/f38AAAAAAAAAAAAAAAAAAAAAAAAAAAAhAAAAGAAAABQAAADIKAAAsAEAAHA1AACwJQAAEAAAACYAAAAIAAAAgwAAAAAAAAA="/>
+                <pr:smNativeData xmlns:pr="smNativeData" val="SMDATA_13_of3fZRMAAAAlAAAAZAAAAA8BAAAAkAAAAEgAAACQAAAASAAAAAAAAAACAAAAAQAAAAEAAABQAAAAAAAAAAAA4D8AAAAAAADgPwAAAAAAAOA/AAAAAAAA4D8AAAAAAADgPwAAAAAAAOA/AAAAAAAA4D8AAAAAAADgPwAAAAAAAOA/AAAAAAAA4D8CAAAAjAAAAAAAAAAAAAAAu+DjDP///wgAAAAAAAAAAAAAAAAAAAAAAAAAAAAAAAAAAAAAZAAAAAEAAABAAAAAAAAAAAAAAAAAAAAAAAAAAAAAAAAAAAAAAAAAAAAAAAAAAAAAAAAAAAAAAAAAAAAAAAAAAAAAAAAAAAAAAAAAAAAAAAAAAAAAAAAAAAAAAAAAAAAAFAAAADwAAAAAAAAAAAAAAAAAAAkUAAAAAQAAABQAAAAUAAAAFAAAAAEAAAAAAAAAZAAAAGQAAAAAAAAAZAAAAGQAAAAVAAAAYAAAAAAAAAAAAAAADwAAACADAAAAAAAAAAAAAAEAAACgMgAAVgcAAKr4//8BAAAAf39/AAEAAABkAAAAAAAAABQAAABAHwAAAAAAACYAAAAAAAAAwOD//wAAAAAmAAAAZAAAABYAAABMAAAAAAAAAAAAAAAEAAAAAAAAAAEAAACAgIAKAAAAACgAAAAoAAAAZAAAAGQAAAAAAAAAzMzMAAAAAABQAAAAUAAAAGQAAABkAAAAAAAAABcAAAAUAAAAAAAAAAAAAAD/fwAA/38AAAAAAAAJAAAABAAAAAAAAAAMAAAAEAAAAAAAAAAAAAAAAAAAAAAAAAAeAAAAaAAAAAAAAAAAAAAAAAAAAAAAAAAAAAAAECcAABAnAAAAAAAAAAAAAAAAAAAAAAAAAAAAAAAAAAAAAAAAAAAAABQAAAAAAAAAwMD/AAAAAABkAAAAMgAAAAAAAABkAAAAAAAAAH9/fwAKAAAAHwAAAFQAAAAAAAAFAAAAAQAAAAAAAAAAAAAAAAAAAAAAAAAAAAAAAAAAAAAAAAAAAAAAAn9/fwAAAAADzMzMAMDA/wB/f38AAAAAAAAAAAAAAAAAAAAAAAAAAAAhAAAAGAAAABQAAADIKAAAsAEAAHA1AACwJQAAEAAAACYAAAAIAAAAgwAAAAAAAAA="/>
               </a:ext>
             </a:extLst>
           </p:cNvSpPr>
@@ -671,7 +671,7 @@
             <a:spLocks noGrp="1" noChangeArrowheads="1"/>
             <a:extLst>
               <a:ext uri="smNativeData">
-                <pr:smNativeData xmlns:pr="smNativeData" val="SMDATA_13_lv/SZRMAAAAlAAAAZAAAAA8BAAAAkAAAAEgAAACQAAAASAAAAAAAAAAAAAAAAQAAAAEAAABQAAAAAAAAAAAA4D8AAAAAAADgPwAAAAAAAOA/AAAAAAAA4D8AAAAAAADgPwAAAAAAAOA/AAAAAAAA4D8AAAAAAADgPwAAAAAAAOA/AAAAAAAA4D8CAAAAjAAAAAAAAAAAAAAAu+DjDP///wgAAAAAAAAAAAAAAAAAAAAAAAAAAAAAAAAAAAAAZAAAAAEAAABAAAAAAAAAAAAAAAAAAAAAAAAAAAAAAAAAAAAAAAAAAAAAAAAAAAAAAAAAAAAAAAAAAAAAAAAAAAAAAAAAAAAAAAAAAAAAAAAAAAAAAAAAAAAAAAAAAAAAFAAAADwAAAAAAAAAAAAAAAAAAAkUAAAAAQAAABQAAAAUAAAAFAAAAAEAAAAAAAAAZAAAAGQAAAAAAAAAZAAAAGQAAAAVAAAAYAAAAAAAAAAAAAAADwAAACADAAAAAAAAAAAAAAEAAACgMgAAVgcAAKr4//8BAAAAf39/AAEAAABkAAAAAAAAABQAAABAHwAAAAAAACYAAAAAAAAAwOD//wAAAAAmAAAAZAAAABYAAABMAAAAAAAAAAAAAAAEAAAAAAAAAAEAAACAgIAKAAAAACgAAAAoAAAAZAAAAGQAAAAAAAAAzMzMAAAAAABQAAAAUAAAAGQAAABkAAAAAAAAABcAAAAUAAAAAAAAAAAAAAD/fwAA/38AAAAAAAAJAAAABAAAAAAAAAAMAAAAEAAAAAAAAAAAAAAAAAAAAAAAAAAeAAAAaAAAAAAAAAAAAAAAAAAAAAAAAAAAAAAAECcAABAnAAAAAAAAAAAAAAAAAAAAAAAAAAAAAAAAAAAAAAAAAAAAABQAAAAAAAAAwMD/AAAAAABkAAAAMgAAAAAAAABkAAAAAAAAAH9/fwAKAAAAHwAAAFQAAAAAAAAFAAAAAQAAAAAAAAAAAAAAAAAAAAAAAAAAAAAAAAAAAAAAAAAAAAAAAn9/fwAAAAADzMzMAMDA/wB/f38AAAAAAAAAAAAAAAAAAAAAAAAAAAAhAAAAGAAAABQAAADQAgAAsAEAANgnAACwJQAAEAAAACYAAAAIAAAAAwAAAAAAAAA="/>
+                <pr:smNativeData xmlns:pr="smNativeData" val="SMDATA_13_of3fZRMAAAAlAAAAZAAAAA8BAAAAkAAAAEgAAACQAAAASAAAAAAAAAAAAAAAAQAAAAEAAABQAAAAAAAAAAAA4D8AAAAAAADgPwAAAAAAAOA/AAAAAAAA4D8AAAAAAADgPwAAAAAAAOA/AAAAAAAA4D8AAAAAAADgPwAAAAAAAOA/AAAAAAAA4D8CAAAAjAAAAAAAAAAAAAAAu+DjDP///wgAAAAAAAAAAAAAAAAAAAAAAAAAAAAAAAAAAAAAZAAAAAEAAABAAAAAAAAAAAAAAAAAAAAAAAAAAAAAAAAAAAAAAAAAAAAAAAAAAAAAAAAAAAAAAAAAAAAAAAAAAAAAAAAAAAAAAAAAAAAAAAAAAAAAAAAAAAAAAAAAAAAAFAAAADwAAAAAAAAAAAAAAAAAAAkUAAAAAQAAABQAAAAUAAAAFAAAAAEAAAAAAAAAZAAAAGQAAAAAAAAAZAAAAGQAAAAVAAAAYAAAAAAAAAAAAAAADwAAACADAAAAAAAAAAAAAAEAAACgMgAAVgcAAKr4//8BAAAAf39/AAEAAABkAAAAAAAAABQAAABAHwAAAAAAACYAAAAAAAAAwOD//wAAAAAmAAAAZAAAABYAAABMAAAAAAAAAAAAAAAEAAAAAAAAAAEAAACAgIAKAAAAACgAAAAoAAAAZAAAAGQAAAAAAAAAzMzMAAAAAABQAAAAUAAAAGQAAABkAAAAAAAAABcAAAAUAAAAAAAAAAAAAAD/fwAA/38AAAAAAAAJAAAABAAAAAAAAAAMAAAAEAAAAAAAAAAAAAAAAAAAAAAAAAAeAAAAaAAAAAAAAAAAAAAAAAAAAAAAAAAAAAAAECcAABAnAAAAAAAAAAAAAAAAAAAAAAAAAAAAAAAAAAAAAAAAAAAAABQAAAAAAAAAwMD/AAAAAABkAAAAMgAAAAAAAABkAAAAAAAAAH9/fwAKAAAAHwAAAFQAAAAAAAAFAAAAAQAAAAAAAAAAAAAAAAAAAAAAAAAAAAAAAAAAAAAAAAAAAAAAAn9/fwAAAAADzMzMAMDA/wB/f38AAAAAAAAAAAAAAAAAAAAAAAAAAAAhAAAAGAAAABQAAADQAgAAsAEAANgnAACwJQAAEAAAACYAAAAIAAAAAwAAAAAAAAA="/>
               </a:ext>
             </a:extLst>
           </p:cNvSpPr>
@@ -731,7 +731,7 @@
             <a:spLocks noGrp="1" noChangeArrowheads="1"/>
             <a:extLst>
               <a:ext uri="smNativeData">
-                <pr:smNativeData xmlns:pr="smNativeData" val="SMDATA_13_lv/SZRMAAAAlAAAAZAAAAA8BAAAAkAAAAEgAAACQAAAASAAAAAAAAAABAAAAAAAAAAEAAABQAAAAAAAAAAAA4D8AAAAAAADgPwAAAAAAAOA/AAAAAAAA4D8AAAAAAADgPwAAAAAAAOA/AAAAAAAA4D8AAAAAAADgPwAAAAAAAOA/AAAAAAAA4D8CAAAAjAAAAAAAAAAAAAAAu+DjDP///wgAAAAAAAAAAAAAAAAAAAAAAAAAAAAAAAAAAAAAZAAAAAEAAABAAAAAAAAAAAAAAAAAAAAAAAAAAAAAAAAAAAAAAAAAAAAAAAAAAAAAAAAAAAAAAAAAAAAAAAAAAAAAAAAAAAAAAAAAAAAAAAAAAAAAAAAAAAAAAAAAAAAAFAAAADwAAAAAAAAAAAAAAAAAAAkUAAAAAQAAABQAAAAUAAAAFAAAAAEAAAAAAAAAZAAAAGQAAAAAAAAAZAAAAGQAAAAVAAAAYAAAAAAAAAAAAAAADwAAACADAAAAAAAAAAAAAAEAAACgMgAAVgcAAKr4//8BAAAAf39/AAEAAABkAAAAAAAAABQAAABAHwAAAAAAACYAAAAAAAAAwOD//wAAAAAmAAAAZAAAABYAAABMAAAAAAAAAAAAAAAEAAAAAAAAAAEAAACAgIAKAAAAACgAAAAoAAAAZAAAAGQAAAAAAAAAzMzMAAAAAABQAAAAUAAAAGQAAABkAAAAAAAAABcAAAAUAAAAAAAAAAAAAAD/fwAA/38AAAAAAAAJAAAABAAAAAAAAAAMAAAAEAAAAAAAAAAAAAAAAAAAAAAAAAAeAAAAaAAAAAAAAAAAAAAAAAAAAAAAAAAAAAAAECcAABAnAAAAAAAAAAAAAAAAAAAAAAAAAAAAAAAAAAAAAAAAAAAAABQAAAAAAAAAwMD/AAAAAABkAAAAMgAAAAAAAABkAAAAAAAAAH9/fwAKAAAAHwAAAFQAAAAAAAAFAAAAAQAAAAAAAAAAAAAAAAAAAAAAAAAAAAAAAAAAAAAAAAAAAAAAAn9/fwAAAAADzMzMAMDA/wB/f38AAAAAAAAAAAAAAAAAAAAAAAAAAAAhAAAAGAAAABQAAADQAgAAGycAAPAPAABZKQAAEAAAACYAAAAIAAAAAAAAAAAAAAA="/>
+                <pr:smNativeData xmlns:pr="smNativeData" val="SMDATA_13_of3fZRMAAAAlAAAAZAAAAA8BAAAAkAAAAEgAAACQAAAASAAAAAAAAAABAAAAAAAAAAEAAABQAAAAAAAAAAAA4D8AAAAAAADgPwAAAAAAAOA/AAAAAAAA4D8AAAAAAADgPwAAAAAAAOA/AAAAAAAA4D8AAAAAAADgPwAAAAAAAOA/AAAAAAAA4D8CAAAAjAAAAAAAAAAAAAAAu+DjDP///wgAAAAAAAAAAAAAAAAAAAAAAAAAAAAAAAAAAAAAZAAAAAEAAABAAAAAAAAAAAAAAAAAAAAAAAAAAAAAAAAAAAAAAAAAAAAAAAAAAAAAAAAAAAAAAAAAAAAAAAAAAAAAAAAAAAAAAAAAAAAAAAAAAAAAAAAAAAAAAAAAAAAAFAAAADwAAAAAAAAAAAAAAAAAAAkUAAAAAQAAABQAAAAUAAAAFAAAAAEAAAAAAAAAZAAAAGQAAAAAAAAAZAAAAGQAAAAVAAAAYAAAAAAAAAAAAAAADwAAACADAAAAAAAAAAAAAAEAAACgMgAAVgcAAKr4//8BAAAAf39/AAEAAABkAAAAAAAAABQAAABAHwAAAAAAACYAAAAAAAAAwOD//wAAAAAmAAAAZAAAABYAAABMAAAAAAAAAAAAAAAEAAAAAAAAAAEAAACAgIAKAAAAACgAAAAoAAAAZAAAAGQAAAAAAAAAzMzMAAAAAABQAAAAUAAAAGQAAABkAAAAAAAAABcAAAAUAAAAAAAAAAAAAAD/fwAA/38AAAAAAAAJAAAABAAAAAAAAAAMAAAAEAAAAAAAAAAAAAAAAAAAAAAAAAAeAAAAaAAAAAAAAAAAAAAAAAAAAAAAAAAAAAAAECcAABAnAAAAAAAAAAAAAAAAAAAAAAAAAAAAAAAAAAAAAAAAAAAAABQAAAAAAAAAwMD/AAAAAABkAAAAMgAAAAAAAABkAAAAAAAAAH9/fwAKAAAAHwAAAFQAAAAAAAAFAAAAAQAAAAAAAAAAAAAAAAAAAAAAAAAAAAAAAAAAAAAAAAAAAAAAAn9/fwAAAAADzMzMAMDA/wB/f38AAAAAAAAAAAAAAAAAAAAAAAAAAAAhAAAAGAAAABQAAADQAgAAGycAAPAPAABZKQAAEAAAACYAAAAIAAAAAAAAAAAAAAA="/>
               </a:ext>
             </a:extLst>
           </p:cNvSpPr>
@@ -745,7 +745,7 @@
           <a:lstStyle/>
           <a:p>
             <a:pPr/>
-            <a:fld id="{3F6CE754-1AD2-3911-9CD4-EC44A99A6AB9}" type="datetime1">
+            <a:fld id="{3F127B22-6CD2-478D-9CAA-9AD835E46ACF}" type="datetime1">
               <a:t/>
             </a:fld>
           </a:p>
@@ -758,7 +758,7 @@
             <a:spLocks noGrp="1" noChangeArrowheads="1"/>
             <a:extLst>
               <a:ext uri="smNativeData">
-                <pr:smNativeData xmlns:pr="smNativeData" val="SMDATA_13_lv/SZRMAAAAlAAAAZAAAAA8BAAAAkAAAAEgAAACQAAAASAAAAAAAAAABAAAAAAAAAAEAAABQAAAAAAAAAAAA4D8AAAAAAADgPwAAAAAAAOA/AAAAAAAA4D8AAAAAAADgPwAAAAAAAOA/AAAAAAAA4D8AAAAAAADgPwAAAAAAAOA/AAAAAAAA4D8CAAAAjAAAAAAAAAAAAAAAu+DjDP///wgAAAAAAAAAAAAAAAAAAAAAAAAAAAAAAAAAAAAAZAAAAAEAAABAAAAAAAAAAAAAAAAAAAAAAAAAAAAAAAAAAAAAAAAAAAAAAAAAAAAAAAAAAAAAAAAAAAAAAAAAAAAAAAAAAAAAAAAAAAAAAAAAAAAAAAAAAAAAAAAAAAAAFAAAADwAAAAAAAAAAAAAAAAAAAkUAAAAAQAAABQAAAAUAAAAFAAAAAEAAAAAAAAAZAAAAGQAAAAAAAAAZAAAAGQAAAAVAAAAYAAAAAAAAAAAAAAADwAAACADAAAAAAAAAAAAAAEAAACgMgAAVgcAAKr4//8BAAAAf39/AAEAAABkAAAAAAAAABQAAABAHwAAAAAAACYAAAAAAAAAwOD//wAAAAAmAAAAZAAAABYAAABMAAAAAAAAAAAAAAAEAAAAAAAAAAEAAACAgIAKAAAAACgAAAAoAAAAZAAAAGQAAAAAAAAAzMzMAAAAAABQAAAAUAAAAGQAAABkAAAAAAAAABcAAAAUAAAAAAAAAAAAAAD/fwAA/38AAAAAAAAJAAAABAAAAAAAAAAMAAAAEAAAAAAAAAAAAAAAAAAAAAAAAAAeAAAAaAAAAAAAAAAAAAAAAAAAAAAAAAAAAAAAECcAABAnAAAAAAAAAAAAAAAAAAAAAAAAAAAAAAAAAAAAAAAAAAAAABQAAAAAAAAAwMD/AAAAAABkAAAAMgAAAAAAAABkAAAAAAAAAH9/fwAKAAAAHwAAAFQAAAAAAAAFAAAAAQAAAAAAAAAAAAAAAAAAAAAAAAAAAAAAAAAAAAAAAAAAAAAAAn9/fwAAAAADzMzMAMDA/wB/f38AAAAAAAAAAAAAAAAAAAAAAAAAAAAhAAAAGAAAABQAAAA4EwAAGycAAAglAABZKQAAEAAAACYAAAAIAAAAAAAAAAAAAAA="/>
+                <pr:smNativeData xmlns:pr="smNativeData" val="SMDATA_13_of3fZRMAAAAlAAAAZAAAAA8BAAAAkAAAAEgAAACQAAAASAAAAAAAAAABAAAAAAAAAAEAAABQAAAAAAAAAAAA4D8AAAAAAADgPwAAAAAAAOA/AAAAAAAA4D8AAAAAAADgPwAAAAAAAOA/AAAAAAAA4D8AAAAAAADgPwAAAAAAAOA/AAAAAAAA4D8CAAAAjAAAAAAAAAAAAAAAu+DjDP///wgAAAAAAAAAAAAAAAAAAAAAAAAAAAAAAAAAAAAAZAAAAAEAAABAAAAAAAAAAAAAAAAAAAAAAAAAAAAAAAAAAAAAAAAAAAAAAAAAAAAAAAAAAAAAAAAAAAAAAAAAAAAAAAAAAAAAAAAAAAAAAAAAAAAAAAAAAAAAAAAAAAAAFAAAADwAAAAAAAAAAAAAAAAAAAkUAAAAAQAAABQAAAAUAAAAFAAAAAEAAAAAAAAAZAAAAGQAAAAAAAAAZAAAAGQAAAAVAAAAYAAAAAAAAAAAAAAADwAAACADAAAAAAAAAAAAAAEAAACgMgAAVgcAAKr4//8BAAAAf39/AAEAAABkAAAAAAAAABQAAABAHwAAAAAAACYAAAAAAAAAwOD//wAAAAAmAAAAZAAAABYAAABMAAAAAAAAAAAAAAAEAAAAAAAAAAEAAACAgIAKAAAAACgAAAAoAAAAZAAAAGQAAAAAAAAAzMzMAAAAAABQAAAAUAAAAGQAAABkAAAAAAAAABcAAAAUAAAAAAAAAAAAAAD/fwAA/38AAAAAAAAJAAAABAAAAAAAAAAMAAAAEAAAAAAAAAAAAAAAAAAAAAAAAAAeAAAAaAAAAAAAAAAAAAAAAAAAAAAAAAAAAAAAECcAABAnAAAAAAAAAAAAAAAAAAAAAAAAAAAAAAAAAAAAAAAAAAAAABQAAAAAAAAAwMD/AAAAAABkAAAAMgAAAAAAAABkAAAAAAAAAH9/fwAKAAAAHwAAAFQAAAAAAAAFAAAAAQAAAAAAAAAAAAAAAAAAAAAAAAAAAAAAAAAAAAAAAAAAAAAAAn9/fwAAAAADzMzMAMDA/wB/f38AAAAAAAAAAAAAAAAAAAAAAAAAAAAhAAAAGAAAABQAAAA4EwAAGycAAAglAABZKQAAEAAAACYAAAAIAAAAAAAAAAAAAAA="/>
               </a:ext>
             </a:extLst>
           </p:cNvSpPr>
@@ -782,7 +782,7 @@
             <a:spLocks noGrp="1" noChangeArrowheads="1"/>
             <a:extLst>
               <a:ext uri="smNativeData">
-                <pr:smNativeData xmlns:pr="smNativeData" val="SMDATA_13_lv/SZRMAAAAlAAAAZAAAAA8BAAAAkAAAAEgAAACQAAAASAAAAAAAAAABAAAAAAAAAAEAAABQAAAAAAAAAAAA4D8AAAAAAADgPwAAAAAAAOA/AAAAAAAA4D8AAAAAAADgPwAAAAAAAOA/AAAAAAAA4D8AAAAAAADgPwAAAAAAAOA/AAAAAAAA4D8CAAAAjAAAAAAAAAAAAAAAu+DjDP///wgAAAAAAAAAAAAAAAAAAAAAAAAAAAAAAAAAAAAAZAAAAAEAAABAAAAAAAAAAAAAAAAAAAAAAAAAAAAAAAAAAAAAAAAAAAAAAAAAAAAAAAAAAAAAAAAAAAAAAAAAAAAAAAAAAAAAAAAAAAAAAAAAAAAAAAAAAAAAAAAAAAAAFAAAADwAAAAAAAAAAAAAAAAAAAkUAAAAAQAAABQAAAAUAAAAFAAAAAEAAAAAAAAAZAAAAGQAAAAAAAAAZAAAAGQAAAAVAAAAYAAAAAAAAAAAAAAADwAAACADAAAAAAAAAAAAAAEAAACgMgAAVgcAAKr4//8BAAAAf39/AAEAAABkAAAAAAAAABQAAABAHwAAAAAAACYAAAAAAAAAwOD//wAAAAAmAAAAZAAAABYAAABMAAAAAAAAAAAAAAAEAAAAAAAAAAEAAACAgIAKAAAAACgAAAAoAAAAZAAAAGQAAAAAAAAAzMzMAAAAAABQAAAAUAAAAGQAAABkAAAAAAAAABcAAAAUAAAAAAAAAAAAAAD/fwAA/38AAAAAAAAJAAAABAAAAAAAAAAMAAAAEAAAAAAAAAAAAAAAAAAAAAAAAAAeAAAAaAAAAAAAAAAAAAAAAAAAAAAAAAAAAAAAECcAABAnAAAAAAAAAAAAAAAAAAAAAAAAAAAAAAAAAAAAAAAAAAAAABQAAAAAAAAAwMD/AAAAAABkAAAAMgAAAAAAAABkAAAAAAAAAH9/fwAKAAAAHwAAAFQAAAAAAAAFAAAAAQAAAAAAAAAAAAAAAAAAAAAAAAAAAAAAAAAAAAAAAAAAAAAAAn9/fwAAAAADzMzMAMDA/wB/f38AAAAAAAAAAAAAAAAAAAAAAAAAAAAhAAAAGAAAABQAAABQKAAAGycAAHA1AABZKQAAEAAAACYAAAAIAAAAAAAAAAAAAAA="/>
+                <pr:smNativeData xmlns:pr="smNativeData" val="SMDATA_13_of3fZRMAAAAlAAAAZAAAAA8BAAAAkAAAAEgAAACQAAAASAAAAAAAAAABAAAAAAAAAAEAAABQAAAAAAAAAAAA4D8AAAAAAADgPwAAAAAAAOA/AAAAAAAA4D8AAAAAAADgPwAAAAAAAOA/AAAAAAAA4D8AAAAAAADgPwAAAAAAAOA/AAAAAAAA4D8CAAAAjAAAAAAAAAAAAAAAu+DjDP///wgAAAAAAAAAAAAAAAAAAAAAAAAAAAAAAAAAAAAAZAAAAAEAAABAAAAAAAAAAAAAAAAAAAAAAAAAAAAAAAAAAAAAAAAAAAAAAAAAAAAAAAAAAAAAAAAAAAAAAAAAAAAAAAAAAAAAAAAAAAAAAAAAAAAAAAAAAAAAAAAAAAAAFAAAADwAAAAAAAAAAAAAAAAAAAkUAAAAAQAAABQAAAAUAAAAFAAAAAEAAAAAAAAAZAAAAGQAAAAAAAAAZAAAAGQAAAAVAAAAYAAAAAAAAAAAAAAADwAAACADAAAAAAAAAAAAAAEAAACgMgAAVgcAAKr4//8BAAAAf39/AAEAAABkAAAAAAAAABQAAABAHwAAAAAAACYAAAAAAAAAwOD//wAAAAAmAAAAZAAAABYAAABMAAAAAAAAAAAAAAAEAAAAAAAAAAEAAACAgIAKAAAAACgAAAAoAAAAZAAAAGQAAAAAAAAAzMzMAAAAAABQAAAAUAAAAGQAAABkAAAAAAAAABcAAAAUAAAAAAAAAAAAAAD/fwAA/38AAAAAAAAJAAAABAAAAAAAAAAMAAAAEAAAAAAAAAAAAAAAAAAAAAAAAAAeAAAAaAAAAAAAAAAAAAAAAAAAAAAAAAAAAAAAECcAABAnAAAAAAAAAAAAAAAAAAAAAAAAAAAAAAAAAAAAAAAAAAAAABQAAAAAAAAAwMD/AAAAAABkAAAAMgAAAAAAAABkAAAAAAAAAH9/fwAKAAAAHwAAAFQAAAAAAAAFAAAAAQAAAAAAAAAAAAAAAAAAAAAAAAAAAAAAAAAAAAAAAAAAAAAAAn9/fwAAAAADzMzMAMDA/wB/f38AAAAAAAAAAAAAAAAAAAAAAAAAAAAhAAAAGAAAABQAAABQKAAAGycAAHA1AABZKQAAEAAAACYAAAAIAAAAAAAAAAAAAAA="/>
               </a:ext>
             </a:extLst>
           </p:cNvSpPr>
@@ -796,7 +796,7 @@
           <a:lstStyle/>
           <a:p>
             <a:pPr/>
-            <a:fld id="{3F6CBE32-7CD2-3948-9CD4-8A1DF09A6ADF}" type="slidenum">
+            <a:fld id="{3F122F84-CAD2-47D9-9CAA-3C8C61E46A69}" type="slidenum">
               <a:t/>
             </a:fld>
           </a:p>
@@ -834,7 +834,7 @@
             <a:spLocks noGrp="1" noChangeArrowheads="1"/>
             <a:extLst>
               <a:ext uri="smNativeData">
-                <pr:smNativeData xmlns:pr="smNativeData" val="SMDATA_13_lv/SZRMAAAAlAAAAZAAAAA8BAAAAkAAAAEgAAACQAAAASAAAAAAAAAABAAAAAAAAAAEAAABQAAAAAAAAAAAA4D8AAAAAAADgPwAAAAAAAOA/AAAAAAAA4D8AAAAAAADgPwAAAAAAAOA/AAAAAAAA4D8AAAAAAADgPwAAAAAAAOA/AAAAAAAA4D8CAAAAjAAAAAAAAAAAAAAAu+DjDP///wgAAAAAAAAAAAAAAAAAAAAAAAAAAAAAAAAAAAAAZAAAAAEAAABAAAAAAAAAAAAAAAAAAAAAAAAAAAAAAAAAAAAAAAAAAAAAAAAAAAAAAAAAAAAAAAAAAAAAAAAAAAAAAAAAAAAAAAAAAAAAAAAAAAAAAAAAAAAAAAAAAAAAFAAAADwAAAAAAAAAAAAAAAAAAAkUAAAAAQAAABQAAAAUAAAAFAAAAAEAAAAAAAAAZAAAAGQAAAAAAAAAZAAAAGQAAAAVAAAAYAAAAAAAAAAAAAAADwAAACADAAAAAAAAAAAAAAEAAACgMgAAVgcAAKr4//8BAAAAf39/AAEAAABkAAAAAAAAABQAAABAHwAAAAAAACYAAAAAAAAAwOD//wAAAAAmAAAAZAAAABYAAABMAAAAAAAAAAAAAAAEAAAAAAAAAAEAAACAgIAKAAAAACgAAAAoAAAAZAAAAGQAAAAAAAAAzMzMAAAAAABQAAAAUAAAAGQAAABkAAAAAAAAABcAAAAUAAAAAAAAAAAAAAD/fwAA/38AAAAAAAAJAAAABAAAAAAAAAAMAAAAEAAAAAAAAAAAAAAAAAAAAAAAAAAeAAAAaAAAAAAAAAAAAAAAAAAAAAAAAAAAAAAAECcAABAnAAAAAAAAAAAAAAAAAAAAAAAAAAAAAAAAAAAAAAAAAAAAABQAAAAAAAAAwMD/AAAAAABkAAAAMgAAAAAAAABkAAAAAAAAAH9/fwAKAAAAHwAAAFQAAAAAAAAFAAAAAQAAAAAAAAAAAAAAAAAAAAAAAAAAAAAAAAAAAAAAAAAAAAAAAn9/fwAAAAADzMzMAMDA/wB/f38AAAAAAAAAAAAAAAAAAAAAAAAAAAAhAAAAGAAAABQAAADQAgAAsAEAAHA1AAC4CAAAEAAAACYAAAAIAAAAAAAAAAAAAAA="/>
+                <pr:smNativeData xmlns:pr="smNativeData" val="SMDATA_13_of3fZRMAAAAlAAAAZAAAAA8BAAAAkAAAAEgAAACQAAAASAAAAAAAAAABAAAAAAAAAAEAAABQAAAAAAAAAAAA4D8AAAAAAADgPwAAAAAAAOA/AAAAAAAA4D8AAAAAAADgPwAAAAAAAOA/AAAAAAAA4D8AAAAAAADgPwAAAAAAAOA/AAAAAAAA4D8CAAAAjAAAAAAAAAAAAAAAu+DjDP///wgAAAAAAAAAAAAAAAAAAAAAAAAAAAAAAAAAAAAAZAAAAAEAAABAAAAAAAAAAAAAAAAAAAAAAAAAAAAAAAAAAAAAAAAAAAAAAAAAAAAAAAAAAAAAAAAAAAAAAAAAAAAAAAAAAAAAAAAAAAAAAAAAAAAAAAAAAAAAAAAAAAAAFAAAADwAAAAAAAAAAAAAAAAAAAkUAAAAAQAAABQAAAAUAAAAFAAAAAEAAAAAAAAAZAAAAGQAAAAAAAAAZAAAAGQAAAAVAAAAYAAAAAAAAAAAAAAADwAAACADAAAAAAAAAAAAAAEAAACgMgAAVgcAAKr4//8BAAAAf39/AAEAAABkAAAAAAAAABQAAABAHwAAAAAAACYAAAAAAAAAwOD//wAAAAAmAAAAZAAAABYAAABMAAAAAAAAAAAAAAAEAAAAAAAAAAEAAACAgIAKAAAAACgAAAAoAAAAZAAAAGQAAAAAAAAAzMzMAAAAAABQAAAAUAAAAGQAAABkAAAAAAAAABcAAAAUAAAAAAAAAAAAAAD/fwAA/38AAAAAAAAJAAAABAAAAAAAAAAMAAAAEAAAAAAAAAAAAAAAAAAAAAAAAAAeAAAAaAAAAAAAAAAAAAAAAAAAAAAAAAAAAAAAECcAABAnAAAAAAAAAAAAAAAAAAAAAAAAAAAAAAAAAAAAAAAAAAAAABQAAAAAAAAAwMD/AAAAAABkAAAAMgAAAAAAAABkAAAAAAAAAH9/fwAKAAAAHwAAAFQAAAAAAAAFAAAAAQAAAAAAAAAAAAAAAAAAAAAAAAAAAAAAAAAAAAAAAAAAAAAAAn9/fwAAAAADzMzMAMDA/wB/f38AAAAAAAAAAAAAAAAAAAAAAAAAAAAhAAAAGAAAABQAAADQAgAAsAEAAHA1AAC4CAAAEAAAACYAAAAIAAAAAAAAAAAAAAA="/>
               </a:ext>
             </a:extLst>
           </p:cNvSpPr>
@@ -861,7 +861,7 @@
             <a:spLocks noGrp="1" noChangeArrowheads="1"/>
             <a:extLst>
               <a:ext uri="smNativeData">
-                <pr:smNativeData xmlns:pr="smNativeData" val="SMDATA_13_lv/SZRMAAAAlAAAAZAAAAA8BAAAAkAAAAEgAAACQAAAASAAAAAAAAAAAAAAAAAAAAAEAAABQAAAAAAAAAAAA4D8AAAAAAADgPwAAAAAAAOA/AAAAAAAA4D8AAAAAAADgPwAAAAAAAOA/AAAAAAAA4D8AAAAAAADgPwAAAAAAAOA/AAAAAAAA4D8CAAAAjAAAAAAAAAAAAAAAu+DjDP///wgAAAAAAAAAAAAAAAAAAAAAAAAAAAAAAAAAAAAAZAAAAAEAAABAAAAAAAAAAAAAAAAAAAAAAAAAAAAAAAAAAAAAAAAAAAAAAAAAAAAAAAAAAAAAAAAAAAAAAAAAAAAAAAAAAAAAAAAAAAAAAAAAAAAAAAAAAAAAAAAAAAAAFAAAADwAAAAAAAAAAAAAAAAAAAkUAAAAAQAAABQAAAAUAAAAFAAAAAEAAAAAAAAAZAAAAGQAAAAAAAAAZAAAAGQAAAAVAAAAYAAAAAAAAAAAAAAADwAAACADAAAAAAAAAAAAAAEAAACgMgAAVgcAAKr4//8BAAAAf39/AAEAAABkAAAAAAAAABQAAABAHwAAAAAAACYAAAAAAAAAwOD//wAAAAAmAAAAZAAAABYAAABMAAAAAAAAAAAAAAAEAAAAAAAAAAEAAACAgIAKAAAAACgAAAAoAAAAZAAAAGQAAAAAAAAAzMzMAAAAAABQAAAAUAAAAGQAAABkAAAAAAAAABcAAAAUAAAAAAAAAAAAAAD/fwAA/38AAAAAAAAJAAAABAAAAAAAAAAMAAAAEAAAAAAAAAAAAAAAAAAAAAAAAAAeAAAAaAAAAAAAAAAAAAAAAAAAAAAAAAAAAAAAECcAABAnAAAAAAAAAAAAAAAAAAAAAAAAAAAAAAAAAAAAAAAAAAAAABQAAAAAAAAAwMD/AAAAAABkAAAAMgAAAAAAAABkAAAAAAAAAH9/fwAKAAAAHwAAAFQAAAAAAAAFAAAAAQAAAAAAAAAAAAAAAAAAAAAAAAAAAAAAAAAAAAAAAAAAAAAAAn9/fwAAAAADzMzMAMDA/wB/f38AAAAAAAAAAAAAAAAAAAAAAAAAAAAhAAAAGAAAABQAAADQAgAA2AkAAHA1AACwJQAAEAAAACYAAAAIAAAAAAAAAAAAAAA="/>
+                <pr:smNativeData xmlns:pr="smNativeData" val="SMDATA_13_of3fZRMAAAAlAAAAZAAAAA8BAAAAkAAAAEgAAACQAAAASAAAAAAAAAAAAAAAAAAAAAEAAABQAAAAAAAAAAAA4D8AAAAAAADgPwAAAAAAAOA/AAAAAAAA4D8AAAAAAADgPwAAAAAAAOA/AAAAAAAA4D8AAAAAAADgPwAAAAAAAOA/AAAAAAAA4D8CAAAAjAAAAAAAAAAAAAAAu+DjDP///wgAAAAAAAAAAAAAAAAAAAAAAAAAAAAAAAAAAAAAZAAAAAEAAABAAAAAAAAAAAAAAAAAAAAAAAAAAAAAAAAAAAAAAAAAAAAAAAAAAAAAAAAAAAAAAAAAAAAAAAAAAAAAAAAAAAAAAAAAAAAAAAAAAAAAAAAAAAAAAAAAAAAAFAAAADwAAAAAAAAAAAAAAAAAAAkUAAAAAQAAABQAAAAUAAAAFAAAAAEAAAAAAAAAZAAAAGQAAAAAAAAAZAAAAGQAAAAVAAAAYAAAAAAAAAAAAAAADwAAACADAAAAAAAAAAAAAAEAAACgMgAAVgcAAKr4//8BAAAAf39/AAEAAABkAAAAAAAAABQAAABAHwAAAAAAACYAAAAAAAAAwOD//wAAAAAmAAAAZAAAABYAAABMAAAAAAAAAAAAAAAEAAAAAAAAAAEAAACAgIAKAAAAACgAAAAoAAAAZAAAAGQAAAAAAAAAzMzMAAAAAABQAAAAUAAAAGQAAABkAAAAAAAAABcAAAAUAAAAAAAAAAAAAAD/fwAA/38AAAAAAAAJAAAABAAAAAAAAAAMAAAAEAAAAAAAAAAAAAAAAAAAAAAAAAAeAAAAaAAAAAAAAAAAAAAAAAAAAAAAAAAAAAAAECcAABAnAAAAAAAAAAAAAAAAAAAAAAAAAAAAAAAAAAAAAAAAAAAAABQAAAAAAAAAwMD/AAAAAABkAAAAMgAAAAAAAABkAAAAAAAAAH9/fwAKAAAAHwAAAFQAAAAAAAAFAAAAAQAAAAAAAAAAAAAAAAAAAAAAAAAAAAAAAAAAAAAAAAAAAAAAAn9/fwAAAAADzMzMAMDA/wB/f38AAAAAAAAAAAAAAAAAAAAAAAAAAAAhAAAAGAAAABQAAADQAgAA2AkAAHA1AACwJQAAEAAAACYAAAAIAAAAAAAAAAAAAAA="/>
               </a:ext>
             </a:extLst>
           </p:cNvSpPr>
@@ -912,7 +912,7 @@
             <a:spLocks noGrp="1" noChangeArrowheads="1"/>
             <a:extLst>
               <a:ext uri="smNativeData">
-                <pr:smNativeData xmlns:pr="smNativeData" val="SMDATA_13_lv/SZRMAAAAlAAAAZAAAAA8BAAAAkAAAAEgAAACQAAAASAAAAAAAAAABAAAAAAAAAAEAAABQAAAAAAAAAAAA4D8AAAAAAADgPwAAAAAAAOA/AAAAAAAA4D8AAAAAAADgPwAAAAAAAOA/AAAAAAAA4D8AAAAAAADgPwAAAAAAAOA/AAAAAAAA4D8CAAAAjAAAAAAAAAAAAAAAu+DjDP///wgAAAAAAAAAAAAAAAAAAAAAAAAAAAAAAAAAAAAAZAAAAAEAAABAAAAAAAAAAAAAAAAAAAAAAAAAAAAAAAAAAAAAAAAAAAAAAAAAAAAAAAAAAAAAAAAAAAAAAAAAAAAAAAAAAAAAAAAAAAAAAAAAAAAAAAAAAAAAAAAAAAAAFAAAADwAAAAAAAAAAAAAAAAAAAkUAAAAAQAAABQAAAAUAAAAFAAAAAEAAAAAAAAAZAAAAGQAAAAAAAAAZAAAAGQAAAAVAAAAYAAAAAAAAAAAAAAADwAAACADAAAAAAAAAAAAAAEAAACgMgAAVgcAAKr4//8BAAAAf39/AAEAAABkAAAAAAAAABQAAABAHwAAAAAAACYAAAAAAAAAwOD//wAAAAAmAAAAZAAAABYAAABMAAAAAAAAAAAAAAAEAAAAAAAAAAEAAACAgIAKAAAAACgAAAAoAAAAZAAAAGQAAAAAAAAAzMzMAAAAAABQAAAAUAAAAGQAAABkAAAAAAAAABcAAAAUAAAAAAAAAAAAAAD/fwAA/38AAAAAAAAJAAAABAAAAAAAAAAMAAAAEAAAAAAAAAAAAAAAAAAAAAAAAAAeAAAAaAAAAAAAAAAAAAAAAAAAAAAAAAAAAAAAECcAABAnAAAAAAAAAAAAAAAAAAAAAAAAAAAAAAAAAAAAAAAAAAAAABQAAAAAAAAAwMD/AAAAAABkAAAAMgAAAAAAAABkAAAAAAAAAH9/fwAKAAAAHwAAAFQAAAAAAAAFAAAAAQAAAAAAAAAAAAAAAAAAAAAAAAAAAAAAAAAAAAAAAAAAAAAAAn9/fwAAAAADzMzMAMDA/wB/f38AAAAAAAAAAAAAAAAAAAAAAAAAAAAhAAAAGAAAABQAAADQAgAAGycAAPAPAABZKQAAEAAAACYAAAAIAAAAAAAAAAAAAAA="/>
+                <pr:smNativeData xmlns:pr="smNativeData" val="SMDATA_13_of3fZRMAAAAlAAAAZAAAAA8BAAAAkAAAAEgAAACQAAAASAAAAAAAAAABAAAAAAAAAAEAAABQAAAAAAAAAAAA4D8AAAAAAADgPwAAAAAAAOA/AAAAAAAA4D8AAAAAAADgPwAAAAAAAOA/AAAAAAAA4D8AAAAAAADgPwAAAAAAAOA/AAAAAAAA4D8CAAAAjAAAAAAAAAAAAAAAu+DjDP///wgAAAAAAAAAAAAAAAAAAAAAAAAAAAAAAAAAAAAAZAAAAAEAAABAAAAAAAAAAAAAAAAAAAAAAAAAAAAAAAAAAAAAAAAAAAAAAAAAAAAAAAAAAAAAAAAAAAAAAAAAAAAAAAAAAAAAAAAAAAAAAAAAAAAAAAAAAAAAAAAAAAAAFAAAADwAAAAAAAAAAAAAAAAAAAkUAAAAAQAAABQAAAAUAAAAFAAAAAEAAAAAAAAAZAAAAGQAAAAAAAAAZAAAAGQAAAAVAAAAYAAAAAAAAAAAAAAADwAAACADAAAAAAAAAAAAAAEAAACgMgAAVgcAAKr4//8BAAAAf39/AAEAAABkAAAAAAAAABQAAABAHwAAAAAAACYAAAAAAAAAwOD//wAAAAAmAAAAZAAAABYAAABMAAAAAAAAAAAAAAAEAAAAAAAAAAEAAACAgIAKAAAAACgAAAAoAAAAZAAAAGQAAAAAAAAAzMzMAAAAAABQAAAAUAAAAGQAAABkAAAAAAAAABcAAAAUAAAAAAAAAAAAAAD/fwAA/38AAAAAAAAJAAAABAAAAAAAAAAMAAAAEAAAAAAAAAAAAAAAAAAAAAAAAAAeAAAAaAAAAAAAAAAAAAAAAAAAAAAAAAAAAAAAECcAABAnAAAAAAAAAAAAAAAAAAAAAAAAAAAAAAAAAAAAAAAAAAAAABQAAAAAAAAAwMD/AAAAAABkAAAAMgAAAAAAAABkAAAAAAAAAH9/fwAKAAAAHwAAAFQAAAAAAAAFAAAAAQAAAAAAAAAAAAAAAAAAAAAAAAAAAAAAAAAAAAAAAAAAAAAAAn9/fwAAAAADzMzMAMDA/wB/f38AAAAAAAAAAAAAAAAAAAAAAAAAAAAhAAAAGAAAABQAAADQAgAAGycAAPAPAABZKQAAEAAAACYAAAAIAAAAAAAAAAAAAAA="/>
               </a:ext>
             </a:extLst>
           </p:cNvSpPr>
@@ -926,7 +926,7 @@
           <a:lstStyle/>
           <a:p>
             <a:pPr/>
-            <a:fld id="{3F6CDA8D-C3D2-392C-9CD4-3579949A6A60}" type="datetime1">
+            <a:fld id="{3F122A1A-54D2-47DC-9CAA-A28964E46AF7}" type="datetime1">
               <a:t/>
             </a:fld>
           </a:p>
@@ -939,7 +939,7 @@
             <a:spLocks noGrp="1" noChangeArrowheads="1"/>
             <a:extLst>
               <a:ext uri="smNativeData">
-                <pr:smNativeData xmlns:pr="smNativeData" val="SMDATA_13_lv/SZRMAAAAlAAAAZAAAAA8BAAAAkAAAAEgAAACQAAAASAAAAAAAAAABAAAAAAAAAAEAAABQAAAAAAAAAAAA4D8AAAAAAADgPwAAAAAAAOA/AAAAAAAA4D8AAAAAAADgPwAAAAAAAOA/AAAAAAAA4D8AAAAAAADgPwAAAAAAAOA/AAAAAAAA4D8CAAAAjAAAAAAAAAAAAAAAu+DjDP///wgAAAAAAAAAAAAAAAAAAAAAAAAAAAAAAAAAAAAAZAAAAAEAAABAAAAAAAAAAAAAAAAAAAAAAAAAAAAAAAAAAAAAAAAAAAAAAAAAAAAAAAAAAAAAAAAAAAAAAAAAAAAAAAAAAAAAAAAAAAAAAAAAAAAAAAAAAAAAAAAAAAAAFAAAADwAAAAAAAAAAAAAAAAAAAkUAAAAAQAAABQAAAAUAAAAFAAAAAEAAAAAAAAAZAAAAGQAAAAAAAAAZAAAAGQAAAAVAAAAYAAAAAAAAAAAAAAADwAAACADAAAAAAAAAAAAAAEAAACgMgAAVgcAAKr4//8BAAAAf39/AAEAAABkAAAAAAAAABQAAABAHwAAAAAAACYAAAAAAAAAwOD//wAAAAAmAAAAZAAAABYAAABMAAAAAAAAAAAAAAAEAAAAAAAAAAEAAACAgIAKAAAAACgAAAAoAAAAZAAAAGQAAAAAAAAAzMzMAAAAAABQAAAAUAAAAGQAAABkAAAAAAAAABcAAAAUAAAAAAAAAAAAAAD/fwAA/38AAAAAAAAJAAAABAAAAAAAAAAMAAAAEAAAAAAAAAAAAAAAAAAAAAAAAAAeAAAAaAAAAAAAAAAAAAAAAAAAAAAAAAAAAAAAECcAABAnAAAAAAAAAAAAAAAAAAAAAAAAAAAAAAAAAAAAAAAAAAAAABQAAAAAAAAAwMD/AAAAAABkAAAAMgAAAAAAAABkAAAAAAAAAH9/fwAKAAAAHwAAAFQAAAAAAAAFAAAAAQAAAAAAAAAAAAAAAAAAAAAAAAAAAAAAAAAAAAAAAAAAAAAAAn9/fwAAAAADzMzMAMDA/wB/f38AAAAAAAAAAAAAAAAAAAAAAAAAAAAhAAAAGAAAABQAAAA4EwAAGycAAAglAABZKQAAEAAAACYAAAAIAAAAAAAAAAAAAAA="/>
+                <pr:smNativeData xmlns:pr="smNativeData" val="SMDATA_13_of3fZRMAAAAlAAAAZAAAAA8BAAAAkAAAAEgAAACQAAAASAAAAAAAAAABAAAAAAAAAAEAAABQAAAAAAAAAAAA4D8AAAAAAADgPwAAAAAAAOA/AAAAAAAA4D8AAAAAAADgPwAAAAAAAOA/AAAAAAAA4D8AAAAAAADgPwAAAAAAAOA/AAAAAAAA4D8CAAAAjAAAAAAAAAAAAAAAu+DjDP///wgAAAAAAAAAAAAAAAAAAAAAAAAAAAAAAAAAAAAAZAAAAAEAAABAAAAAAAAAAAAAAAAAAAAAAAAAAAAAAAAAAAAAAAAAAAAAAAAAAAAAAAAAAAAAAAAAAAAAAAAAAAAAAAAAAAAAAAAAAAAAAAAAAAAAAAAAAAAAAAAAAAAAFAAAADwAAAAAAAAAAAAAAAAAAAkUAAAAAQAAABQAAAAUAAAAFAAAAAEAAAAAAAAAZAAAAGQAAAAAAAAAZAAAAGQAAAAVAAAAYAAAAAAAAAAAAAAADwAAACADAAAAAAAAAAAAAAEAAACgMgAAVgcAAKr4//8BAAAAf39/AAEAAABkAAAAAAAAABQAAABAHwAAAAAAACYAAAAAAAAAwOD//wAAAAAmAAAAZAAAABYAAABMAAAAAAAAAAAAAAAEAAAAAAAAAAEAAACAgIAKAAAAACgAAAAoAAAAZAAAAGQAAAAAAAAAzMzMAAAAAABQAAAAUAAAAGQAAABkAAAAAAAAABcAAAAUAAAAAAAAAAAAAAD/fwAA/38AAAAAAAAJAAAABAAAAAAAAAAMAAAAEAAAAAAAAAAAAAAAAAAAAAAAAAAeAAAAaAAAAAAAAAAAAAAAAAAAAAAAAAAAAAAAECcAABAnAAAAAAAAAAAAAAAAAAAAAAAAAAAAAAAAAAAAAAAAAAAAABQAAAAAAAAAwMD/AAAAAABkAAAAMgAAAAAAAABkAAAAAAAAAH9/fwAKAAAAHwAAAFQAAAAAAAAFAAAAAQAAAAAAAAAAAAAAAAAAAAAAAAAAAAAAAAAAAAAAAAAAAAAAAn9/fwAAAAADzMzMAMDA/wB/f38AAAAAAAAAAAAAAAAAAAAAAAAAAAAhAAAAGAAAABQAAAA4EwAAGycAAAglAABZKQAAEAAAACYAAAAIAAAAAAAAAAAAAAA="/>
               </a:ext>
             </a:extLst>
           </p:cNvSpPr>
@@ -963,7 +963,7 @@
             <a:spLocks noGrp="1" noChangeArrowheads="1"/>
             <a:extLst>
               <a:ext uri="smNativeData">
-                <pr:smNativeData xmlns:pr="smNativeData" val="SMDATA_13_lv/SZRMAAAAlAAAAZAAAAA8BAAAAkAAAAEgAAACQAAAASAAAAAAAAAABAAAAAAAAAAEAAABQAAAAAAAAAAAA4D8AAAAAAADgPwAAAAAAAOA/AAAAAAAA4D8AAAAAAADgPwAAAAAAAOA/AAAAAAAA4D8AAAAAAADgPwAAAAAAAOA/AAAAAAAA4D8CAAAAjAAAAAAAAAAAAAAAu+DjDP///wgAAAAAAAAAAAAAAAAAAAAAAAAAAAAAAAAAAAAAZAAAAAEAAABAAAAAAAAAAAAAAAAAAAAAAAAAAAAAAAAAAAAAAAAAAAAAAAAAAAAAAAAAAAAAAAAAAAAAAAAAAAAAAAAAAAAAAAAAAAAAAAAAAAAAAAAAAAAAAAAAAAAAFAAAADwAAAAAAAAAAAAAAAAAAAkUAAAAAQAAABQAAAAUAAAAFAAAAAEAAAAAAAAAZAAAAGQAAAAAAAAAZAAAAGQAAAAVAAAAYAAAAAAAAAAAAAAADwAAACADAAAAAAAAAAAAAAEAAACgMgAAVgcAAKr4//8BAAAAf39/AAEAAABkAAAAAAAAABQAAABAHwAAAAAAACYAAAAAAAAAwOD//wAAAAAmAAAAZAAAABYAAABMAAAAAAAAAAAAAAAEAAAAAAAAAAEAAACAgIAKAAAAACgAAAAoAAAAZAAAAGQAAAAAAAAAzMzMAAAAAABQAAAAUAAAAGQAAABkAAAAAAAAABcAAAAUAAAAAAAAAAAAAAD/fwAA/38AAAAAAAAJAAAABAAAAAAAAAAMAAAAEAAAAAAAAAAAAAAAAAAAAAAAAAAeAAAAaAAAAAAAAAAAAAAAAAAAAAAAAAAAAAAAECcAABAnAAAAAAAAAAAAAAAAAAAAAAAAAAAAAAAAAAAAAAAAAAAAABQAAAAAAAAAwMD/AAAAAABkAAAAMgAAAAAAAABkAAAAAAAAAH9/fwAKAAAAHwAAAFQAAAAAAAAFAAAAAQAAAAAAAAAAAAAAAAAAAAAAAAAAAAAAAAAAAAAAAAAAAAAAAn9/fwAAAAADzMzMAMDA/wB/f38AAAAAAAAAAAAAAAAAAAAAAAAAAAAhAAAAGAAAABQAAABQKAAAGycAAHA1AABZKQAAEAAAACYAAAAIAAAAAAAAAAAAAAA="/>
+                <pr:smNativeData xmlns:pr="smNativeData" val="SMDATA_13_of3fZRMAAAAlAAAAZAAAAA8BAAAAkAAAAEgAAACQAAAASAAAAAAAAAABAAAAAAAAAAEAAABQAAAAAAAAAAAA4D8AAAAAAADgPwAAAAAAAOA/AAAAAAAA4D8AAAAAAADgPwAAAAAAAOA/AAAAAAAA4D8AAAAAAADgPwAAAAAAAOA/AAAAAAAA4D8CAAAAjAAAAAAAAAAAAAAAu+DjDP///wgAAAAAAAAAAAAAAAAAAAAAAAAAAAAAAAAAAAAAZAAAAAEAAABAAAAAAAAAAAAAAAAAAAAAAAAAAAAAAAAAAAAAAAAAAAAAAAAAAAAAAAAAAAAAAAAAAAAAAAAAAAAAAAAAAAAAAAAAAAAAAAAAAAAAAAAAAAAAAAAAAAAAFAAAADwAAAAAAAAAAAAAAAAAAAkUAAAAAQAAABQAAAAUAAAAFAAAAAEAAAAAAAAAZAAAAGQAAAAAAAAAZAAAAGQAAAAVAAAAYAAAAAAAAAAAAAAADwAAACADAAAAAAAAAAAAAAEAAACgMgAAVgcAAKr4//8BAAAAf39/AAEAAABkAAAAAAAAABQAAABAHwAAAAAAACYAAAAAAAAAwOD//wAAAAAmAAAAZAAAABYAAABMAAAAAAAAAAAAAAAEAAAAAAAAAAEAAACAgIAKAAAAACgAAAAoAAAAZAAAAGQAAAAAAAAAzMzMAAAAAABQAAAAUAAAAGQAAABkAAAAAAAAABcAAAAUAAAAAAAAAAAAAAD/fwAA/38AAAAAAAAJAAAABAAAAAAAAAAMAAAAEAAAAAAAAAAAAAAAAAAAAAAAAAAeAAAAaAAAAAAAAAAAAAAAAAAAAAAAAAAAAAAAECcAABAnAAAAAAAAAAAAAAAAAAAAAAAAAAAAAAAAAAAAAAAAAAAAABQAAAAAAAAAwMD/AAAAAABkAAAAMgAAAAAAAABkAAAAAAAAAH9/fwAKAAAAHwAAAFQAAAAAAAAFAAAAAQAAAAAAAAAAAAAAAAAAAAAAAAAAAAAAAAAAAAAAAAAAAAAAAn9/fwAAAAADzMzMAMDA/wB/f38AAAAAAAAAAAAAAAAAAAAAAAAAAAAhAAAAGAAAABQAAABQKAAAGycAAHA1AABZKQAAEAAAACYAAAAIAAAAAAAAAAAAAAA="/>
               </a:ext>
             </a:extLst>
           </p:cNvSpPr>
@@ -977,7 +977,7 @@
           <a:lstStyle/>
           <a:p>
             <a:pPr/>
-            <a:fld id="{3F6CA205-4BD2-3954-9CD4-BD01EC9A6AE8}" type="slidenum">
+            <a:fld id="{3F123079-37D2-47C6-9CAA-C1937EE46A94}" type="slidenum">
               <a:t/>
             </a:fld>
           </a:p>
@@ -1015,7 +1015,7 @@
             <a:spLocks noGrp="1" noChangeArrowheads="1"/>
             <a:extLst>
               <a:ext uri="smNativeData">
-                <pr:smNativeData xmlns:pr="smNativeData" val="SMDATA_13_lv/SZRMAAAAlAAAAZAAAAA8BAAAAkAAAAEgAAACQAAAASAAAAAAAAAAAAAAAAAAAAAEAAABQAAAAAAAAAAAA4D8AAAAAAADgPwAAAAAAAOA/AAAAAAAA4D8AAAAAAADgPwAAAAAAAOA/AAAAAAAA4D8AAAAAAADgPwAAAAAAAOA/AAAAAAAA4D8CAAAAjAAAAAAAAAAAAAAAu+DjDP///wgAAAAAAAAAAAAAAAAAAAAAAAAAAAAAAAAAAAAAZAAAAAEAAABAAAAAAAAAAAAAAAAAAAAAAAAAAAAAAAAAAAAAAAAAAAAAAAAAAAAAAAAAAAAAAAAAAAAAAAAAAAAAAAAAAAAAAAAAAAAAAAAAAAAAAAAAAAAAAAAAAAAAFAAAADwAAAAAAAAAAAAAAAAAAAkUAAAAAQAAABQAAAAUAAAAFAAAAAEAAAAAAAAAZAAAAGQAAAAAAAAAZAAAAGQAAAAVAAAAYAAAAAAAAAAAAAAADwAAACADAAAAAAAAAAAAAAEAAACgMgAAVgcAAKr4//8BAAAAf39/AAEAAABkAAAAAAAAABQAAABAHwAAAAAAACYAAAAAAAAAwOD//wAAAAAmAAAAZAAAABYAAABMAAAAAAAAAAAAAAAEAAAAAAAAAAEAAACAgIAKAAAAACgAAAAoAAAAZAAAAGQAAAAAAAAAzMzMAAAAAABQAAAAUAAAAGQAAABkAAAAAAAAABcAAAAUAAAAAAAAAAAAAAD/fwAA/38AAAAAAAAJAAAABAAAAAAAAAAMAAAAEAAAAAAAAAAAAAAAAAAAAAAAAAAeAAAAaAAAAAAAAAAAAAAAAAAAAAAAAAAAAAAAECcAABAnAAAAAAAAAAAAAAAAAAAAAAAAAAAAAAAAAAAAAAAAAAAAABQAAAAAAAAAwMD/AAAAAABkAAAAMgAAAAAAAABkAAAAAAAAAH9/fwAKAAAAHwAAAFQAAAAAAAAFAAAAAQAAAAAAAAAAAAAAAAAAAAAAAAAAAAAAAAAAAAAAAAAAAAAAAn9/fwAAAAADzMzMAMDA/wB/f38AAAAAAAAAAAAAAAAAAAAAAAAAAAAhAAAAGAAAABQAAAByBAAAHBsAAEI0AAB9IwAAEAAAACYAAAAIAAAAgYAAAAAAAAA="/>
+                <pr:smNativeData xmlns:pr="smNativeData" val="SMDATA_13_of3fZRMAAAAlAAAAZAAAAA8BAAAAkAAAAEgAAACQAAAASAAAAAAAAAAAAAAAAAAAAAEAAABQAAAAAAAAAAAA4D8AAAAAAADgPwAAAAAAAOA/AAAAAAAA4D8AAAAAAADgPwAAAAAAAOA/AAAAAAAA4D8AAAAAAADgPwAAAAAAAOA/AAAAAAAA4D8CAAAAjAAAAAAAAAAAAAAAu+DjDP///wgAAAAAAAAAAAAAAAAAAAAAAAAAAAAAAAAAAAAAZAAAAAEAAABAAAAAAAAAAAAAAAAAAAAAAAAAAAAAAAAAAAAAAAAAAAAAAAAAAAAAAAAAAAAAAAAAAAAAAAAAAAAAAAAAAAAAAAAAAAAAAAAAAAAAAAAAAAAAAAAAAAAAFAAAADwAAAAAAAAAAAAAAAAAAAkUAAAAAQAAABQAAAAUAAAAFAAAAAEAAAAAAAAAZAAAAGQAAAAAAAAAZAAAAGQAAAAVAAAAYAAAAAAAAAAAAAAADwAAACADAAAAAAAAAAAAAAEAAACgMgAAVgcAAKr4//8BAAAAf39/AAEAAABkAAAAAAAAABQAAABAHwAAAAAAACYAAAAAAAAAwOD//wAAAAAmAAAAZAAAABYAAABMAAAAAAAAAAAAAAAEAAAAAAAAAAEAAACAgIAKAAAAACgAAAAoAAAAZAAAAGQAAAAAAAAAzMzMAAAAAABQAAAAUAAAAGQAAABkAAAAAAAAABcAAAAUAAAAAAAAAAAAAAD/fwAA/38AAAAAAAAJAAAABAAAAAAAAAAMAAAAEAAAAAAAAAAAAAAAAAAAAAAAAAAeAAAAaAAAAAAAAAAAAAAAAAAAAAAAAAAAAAAAECcAABAnAAAAAAAAAAAAAAAAAAAAAAAAAAAAAAAAAAAAAAAAAAAAABQAAAAAAAAAwMD/AAAAAABkAAAAMgAAAAAAAABkAAAAAAAAAH9/fwAKAAAAHwAAAFQAAAAAAAAFAAAAAQAAAAAAAAAAAAAAAAAAAAAAAAAAAAAAAAAAAAAAAAAAAAAAAn9/fwAAAAADzMzMAMDA/wB/f38AAAAAAAAAAAAAAAAAAAAAAAAAAAAhAAAAGAAAABQAAAByBAAAHBsAAEI0AAB9IwAAEAAAACYAAAAIAAAAgYAAAAAAAAA="/>
               </a:ext>
             </a:extLst>
           </p:cNvSpPr>
@@ -1057,7 +1057,7 @@
             <a:spLocks noGrp="1" noChangeArrowheads="1"/>
             <a:extLst>
               <a:ext uri="smNativeData">
-                <pr:smNativeData xmlns:pr="smNativeData" val="SMDATA_13_lv/SZRMAAAAlAAAAZAAAAA8BAAAAkAAAAEgAAACQAAAASAAAAAAAAAACAAAAAAAAAAEAAABQAAAAAAAAAAAA4D8AAAAAAADgPwAAAAAAAOA/AAAAAAAA4D8AAAAAAADgPwAAAAAAAOA/AAAAAAAA4D8AAAAAAADgPwAAAAAAAOA/AAAAAAAA4D8CAAAAjAAAAAAAAAAAAAAAu+DjDP///wgAAAAAAAAAAAAAAAAAAAAAAAAAAAAAAAAAAAAAZAAAAAEAAABAAAAAAAAAAAAAAAAAAAAAAAAAAAAAAAAAAAAAAAAAAAAAAAAAAAAAAAAAAAAAAAAAAAAAAAAAAAAAAAAAAAAAAAAAAAAAAAAAAAAAAAAAAAAAAAAAAAAAFAAAADwAAAAAAAAAAAAAAAAAAAkUAAAAAQAAABQAAAAUAAAAFAAAAAEAAAAAAAAAZAAAAGQAAAAAAAAAZAAAAGQAAAAVAAAAYAAAAAAAAAAAAAAADwAAACADAAAAAAAAAAAAAAEAAACgMgAAVgcAAKr4//8BAAAAf39/AAEAAABkAAAAAAAAABQAAABAHwAAAAAAACYAAAAAAAAAwOD//wAAAAAmAAAAZAAAABYAAABMAAAAAAAAAAAAAAAEAAAAAAAAAAEAAACAgIAKAAAAACgAAAAoAAAAZAAAAGQAAAAAAAAAzMzMAAAAAABQAAAAUAAAAGQAAABkAAAAAAAAABcAAAAUAAAAAAAAAAAAAAD/fwAA/38AAAAAAAAJAAAABAAAAAAAAAAMAAAAEAAAAAAAAAAAAAAAAAAAAAAAAAAeAAAAaAAAAAAAAAAAAAAAAAAAAAAAAAAAAAAAECcAABAnAAAAAAAAAAAAAAAAAAAAAAAAAAAAAAAAAAAAAAAAAAAAABQAAAAAAAAAwMD/AAAAAABkAAAAMgAAAAAAAABkAAAAAAAAAH9/fwAKAAAAHwAAAFQAAAAAAAAFAAAAAQAAAAAAAAAAAAAAAAAAAAAAAAAAAAAAAAAAAAAAAAAAAAAAAn9/fwAAAAADzMzMAMDA/wB/f38AAAAAAAAAAAAAAAAAAAAAAAAAAAAhAAAAGAAAABQAAAByBAAA4REAAEI0AAAcGwAAEAAAACYAAAAIAAAAgYAAAAAAAAA="/>
+                <pr:smNativeData xmlns:pr="smNativeData" val="SMDATA_13_of3fZRMAAAAlAAAAZAAAAA8BAAAAkAAAAEgAAACQAAAASAAAAAAAAAACAAAAAAAAAAEAAABQAAAAAAAAAAAA4D8AAAAAAADgPwAAAAAAAOA/AAAAAAAA4D8AAAAAAADgPwAAAAAAAOA/AAAAAAAA4D8AAAAAAADgPwAAAAAAAOA/AAAAAAAA4D8CAAAAjAAAAAAAAAAAAAAAu+DjDP///wgAAAAAAAAAAAAAAAAAAAAAAAAAAAAAAAAAAAAAZAAAAAEAAABAAAAAAAAAAAAAAAAAAAAAAAAAAAAAAAAAAAAAAAAAAAAAAAAAAAAAAAAAAAAAAAAAAAAAAAAAAAAAAAAAAAAAAAAAAAAAAAAAAAAAAAAAAAAAAAAAAAAAFAAAADwAAAAAAAAAAAAAAAAAAAkUAAAAAQAAABQAAAAUAAAAFAAAAAEAAAAAAAAAZAAAAGQAAAAAAAAAZAAAAGQAAAAVAAAAYAAAAAAAAAAAAAAADwAAACADAAAAAAAAAAAAAAEAAACgMgAAVgcAAKr4//8BAAAAf39/AAEAAABkAAAAAAAAABQAAABAHwAAAAAAACYAAAAAAAAAwOD//wAAAAAmAAAAZAAAABYAAABMAAAAAAAAAAAAAAAEAAAAAAAAAAEAAACAgIAKAAAAACgAAAAoAAAAZAAAAGQAAAAAAAAAzMzMAAAAAABQAAAAUAAAAGQAAABkAAAAAAAAABcAAAAUAAAAAAAAAAAAAAD/fwAA/38AAAAAAAAJAAAABAAAAAAAAAAMAAAAEAAAAAAAAAAAAAAAAAAAAAAAAAAeAAAAaAAAAAAAAAAAAAAAAAAAAAAAAAAAAAAAECcAABAnAAAAAAAAAAAAAAAAAAAAAAAAAAAAAAAAAAAAAAAAAAAAABQAAAAAAAAAwMD/AAAAAABkAAAAMgAAAAAAAABkAAAAAAAAAH9/fwAKAAAAHwAAAFQAAAAAAAAFAAAAAQAAAAAAAAAAAAAAAAAAAAAAAAAAAAAAAAAAAAAAAAAAAAAAAn9/fwAAAAADzMzMAMDA/wB/f38AAAAAAAAAAAAAAAAAAAAAAAAAAAAhAAAAGAAAABQAAAByBAAA4REAAEI0AAAcGwAAEAAAACYAAAAIAAAAgYAAAAAAAAA="/>
               </a:ext>
             </a:extLst>
           </p:cNvSpPr>
@@ -1130,7 +1130,7 @@
             <a:spLocks noGrp="1" noChangeArrowheads="1"/>
             <a:extLst>
               <a:ext uri="smNativeData">
-                <pr:smNativeData xmlns:pr="smNativeData" val="SMDATA_13_lv/SZRMAAAAlAAAAZAAAAA8BAAAAkAAAAEgAAACQAAAASAAAAAAAAAABAAAAAAAAAAEAAABQAAAAAAAAAAAA4D8AAAAAAADgPwAAAAAAAOA/AAAAAAAA4D8AAAAAAADgPwAAAAAAAOA/AAAAAAAA4D8AAAAAAADgPwAAAAAAAOA/AAAAAAAA4D8CAAAAjAAAAAAAAAAAAAAAu+DjDP///wgAAAAAAAAAAAAAAAAAAAAAAAAAAAAAAAAAAAAAZAAAAAEAAABAAAAAAAAAAAAAAAAAAAAAAAAAAAAAAAAAAAAAAAAAAAAAAAAAAAAAAAAAAAAAAAAAAAAAAAAAAAAAAAAAAAAAAAAAAAAAAAAAAAAAAAAAAAAAAAAAAAAAFAAAADwAAAAAAAAAAAAAAAAAAAkUAAAAAQAAABQAAAAUAAAAFAAAAAEAAAAAAAAAZAAAAGQAAAAAAAAAZAAAAGQAAAAVAAAAYAAAAAAAAAAAAAAADwAAACADAAAAAAAAAAAAAAEAAACgMgAAVgcAAKr4//8BAAAAf39/AAEAAABkAAAAAAAAABQAAABAHwAAAAAAACYAAAAAAAAAwOD//wAAAAAmAAAAZAAAABYAAABMAAAAAAAAAAAAAAAEAAAAAAAAAAEAAACAgIAKAAAAACgAAAAoAAAAZAAAAGQAAAAAAAAAzMzMAAAAAABQAAAAUAAAAGQAAABkAAAAAAAAABcAAAAUAAAAAAAAAAAAAAD/fwAA/38AAAAAAAAJAAAABAAAAAAAAAAMAAAAEAAAAAAAAAAAAAAAAAAAAAAAAAAeAAAAaAAAAAAAAAAAAAAAAAAAAAAAAAAAAAAAECcAABAnAAAAAAAAAAAAAAAAAAAAAAAAAAAAAAAAAAAAAAAAAAAAABQAAAAAAAAAwMD/AAAAAABkAAAAMgAAAAAAAABkAAAAAAAAAH9/fwAKAAAAHwAAAFQAAAAAAAAFAAAAAQAAAAAAAAAAAAAAAAAAAAAAAAAAAAAAAAAAAAAAAAAAAAAAAn9/fwAAAAADzMzMAMDA/wB/f38AAAAAAAAAAAAAAAAAAAAAAAAAAAAhAAAAGAAAABQAAADQAgAAGycAAPAPAABZKQAAEAAAACYAAAAIAAAAAAAAAAAAAAA="/>
+                <pr:smNativeData xmlns:pr="smNativeData" val="SMDATA_13_of3fZRMAAAAlAAAAZAAAAA8BAAAAkAAAAEgAAACQAAAASAAAAAAAAAABAAAAAAAAAAEAAABQAAAAAAAAAAAA4D8AAAAAAADgPwAAAAAAAOA/AAAAAAAA4D8AAAAAAADgPwAAAAAAAOA/AAAAAAAA4D8AAAAAAADgPwAAAAAAAOA/AAAAAAAA4D8CAAAAjAAAAAAAAAAAAAAAu+DjDP///wgAAAAAAAAAAAAAAAAAAAAAAAAAAAAAAAAAAAAAZAAAAAEAAABAAAAAAAAAAAAAAAAAAAAAAAAAAAAAAAAAAAAAAAAAAAAAAAAAAAAAAAAAAAAAAAAAAAAAAAAAAAAAAAAAAAAAAAAAAAAAAAAAAAAAAAAAAAAAAAAAAAAAFAAAADwAAAAAAAAAAAAAAAAAAAkUAAAAAQAAABQAAAAUAAAAFAAAAAEAAAAAAAAAZAAAAGQAAAAAAAAAZAAAAGQAAAAVAAAAYAAAAAAAAAAAAAAADwAAACADAAAAAAAAAAAAAAEAAACgMgAAVgcAAKr4//8BAAAAf39/AAEAAABkAAAAAAAAABQAAABAHwAAAAAAACYAAAAAAAAAwOD//wAAAAAmAAAAZAAAABYAAABMAAAAAAAAAAAAAAAEAAAAAAAAAAEAAACAgIAKAAAAACgAAAAoAAAAZAAAAGQAAAAAAAAAzMzMAAAAAABQAAAAUAAAAGQAAABkAAAAAAAAABcAAAAUAAAAAAAAAAAAAAD/fwAA/38AAAAAAAAJAAAABAAAAAAAAAAMAAAAEAAAAAAAAAAAAAAAAAAAAAAAAAAeAAAAaAAAAAAAAAAAAAAAAAAAAAAAAAAAAAAAECcAABAnAAAAAAAAAAAAAAAAAAAAAAAAAAAAAAAAAAAAAAAAAAAAABQAAAAAAAAAwMD/AAAAAABkAAAAMgAAAAAAAABkAAAAAAAAAH9/fwAKAAAAHwAAAFQAAAAAAAAFAAAAAQAAAAAAAAAAAAAAAAAAAAAAAAAAAAAAAAAAAAAAAAAAAAAAAn9/fwAAAAADzMzMAMDA/wB/f38AAAAAAAAAAAAAAAAAAAAAAAAAAAAhAAAAGAAAABQAAADQAgAAGycAAPAPAABZKQAAEAAAACYAAAAIAAAAAAAAAAAAAAA="/>
               </a:ext>
             </a:extLst>
           </p:cNvSpPr>
@@ -1144,7 +1144,7 @@
           <a:lstStyle/>
           <a:p>
             <a:pPr/>
-            <a:fld id="{3F6CA436-78D2-3952-9CD4-8E07EA9A6ADB}" type="datetime1">
+            <a:fld id="{3F1215EB-A5D2-47E3-9CAA-53B65BE46A06}" type="datetime1">
               <a:t/>
             </a:fld>
           </a:p>
@@ -1157,7 +1157,7 @@
             <a:spLocks noGrp="1" noChangeArrowheads="1"/>
             <a:extLst>
               <a:ext uri="smNativeData">
-                <pr:smNativeData xmlns:pr="smNativeData" val="SMDATA_13_lv/SZRMAAAAlAAAAZAAAAA8BAAAAkAAAAEgAAACQAAAASAAAAAAAAAABAAAAAAAAAAEAAABQAAAAAAAAAAAA4D8AAAAAAADgPwAAAAAAAOA/AAAAAAAA4D8AAAAAAADgPwAAAAAAAOA/AAAAAAAA4D8AAAAAAADgPwAAAAAAAOA/AAAAAAAA4D8CAAAAjAAAAAAAAAAAAAAAu+DjDP///wgAAAAAAAAAAAAAAAAAAAAAAAAAAAAAAAAAAAAAZAAAAAEAAABAAAAAAAAAAAAAAAAAAAAAAAAAAAAAAAAAAAAAAAAAAAAAAAAAAAAAAAAAAAAAAAAAAAAAAAAAAAAAAAAAAAAAAAAAAAAAAAAAAAAAAAAAAAAAAAAAAAAAFAAAADwAAAAAAAAAAAAAAAAAAAkUAAAAAQAAABQAAAAUAAAAFAAAAAEAAAAAAAAAZAAAAGQAAAAAAAAAZAAAAGQAAAAVAAAAYAAAAAAAAAAAAAAADwAAACADAAAAAAAAAAAAAAEAAACgMgAAVgcAAKr4//8BAAAAf39/AAEAAABkAAAAAAAAABQAAABAHwAAAAAAACYAAAAAAAAAwOD//wAAAAAmAAAAZAAAABYAAABMAAAAAAAAAAAAAAAEAAAAAAAAAAEAAACAgIAKAAAAACgAAAAoAAAAZAAAAGQAAAAAAAAAzMzMAAAAAABQAAAAUAAAAGQAAABkAAAAAAAAABcAAAAUAAAAAAAAAAAAAAD/fwAA/38AAAAAAAAJAAAABAAAAAAAAAAMAAAAEAAAAAAAAAAAAAAAAAAAAAAAAAAeAAAAaAAAAAAAAAAAAAAAAAAAAAAAAAAAAAAAECcAABAnAAAAAAAAAAAAAAAAAAAAAAAAAAAAAAAAAAAAAAAAAAAAABQAAAAAAAAAwMD/AAAAAABkAAAAMgAAAAAAAABkAAAAAAAAAH9/fwAKAAAAHwAAAFQAAAAAAAAFAAAAAQAAAAAAAAAAAAAAAAAAAAAAAAAAAAAAAAAAAAAAAAAAAAAAAn9/fwAAAAADzMzMAMDA/wB/f38AAAAAAAAAAAAAAAAAAAAAAAAAAAAhAAAAGAAAABQAAAA4EwAAGycAAAglAABZKQAAEAAAACYAAAAIAAAAAAAAAAAAAAA="/>
+                <pr:smNativeData xmlns:pr="smNativeData" val="SMDATA_13_of3fZRMAAAAlAAAAZAAAAA8BAAAAkAAAAEgAAACQAAAASAAAAAAAAAABAAAAAAAAAAEAAABQAAAAAAAAAAAA4D8AAAAAAADgPwAAAAAAAOA/AAAAAAAA4D8AAAAAAADgPwAAAAAAAOA/AAAAAAAA4D8AAAAAAADgPwAAAAAAAOA/AAAAAAAA4D8CAAAAjAAAAAAAAAAAAAAAu+DjDP///wgAAAAAAAAAAAAAAAAAAAAAAAAAAAAAAAAAAAAAZAAAAAEAAABAAAAAAAAAAAAAAAAAAAAAAAAAAAAAAAAAAAAAAAAAAAAAAAAAAAAAAAAAAAAAAAAAAAAAAAAAAAAAAAAAAAAAAAAAAAAAAAAAAAAAAAAAAAAAAAAAAAAAFAAAADwAAAAAAAAAAAAAAAAAAAkUAAAAAQAAABQAAAAUAAAAFAAAAAEAAAAAAAAAZAAAAGQAAAAAAAAAZAAAAGQAAAAVAAAAYAAAAAAAAAAAAAAADwAAACADAAAAAAAAAAAAAAEAAACgMgAAVgcAAKr4//8BAAAAf39/AAEAAABkAAAAAAAAABQAAABAHwAAAAAAACYAAAAAAAAAwOD//wAAAAAmAAAAZAAAABYAAABMAAAAAAAAAAAAAAAEAAAAAAAAAAEAAACAgIAKAAAAACgAAAAoAAAAZAAAAGQAAAAAAAAAzMzMAAAAAABQAAAAUAAAAGQAAABkAAAAAAAAABcAAAAUAAAAAAAAAAAAAAD/fwAA/38AAAAAAAAJAAAABAAAAAAAAAAMAAAAEAAAAAAAAAAAAAAAAAAAAAAAAAAeAAAAaAAAAAAAAAAAAAAAAAAAAAAAAAAAAAAAECcAABAnAAAAAAAAAAAAAAAAAAAAAAAAAAAAAAAAAAAAAAAAAAAAABQAAAAAAAAAwMD/AAAAAABkAAAAMgAAAAAAAABkAAAAAAAAAH9/fwAKAAAAHwAAAFQAAAAAAAAFAAAAAQAAAAAAAAAAAAAAAAAAAAAAAAAAAAAAAAAAAAAAAAAAAAAAAn9/fwAAAAADzMzMAMDA/wB/f38AAAAAAAAAAAAAAAAAAAAAAAAAAAAhAAAAGAAAABQAAAA4EwAAGycAAAglAABZKQAAEAAAACYAAAAIAAAAAAAAAAAAAAA="/>
               </a:ext>
             </a:extLst>
           </p:cNvSpPr>
@@ -1181,7 +1181,7 @@
             <a:spLocks noGrp="1" noChangeArrowheads="1"/>
             <a:extLst>
               <a:ext uri="smNativeData">
-                <pr:smNativeData xmlns:pr="smNativeData" val="SMDATA_13_lv/SZRMAAAAlAAAAZAAAAA8BAAAAkAAAAEgAAACQAAAASAAAAAAAAAABAAAAAAAAAAEAAABQAAAAAAAAAAAA4D8AAAAAAADgPwAAAAAAAOA/AAAAAAAA4D8AAAAAAADgPwAAAAAAAOA/AAAAAAAA4D8AAAAAAADgPwAAAAAAAOA/AAAAAAAA4D8CAAAAjAAAAAAAAAAAAAAAu+DjDP///wgAAAAAAAAAAAAAAAAAAAAAAAAAAAAAAAAAAAAAZAAAAAEAAABAAAAAAAAAAAAAAAAAAAAAAAAAAAAAAAAAAAAAAAAAAAAAAAAAAAAAAAAAAAAAAAAAAAAAAAAAAAAAAAAAAAAAAAAAAAAAAAAAAAAAAAAAAAAAAAAAAAAAFAAAADwAAAAAAAAAAAAAAAAAAAkUAAAAAQAAABQAAAAUAAAAFAAAAAEAAAAAAAAAZAAAAGQAAAAAAAAAZAAAAGQAAAAVAAAAYAAAAAAAAAAAAAAADwAAACADAAAAAAAAAAAAAAEAAACgMgAAVgcAAKr4//8BAAAAf39/AAEAAABkAAAAAAAAABQAAABAHwAAAAAAACYAAAAAAAAAwOD//wAAAAAmAAAAZAAAABYAAABMAAAAAAAAAAAAAAAEAAAAAAAAAAEAAACAgIAKAAAAACgAAAAoAAAAZAAAAGQAAAAAAAAAzMzMAAAAAABQAAAAUAAAAGQAAABkAAAAAAAAABcAAAAUAAAAAAAAAAAAAAD/fwAA/38AAAAAAAAJAAAABAAAAAAAAAAMAAAAEAAAAAAAAAAAAAAAAAAAAAAAAAAeAAAAaAAAAAAAAAAAAAAAAAAAAAAAAAAAAAAAECcAABAnAAAAAAAAAAAAAAAAAAAAAAAAAAAAAAAAAAAAAAAAAAAAABQAAAAAAAAAwMD/AAAAAABkAAAAMgAAAAAAAABkAAAAAAAAAH9/fwAKAAAAHwAAAFQAAAAAAAAFAAAAAQAAAAAAAAAAAAAAAAAAAAAAAAAAAAAAAAAAAAAAAAAAAAAAAn9/fwAAAAADzMzMAMDA/wB/f38AAAAAAAAAAAAAAAAAAAAAAAAAAAAhAAAAGAAAABQAAABQKAAAGycAAHA1AABZKQAAEAAAACYAAAAIAAAAAAAAAAAAAAA="/>
+                <pr:smNativeData xmlns:pr="smNativeData" val="SMDATA_13_of3fZRMAAAAlAAAAZAAAAA8BAAAAkAAAAEgAAACQAAAASAAAAAAAAAABAAAAAAAAAAEAAABQAAAAAAAAAAAA4D8AAAAAAADgPwAAAAAAAOA/AAAAAAAA4D8AAAAAAADgPwAAAAAAAOA/AAAAAAAA4D8AAAAAAADgPwAAAAAAAOA/AAAAAAAA4D8CAAAAjAAAAAAAAAAAAAAAu+DjDP///wgAAAAAAAAAAAAAAAAAAAAAAAAAAAAAAAAAAAAAZAAAAAEAAABAAAAAAAAAAAAAAAAAAAAAAAAAAAAAAAAAAAAAAAAAAAAAAAAAAAAAAAAAAAAAAAAAAAAAAAAAAAAAAAAAAAAAAAAAAAAAAAAAAAAAAAAAAAAAAAAAAAAAFAAAADwAAAAAAAAAAAAAAAAAAAkUAAAAAQAAABQAAAAUAAAAFAAAAAEAAAAAAAAAZAAAAGQAAAAAAAAAZAAAAGQAAAAVAAAAYAAAAAAAAAAAAAAADwAAACADAAAAAAAAAAAAAAEAAACgMgAAVgcAAKr4//8BAAAAf39/AAEAAABkAAAAAAAAABQAAABAHwAAAAAAACYAAAAAAAAAwOD//wAAAAAmAAAAZAAAABYAAABMAAAAAAAAAAAAAAAEAAAAAAAAAAEAAACAgIAKAAAAACgAAAAoAAAAZAAAAGQAAAAAAAAAzMzMAAAAAABQAAAAUAAAAGQAAABkAAAAAAAAABcAAAAUAAAAAAAAAAAAAAD/fwAA/38AAAAAAAAJAAAABAAAAAAAAAAMAAAAEAAAAAAAAAAAAAAAAAAAAAAAAAAeAAAAaAAAAAAAAAAAAAAAAAAAAAAAAAAAAAAAECcAABAnAAAAAAAAAAAAAAAAAAAAAAAAAAAAAAAAAAAAAAAAAAAAABQAAAAAAAAAwMD/AAAAAABkAAAAMgAAAAAAAABkAAAAAAAAAH9/fwAKAAAAHwAAAFQAAAAAAAAFAAAAAQAAAAAAAAAAAAAAAAAAAAAAAAAAAAAAAAAAAAAAAAAAAAAAAn9/fwAAAAADzMzMAMDA/wB/f38AAAAAAAAAAAAAAAAAAAAAAAAAAAAhAAAAGAAAABQAAABQKAAAGycAAHA1AABZKQAAEAAAACYAAAAIAAAAAAAAAAAAAAA="/>
               </a:ext>
             </a:extLst>
           </p:cNvSpPr>
@@ -1195,7 +1195,7 @@
           <a:lstStyle/>
           <a:p>
             <a:pPr/>
-            <a:fld id="{3F6CFE32-7CD2-3908-9CD4-8A5DB09A6ADF}" type="slidenum">
+            <a:fld id="{3F125498-D6D2-47A2-9CAA-20F71AE46A75}" type="slidenum">
               <a:t/>
             </a:fld>
           </a:p>
@@ -1233,7 +1233,7 @@
             <a:spLocks noGrp="1" noChangeArrowheads="1"/>
             <a:extLst>
               <a:ext uri="smNativeData">
-                <pr:smNativeData xmlns:pr="smNativeData" val="SMDATA_13_lv/SZRMAAAAlAAAAZAAAAA8BAAAAkAAAAEgAAACQAAAASAAAAAAAAAABAAAAAAAAAAEAAABQAAAAAAAAAAAA4D8AAAAAAADgPwAAAAAAAOA/AAAAAAAA4D8AAAAAAADgPwAAAAAAAOA/AAAAAAAA4D8AAAAAAADgPwAAAAAAAOA/AAAAAAAA4D8CAAAAjAAAAAAAAAAAAAAAu+DjDP///wgAAAAAAAAAAAAAAAAAAAAAAAAAAAAAAAAAAAAAZAAAAAEAAABAAAAAAAAAAAAAAAAAAAAAAAAAAAAAAAAAAAAAAAAAAAAAAAAAAAAAAAAAAAAAAAAAAAAAAAAAAAAAAAAAAAAAAAAAAAAAAAAAAAAAAAAAAAAAAAAAAAAAFAAAADwAAAAAAAAAAAAAAAAAAAkUAAAAAQAAABQAAAAUAAAAFAAAAAEAAAAAAAAAZAAAAGQAAAAAAAAAZAAAAGQAAAAVAAAAYAAAAAAAAAAAAAAADwAAACADAAAAAAAAAAAAAAEAAACgMgAAVgcAAKr4//8BAAAAf39/AAEAAABkAAAAAAAAABQAAABAHwAAAAAAACYAAAAAAAAAwOD//wAAAAAmAAAAZAAAABYAAABMAAAAAAAAAAAAAAAEAAAAAAAAAAEAAACAgIAKAAAAACgAAAAoAAAAZAAAAGQAAAAAAAAAzMzMAAAAAABQAAAAUAAAAGQAAABkAAAAAAAAABcAAAAUAAAAAAAAAAAAAAD/fwAA/38AAAAAAAAJAAAABAAAAAAAAAAMAAAAEAAAAAAAAAAAAAAAAAAAAAAAAAAeAAAAaAAAAAAAAAAAAAAAAAAAAAAAAAAAAAAAECcAABAnAAAAAAAAAAAAAAAAAAAAAAAAAAAAAAAAAAAAAAAAAAAAABQAAAAAAAAAwMD/AAAAAABkAAAAMgAAAAAAAABkAAAAAAAAAH9/fwAKAAAAHwAAAFQAAAAAAAAFAAAAAQAAAAAAAAAAAAAAAAAAAAAAAAAAAAAAAAAAAAAAAAAAAAAAAn9/fwAAAAADzMzMAMDA/wB/f38AAAAAAAAAAAAAAAAAAAAAAAAAAAAhAAAAGAAAABQAAADQAgAAsAEAAHA1AAC4CAAAEAAAACYAAAAIAAAAAAAAAAAAAAA="/>
+                <pr:smNativeData xmlns:pr="smNativeData" val="SMDATA_13_of3fZRMAAAAlAAAAZAAAAA8BAAAAkAAAAEgAAACQAAAASAAAAAAAAAABAAAAAAAAAAEAAABQAAAAAAAAAAAA4D8AAAAAAADgPwAAAAAAAOA/AAAAAAAA4D8AAAAAAADgPwAAAAAAAOA/AAAAAAAA4D8AAAAAAADgPwAAAAAAAOA/AAAAAAAA4D8CAAAAjAAAAAAAAAAAAAAAu+DjDP///wgAAAAAAAAAAAAAAAAAAAAAAAAAAAAAAAAAAAAAZAAAAAEAAABAAAAAAAAAAAAAAAAAAAAAAAAAAAAAAAAAAAAAAAAAAAAAAAAAAAAAAAAAAAAAAAAAAAAAAAAAAAAAAAAAAAAAAAAAAAAAAAAAAAAAAAAAAAAAAAAAAAAAFAAAADwAAAAAAAAAAAAAAAAAAAkUAAAAAQAAABQAAAAUAAAAFAAAAAEAAAAAAAAAZAAAAGQAAAAAAAAAZAAAAGQAAAAVAAAAYAAAAAAAAAAAAAAADwAAACADAAAAAAAAAAAAAAEAAACgMgAAVgcAAKr4//8BAAAAf39/AAEAAABkAAAAAAAAABQAAABAHwAAAAAAACYAAAAAAAAAwOD//wAAAAAmAAAAZAAAABYAAABMAAAAAAAAAAAAAAAEAAAAAAAAAAEAAACAgIAKAAAAACgAAAAoAAAAZAAAAGQAAAAAAAAAzMzMAAAAAABQAAAAUAAAAGQAAABkAAAAAAAAABcAAAAUAAAAAAAAAAAAAAD/fwAA/38AAAAAAAAJAAAABAAAAAAAAAAMAAAAEAAAAAAAAAAAAAAAAAAAAAAAAAAeAAAAaAAAAAAAAAAAAAAAAAAAAAAAAAAAAAAAECcAABAnAAAAAAAAAAAAAAAAAAAAAAAAAAAAAAAAAAAAAAAAAAAAABQAAAAAAAAAwMD/AAAAAABkAAAAMgAAAAAAAABkAAAAAAAAAH9/fwAKAAAAHwAAAFQAAAAAAAAFAAAAAQAAAAAAAAAAAAAAAAAAAAAAAAAAAAAAAAAAAAAAAAAAAAAAAn9/fwAAAAADzMzMAMDA/wB/f38AAAAAAAAAAAAAAAAAAAAAAAAAAAAhAAAAGAAAABQAAADQAgAAsAEAAHA1AAC4CAAAEAAAACYAAAAIAAAAAAAAAAAAAAA="/>
               </a:ext>
             </a:extLst>
           </p:cNvSpPr>
@@ -1260,7 +1260,7 @@
             <a:spLocks noGrp="1" noChangeArrowheads="1"/>
             <a:extLst>
               <a:ext uri="smNativeData">
-                <pr:smNativeData xmlns:pr="smNativeData" val="SMDATA_13_lv/SZRMAAAAlAAAAZAAAAA8BAAAAkAAAAEgAAACQAAAASAAAAAAAAAAAAAAAAAAAAAEAAABQAAAAAAAAAAAA4D8AAAAAAADgPwAAAAAAAOA/AAAAAAAA4D8AAAAAAADgPwAAAAAAAOA/AAAAAAAA4D8AAAAAAADgPwAAAAAAAOA/AAAAAAAA4D8CAAAAjAAAAAAAAAAAAAAAu+DjDP///wgAAAAAAAAAAAAAAAAAAAAAAAAAAAAAAAAAAAAAZAAAAAEAAABAAAAAAAAAAAAAAAAAAAAAAAAAAAAAAAAAAAAAAAAAAAAAAAAAAAAAAAAAAAAAAAAAAAAAAAAAAAAAAAAAAAAAAAAAAAAAAAAAAAAAAAAAAAAAAAAAAAAAFAAAADwAAAAAAAAAAAAAAAAAAAkUAAAAAQAAABQAAAAUAAAAFAAAAAEAAAAAAAAAZAAAAGQAAAAAAAAAZAAAAGQAAAAVAAAAYAAAAAAAAAAAAAAADwAAACADAAAAAAAAAAAAAAEAAACgMgAAVgcAAKr4//8BAAAAf39/AAEAAABkAAAAAAAAABQAAABAHwAAAAAAACYAAAAAAAAAwOD//wAAAAAmAAAAZAAAABYAAABMAAAAAAAAAAAAAAAEAAAAAAAAAAEAAACAgIAKAAAAACgAAAAoAAAAZAAAAGQAAAAAAAAAzMzMAAAAAABQAAAAUAAAAGQAAABkAAAAAAAAABcAAAAUAAAAAAAAAAAAAAD/fwAA/38AAAAAAAAJAAAABAAAAAAAAAAMAAAAEAAAAAAAAAAAAAAAAAAAAAAAAAAeAAAAaAAAAAAAAAAAAAAAAAAAAAAAAAAAAAAAECcAABAnAAAAAAAAAAAAAAAAAAAAAAAAAAAAAAAAAAAAAAAAAAAAABQAAAAAAAAAwMD/AAAAAABkAAAAMgAAAAAAAABkAAAAAAAAAH9/fwAKAAAAHwAAAFQAAAAAAAAFAAAAAQAAAAAAAAAAAAAAAAAAAAAAAAAAAAAAAAAAAAAAAAAAAAAAAn9/fwAAAAADzMzMAMDA/wB/f38AAAAAAAAAAAAAAAAAAAAAAAAAAAAhAAAAGAAAABQAAADQAgAA2AkAAKgbAACwJQAAEAAAACYAAAAIAAAAAYAAAAAAAAA="/>
+                <pr:smNativeData xmlns:pr="smNativeData" val="SMDATA_13_of3fZRMAAAAlAAAAZAAAAA8BAAAAkAAAAEgAAACQAAAASAAAAAAAAAAAAAAAAAAAAAEAAABQAAAAAAAAAAAA4D8AAAAAAADgPwAAAAAAAOA/AAAAAAAA4D8AAAAAAADgPwAAAAAAAOA/AAAAAAAA4D8AAAAAAADgPwAAAAAAAOA/AAAAAAAA4D8CAAAAjAAAAAAAAAAAAAAAu+DjDP///wgAAAAAAAAAAAAAAAAAAAAAAAAAAAAAAAAAAAAAZAAAAAEAAABAAAAAAAAAAAAAAAAAAAAAAAAAAAAAAAAAAAAAAAAAAAAAAAAAAAAAAAAAAAAAAAAAAAAAAAAAAAAAAAAAAAAAAAAAAAAAAAAAAAAAAAAAAAAAAAAAAAAAFAAAADwAAAAAAAAAAAAAAAAAAAkUAAAAAQAAABQAAAAUAAAAFAAAAAEAAAAAAAAAZAAAAGQAAAAAAAAAZAAAAGQAAAAVAAAAYAAAAAAAAAAAAAAADwAAACADAAAAAAAAAAAAAAEAAACgMgAAVgcAAKr4//8BAAAAf39/AAEAAABkAAAAAAAAABQAAABAHwAAAAAAACYAAAAAAAAAwOD//wAAAAAmAAAAZAAAABYAAABMAAAAAAAAAAAAAAAEAAAAAAAAAAEAAACAgIAKAAAAACgAAAAoAAAAZAAAAGQAAAAAAAAAzMzMAAAAAABQAAAAUAAAAGQAAABkAAAAAAAAABcAAAAUAAAAAAAAAAAAAAD/fwAA/38AAAAAAAAJAAAABAAAAAAAAAAMAAAAEAAAAAAAAAAAAAAAAAAAAAAAAAAeAAAAaAAAAAAAAAAAAAAAAAAAAAAAAAAAAAAAECcAABAnAAAAAAAAAAAAAAAAAAAAAAAAAAAAAAAAAAAAAAAAAAAAABQAAAAAAAAAwMD/AAAAAABkAAAAMgAAAAAAAABkAAAAAAAAAH9/fwAKAAAAHwAAAFQAAAAAAAAFAAAAAQAAAAAAAAAAAAAAAAAAAAAAAAAAAAAAAAAAAAAAAAAAAAAAAn9/fwAAAAADzMzMAMDA/wB/f38AAAAAAAAAAAAAAAAAAAAAAAAAAAAhAAAAGAAAABQAAADQAgAA2AkAAKgbAACwJQAAEAAAACYAAAAIAAAAAYAAAAAAAAA="/>
               </a:ext>
             </a:extLst>
           </p:cNvSpPr>
@@ -1344,7 +1344,7 @@
             <a:spLocks noGrp="1" noChangeArrowheads="1"/>
             <a:extLst>
               <a:ext uri="smNativeData">
-                <pr:smNativeData xmlns:pr="smNativeData" val="SMDATA_13_lv/SZRMAAAAlAAAAZAAAAA8BAAAAkAAAAEgAAACQAAAASAAAAAAAAAAAAAAAAAAAAAEAAABQAAAAAAAAAAAA4D8AAAAAAADgPwAAAAAAAOA/AAAAAAAA4D8AAAAAAADgPwAAAAAAAOA/AAAAAAAA4D8AAAAAAADgPwAAAAAAAOA/AAAAAAAA4D8CAAAAjAAAAAAAAAAAAAAAu+DjDP///wgAAAAAAAAAAAAAAAAAAAAAAAAAAAAAAAAAAAAAZAAAAAEAAABAAAAAAAAAAAAAAAAAAAAAAAAAAAAAAAAAAAAAAAAAAAAAAAAAAAAAAAAAAAAAAAAAAAAAAAAAAAAAAAAAAAAAAAAAAAAAAAAAAAAAAAAAAAAAAAAAAAAAFAAAADwAAAAAAAAAAAAAAAAAAAkUAAAAAQAAABQAAAAUAAAAFAAAAAEAAAAAAAAAZAAAAGQAAAAAAAAAZAAAAGQAAAAVAAAAYAAAAAAAAAAAAAAADwAAACADAAAAAAAAAAAAAAEAAACgMgAAVgcAAKr4//8BAAAAf39/AAEAAABkAAAAAAAAABQAAABAHwAAAAAAACYAAAAAAAAAwOD//wAAAAAmAAAAZAAAABYAAABMAAAAAAAAAAAAAAAEAAAAAAAAAAEAAACAgIAKAAAAACgAAAAoAAAAZAAAAGQAAAAAAAAAzMzMAAAAAABQAAAAUAAAAGQAAABkAAAAAAAAABcAAAAUAAAAAAAAAAAAAAD/fwAA/38AAAAAAAAJAAAABAAAAAAAAAAMAAAAEAAAAAAAAAAAAAAAAAAAAAAAAAAeAAAAaAAAAAAAAAAAAAAAAAAAAAAAAAAAAAAAECcAABAnAAAAAAAAAAAAAAAAAAAAAAAAAAAAAAAAAAAAAAAAAAAAABQAAAAAAAAAwMD/AAAAAABkAAAAMgAAAAAAAABkAAAAAAAAAH9/fwAKAAAAHwAAAFQAAAAAAAAFAAAAAQAAAAAAAAAAAAAAAAAAAAAAAAAAAAAAAAAAAAAAAAAAAAAAAn9/fwAAAAADzMzMAMDA/wB/f38AAAAAAAAAAAAAAAAAAAAAAAAAAAAhAAAAGAAAABQAAACYHAAA2AkAAHA1AACwJQAAEAAAACYAAAAIAAAAAYAAAAAAAAA="/>
+                <pr:smNativeData xmlns:pr="smNativeData" val="SMDATA_13_of3fZRMAAAAlAAAAZAAAAA8BAAAAkAAAAEgAAACQAAAASAAAAAAAAAAAAAAAAAAAAAEAAABQAAAAAAAAAAAA4D8AAAAAAADgPwAAAAAAAOA/AAAAAAAA4D8AAAAAAADgPwAAAAAAAOA/AAAAAAAA4D8AAAAAAADgPwAAAAAAAOA/AAAAAAAA4D8CAAAAjAAAAAAAAAAAAAAAu+DjDP///wgAAAAAAAAAAAAAAAAAAAAAAAAAAAAAAAAAAAAAZAAAAAEAAABAAAAAAAAAAAAAAAAAAAAAAAAAAAAAAAAAAAAAAAAAAAAAAAAAAAAAAAAAAAAAAAAAAAAAAAAAAAAAAAAAAAAAAAAAAAAAAAAAAAAAAAAAAAAAAAAAAAAAFAAAADwAAAAAAAAAAAAAAAAAAAkUAAAAAQAAABQAAAAUAAAAFAAAAAEAAAAAAAAAZAAAAGQAAAAAAAAAZAAAAGQAAAAVAAAAYAAAAAAAAAAAAAAADwAAACADAAAAAAAAAAAAAAEAAACgMgAAVgcAAKr4//8BAAAAf39/AAEAAABkAAAAAAAAABQAAABAHwAAAAAAACYAAAAAAAAAwOD//wAAAAAmAAAAZAAAABYAAABMAAAAAAAAAAAAAAAEAAAAAAAAAAEAAACAgIAKAAAAACgAAAAoAAAAZAAAAGQAAAAAAAAAzMzMAAAAAABQAAAAUAAAAGQAAABkAAAAAAAAABcAAAAUAAAAAAAAAAAAAAD/fwAA/38AAAAAAAAJAAAABAAAAAAAAAAMAAAAEAAAAAAAAAAAAAAAAAAAAAAAAAAeAAAAaAAAAAAAAAAAAAAAAAAAAAAAAAAAAAAAECcAABAnAAAAAAAAAAAAAAAAAAAAAAAAAAAAAAAAAAAAAAAAAAAAABQAAAAAAAAAwMD/AAAAAABkAAAAMgAAAAAAAABkAAAAAAAAAH9/fwAKAAAAHwAAAFQAAAAAAAAFAAAAAQAAAAAAAAAAAAAAAAAAAAAAAAAAAAAAAAAAAAAAAAAAAAAAAn9/fwAAAAADzMzMAMDA/wB/f38AAAAAAAAAAAAAAAAAAAAAAAAAAAAhAAAAGAAAABQAAACYHAAA2AkAAHA1AACwJQAAEAAAACYAAAAIAAAAAYAAAAAAAAA="/>
               </a:ext>
             </a:extLst>
           </p:cNvSpPr>
@@ -1428,7 +1428,7 @@
             <a:spLocks noGrp="1" noChangeArrowheads="1"/>
             <a:extLst>
               <a:ext uri="smNativeData">
-                <pr:smNativeData xmlns:pr="smNativeData" val="SMDATA_13_lv/SZRMAAAAlAAAAZAAAAA8BAAAAkAAAAEgAAACQAAAASAAAAAAAAAABAAAAAAAAAAEAAABQAAAAAAAAAAAA4D8AAAAAAADgPwAAAAAAAOA/AAAAAAAA4D8AAAAAAADgPwAAAAAAAOA/AAAAAAAA4D8AAAAAAADgPwAAAAAAAOA/AAAAAAAA4D8CAAAAjAAAAAAAAAAAAAAAu+DjDP///wgAAAAAAAAAAAAAAAAAAAAAAAAAAAAAAAAAAAAAZAAAAAEAAABAAAAAAAAAAAAAAAAAAAAAAAAAAAAAAAAAAAAAAAAAAAAAAAAAAAAAAAAAAAAAAAAAAAAAAAAAAAAAAAAAAAAAAAAAAAAAAAAAAAAAAAAAAAAAAAAAAAAAFAAAADwAAAAAAAAAAAAAAAAAAAkUAAAAAQAAABQAAAAUAAAAFAAAAAEAAAAAAAAAZAAAAGQAAAAAAAAAZAAAAGQAAAAVAAAAYAAAAAAAAAAAAAAADwAAACADAAAAAAAAAAAAAAEAAACgMgAAVgcAAKr4//8BAAAAf39/AAEAAABkAAAAAAAAABQAAABAHwAAAAAAACYAAAAAAAAAwOD//wAAAAAmAAAAZAAAABYAAABMAAAAAAAAAAAAAAAEAAAAAAAAAAEAAACAgIAKAAAAACgAAAAoAAAAZAAAAGQAAAAAAAAAzMzMAAAAAABQAAAAUAAAAGQAAABkAAAAAAAAABcAAAAUAAAAAAAAAAAAAAD/fwAA/38AAAAAAAAJAAAABAAAAAAAAAAMAAAAEAAAAAAAAAAAAAAAAAAAAAAAAAAeAAAAaAAAAAAAAAAAAAAAAAAAAAAAAAAAAAAAECcAABAnAAAAAAAAAAAAAAAAAAAAAAAAAAAAAAAAAAAAAAAAAAAAABQAAAAAAAAAwMD/AAAAAABkAAAAMgAAAAAAAABkAAAAAAAAAH9/fwAKAAAAHwAAAFQAAAAAAAAFAAAAAQAAAAAAAAAAAAAAAAAAAAAAAAAAAAAAAAAAAAAAAAAAAAAAAn9/fwAAAAADzMzMAMDA/wB/f38AAAAAAAAAAAAAAAAAAAAAAAAAAAAhAAAAGAAAABQAAADQAgAAGycAAPAPAABZKQAAEAAAACYAAAAIAAAAAAAAAAAAAAA="/>
+                <pr:smNativeData xmlns:pr="smNativeData" val="SMDATA_13_of3fZRMAAAAlAAAAZAAAAA8BAAAAkAAAAEgAAACQAAAASAAAAAAAAAABAAAAAAAAAAEAAABQAAAAAAAAAAAA4D8AAAAAAADgPwAAAAAAAOA/AAAAAAAA4D8AAAAAAADgPwAAAAAAAOA/AAAAAAAA4D8AAAAAAADgPwAAAAAAAOA/AAAAAAAA4D8CAAAAjAAAAAAAAAAAAAAAu+DjDP///wgAAAAAAAAAAAAAAAAAAAAAAAAAAAAAAAAAAAAAZAAAAAEAAABAAAAAAAAAAAAAAAAAAAAAAAAAAAAAAAAAAAAAAAAAAAAAAAAAAAAAAAAAAAAAAAAAAAAAAAAAAAAAAAAAAAAAAAAAAAAAAAAAAAAAAAAAAAAAAAAAAAAAFAAAADwAAAAAAAAAAAAAAAAAAAkUAAAAAQAAABQAAAAUAAAAFAAAAAEAAAAAAAAAZAAAAGQAAAAAAAAAZAAAAGQAAAAVAAAAYAAAAAAAAAAAAAAADwAAACADAAAAAAAAAAAAAAEAAACgMgAAVgcAAKr4//8BAAAAf39/AAEAAABkAAAAAAAAABQAAABAHwAAAAAAACYAAAAAAAAAwOD//wAAAAAmAAAAZAAAABYAAABMAAAAAAAAAAAAAAAEAAAAAAAAAAEAAACAgIAKAAAAACgAAAAoAAAAZAAAAGQAAAAAAAAAzMzMAAAAAABQAAAAUAAAAGQAAABkAAAAAAAAABcAAAAUAAAAAAAAAAAAAAD/fwAA/38AAAAAAAAJAAAABAAAAAAAAAAMAAAAEAAAAAAAAAAAAAAAAAAAAAAAAAAeAAAAaAAAAAAAAAAAAAAAAAAAAAAAAAAAAAAAECcAABAnAAAAAAAAAAAAAAAAAAAAAAAAAAAAAAAAAAAAAAAAAAAAABQAAAAAAAAAwMD/AAAAAABkAAAAMgAAAAAAAABkAAAAAAAAAH9/fwAKAAAAHwAAAFQAAAAAAAAFAAAAAQAAAAAAAAAAAAAAAAAAAAAAAAAAAAAAAAAAAAAAAAAAAAAAAn9/fwAAAAADzMzMAMDA/wB/f38AAAAAAAAAAAAAAAAAAAAAAAAAAAAhAAAAGAAAABQAAADQAgAAGycAAPAPAABZKQAAEAAAACYAAAAIAAAAAAAAAAAAAAA="/>
               </a:ext>
             </a:extLst>
           </p:cNvSpPr>
@@ -1442,7 +1442,7 @@
           <a:lstStyle/>
           <a:p>
             <a:pPr/>
-            <a:fld id="{3F6CE100-4ED2-3917-9CD4-B842AF9A6AED}" type="datetime1">
+            <a:fld id="{3F124F38-76D2-47B9-9CAA-80EC01E46AD5}" type="datetime1">
               <a:t/>
             </a:fld>
           </a:p>
@@ -1455,7 +1455,7 @@
             <a:spLocks noGrp="1" noChangeArrowheads="1"/>
             <a:extLst>
               <a:ext uri="smNativeData">
-                <pr:smNativeData xmlns:pr="smNativeData" val="SMDATA_13_lv/SZRMAAAAlAAAAZAAAAA8BAAAAkAAAAEgAAACQAAAASAAAAAAAAAABAAAAAAAAAAEAAABQAAAAAAAAAAAA4D8AAAAAAADgPwAAAAAAAOA/AAAAAAAA4D8AAAAAAADgPwAAAAAAAOA/AAAAAAAA4D8AAAAAAADgPwAAAAAAAOA/AAAAAAAA4D8CAAAAjAAAAAAAAAAAAAAAu+DjDP///wgAAAAAAAAAAAAAAAAAAAAAAAAAAAAAAAAAAAAAZAAAAAEAAABAAAAAAAAAAAAAAAAAAAAAAAAAAAAAAAAAAAAAAAAAAAAAAAAAAAAAAAAAAAAAAAAAAAAAAAAAAAAAAAAAAAAAAAAAAAAAAAAAAAAAAAAAAAAAAAAAAAAAFAAAADwAAAAAAAAAAAAAAAAAAAkUAAAAAQAAABQAAAAUAAAAFAAAAAEAAAAAAAAAZAAAAGQAAAAAAAAAZAAAAGQAAAAVAAAAYAAAAAAAAAAAAAAADwAAACADAAAAAAAAAAAAAAEAAACgMgAAVgcAAKr4//8BAAAAf39/AAEAAABkAAAAAAAAABQAAABAHwAAAAAAACYAAAAAAAAAwOD//wAAAAAmAAAAZAAAABYAAABMAAAAAAAAAAAAAAAEAAAAAAAAAAEAAACAgIAKAAAAACgAAAAoAAAAZAAAAGQAAAAAAAAAzMzMAAAAAABQAAAAUAAAAGQAAABkAAAAAAAAABcAAAAUAAAAAAAAAAAAAAD/fwAA/38AAAAAAAAJAAAABAAAAAAAAAAMAAAAEAAAAAAAAAAAAAAAAAAAAAAAAAAeAAAAaAAAAAAAAAAAAAAAAAAAAAAAAAAAAAAAECcAABAnAAAAAAAAAAAAAAAAAAAAAAAAAAAAAAAAAAAAAAAAAAAAABQAAAAAAAAAwMD/AAAAAABkAAAAMgAAAAAAAABkAAAAAAAAAH9/fwAKAAAAHwAAAFQAAAAAAAAFAAAAAQAAAAAAAAAAAAAAAAAAAAAAAAAAAAAAAAAAAAAAAAAAAAAAAn9/fwAAAAADzMzMAMDA/wB/f38AAAAAAAAAAAAAAAAAAAAAAAAAAAAhAAAAGAAAABQAAAA4EwAAGycAAAglAABZKQAAEAAAACYAAAAIAAAAAAAAAAAAAAA="/>
+                <pr:smNativeData xmlns:pr="smNativeData" val="SMDATA_13_of3fZRMAAAAlAAAAZAAAAA8BAAAAkAAAAEgAAACQAAAASAAAAAAAAAABAAAAAAAAAAEAAABQAAAAAAAAAAAA4D8AAAAAAADgPwAAAAAAAOA/AAAAAAAA4D8AAAAAAADgPwAAAAAAAOA/AAAAAAAA4D8AAAAAAADgPwAAAAAAAOA/AAAAAAAA4D8CAAAAjAAAAAAAAAAAAAAAu+DjDP///wgAAAAAAAAAAAAAAAAAAAAAAAAAAAAAAAAAAAAAZAAAAAEAAABAAAAAAAAAAAAAAAAAAAAAAAAAAAAAAAAAAAAAAAAAAAAAAAAAAAAAAAAAAAAAAAAAAAAAAAAAAAAAAAAAAAAAAAAAAAAAAAAAAAAAAAAAAAAAAAAAAAAAFAAAADwAAAAAAAAAAAAAAAAAAAkUAAAAAQAAABQAAAAUAAAAFAAAAAEAAAAAAAAAZAAAAGQAAAAAAAAAZAAAAGQAAAAVAAAAYAAAAAAAAAAAAAAADwAAACADAAAAAAAAAAAAAAEAAACgMgAAVgcAAKr4//8BAAAAf39/AAEAAABkAAAAAAAAABQAAABAHwAAAAAAACYAAAAAAAAAwOD//wAAAAAmAAAAZAAAABYAAABMAAAAAAAAAAAAAAAEAAAAAAAAAAEAAACAgIAKAAAAACgAAAAoAAAAZAAAAGQAAAAAAAAAzMzMAAAAAABQAAAAUAAAAGQAAABkAAAAAAAAABcAAAAUAAAAAAAAAAAAAAD/fwAA/38AAAAAAAAJAAAABAAAAAAAAAAMAAAAEAAAAAAAAAAAAAAAAAAAAAAAAAAeAAAAaAAAAAAAAAAAAAAAAAAAAAAAAAAAAAAAECcAABAnAAAAAAAAAAAAAAAAAAAAAAAAAAAAAAAAAAAAAAAAAAAAABQAAAAAAAAAwMD/AAAAAABkAAAAMgAAAAAAAABkAAAAAAAAAH9/fwAKAAAAHwAAAFQAAAAAAAAFAAAAAQAAAAAAAAAAAAAAAAAAAAAAAAAAAAAAAAAAAAAAAAAAAAAAAn9/fwAAAAADzMzMAMDA/wB/f38AAAAAAAAAAAAAAAAAAAAAAAAAAAAhAAAAGAAAABQAAAA4EwAAGycAAAglAABZKQAAEAAAACYAAAAIAAAAAAAAAAAAAAA="/>
               </a:ext>
             </a:extLst>
           </p:cNvSpPr>
@@ -1479,7 +1479,7 @@
             <a:spLocks noGrp="1" noChangeArrowheads="1"/>
             <a:extLst>
               <a:ext uri="smNativeData">
-                <pr:smNativeData xmlns:pr="smNativeData" val="SMDATA_13_lv/SZRMAAAAlAAAAZAAAAA8BAAAAkAAAAEgAAACQAAAASAAAAAAAAAABAAAAAAAAAAEAAABQAAAAAAAAAAAA4D8AAAAAAADgPwAAAAAAAOA/AAAAAAAA4D8AAAAAAADgPwAAAAAAAOA/AAAAAAAA4D8AAAAAAADgPwAAAAAAAOA/AAAAAAAA4D8CAAAAjAAAAAAAAAAAAAAAu+DjDP///wgAAAAAAAAAAAAAAAAAAAAAAAAAAAAAAAAAAAAAZAAAAAEAAABAAAAAAAAAAAAAAAAAAAAAAAAAAAAAAAAAAAAAAAAAAAAAAAAAAAAAAAAAAAAAAAAAAAAAAAAAAAAAAAAAAAAAAAAAAAAAAAAAAAAAAAAAAAAAAAAAAAAAFAAAADwAAAAAAAAAAAAAAAAAAAkUAAAAAQAAABQAAAAUAAAAFAAAAAEAAAAAAAAAZAAAAGQAAAAAAAAAZAAAAGQAAAAVAAAAYAAAAAAAAAAAAAAADwAAACADAAAAAAAAAAAAAAEAAACgMgAAVgcAAKr4//8BAAAAf39/AAEAAABkAAAAAAAAABQAAABAHwAAAAAAACYAAAAAAAAAwOD//wAAAAAmAAAAZAAAABYAAABMAAAAAAAAAAAAAAAEAAAAAAAAAAEAAACAgIAKAAAAACgAAAAoAAAAZAAAAGQAAAAAAAAAzMzMAAAAAABQAAAAUAAAAGQAAABkAAAAAAAAABcAAAAUAAAAAAAAAAAAAAD/fwAA/38AAAAAAAAJAAAABAAAAAAAAAAMAAAAEAAAAAAAAAAAAAAAAAAAAAAAAAAeAAAAaAAAAAAAAAAAAAAAAAAAAAAAAAAAAAAAECcAABAnAAAAAAAAAAAAAAAAAAAAAAAAAAAAAAAAAAAAAAAAAAAAABQAAAAAAAAAwMD/AAAAAABkAAAAMgAAAAAAAABkAAAAAAAAAH9/fwAKAAAAHwAAAFQAAAAAAAAFAAAAAQAAAAAAAAAAAAAAAAAAAAAAAAAAAAAAAAAAAAAAAAAAAAAAAn9/fwAAAAADzMzMAMDA/wB/f38AAAAAAAAAAAAAAAAAAAAAAAAAAAAhAAAAGAAAABQAAABQKAAAGycAAHA1AABZKQAAEAAAACYAAAAIAAAAAAAAAAAAAAA="/>
+                <pr:smNativeData xmlns:pr="smNativeData" val="SMDATA_13_of3fZRMAAAAlAAAAZAAAAA8BAAAAkAAAAEgAAACQAAAASAAAAAAAAAABAAAAAAAAAAEAAABQAAAAAAAAAAAA4D8AAAAAAADgPwAAAAAAAOA/AAAAAAAA4D8AAAAAAADgPwAAAAAAAOA/AAAAAAAA4D8AAAAAAADgPwAAAAAAAOA/AAAAAAAA4D8CAAAAjAAAAAAAAAAAAAAAu+DjDP///wgAAAAAAAAAAAAAAAAAAAAAAAAAAAAAAAAAAAAAZAAAAAEAAABAAAAAAAAAAAAAAAAAAAAAAAAAAAAAAAAAAAAAAAAAAAAAAAAAAAAAAAAAAAAAAAAAAAAAAAAAAAAAAAAAAAAAAAAAAAAAAAAAAAAAAAAAAAAAAAAAAAAAFAAAADwAAAAAAAAAAAAAAAAAAAkUAAAAAQAAABQAAAAUAAAAFAAAAAEAAAAAAAAAZAAAAGQAAAAAAAAAZAAAAGQAAAAVAAAAYAAAAAAAAAAAAAAADwAAACADAAAAAAAAAAAAAAEAAACgMgAAVgcAAKr4//8BAAAAf39/AAEAAABkAAAAAAAAABQAAABAHwAAAAAAACYAAAAAAAAAwOD//wAAAAAmAAAAZAAAABYAAABMAAAAAAAAAAAAAAAEAAAAAAAAAAEAAACAgIAKAAAAACgAAAAoAAAAZAAAAGQAAAAAAAAAzMzMAAAAAABQAAAAUAAAAGQAAABkAAAAAAAAABcAAAAUAAAAAAAAAAAAAAD/fwAA/38AAAAAAAAJAAAABAAAAAAAAAAMAAAAEAAAAAAAAAAAAAAAAAAAAAAAAAAeAAAAaAAAAAAAAAAAAAAAAAAAAAAAAAAAAAAAECcAABAnAAAAAAAAAAAAAAAAAAAAAAAAAAAAAAAAAAAAAAAAAAAAABQAAAAAAAAAwMD/AAAAAABkAAAAMgAAAAAAAABkAAAAAAAAAH9/fwAKAAAAHwAAAFQAAAAAAAAFAAAAAQAAAAAAAAAAAAAAAAAAAAAAAAAAAAAAAAAAAAAAAAAAAAAAAn9/fwAAAAADzMzMAMDA/wB/f38AAAAAAAAAAAAAAAAAAAAAAAAAAAAhAAAAGAAAABQAAABQKAAAGycAAHA1AABZKQAAEAAAACYAAAAIAAAAAAAAAAAAAAA="/>
               </a:ext>
             </a:extLst>
           </p:cNvSpPr>
@@ -1493,7 +1493,7 @@
           <a:lstStyle/>
           <a:p>
             <a:pPr/>
-            <a:fld id="{3F6CD67F-31D2-3920-9CD4-C775989A6A92}" type="slidenum">
+            <a:fld id="{3F120052-1CD2-47F6-9CAA-EAA34EE46ABF}" type="slidenum">
               <a:t/>
             </a:fld>
           </a:p>
@@ -1531,7 +1531,7 @@
             <a:spLocks noGrp="1" noChangeArrowheads="1"/>
             <a:extLst>
               <a:ext uri="smNativeData">
-                <pr:smNativeData xmlns:pr="smNativeData" val="SMDATA_13_lv/SZRMAAAAlAAAAZAAAAA8BAAAAkAAAAEgAAACQAAAASAAAAAAAAAABAAAAAAAAAAEAAABQAAAAAAAAAAAA4D8AAAAAAADgPwAAAAAAAOA/AAAAAAAA4D8AAAAAAADgPwAAAAAAAOA/AAAAAAAA4D8AAAAAAADgPwAAAAAAAOA/AAAAAAAA4D8CAAAAjAAAAAAAAAAAAAAAu+DjDP///wgAAAAAAAAAAAAAAAAAAAAAAAAAAAAAAAAAAAAAZAAAAAEAAABAAAAAAAAAAAAAAAAAAAAAAAAAAAAAAAAAAAAAAAAAAAAAAAAAAAAAAAAAAAAAAAAAAAAAAAAAAAAAAAAAAAAAAAAAAAAAAAAAAAAAAAAAAAAAAAAAAAAAFAAAADwAAAAAAAAAAAAAAAAAAAkUAAAAAQAAABQAAAAUAAAAFAAAAAEAAAAAAAAAZAAAAGQAAAAAAAAAZAAAAGQAAAAVAAAAYAAAAAAAAAAAAAAADwAAACADAAAAAAAAAAAAAAEAAACgMgAAVgcAAKr4//8BAAAAf39/AAEAAABkAAAAAAAAABQAAABAHwAAAAAAACYAAAAAAAAAwOD//wAAAAAmAAAAZAAAABYAAABMAAAAAAAAAAAAAAAEAAAAAAAAAAEAAACAgIAKAAAAACgAAAAoAAAAZAAAAGQAAAAAAAAAzMzMAAAAAABQAAAAUAAAAGQAAABkAAAAAAAAABcAAAAUAAAAAAAAAAAAAAD/fwAA/38AAAAAAAAJAAAABAAAAAAAAAAMAAAAEAAAAAAAAAAAAAAAAAAAAAAAAAAeAAAAaAAAAAAAAAAAAAAAAAAAAAAAAAAAAAAAECcAABAnAAAAAAAAAAAAAAAAAAAAAAAAAAAAAAAAAAAAAAAAAAAAABQAAAAAAAAAwMD/AAAAAABkAAAAMgAAAAAAAABkAAAAAAAAAH9/fwAKAAAAHwAAAFQAAAAAAAAFAAAAAQAAAAAAAAAAAAAAAAAAAAAAAAAAAAAAAAAAAAAAAAAAAAAAAn9/fwAAAAADzMzMAMDA/wB/f38AAAAAAAAAAAAAAAAAAAAAAAAAAAAhAAAAGAAAABQAAADQAgAAsAEAAHA1AAC4CAAAEAAAACYAAAAIAAAAAAAAAAAAAAA="/>
+                <pr:smNativeData xmlns:pr="smNativeData" val="SMDATA_13_of3fZRMAAAAlAAAAZAAAAA8BAAAAkAAAAEgAAACQAAAASAAAAAAAAAABAAAAAAAAAAEAAABQAAAAAAAAAAAA4D8AAAAAAADgPwAAAAAAAOA/AAAAAAAA4D8AAAAAAADgPwAAAAAAAOA/AAAAAAAA4D8AAAAAAADgPwAAAAAAAOA/AAAAAAAA4D8CAAAAjAAAAAAAAAAAAAAAu+DjDP///wgAAAAAAAAAAAAAAAAAAAAAAAAAAAAAAAAAAAAAZAAAAAEAAABAAAAAAAAAAAAAAAAAAAAAAAAAAAAAAAAAAAAAAAAAAAAAAAAAAAAAAAAAAAAAAAAAAAAAAAAAAAAAAAAAAAAAAAAAAAAAAAAAAAAAAAAAAAAAAAAAAAAAFAAAADwAAAAAAAAAAAAAAAAAAAkUAAAAAQAAABQAAAAUAAAAFAAAAAEAAAAAAAAAZAAAAGQAAAAAAAAAZAAAAGQAAAAVAAAAYAAAAAAAAAAAAAAADwAAACADAAAAAAAAAAAAAAEAAACgMgAAVgcAAKr4//8BAAAAf39/AAEAAABkAAAAAAAAABQAAABAHwAAAAAAACYAAAAAAAAAwOD//wAAAAAmAAAAZAAAABYAAABMAAAAAAAAAAAAAAAEAAAAAAAAAAEAAACAgIAKAAAAACgAAAAoAAAAZAAAAGQAAAAAAAAAzMzMAAAAAABQAAAAUAAAAGQAAABkAAAAAAAAABcAAAAUAAAAAAAAAAAAAAD/fwAA/38AAAAAAAAJAAAABAAAAAAAAAAMAAAAEAAAAAAAAAAAAAAAAAAAAAAAAAAeAAAAaAAAAAAAAAAAAAAAAAAAAAAAAAAAAAAAECcAABAnAAAAAAAAAAAAAAAAAAAAAAAAAAAAAAAAAAAAAAAAAAAAABQAAAAAAAAAwMD/AAAAAABkAAAAMgAAAAAAAABkAAAAAAAAAH9/fwAKAAAAHwAAAFQAAAAAAAAFAAAAAQAAAAAAAAAAAAAAAAAAAAAAAAAAAAAAAAAAAAAAAAAAAAAAAn9/fwAAAAADzMzMAMDA/wB/f38AAAAAAAAAAAAAAAAAAAAAAAAAAAAhAAAAGAAAABQAAADQAgAAsAEAAHA1AAC4CAAAEAAAACYAAAAIAAAAAAAAAAAAAAA="/>
               </a:ext>
             </a:extLst>
           </p:cNvSpPr>
@@ -1558,7 +1558,7 @@
             <a:spLocks noGrp="1" noChangeArrowheads="1"/>
             <a:extLst>
               <a:ext uri="smNativeData">
-                <pr:smNativeData xmlns:pr="smNativeData" val="SMDATA_13_lv/SZRMAAAAlAAAAZAAAAA8BAAAAkAAAAEgAAACQAAAASAAAAAAAAAACAAAAAAAAAAEAAABQAAAAAAAAAAAA4D8AAAAAAADgPwAAAAAAAOA/AAAAAAAA4D8AAAAAAADgPwAAAAAAAOA/AAAAAAAA4D8AAAAAAADgPwAAAAAAAOA/AAAAAAAA4D8CAAAAjAAAAAAAAAAAAAAAu+DjDP///wgAAAAAAAAAAAAAAAAAAAAAAAAAAAAAAAAAAAAAZAAAAAEAAABAAAAAAAAAAAAAAAAAAAAAAAAAAAAAAAAAAAAAAAAAAAAAAAAAAAAAAAAAAAAAAAAAAAAAAAAAAAAAAAAAAAAAAAAAAAAAAAAAAAAAAAAAAAAAAAAAAAAAFAAAADwAAAAAAAAAAAAAAAAAAAkUAAAAAQAAABQAAAAUAAAAFAAAAAEAAAAAAAAAZAAAAGQAAAAAAAAAZAAAAGQAAAAVAAAAYAAAAAAAAAAAAAAADwAAACADAAAAAAAAAAAAAAEAAACgMgAAVgcAAKr4//8BAAAAf39/AAEAAABkAAAAAAAAABQAAABAHwAAAAAAACYAAAAAAAAAwOD//wAAAAAmAAAAZAAAABYAAABMAAAAAAAAAAAAAAAEAAAAAAAAAAEAAACAgIAKAAAAACgAAAAoAAAAZAAAAGQAAAAAAAAAzMzMAAAAAABQAAAAUAAAAGQAAABkAAAAAAAAABcAAAAUAAAAAAAAAAAAAAD/fwAA/38AAAAAAAAJAAAABAAAAAAAAAAMAAAAEAAAAAAAAAAAAAAAAAAAAAAAAAAeAAAAaAAAAAAAAAAAAAAAAAAAAAAAAAAAAAAAECcAABAnAAAAAAAAAAAAAAAAAAAAAAAAAAAAAAAAAAAAAAAAAAAAABQAAAAAAAAAwMD/AAAAAABkAAAAMgAAAAAAAABkAAAAAAAAAH9/fwAKAAAAHwAAAFQAAAAAAAAFAAAAAQAAAAAAAAAAAAAAAAAAAAAAAAAAAAAAAAAAAAAAAAAAAAAAAn9/fwAAAAADzMzMAMDA/wB/f38AAAAAAAAAAAAAAAAAAAAAAAAAAAAhAAAAGAAAABQAAADQAgAAcQkAAKobAABhDQAAEAAAACYAAAAIAAAAgYAAAAAAAAA="/>
+                <pr:smNativeData xmlns:pr="smNativeData" val="SMDATA_13_of3fZRMAAAAlAAAAZAAAAA8BAAAAkAAAAEgAAACQAAAASAAAAAAAAAACAAAAAAAAAAEAAABQAAAAAAAAAAAA4D8AAAAAAADgPwAAAAAAAOA/AAAAAAAA4D8AAAAAAADgPwAAAAAAAOA/AAAAAAAA4D8AAAAAAADgPwAAAAAAAOA/AAAAAAAA4D8CAAAAjAAAAAAAAAAAAAAAu+DjDP///wgAAAAAAAAAAAAAAAAAAAAAAAAAAAAAAAAAAAAAZAAAAAEAAABAAAAAAAAAAAAAAAAAAAAAAAAAAAAAAAAAAAAAAAAAAAAAAAAAAAAAAAAAAAAAAAAAAAAAAAAAAAAAAAAAAAAAAAAAAAAAAAAAAAAAAAAAAAAAAAAAAAAAFAAAADwAAAAAAAAAAAAAAAAAAAkUAAAAAQAAABQAAAAUAAAAFAAAAAEAAAAAAAAAZAAAAGQAAAAAAAAAZAAAAGQAAAAVAAAAYAAAAAAAAAAAAAAADwAAACADAAAAAAAAAAAAAAEAAACgMgAAVgcAAKr4//8BAAAAf39/AAEAAABkAAAAAAAAABQAAABAHwAAAAAAACYAAAAAAAAAwOD//wAAAAAmAAAAZAAAABYAAABMAAAAAAAAAAAAAAAEAAAAAAAAAAEAAACAgIAKAAAAACgAAAAoAAAAZAAAAGQAAAAAAAAAzMzMAAAAAABQAAAAUAAAAGQAAABkAAAAAAAAABcAAAAUAAAAAAAAAAAAAAD/fwAA/38AAAAAAAAJAAAABAAAAAAAAAAMAAAAEAAAAAAAAAAAAAAAAAAAAAAAAAAeAAAAaAAAAAAAAAAAAAAAAAAAAAAAAAAAAAAAECcAABAnAAAAAAAAAAAAAAAAAAAAAAAAAAAAAAAAAAAAAAAAAAAAABQAAAAAAAAAwMD/AAAAAABkAAAAMgAAAAAAAABkAAAAAAAAAH9/fwAKAAAAHwAAAFQAAAAAAAAFAAAAAQAAAAAAAAAAAAAAAAAAAAAAAAAAAAAAAAAAAAAAAAAAAAAAAn9/fwAAAAADzMzMAMDA/wB/f38AAAAAAAAAAAAAAAAAAAAAAAAAAAAhAAAAGAAAABQAAADQAgAAcQkAAKobAABhDQAAEAAAACYAAAAIAAAAgYAAAAAAAAA="/>
               </a:ext>
             </a:extLst>
           </p:cNvSpPr>
@@ -1631,7 +1631,7 @@
             <a:spLocks noGrp="1" noChangeArrowheads="1"/>
             <a:extLst>
               <a:ext uri="smNativeData">
-                <pr:smNativeData xmlns:pr="smNativeData" val="SMDATA_13_lv/SZRMAAAAlAAAAZAAAAA8BAAAAkAAAAEgAAACQAAAASAAAAAAAAAAAAAAAAAAAAAEAAABQAAAAAAAAAAAA4D8AAAAAAADgPwAAAAAAAOA/AAAAAAAA4D8AAAAAAADgPwAAAAAAAOA/AAAAAAAA4D8AAAAAAADgPwAAAAAAAOA/AAAAAAAA4D8CAAAAjAAAAAAAAAAAAAAAu+DjDP///wgAAAAAAAAAAAAAAAAAAAAAAAAAAAAAAAAAAAAAZAAAAAEAAABAAAAAAAAAAAAAAAAAAAAAAAAAAAAAAAAAAAAAAAAAAAAAAAAAAAAAAAAAAAAAAAAAAAAAAAAAAAAAAAAAAAAAAAAAAAAAAAAAAAAAAAAAAAAAAAAAAAAAFAAAADwAAAAAAAAAAAAAAAAAAAkUAAAAAQAAABQAAAAUAAAAFAAAAAEAAAAAAAAAZAAAAGQAAAAAAAAAZAAAAGQAAAAVAAAAYAAAAAAAAAAAAAAADwAAACADAAAAAAAAAAAAAAEAAACgMgAAVgcAAKr4//8BAAAAf39/AAEAAABkAAAAAAAAABQAAABAHwAAAAAAACYAAAAAAAAAwOD//wAAAAAmAAAAZAAAABYAAABMAAAAAAAAAAAAAAAEAAAAAAAAAAEAAACAgIAKAAAAACgAAAAoAAAAZAAAAGQAAAAAAAAAzMzMAAAAAABQAAAAUAAAAGQAAABkAAAAAAAAABcAAAAUAAAAAAAAAAAAAAD/fwAA/38AAAAAAAAJAAAABAAAAAAAAAAMAAAAEAAAAAAAAAAAAAAAAAAAAAAAAAAeAAAAaAAAAAAAAAAAAAAAAAAAAAAAAAAAAAAAECcAABAnAAAAAAAAAAAAAAAAAAAAAAAAAAAAAAAAAAAAAAAAAAAAABQAAAAAAAAAwMD/AAAAAABkAAAAMgAAAAAAAABkAAAAAAAAAH9/fwAKAAAAHwAAAFQAAAAAAAAFAAAAAQAAAAAAAAAAAAAAAAAAAAAAAAAAAAAAAAAAAAAAAAAAAAAAAn9/fwAAAAADzMzMAMDA/wB/f38AAAAAAAAAAAAAAAAAAAAAAAAAAAAhAAAAGAAAABQAAADQAgAAYQ0AAKobAACwJQAAEAAAACYAAAAIAAAAAYAAAAAAAAA="/>
+                <pr:smNativeData xmlns:pr="smNativeData" val="SMDATA_13_of3fZRMAAAAlAAAAZAAAAA8BAAAAkAAAAEgAAACQAAAASAAAAAAAAAAAAAAAAAAAAAEAAABQAAAAAAAAAAAA4D8AAAAAAADgPwAAAAAAAOA/AAAAAAAA4D8AAAAAAADgPwAAAAAAAOA/AAAAAAAA4D8AAAAAAADgPwAAAAAAAOA/AAAAAAAA4D8CAAAAjAAAAAAAAAAAAAAAu+DjDP///wgAAAAAAAAAAAAAAAAAAAAAAAAAAAAAAAAAAAAAZAAAAAEAAABAAAAAAAAAAAAAAAAAAAAAAAAAAAAAAAAAAAAAAAAAAAAAAAAAAAAAAAAAAAAAAAAAAAAAAAAAAAAAAAAAAAAAAAAAAAAAAAAAAAAAAAAAAAAAAAAAAAAAFAAAADwAAAAAAAAAAAAAAAAAAAkUAAAAAQAAABQAAAAUAAAAFAAAAAEAAAAAAAAAZAAAAGQAAAAAAAAAZAAAAGQAAAAVAAAAYAAAAAAAAAAAAAAADwAAACADAAAAAAAAAAAAAAEAAACgMgAAVgcAAKr4//8BAAAAf39/AAEAAABkAAAAAAAAABQAAABAHwAAAAAAACYAAAAAAAAAwOD//wAAAAAmAAAAZAAAABYAAABMAAAAAAAAAAAAAAAEAAAAAAAAAAEAAACAgIAKAAAAACgAAAAoAAAAZAAAAGQAAAAAAAAAzMzMAAAAAABQAAAAUAAAAGQAAABkAAAAAAAAABcAAAAUAAAAAAAAAAAAAAD/fwAA/38AAAAAAAAJAAAABAAAAAAAAAAMAAAAEAAAAAAAAAAAAAAAAAAAAAAAAAAeAAAAaAAAAAAAAAAAAAAAAAAAAAAAAAAAAAAAECcAABAnAAAAAAAAAAAAAAAAAAAAAAAAAAAAAAAAAAAAAAAAAAAAABQAAAAAAAAAwMD/AAAAAABkAAAAMgAAAAAAAABkAAAAAAAAAH9/fwAKAAAAHwAAAFQAAAAAAAAFAAAAAQAAAAAAAAAAAAAAAAAAAAAAAAAAAAAAAAAAAAAAAAAAAAAAAn9/fwAAAAADzMzMAMDA/wB/f38AAAAAAAAAAAAAAAAAAAAAAAAAAAAhAAAAGAAAABQAAADQAgAAYQ0AAKobAACwJQAAEAAAACYAAAAIAAAAAYAAAAAAAAA="/>
               </a:ext>
             </a:extLst>
           </p:cNvSpPr>
@@ -1715,7 +1715,7 @@
             <a:spLocks noGrp="1" noChangeArrowheads="1"/>
             <a:extLst>
               <a:ext uri="smNativeData">
-                <pr:smNativeData xmlns:pr="smNativeData" val="SMDATA_13_lv/SZRMAAAAlAAAAZAAAAA8BAAAAkAAAAEgAAACQAAAASAAAAAAAAAACAAAAAAAAAAEAAABQAAAAAAAAAAAA4D8AAAAAAADgPwAAAAAAAOA/AAAAAAAA4D8AAAAAAADgPwAAAAAAAOA/AAAAAAAA4D8AAAAAAADgPwAAAAAAAOA/AAAAAAAA4D8CAAAAjAAAAAAAAAAAAAAAu+DjDP///wgAAAAAAAAAAAAAAAAAAAAAAAAAAAAAAAAAAAAAZAAAAAEAAABAAAAAAAAAAAAAAAAAAAAAAAAAAAAAAAAAAAAAAAAAAAAAAAAAAAAAAAAAAAAAAAAAAAAAAAAAAAAAAAAAAAAAAAAAAAAAAAAAAAAAAAAAAAAAAAAAAAAAFAAAADwAAAAAAAAAAAAAAAAAAAkUAAAAAQAAABQAAAAUAAAAFAAAAAEAAAAAAAAAZAAAAGQAAAAAAAAAZAAAAGQAAAAVAAAAYAAAAAAAAAAAAAAADwAAACADAAAAAAAAAAAAAAEAAACgMgAAVgcAAKr4//8BAAAAf39/AAEAAABkAAAAAAAAABQAAABAHwAAAAAAACYAAAAAAAAAwOD//wAAAAAmAAAAZAAAABYAAABMAAAAAAAAAAAAAAAEAAAAAAAAAAEAAACAgIAKAAAAACgAAAAoAAAAZAAAAGQAAAAAAAAAzMzMAAAAAABQAAAAUAAAAGQAAABkAAAAAAAAABcAAAAUAAAAAAAAAAAAAAD/fwAA/38AAAAAAAAJAAAABAAAAAAAAAAMAAAAEAAAAAAAAAAAAAAAAAAAAAAAAAAeAAAAaAAAAAAAAAAAAAAAAAAAAAAAAAAAAAAAECcAABAnAAAAAAAAAAAAAAAAAAAAAAAAAAAAAAAAAAAAAAAAAAAAABQAAAAAAAAAwMD/AAAAAABkAAAAMgAAAAAAAABkAAAAAAAAAH9/fwAKAAAAHwAAAFQAAAAAAAAFAAAAAQAAAAAAAAAAAAAAAAAAAAAAAAAAAAAAAAAAAAAAAAAAAAAAAn9/fwAAAAADzMzMAMDA/wB/f38AAAAAAAAAAAAAAAAAAAAAAAAAAAAhAAAAGAAAABQAAACWHAAAcQkAAHA1AABhDQAAEAAAACYAAAAIAAAAgYAAAAAAAAA="/>
+                <pr:smNativeData xmlns:pr="smNativeData" val="SMDATA_13_of3fZRMAAAAlAAAAZAAAAA8BAAAAkAAAAEgAAACQAAAASAAAAAAAAAACAAAAAAAAAAEAAABQAAAAAAAAAAAA4D8AAAAAAADgPwAAAAAAAOA/AAAAAAAA4D8AAAAAAADgPwAAAAAAAOA/AAAAAAAA4D8AAAAAAADgPwAAAAAAAOA/AAAAAAAA4D8CAAAAjAAAAAAAAAAAAAAAu+DjDP///wgAAAAAAAAAAAAAAAAAAAAAAAAAAAAAAAAAAAAAZAAAAAEAAABAAAAAAAAAAAAAAAAAAAAAAAAAAAAAAAAAAAAAAAAAAAAAAAAAAAAAAAAAAAAAAAAAAAAAAAAAAAAAAAAAAAAAAAAAAAAAAAAAAAAAAAAAAAAAAAAAAAAAFAAAADwAAAAAAAAAAAAAAAAAAAkUAAAAAQAAABQAAAAUAAAAFAAAAAEAAAAAAAAAZAAAAGQAAAAAAAAAZAAAAGQAAAAVAAAAYAAAAAAAAAAAAAAADwAAACADAAAAAAAAAAAAAAEAAACgMgAAVgcAAKr4//8BAAAAf39/AAEAAABkAAAAAAAAABQAAABAHwAAAAAAACYAAAAAAAAAwOD//wAAAAAmAAAAZAAAABYAAABMAAAAAAAAAAAAAAAEAAAAAAAAAAEAAACAgIAKAAAAACgAAAAoAAAAZAAAAGQAAAAAAAAAzMzMAAAAAABQAAAAUAAAAGQAAABkAAAAAAAAABcAAAAUAAAAAAAAAAAAAAD/fwAA/38AAAAAAAAJAAAABAAAAAAAAAAMAAAAEAAAAAAAAAAAAAAAAAAAAAAAAAAeAAAAaAAAAAAAAAAAAAAAAAAAAAAAAAAAAAAAECcAABAnAAAAAAAAAAAAAAAAAAAAAAAAAAAAAAAAAAAAAAAAAAAAABQAAAAAAAAAwMD/AAAAAABkAAAAMgAAAAAAAABkAAAAAAAAAH9/fwAKAAAAHwAAAFQAAAAAAAAFAAAAAQAAAAAAAAAAAAAAAAAAAAAAAAAAAAAAAAAAAAAAAAAAAAAAAn9/fwAAAAADzMzMAMDA/wB/f38AAAAAAAAAAAAAAAAAAAAAAAAAAAAhAAAAGAAAABQAAACWHAAAcQkAAHA1AABhDQAAEAAAACYAAAAIAAAAgYAAAAAAAAA="/>
               </a:ext>
             </a:extLst>
           </p:cNvSpPr>
@@ -1788,7 +1788,7 @@
             <a:spLocks noGrp="1" noChangeArrowheads="1"/>
             <a:extLst>
               <a:ext uri="smNativeData">
-                <pr:smNativeData xmlns:pr="smNativeData" val="SMDATA_13_lv/SZRMAAAAlAAAAZAAAAA8BAAAAkAAAAEgAAACQAAAASAAAAAAAAAAAAAAAAAAAAAEAAABQAAAAAAAAAAAA4D8AAAAAAADgPwAAAAAAAOA/AAAAAAAA4D8AAAAAAADgPwAAAAAAAOA/AAAAAAAA4D8AAAAAAADgPwAAAAAAAOA/AAAAAAAA4D8CAAAAjAAAAAAAAAAAAAAAu+DjDP///wgAAAAAAAAAAAAAAAAAAAAAAAAAAAAAAAAAAAAAZAAAAAEAAABAAAAAAAAAAAAAAAAAAAAAAAAAAAAAAAAAAAAAAAAAAAAAAAAAAAAAAAAAAAAAAAAAAAAAAAAAAAAAAAAAAAAAAAAAAAAAAAAAAAAAAAAAAAAAAAAAAAAAFAAAADwAAAAAAAAAAAAAAAAAAAkUAAAAAQAAABQAAAAUAAAAFAAAAAEAAAAAAAAAZAAAAGQAAAAAAAAAZAAAAGQAAAAVAAAAYAAAAAAAAAAAAAAADwAAACADAAAAAAAAAAAAAAEAAACgMgAAVgcAAKr4//8BAAAAf39/AAEAAABkAAAAAAAAABQAAABAHwAAAAAAACYAAAAAAAAAwOD//wAAAAAmAAAAZAAAABYAAABMAAAAAAAAAAAAAAAEAAAAAAAAAAEAAACAgIAKAAAAACgAAAAoAAAAZAAAAGQAAAAAAAAAzMzMAAAAAABQAAAAUAAAAGQAAABkAAAAAAAAABcAAAAUAAAAAAAAAAAAAAD/fwAA/38AAAAAAAAJAAAABAAAAAAAAAAMAAAAEAAAAAAAAAAAAAAAAAAAAAAAAAAeAAAAaAAAAAAAAAAAAAAAAAAAAAAAAAAAAAAAECcAABAnAAAAAAAAAAAAAAAAAAAAAAAAAAAAAAAAAAAAAAAAAAAAABQAAAAAAAAAwMD/AAAAAABkAAAAMgAAAAAAAABkAAAAAAAAAH9/fwAKAAAAHwAAAFQAAAAAAAAFAAAAAQAAAAAAAAAAAAAAAAAAAAAAAAAAAAAAAAAAAAAAAAAAAAAAAn9/fwAAAAADzMzMAMDA/wB/f38AAAAAAAAAAAAAAAAAAAAAAAAAAAAhAAAAGAAAABQAAACWHAAAYQ0AAHA1AACwJQAAEAAAACYAAAAIAAAAAYAAAAAAAAA="/>
+                <pr:smNativeData xmlns:pr="smNativeData" val="SMDATA_13_of3fZRMAAAAlAAAAZAAAAA8BAAAAkAAAAEgAAACQAAAASAAAAAAAAAAAAAAAAAAAAAEAAABQAAAAAAAAAAAA4D8AAAAAAADgPwAAAAAAAOA/AAAAAAAA4D8AAAAAAADgPwAAAAAAAOA/AAAAAAAA4D8AAAAAAADgPwAAAAAAAOA/AAAAAAAA4D8CAAAAjAAAAAAAAAAAAAAAu+DjDP///wgAAAAAAAAAAAAAAAAAAAAAAAAAAAAAAAAAAAAAZAAAAAEAAABAAAAAAAAAAAAAAAAAAAAAAAAAAAAAAAAAAAAAAAAAAAAAAAAAAAAAAAAAAAAAAAAAAAAAAAAAAAAAAAAAAAAAAAAAAAAAAAAAAAAAAAAAAAAAAAAAAAAAFAAAADwAAAAAAAAAAAAAAAAAAAkUAAAAAQAAABQAAAAUAAAAFAAAAAEAAAAAAAAAZAAAAGQAAAAAAAAAZAAAAGQAAAAVAAAAYAAAAAAAAAAAAAAADwAAACADAAAAAAAAAAAAAAEAAACgMgAAVgcAAKr4//8BAAAAf39/AAEAAABkAAAAAAAAABQAAABAHwAAAAAAACYAAAAAAAAAwOD//wAAAAAmAAAAZAAAABYAAABMAAAAAAAAAAAAAAAEAAAAAAAAAAEAAACAgIAKAAAAACgAAAAoAAAAZAAAAGQAAAAAAAAAzMzMAAAAAABQAAAAUAAAAGQAAABkAAAAAAAAABcAAAAUAAAAAAAAAAAAAAD/fwAA/38AAAAAAAAJAAAABAAAAAAAAAAMAAAAEAAAAAAAAAAAAAAAAAAAAAAAAAAeAAAAaAAAAAAAAAAAAAAAAAAAAAAAAAAAAAAAECcAABAnAAAAAAAAAAAAAAAAAAAAAAAAAAAAAAAAAAAAAAAAAAAAABQAAAAAAAAAwMD/AAAAAABkAAAAMgAAAAAAAABkAAAAAAAAAH9/fwAKAAAAHwAAAFQAAAAAAAAFAAAAAQAAAAAAAAAAAAAAAAAAAAAAAAAAAAAAAAAAAAAAAAAAAAAAAn9/fwAAAAADzMzMAMDA/wB/f38AAAAAAAAAAAAAAAAAAAAAAAAAAAAhAAAAGAAAABQAAACWHAAAYQ0AAHA1AACwJQAAEAAAACYAAAAIAAAAAYAAAAAAAAA="/>
               </a:ext>
             </a:extLst>
           </p:cNvSpPr>
@@ -1872,7 +1872,7 @@
             <a:spLocks noGrp="1" noChangeArrowheads="1"/>
             <a:extLst>
               <a:ext uri="smNativeData">
-                <pr:smNativeData xmlns:pr="smNativeData" val="SMDATA_13_lv/SZRMAAAAlAAAAZAAAAA8BAAAAkAAAAEgAAACQAAAASAAAAAAAAAABAAAAAAAAAAEAAABQAAAAAAAAAAAA4D8AAAAAAADgPwAAAAAAAOA/AAAAAAAA4D8AAAAAAADgPwAAAAAAAOA/AAAAAAAA4D8AAAAAAADgPwAAAAAAAOA/AAAAAAAA4D8CAAAAjAAAAAAAAAAAAAAAu+DjDP///wgAAAAAAAAAAAAAAAAAAAAAAAAAAAAAAAAAAAAAZAAAAAEAAABAAAAAAAAAAAAAAAAAAAAAAAAAAAAAAAAAAAAAAAAAAAAAAAAAAAAAAAAAAAAAAAAAAAAAAAAAAAAAAAAAAAAAAAAAAAAAAAAAAAAAAAAAAAAAAAAAAAAAFAAAADwAAAAAAAAAAAAAAAAAAAkUAAAAAQAAABQAAAAUAAAAFAAAAAEAAAAAAAAAZAAAAGQAAAAAAAAAZAAAAGQAAAAVAAAAYAAAAAAAAAAAAAAADwAAACADAAAAAAAAAAAAAAEAAACgMgAAVgcAAKr4//8BAAAAf39/AAEAAABkAAAAAAAAABQAAABAHwAAAAAAACYAAAAAAAAAwOD//wAAAAAmAAAAZAAAABYAAABMAAAAAAAAAAAAAAAEAAAAAAAAAAEAAACAgIAKAAAAACgAAAAoAAAAZAAAAGQAAAAAAAAAzMzMAAAAAABQAAAAUAAAAGQAAABkAAAAAAAAABcAAAAUAAAAAAAAAAAAAAD/fwAA/38AAAAAAAAJAAAABAAAAAAAAAAMAAAAEAAAAAAAAAAAAAAAAAAAAAAAAAAeAAAAaAAAAAAAAAAAAAAAAAAAAAAAAAAAAAAAECcAABAnAAAAAAAAAAAAAAAAAAAAAAAAAAAAAAAAAAAAAAAAAAAAABQAAAAAAAAAwMD/AAAAAABkAAAAMgAAAAAAAABkAAAAAAAAAH9/fwAKAAAAHwAAAFQAAAAAAAAFAAAAAQAAAAAAAAAAAAAAAAAAAAAAAAAAAAAAAAAAAAAAAAAAAAAAAn9/fwAAAAADzMzMAMDA/wB/f38AAAAAAAAAAAAAAAAAAAAAAAAAAAAhAAAAGAAAABQAAADQAgAAGycAAPAPAABZKQAAEAAAACYAAAAIAAAAAAAAAAAAAAA="/>
+                <pr:smNativeData xmlns:pr="smNativeData" val="SMDATA_13_of3fZRMAAAAlAAAAZAAAAA8BAAAAkAAAAEgAAACQAAAASAAAAAAAAAABAAAAAAAAAAEAAABQAAAAAAAAAAAA4D8AAAAAAADgPwAAAAAAAOA/AAAAAAAA4D8AAAAAAADgPwAAAAAAAOA/AAAAAAAA4D8AAAAAAADgPwAAAAAAAOA/AAAAAAAA4D8CAAAAjAAAAAAAAAAAAAAAu+DjDP///wgAAAAAAAAAAAAAAAAAAAAAAAAAAAAAAAAAAAAAZAAAAAEAAABAAAAAAAAAAAAAAAAAAAAAAAAAAAAAAAAAAAAAAAAAAAAAAAAAAAAAAAAAAAAAAAAAAAAAAAAAAAAAAAAAAAAAAAAAAAAAAAAAAAAAAAAAAAAAAAAAAAAAFAAAADwAAAAAAAAAAAAAAAAAAAkUAAAAAQAAABQAAAAUAAAAFAAAAAEAAAAAAAAAZAAAAGQAAAAAAAAAZAAAAGQAAAAVAAAAYAAAAAAAAAAAAAAADwAAACADAAAAAAAAAAAAAAEAAACgMgAAVgcAAKr4//8BAAAAf39/AAEAAABkAAAAAAAAABQAAABAHwAAAAAAACYAAAAAAAAAwOD//wAAAAAmAAAAZAAAABYAAABMAAAAAAAAAAAAAAAEAAAAAAAAAAEAAACAgIAKAAAAACgAAAAoAAAAZAAAAGQAAAAAAAAAzMzMAAAAAABQAAAAUAAAAGQAAABkAAAAAAAAABcAAAAUAAAAAAAAAAAAAAD/fwAA/38AAAAAAAAJAAAABAAAAAAAAAAMAAAAEAAAAAAAAAAAAAAAAAAAAAAAAAAeAAAAaAAAAAAAAAAAAAAAAAAAAAAAAAAAAAAAECcAABAnAAAAAAAAAAAAAAAAAAAAAAAAAAAAAAAAAAAAAAAAAAAAABQAAAAAAAAAwMD/AAAAAABkAAAAMgAAAAAAAABkAAAAAAAAAH9/fwAKAAAAHwAAAFQAAAAAAAAFAAAAAQAAAAAAAAAAAAAAAAAAAAAAAAAAAAAAAAAAAAAAAAAAAAAAAn9/fwAAAAADzMzMAMDA/wB/f38AAAAAAAAAAAAAAAAAAAAAAAAAAAAhAAAAGAAAABQAAADQAgAAGycAAPAPAABZKQAAEAAAACYAAAAIAAAAAAAAAAAAAAA="/>
               </a:ext>
             </a:extLst>
           </p:cNvSpPr>
@@ -1886,7 +1886,7 @@
           <a:lstStyle/>
           <a:p>
             <a:pPr/>
-            <a:fld id="{3F6CA529-67D2-3953-9CD4-9106EB9A6AC4}" type="datetime1">
+            <a:fld id="{3F124288-C6D2-47B4-9CAA-30E10CE46A65}" type="datetime1">
               <a:t/>
             </a:fld>
           </a:p>
@@ -1899,7 +1899,7 @@
             <a:spLocks noGrp="1" noChangeArrowheads="1"/>
             <a:extLst>
               <a:ext uri="smNativeData">
-                <pr:smNativeData xmlns:pr="smNativeData" val="SMDATA_13_lv/SZRMAAAAlAAAAZAAAAA8BAAAAkAAAAEgAAACQAAAASAAAAAAAAAABAAAAAAAAAAEAAABQAAAAAAAAAAAA4D8AAAAAAADgPwAAAAAAAOA/AAAAAAAA4D8AAAAAAADgPwAAAAAAAOA/AAAAAAAA4D8AAAAAAADgPwAAAAAAAOA/AAAAAAAA4D8CAAAAjAAAAAAAAAAAAAAAu+DjDP///wgAAAAAAAAAAAAAAAAAAAAAAAAAAAAAAAAAAAAAZAAAAAEAAABAAAAAAAAAAAAAAAAAAAAAAAAAAAAAAAAAAAAAAAAAAAAAAAAAAAAAAAAAAAAAAAAAAAAAAAAAAAAAAAAAAAAAAAAAAAAAAAAAAAAAAAAAAAAAAAAAAAAAFAAAADwAAAAAAAAAAAAAAAAAAAkUAAAAAQAAABQAAAAUAAAAFAAAAAEAAAAAAAAAZAAAAGQAAAAAAAAAZAAAAGQAAAAVAAAAYAAAAAAAAAAAAAAADwAAACADAAAAAAAAAAAAAAEAAACgMgAAVgcAAKr4//8BAAAAf39/AAEAAABkAAAAAAAAABQAAABAHwAAAAAAACYAAAAAAAAAwOD//wAAAAAmAAAAZAAAABYAAABMAAAAAAAAAAAAAAAEAAAAAAAAAAEAAACAgIAKAAAAACgAAAAoAAAAZAAAAGQAAAAAAAAAzMzMAAAAAABQAAAAUAAAAGQAAABkAAAAAAAAABcAAAAUAAAAAAAAAAAAAAD/fwAA/38AAAAAAAAJAAAABAAAAAAAAAAMAAAAEAAAAAAAAAAAAAAAAAAAAAAAAAAeAAAAaAAAAAAAAAAAAAAAAAAAAAAAAAAAAAAAECcAABAnAAAAAAAAAAAAAAAAAAAAAAAAAAAAAAAAAAAAAAAAAAAAABQAAAAAAAAAwMD/AAAAAABkAAAAMgAAAAAAAABkAAAAAAAAAH9/fwAKAAAAHwAAAFQAAAAAAAAFAAAAAQAAAAAAAAAAAAAAAAAAAAAAAAAAAAAAAAAAAAAAAAAAAAAAAn9/fwAAAAADzMzMAMDA/wB/f38AAAAAAAAAAAAAAAAAAAAAAAAAAAAhAAAAGAAAABQAAAA4EwAAGycAAAglAABZKQAAEAAAACYAAAAIAAAAAAAAAAAAAAA="/>
+                <pr:smNativeData xmlns:pr="smNativeData" val="SMDATA_13_of3fZRMAAAAlAAAAZAAAAA8BAAAAkAAAAEgAAACQAAAASAAAAAAAAAABAAAAAAAAAAEAAABQAAAAAAAAAAAA4D8AAAAAAADgPwAAAAAAAOA/AAAAAAAA4D8AAAAAAADgPwAAAAAAAOA/AAAAAAAA4D8AAAAAAADgPwAAAAAAAOA/AAAAAAAA4D8CAAAAjAAAAAAAAAAAAAAAu+DjDP///wgAAAAAAAAAAAAAAAAAAAAAAAAAAAAAAAAAAAAAZAAAAAEAAABAAAAAAAAAAAAAAAAAAAAAAAAAAAAAAAAAAAAAAAAAAAAAAAAAAAAAAAAAAAAAAAAAAAAAAAAAAAAAAAAAAAAAAAAAAAAAAAAAAAAAAAAAAAAAAAAAAAAAFAAAADwAAAAAAAAAAAAAAAAAAAkUAAAAAQAAABQAAAAUAAAAFAAAAAEAAAAAAAAAZAAAAGQAAAAAAAAAZAAAAGQAAAAVAAAAYAAAAAAAAAAAAAAADwAAACADAAAAAAAAAAAAAAEAAACgMgAAVgcAAKr4//8BAAAAf39/AAEAAABkAAAAAAAAABQAAABAHwAAAAAAACYAAAAAAAAAwOD//wAAAAAmAAAAZAAAABYAAABMAAAAAAAAAAAAAAAEAAAAAAAAAAEAAACAgIAKAAAAACgAAAAoAAAAZAAAAGQAAAAAAAAAzMzMAAAAAABQAAAAUAAAAGQAAABkAAAAAAAAABcAAAAUAAAAAAAAAAAAAAD/fwAA/38AAAAAAAAJAAAABAAAAAAAAAAMAAAAEAAAAAAAAAAAAAAAAAAAAAAAAAAeAAAAaAAAAAAAAAAAAAAAAAAAAAAAAAAAAAAAECcAABAnAAAAAAAAAAAAAAAAAAAAAAAAAAAAAAAAAAAAAAAAAAAAABQAAAAAAAAAwMD/AAAAAABkAAAAMgAAAAAAAABkAAAAAAAAAH9/fwAKAAAAHwAAAFQAAAAAAAAFAAAAAQAAAAAAAAAAAAAAAAAAAAAAAAAAAAAAAAAAAAAAAAAAAAAAAn9/fwAAAAADzMzMAMDA/wB/f38AAAAAAAAAAAAAAAAAAAAAAAAAAAAhAAAAGAAAABQAAAA4EwAAGycAAAglAABZKQAAEAAAACYAAAAIAAAAAAAAAAAAAAA="/>
               </a:ext>
             </a:extLst>
           </p:cNvSpPr>
@@ -1923,7 +1923,7 @@
             <a:spLocks noGrp="1" noChangeArrowheads="1"/>
             <a:extLst>
               <a:ext uri="smNativeData">
-                <pr:smNativeData xmlns:pr="smNativeData" val="SMDATA_13_lv/SZRMAAAAlAAAAZAAAAA8BAAAAkAAAAEgAAACQAAAASAAAAAAAAAABAAAAAAAAAAEAAABQAAAAAAAAAAAA4D8AAAAAAADgPwAAAAAAAOA/AAAAAAAA4D8AAAAAAADgPwAAAAAAAOA/AAAAAAAA4D8AAAAAAADgPwAAAAAAAOA/AAAAAAAA4D8CAAAAjAAAAAAAAAAAAAAAu+DjDP///wgAAAAAAAAAAAAAAAAAAAAAAAAAAAAAAAAAAAAAZAAAAAEAAABAAAAAAAAAAAAAAAAAAAAAAAAAAAAAAAAAAAAAAAAAAAAAAAAAAAAAAAAAAAAAAAAAAAAAAAAAAAAAAAAAAAAAAAAAAAAAAAAAAAAAAAAAAAAAAAAAAAAAFAAAADwAAAAAAAAAAAAAAAAAAAkUAAAAAQAAABQAAAAUAAAAFAAAAAEAAAAAAAAAZAAAAGQAAAAAAAAAZAAAAGQAAAAVAAAAYAAAAAAAAAAAAAAADwAAACADAAAAAAAAAAAAAAEAAACgMgAAVgcAAKr4//8BAAAAf39/AAEAAABkAAAAAAAAABQAAABAHwAAAAAAACYAAAAAAAAAwOD//wAAAAAmAAAAZAAAABYAAABMAAAAAAAAAAAAAAAEAAAAAAAAAAEAAACAgIAKAAAAACgAAAAoAAAAZAAAAGQAAAAAAAAAzMzMAAAAAABQAAAAUAAAAGQAAABkAAAAAAAAABcAAAAUAAAAAAAAAAAAAAD/fwAA/38AAAAAAAAJAAAABAAAAAAAAAAMAAAAEAAAAAAAAAAAAAAAAAAAAAAAAAAeAAAAaAAAAAAAAAAAAAAAAAAAAAAAAAAAAAAAECcAABAnAAAAAAAAAAAAAAAAAAAAAAAAAAAAAAAAAAAAAAAAAAAAABQAAAAAAAAAwMD/AAAAAABkAAAAMgAAAAAAAABkAAAAAAAAAH9/fwAKAAAAHwAAAFQAAAAAAAAFAAAAAQAAAAAAAAAAAAAAAAAAAAAAAAAAAAAAAAAAAAAAAAAAAAAAAn9/fwAAAAADzMzMAMDA/wB/f38AAAAAAAAAAAAAAAAAAAAAAAAAAAAhAAAAGAAAABQAAABQKAAAGycAAHA1AABZKQAAEAAAACYAAAAIAAAAAAAAAAAAAAA="/>
+                <pr:smNativeData xmlns:pr="smNativeData" val="SMDATA_13_of3fZRMAAAAlAAAAZAAAAA8BAAAAkAAAAEgAAACQAAAASAAAAAAAAAABAAAAAAAAAAEAAABQAAAAAAAAAAAA4D8AAAAAAADgPwAAAAAAAOA/AAAAAAAA4D8AAAAAAADgPwAAAAAAAOA/AAAAAAAA4D8AAAAAAADgPwAAAAAAAOA/AAAAAAAA4D8CAAAAjAAAAAAAAAAAAAAAu+DjDP///wgAAAAAAAAAAAAAAAAAAAAAAAAAAAAAAAAAAAAAZAAAAAEAAABAAAAAAAAAAAAAAAAAAAAAAAAAAAAAAAAAAAAAAAAAAAAAAAAAAAAAAAAAAAAAAAAAAAAAAAAAAAAAAAAAAAAAAAAAAAAAAAAAAAAAAAAAAAAAAAAAAAAAFAAAADwAAAAAAAAAAAAAAAAAAAkUAAAAAQAAABQAAAAUAAAAFAAAAAEAAAAAAAAAZAAAAGQAAAAAAAAAZAAAAGQAAAAVAAAAYAAAAAAAAAAAAAAADwAAACADAAAAAAAAAAAAAAEAAACgMgAAVgcAAKr4//8BAAAAf39/AAEAAABkAAAAAAAAABQAAABAHwAAAAAAACYAAAAAAAAAwOD//wAAAAAmAAAAZAAAABYAAABMAAAAAAAAAAAAAAAEAAAAAAAAAAEAAACAgIAKAAAAACgAAAAoAAAAZAAAAGQAAAAAAAAAzMzMAAAAAABQAAAAUAAAAGQAAABkAAAAAAAAABcAAAAUAAAAAAAAAAAAAAD/fwAA/38AAAAAAAAJAAAABAAAAAAAAAAMAAAAEAAAAAAAAAAAAAAAAAAAAAAAAAAeAAAAaAAAAAAAAAAAAAAAAAAAAAAAAAAAAAAAECcAABAnAAAAAAAAAAAAAAAAAAAAAAAAAAAAAAAAAAAAAAAAAAAAABQAAAAAAAAAwMD/AAAAAABkAAAAMgAAAAAAAABkAAAAAAAAAH9/fwAKAAAAHwAAAFQAAAAAAAAFAAAAAQAAAAAAAAAAAAAAAAAAAAAAAAAAAAAAAAAAAAAAAAAAAAAAAn9/fwAAAAADzMzMAMDA/wB/f38AAAAAAAAAAAAAAAAAAAAAAAAAAAAhAAAAGAAAABQAAABQKAAAGycAAHA1AABZKQAAEAAAACYAAAAIAAAAAAAAAAAAAAA="/>
               </a:ext>
             </a:extLst>
           </p:cNvSpPr>
@@ -1937,7 +1937,7 @@
           <a:lstStyle/>
           <a:p>
             <a:pPr/>
-            <a:fld id="{3F6CED56-18D2-391B-9CD4-EE4EA39A6ABB}" type="slidenum">
+            <a:fld id="{3F1208EE-A0D2-47FE-9CAA-56AB46E46A03}" type="slidenum">
               <a:t/>
             </a:fld>
           </a:p>
@@ -1975,7 +1975,7 @@
             <a:spLocks noGrp="1" noChangeArrowheads="1"/>
             <a:extLst>
               <a:ext uri="smNativeData">
-                <pr:smNativeData xmlns:pr="smNativeData" val="SMDATA_13_lv/SZRMAAAAlAAAAZAAAAA8BAAAAkAAAAEgAAACQAAAASAAAAAAAAAABAAAAAAAAAAEAAABQAAAAAAAAAAAA4D8AAAAAAADgPwAAAAAAAOA/AAAAAAAA4D8AAAAAAADgPwAAAAAAAOA/AAAAAAAA4D8AAAAAAADgPwAAAAAAAOA/AAAAAAAA4D8CAAAAjAAAAAAAAAAAAAAAu+DjDP///wgAAAAAAAAAAAAAAAAAAAAAAAAAAAAAAAAAAAAAZAAAAAEAAABAAAAAAAAAAAAAAAAAAAAAAAAAAAAAAAAAAAAAAAAAAAAAAAAAAAAAAAAAAAAAAAAAAAAAAAAAAAAAAAAAAAAAAAAAAAAAAAAAAAAAAAAAAAAAAAAAAAAAFAAAADwAAAAAAAAAAAAAAAAAAAkUAAAAAQAAABQAAAAUAAAAFAAAAAEAAAAAAAAAZAAAAGQAAAAAAAAAZAAAAGQAAAAVAAAAYAAAAAAAAAAAAAAADwAAACADAAAAAAAAAAAAAAEAAACgMgAAVgcAAKr4//8BAAAAf39/AAEAAABkAAAAAAAAABQAAABAHwAAAAAAACYAAAAAAAAAwOD//wAAAAAmAAAAZAAAABYAAABMAAAAAAAAAAAAAAAEAAAAAAAAAAEAAACAgIAKAAAAACgAAAAoAAAAZAAAAGQAAAAAAAAAzMzMAAAAAABQAAAAUAAAAGQAAABkAAAAAAAAABcAAAAUAAAAAAAAAAAAAAD/fwAA/38AAAAAAAAJAAAABAAAAAAAAAAMAAAAEAAAAAAAAAAAAAAAAAAAAAAAAAAeAAAAaAAAAAAAAAAAAAAAAAAAAAAAAAAAAAAAECcAABAnAAAAAAAAAAAAAAAAAAAAAAAAAAAAAAAAAAAAAAAAAAAAABQAAAAAAAAAwMD/AAAAAABkAAAAMgAAAAAAAABkAAAAAAAAAH9/fwAKAAAAHwAAAFQAAAAAAAAFAAAAAQAAAAAAAAAAAAAAAAAAAAAAAAAAAAAAAAAAAAAAAAAAAAAAAn9/fwAAAAADzMzMAMDA/wB/f38AAAAAAAAAAAAAAAAAAAAAAAAAAAAhAAAAGAAAABQAAADQAgAAsAEAAHA1AAC4CAAAEAAAACYAAAAIAAAAAAAAAAAAAAA="/>
+                <pr:smNativeData xmlns:pr="smNativeData" val="SMDATA_13_of3fZRMAAAAlAAAAZAAAAA8BAAAAkAAAAEgAAACQAAAASAAAAAAAAAABAAAAAAAAAAEAAABQAAAAAAAAAAAA4D8AAAAAAADgPwAAAAAAAOA/AAAAAAAA4D8AAAAAAADgPwAAAAAAAOA/AAAAAAAA4D8AAAAAAADgPwAAAAAAAOA/AAAAAAAA4D8CAAAAjAAAAAAAAAAAAAAAu+DjDP///wgAAAAAAAAAAAAAAAAAAAAAAAAAAAAAAAAAAAAAZAAAAAEAAABAAAAAAAAAAAAAAAAAAAAAAAAAAAAAAAAAAAAAAAAAAAAAAAAAAAAAAAAAAAAAAAAAAAAAAAAAAAAAAAAAAAAAAAAAAAAAAAAAAAAAAAAAAAAAAAAAAAAAFAAAADwAAAAAAAAAAAAAAAAAAAkUAAAAAQAAABQAAAAUAAAAFAAAAAEAAAAAAAAAZAAAAGQAAAAAAAAAZAAAAGQAAAAVAAAAYAAAAAAAAAAAAAAADwAAACADAAAAAAAAAAAAAAEAAACgMgAAVgcAAKr4//8BAAAAf39/AAEAAABkAAAAAAAAABQAAABAHwAAAAAAACYAAAAAAAAAwOD//wAAAAAmAAAAZAAAABYAAABMAAAAAAAAAAAAAAAEAAAAAAAAAAEAAACAgIAKAAAAACgAAAAoAAAAZAAAAGQAAAAAAAAAzMzMAAAAAABQAAAAUAAAAGQAAABkAAAAAAAAABcAAAAUAAAAAAAAAAAAAAD/fwAA/38AAAAAAAAJAAAABAAAAAAAAAAMAAAAEAAAAAAAAAAAAAAAAAAAAAAAAAAeAAAAaAAAAAAAAAAAAAAAAAAAAAAAAAAAAAAAECcAABAnAAAAAAAAAAAAAAAAAAAAAAAAAAAAAAAAAAAAAAAAAAAAABQAAAAAAAAAwMD/AAAAAABkAAAAMgAAAAAAAABkAAAAAAAAAH9/fwAKAAAAHwAAAFQAAAAAAAAFAAAAAQAAAAAAAAAAAAAAAAAAAAAAAAAAAAAAAAAAAAAAAAAAAAAAAn9/fwAAAAADzMzMAMDA/wB/f38AAAAAAAAAAAAAAAAAAAAAAAAAAAAhAAAAGAAAABQAAADQAgAAsAEAAHA1AAC4CAAAEAAAACYAAAAIAAAAAAAAAAAAAAA="/>
               </a:ext>
             </a:extLst>
           </p:cNvSpPr>
@@ -2002,7 +2002,7 @@
             <a:spLocks noGrp="1" noChangeArrowheads="1"/>
             <a:extLst>
               <a:ext uri="smNativeData">
-                <pr:smNativeData xmlns:pr="smNativeData" val="SMDATA_13_lv/SZRMAAAAlAAAAZAAAAA8BAAAAkAAAAEgAAACQAAAASAAAAAAAAAABAAAAAAAAAAEAAABQAAAAAAAAAAAA4D8AAAAAAADgPwAAAAAAAOA/AAAAAAAA4D8AAAAAAADgPwAAAAAAAOA/AAAAAAAA4D8AAAAAAADgPwAAAAAAAOA/AAAAAAAA4D8CAAAAjAAAAAAAAAAAAAAAu+DjDP///wgAAAAAAAAAAAAAAAAAAAAAAAAAAAAAAAAAAAAAZAAAAAEAAABAAAAAAAAAAAAAAAAAAAAAAAAAAAAAAAAAAAAAAAAAAAAAAAAAAAAAAAAAAAAAAAAAAAAAAAAAAAAAAAAAAAAAAAAAAAAAAAAAAAAAAAAAAAAAAAAAAAAAFAAAADwAAAAAAAAAAAAAAAAAAAkUAAAAAQAAABQAAAAUAAAAFAAAAAEAAAAAAAAAZAAAAGQAAAAAAAAAZAAAAGQAAAAVAAAAYAAAAAAAAAAAAAAADwAAACADAAAAAAAAAAAAAAEAAACgMgAAVgcAAKr4//8BAAAAf39/AAEAAABkAAAAAAAAABQAAABAHwAAAAAAACYAAAAAAAAAwOD//wAAAAAmAAAAZAAAABYAAABMAAAAAAAAAAAAAAAEAAAAAAAAAAEAAACAgIAKAAAAACgAAAAoAAAAZAAAAGQAAAAAAAAAzMzMAAAAAABQAAAAUAAAAGQAAABkAAAAAAAAABcAAAAUAAAAAAAAAAAAAAD/fwAA/38AAAAAAAAJAAAABAAAAAAAAAAMAAAAEAAAAAAAAAAAAAAAAAAAAAAAAAAeAAAAaAAAAAAAAAAAAAAAAAAAAAAAAAAAAAAAECcAABAnAAAAAAAAAAAAAAAAAAAAAAAAAAAAAAAAAAAAAAAAAAAAABQAAAAAAAAAwMD/AAAAAABkAAAAMgAAAAAAAABkAAAAAAAAAH9/fwAKAAAAHwAAAFQAAAAAAAAFAAAAAQAAAAAAAAAAAAAAAAAAAAAAAAAAAAAAAAAAAAAAAAAAAAAAAn9/fwAAAAADzMzMAMDA/wB/f38AAAAAAAAAAAAAAAAAAAAAAAAAAAAhAAAAGAAAABQAAADQAgAAGycAAPAPAABZKQAAEAAAACYAAAAIAAAAAAAAAAAAAAA="/>
+                <pr:smNativeData xmlns:pr="smNativeData" val="SMDATA_13_of3fZRMAAAAlAAAAZAAAAA8BAAAAkAAAAEgAAACQAAAASAAAAAAAAAABAAAAAAAAAAEAAABQAAAAAAAAAAAA4D8AAAAAAADgPwAAAAAAAOA/AAAAAAAA4D8AAAAAAADgPwAAAAAAAOA/AAAAAAAA4D8AAAAAAADgPwAAAAAAAOA/AAAAAAAA4D8CAAAAjAAAAAAAAAAAAAAAu+DjDP///wgAAAAAAAAAAAAAAAAAAAAAAAAAAAAAAAAAAAAAZAAAAAEAAABAAAAAAAAAAAAAAAAAAAAAAAAAAAAAAAAAAAAAAAAAAAAAAAAAAAAAAAAAAAAAAAAAAAAAAAAAAAAAAAAAAAAAAAAAAAAAAAAAAAAAAAAAAAAAAAAAAAAAFAAAADwAAAAAAAAAAAAAAAAAAAkUAAAAAQAAABQAAAAUAAAAFAAAAAEAAAAAAAAAZAAAAGQAAAAAAAAAZAAAAGQAAAAVAAAAYAAAAAAAAAAAAAAADwAAACADAAAAAAAAAAAAAAEAAACgMgAAVgcAAKr4//8BAAAAf39/AAEAAABkAAAAAAAAABQAAABAHwAAAAAAACYAAAAAAAAAwOD//wAAAAAmAAAAZAAAABYAAABMAAAAAAAAAAAAAAAEAAAAAAAAAAEAAACAgIAKAAAAACgAAAAoAAAAZAAAAGQAAAAAAAAAzMzMAAAAAABQAAAAUAAAAGQAAABkAAAAAAAAABcAAAAUAAAAAAAAAAAAAAD/fwAA/38AAAAAAAAJAAAABAAAAAAAAAAMAAAAEAAAAAAAAAAAAAAAAAAAAAAAAAAeAAAAaAAAAAAAAAAAAAAAAAAAAAAAAAAAAAAAECcAABAnAAAAAAAAAAAAAAAAAAAAAAAAAAAAAAAAAAAAAAAAAAAAABQAAAAAAAAAwMD/AAAAAABkAAAAMgAAAAAAAABkAAAAAAAAAH9/fwAKAAAAHwAAAFQAAAAAAAAFAAAAAQAAAAAAAAAAAAAAAAAAAAAAAAAAAAAAAAAAAAAAAAAAAAAAAn9/fwAAAAADzMzMAMDA/wB/f38AAAAAAAAAAAAAAAAAAAAAAAAAAAAhAAAAGAAAABQAAADQAgAAGycAAPAPAABZKQAAEAAAACYAAAAIAAAAAAAAAAAAAAA="/>
               </a:ext>
             </a:extLst>
           </p:cNvSpPr>
@@ -2016,7 +2016,7 @@
           <a:lstStyle/>
           <a:p>
             <a:pPr/>
-            <a:fld id="{3F6C8E50-1ED2-3978-9CD4-E82DC09A6ABD}" type="datetime1">
+            <a:fld id="{3F120AC5-8BD2-47FC-9CAA-7DA944E46A28}" type="datetime1">
               <a:t/>
             </a:fld>
           </a:p>
@@ -2029,7 +2029,7 @@
             <a:spLocks noGrp="1" noChangeArrowheads="1"/>
             <a:extLst>
               <a:ext uri="smNativeData">
-                <pr:smNativeData xmlns:pr="smNativeData" val="SMDATA_13_lv/SZRMAAAAlAAAAZAAAAA8BAAAAkAAAAEgAAACQAAAASAAAAAAAAAABAAAAAAAAAAEAAABQAAAAAAAAAAAA4D8AAAAAAADgPwAAAAAAAOA/AAAAAAAA4D8AAAAAAADgPwAAAAAAAOA/AAAAAAAA4D8AAAAAAADgPwAAAAAAAOA/AAAAAAAA4D8CAAAAjAAAAAAAAAAAAAAAu+DjDP///wgAAAAAAAAAAAAAAAAAAAAAAAAAAAAAAAAAAAAAZAAAAAEAAABAAAAAAAAAAAAAAAAAAAAAAAAAAAAAAAAAAAAAAAAAAAAAAAAAAAAAAAAAAAAAAAAAAAAAAAAAAAAAAAAAAAAAAAAAAAAAAAAAAAAAAAAAAAAAAAAAAAAAFAAAADwAAAAAAAAAAAAAAAAAAAkUAAAAAQAAABQAAAAUAAAAFAAAAAEAAAAAAAAAZAAAAGQAAAAAAAAAZAAAAGQAAAAVAAAAYAAAAAAAAAAAAAAADwAAACADAAAAAAAAAAAAAAEAAACgMgAAVgcAAKr4//8BAAAAf39/AAEAAABkAAAAAAAAABQAAABAHwAAAAAAACYAAAAAAAAAwOD//wAAAAAmAAAAZAAAABYAAABMAAAAAAAAAAAAAAAEAAAAAAAAAAEAAACAgIAKAAAAACgAAAAoAAAAZAAAAGQAAAAAAAAAzMzMAAAAAABQAAAAUAAAAGQAAABkAAAAAAAAABcAAAAUAAAAAAAAAAAAAAD/fwAA/38AAAAAAAAJAAAABAAAAAAAAAAMAAAAEAAAAAAAAAAAAAAAAAAAAAAAAAAeAAAAaAAAAAAAAAAAAAAAAAAAAAAAAAAAAAAAECcAABAnAAAAAAAAAAAAAAAAAAAAAAAAAAAAAAAAAAAAAAAAAAAAABQAAAAAAAAAwMD/AAAAAABkAAAAMgAAAAAAAABkAAAAAAAAAH9/fwAKAAAAHwAAAFQAAAAAAAAFAAAAAQAAAAAAAAAAAAAAAAAAAAAAAAAAAAAAAAAAAAAAAAAAAAAAAn9/fwAAAAADzMzMAMDA/wB/f38AAAAAAAAAAAAAAAAAAAAAAAAAAAAhAAAAGAAAABQAAAA4EwAAGycAAAglAABZKQAAEAAAACYAAAAIAAAAAAAAAAAAAAA="/>
+                <pr:smNativeData xmlns:pr="smNativeData" val="SMDATA_13_of3fZRMAAAAlAAAAZAAAAA8BAAAAkAAAAEgAAACQAAAASAAAAAAAAAABAAAAAAAAAAEAAABQAAAAAAAAAAAA4D8AAAAAAADgPwAAAAAAAOA/AAAAAAAA4D8AAAAAAADgPwAAAAAAAOA/AAAAAAAA4D8AAAAAAADgPwAAAAAAAOA/AAAAAAAA4D8CAAAAjAAAAAAAAAAAAAAAu+DjDP///wgAAAAAAAAAAAAAAAAAAAAAAAAAAAAAAAAAAAAAZAAAAAEAAABAAAAAAAAAAAAAAAAAAAAAAAAAAAAAAAAAAAAAAAAAAAAAAAAAAAAAAAAAAAAAAAAAAAAAAAAAAAAAAAAAAAAAAAAAAAAAAAAAAAAAAAAAAAAAAAAAAAAAFAAAADwAAAAAAAAAAAAAAAAAAAkUAAAAAQAAABQAAAAUAAAAFAAAAAEAAAAAAAAAZAAAAGQAAAAAAAAAZAAAAGQAAAAVAAAAYAAAAAAAAAAAAAAADwAAACADAAAAAAAAAAAAAAEAAACgMgAAVgcAAKr4//8BAAAAf39/AAEAAABkAAAAAAAAABQAAABAHwAAAAAAACYAAAAAAAAAwOD//wAAAAAmAAAAZAAAABYAAABMAAAAAAAAAAAAAAAEAAAAAAAAAAEAAACAgIAKAAAAACgAAAAoAAAAZAAAAGQAAAAAAAAAzMzMAAAAAABQAAAAUAAAAGQAAABkAAAAAAAAABcAAAAUAAAAAAAAAAAAAAD/fwAA/38AAAAAAAAJAAAABAAAAAAAAAAMAAAAEAAAAAAAAAAAAAAAAAAAAAAAAAAeAAAAaAAAAAAAAAAAAAAAAAAAAAAAAAAAAAAAECcAABAnAAAAAAAAAAAAAAAAAAAAAAAAAAAAAAAAAAAAAAAAAAAAABQAAAAAAAAAwMD/AAAAAABkAAAAMgAAAAAAAABkAAAAAAAAAH9/fwAKAAAAHwAAAFQAAAAAAAAFAAAAAQAAAAAAAAAAAAAAAAAAAAAAAAAAAAAAAAAAAAAAAAAAAAAAAn9/fwAAAAADzMzMAMDA/wB/f38AAAAAAAAAAAAAAAAAAAAAAAAAAAAhAAAAGAAAABQAAAA4EwAAGycAAAglAABZKQAAEAAAACYAAAAIAAAAAAAAAAAAAAA="/>
               </a:ext>
             </a:extLst>
           </p:cNvSpPr>
@@ -2053,7 +2053,7 @@
             <a:spLocks noGrp="1" noChangeArrowheads="1"/>
             <a:extLst>
               <a:ext uri="smNativeData">
-                <pr:smNativeData xmlns:pr="smNativeData" val="SMDATA_13_lv/SZRMAAAAlAAAAZAAAAA8BAAAAkAAAAEgAAACQAAAASAAAAAAAAAABAAAAAAAAAAEAAABQAAAAAAAAAAAA4D8AAAAAAADgPwAAAAAAAOA/AAAAAAAA4D8AAAAAAADgPwAAAAAAAOA/AAAAAAAA4D8AAAAAAADgPwAAAAAAAOA/AAAAAAAA4D8CAAAAjAAAAAAAAAAAAAAAu+DjDP///wgAAAAAAAAAAAAAAAAAAAAAAAAAAAAAAAAAAAAAZAAAAAEAAABAAAAAAAAAAAAAAAAAAAAAAAAAAAAAAAAAAAAAAAAAAAAAAAAAAAAAAAAAAAAAAAAAAAAAAAAAAAAAAAAAAAAAAAAAAAAAAAAAAAAAAAAAAAAAAAAAAAAAFAAAADwAAAAAAAAAAAAAAAAAAAkUAAAAAQAAABQAAAAUAAAAFAAAAAEAAAAAAAAAZAAAAGQAAAAAAAAAZAAAAGQAAAAVAAAAYAAAAAAAAAAAAAAADwAAACADAAAAAAAAAAAAAAEAAACgMgAAVgcAAKr4//8BAAAAf39/AAEAAABkAAAAAAAAABQAAABAHwAAAAAAACYAAAAAAAAAwOD//wAAAAAmAAAAZAAAABYAAABMAAAAAAAAAAAAAAAEAAAAAAAAAAEAAACAgIAKAAAAACgAAAAoAAAAZAAAAGQAAAAAAAAAzMzMAAAAAABQAAAAUAAAAGQAAABkAAAAAAAAABcAAAAUAAAAAAAAAAAAAAD/fwAA/38AAAAAAAAJAAAABAAAAAAAAAAMAAAAEAAAAAAAAAAAAAAAAAAAAAAAAAAeAAAAaAAAAAAAAAAAAAAAAAAAAAAAAAAAAAAAECcAABAnAAAAAAAAAAAAAAAAAAAAAAAAAAAAAAAAAAAAAAAAAAAAABQAAAAAAAAAwMD/AAAAAABkAAAAMgAAAAAAAABkAAAAAAAAAH9/fwAKAAAAHwAAAFQAAAAAAAAFAAAAAQAAAAAAAAAAAAAAAAAAAAAAAAAAAAAAAAAAAAAAAAAAAAAAAn9/fwAAAAADzMzMAMDA/wB/f38AAAAAAAAAAAAAAAAAAAAAAAAAAAAhAAAAGAAAABQAAABQKAAAGycAAHA1AABZKQAAEAAAACYAAAAIAAAAAAAAAAAAAAA="/>
+                <pr:smNativeData xmlns:pr="smNativeData" val="SMDATA_13_of3fZRMAAAAlAAAAZAAAAA8BAAAAkAAAAEgAAACQAAAASAAAAAAAAAABAAAAAAAAAAEAAABQAAAAAAAAAAAA4D8AAAAAAADgPwAAAAAAAOA/AAAAAAAA4D8AAAAAAADgPwAAAAAAAOA/AAAAAAAA4D8AAAAAAADgPwAAAAAAAOA/AAAAAAAA4D8CAAAAjAAAAAAAAAAAAAAAu+DjDP///wgAAAAAAAAAAAAAAAAAAAAAAAAAAAAAAAAAAAAAZAAAAAEAAABAAAAAAAAAAAAAAAAAAAAAAAAAAAAAAAAAAAAAAAAAAAAAAAAAAAAAAAAAAAAAAAAAAAAAAAAAAAAAAAAAAAAAAAAAAAAAAAAAAAAAAAAAAAAAAAAAAAAAFAAAADwAAAAAAAAAAAAAAAAAAAkUAAAAAQAAABQAAAAUAAAAFAAAAAEAAAAAAAAAZAAAAGQAAAAAAAAAZAAAAGQAAAAVAAAAYAAAAAAAAAAAAAAADwAAACADAAAAAAAAAAAAAAEAAACgMgAAVgcAAKr4//8BAAAAf39/AAEAAABkAAAAAAAAABQAAABAHwAAAAAAACYAAAAAAAAAwOD//wAAAAAmAAAAZAAAABYAAABMAAAAAAAAAAAAAAAEAAAAAAAAAAEAAACAgIAKAAAAACgAAAAoAAAAZAAAAGQAAAAAAAAAzMzMAAAAAABQAAAAUAAAAGQAAABkAAAAAAAAABcAAAAUAAAAAAAAAAAAAAD/fwAA/38AAAAAAAAJAAAABAAAAAAAAAAMAAAAEAAAAAAAAAAAAAAAAAAAAAAAAAAeAAAAaAAAAAAAAAAAAAAAAAAAAAAAAAAAAAAAECcAABAnAAAAAAAAAAAAAAAAAAAAAAAAAAAAAAAAAAAAAAAAAAAAABQAAAAAAAAAwMD/AAAAAABkAAAAMgAAAAAAAABkAAAAAAAAAH9/fwAKAAAAHwAAAFQAAAAAAAAFAAAAAQAAAAAAAAAAAAAAAAAAAAAAAAAAAAAAAAAAAAAAAAAAAAAAAn9/fwAAAAADzMzMAMDA/wB/f38AAAAAAAAAAAAAAAAAAAAAAAAAAAAhAAAAGAAAABQAAABQKAAAGycAAHA1AABZKQAAEAAAACYAAAAIAAAAAAAAAAAAAAA="/>
               </a:ext>
             </a:extLst>
           </p:cNvSpPr>
@@ -2067,7 +2067,7 @@
           <a:lstStyle/>
           <a:p>
             <a:pPr/>
-            <a:fld id="{3F6CD865-2BD2-392E-9CD4-DD7B969A6A88}" type="slidenum">
+            <a:fld id="{3F12735F-11D2-4785-9CAA-E7D03DE46AB2}" type="slidenum">
               <a:t/>
             </a:fld>
           </a:p>
@@ -2105,7 +2105,7 @@
             <a:spLocks noGrp="1" noChangeArrowheads="1"/>
             <a:extLst>
               <a:ext uri="smNativeData">
-                <pr:smNativeData xmlns:pr="smNativeData" val="SMDATA_13_lv/SZRMAAAAlAAAAZAAAAA8BAAAAkAAAAEgAAACQAAAASAAAAAAAAAABAAAAAAAAAAEAAABQAAAAAAAAAAAA4D8AAAAAAADgPwAAAAAAAOA/AAAAAAAA4D8AAAAAAADgPwAAAAAAAOA/AAAAAAAA4D8AAAAAAADgPwAAAAAAAOA/AAAAAAAA4D8CAAAAjAAAAAAAAAAAAAAAu+DjDP///wgAAAAAAAAAAAAAAAAAAAAAAAAAAAAAAAAAAAAAZAAAAAEAAABAAAAAAAAAAAAAAAAAAAAAAAAAAAAAAAAAAAAAAAAAAAAAAAAAAAAAAAAAAAAAAAAAAAAAAAAAAAAAAAAAAAAAAAAAAAAAAAAAAAAAAAAAAAAAAAAAAAAAFAAAADwAAAAAAAAAAAAAAAAAAAkUAAAAAQAAABQAAAAUAAAAFAAAAAEAAAAAAAAAZAAAAGQAAAAAAAAAZAAAAGQAAAAVAAAAYAAAAAAAAAAAAAAADwAAACADAAAAAAAAAAAAAAEAAACgMgAAVgcAAKr4//8BAAAAf39/AAEAAABkAAAAAAAAABQAAABAHwAAAAAAACYAAAAAAAAAwOD//wAAAAAmAAAAZAAAABYAAABMAAAAAAAAAAAAAAAEAAAAAAAAAAEAAACAgIAKAAAAACgAAAAoAAAAZAAAAGQAAAAAAAAAzMzMAAAAAABQAAAAUAAAAGQAAABkAAAAAAAAABcAAAAUAAAAAAAAAAAAAAD/fwAA/38AAAAAAAAJAAAABAAAAAAAAAAMAAAAEAAAAAAAAAAAAAAAAAAAAAAAAAAeAAAAaAAAAAAAAAAAAAAAAAAAAAAAAAAAAAAAECcAABAnAAAAAAAAAAAAAAAAAAAAAAAAAAAAAAAAAAAAAAAAAAAAABQAAAAAAAAAwMD/AAAAAABkAAAAMgAAAAAAAABkAAAAAAAAAH9/fwAKAAAAHwAAAFQAAAAAAAAFAAAAAQAAAAAAAAAAAAAAAAAAAAAAAAAAAAAAAAAAAAAAAAAAAAAAAn9/fwAAAAADzMzMAMDA/wB/f38AAAAAAAAAAAAAAAAAAAAAAAAAAAAhAAAAGAAAABQAAADQAgAAGycAAPAPAABZKQAAEAAAACYAAAAIAAAAAAAAAAAAAAA="/>
+                <pr:smNativeData xmlns:pr="smNativeData" val="SMDATA_13_of3fZRMAAAAlAAAAZAAAAA8BAAAAkAAAAEgAAACQAAAASAAAAAAAAAABAAAAAAAAAAEAAABQAAAAAAAAAAAA4D8AAAAAAADgPwAAAAAAAOA/AAAAAAAA4D8AAAAAAADgPwAAAAAAAOA/AAAAAAAA4D8AAAAAAADgPwAAAAAAAOA/AAAAAAAA4D8CAAAAjAAAAAAAAAAAAAAAu+DjDP///wgAAAAAAAAAAAAAAAAAAAAAAAAAAAAAAAAAAAAAZAAAAAEAAABAAAAAAAAAAAAAAAAAAAAAAAAAAAAAAAAAAAAAAAAAAAAAAAAAAAAAAAAAAAAAAAAAAAAAAAAAAAAAAAAAAAAAAAAAAAAAAAAAAAAAAAAAAAAAAAAAAAAAFAAAADwAAAAAAAAAAAAAAAAAAAkUAAAAAQAAABQAAAAUAAAAFAAAAAEAAAAAAAAAZAAAAGQAAAAAAAAAZAAAAGQAAAAVAAAAYAAAAAAAAAAAAAAADwAAACADAAAAAAAAAAAAAAEAAACgMgAAVgcAAKr4//8BAAAAf39/AAEAAABkAAAAAAAAABQAAABAHwAAAAAAACYAAAAAAAAAwOD//wAAAAAmAAAAZAAAABYAAABMAAAAAAAAAAAAAAAEAAAAAAAAAAEAAACAgIAKAAAAACgAAAAoAAAAZAAAAGQAAAAAAAAAzMzMAAAAAABQAAAAUAAAAGQAAABkAAAAAAAAABcAAAAUAAAAAAAAAAAAAAD/fwAA/38AAAAAAAAJAAAABAAAAAAAAAAMAAAAEAAAAAAAAAAAAAAAAAAAAAAAAAAeAAAAaAAAAAAAAAAAAAAAAAAAAAAAAAAAAAAAECcAABAnAAAAAAAAAAAAAAAAAAAAAAAAAAAAAAAAAAAAAAAAAAAAABQAAAAAAAAAwMD/AAAAAABkAAAAMgAAAAAAAABkAAAAAAAAAH9/fwAKAAAAHwAAAFQAAAAAAAAFAAAAAQAAAAAAAAAAAAAAAAAAAAAAAAAAAAAAAAAAAAAAAAAAAAAAAn9/fwAAAAADzMzMAMDA/wB/f38AAAAAAAAAAAAAAAAAAAAAAAAAAAAhAAAAGAAAABQAAADQAgAAGycAAPAPAABZKQAAEAAAACYAAAAIAAAAAAAAAAAAAAA="/>
               </a:ext>
             </a:extLst>
           </p:cNvSpPr>
@@ -2119,7 +2119,7 @@
           <a:lstStyle/>
           <a:p>
             <a:pPr/>
-            <a:fld id="{3F6CFE45-0BD2-3908-9CD4-FD5DB09A6AA8}" type="datetime1">
+            <a:fld id="{3F127D7A-34D2-478B-9CAA-C2DE33E46A97}" type="datetime1">
               <a:t/>
             </a:fld>
           </a:p>
@@ -2132,7 +2132,7 @@
             <a:spLocks noGrp="1" noChangeArrowheads="1"/>
             <a:extLst>
               <a:ext uri="smNativeData">
-                <pr:smNativeData xmlns:pr="smNativeData" val="SMDATA_13_lv/SZRMAAAAlAAAAZAAAAA8BAAAAkAAAAEgAAACQAAAASAAAAAAAAAABAAAAAAAAAAEAAABQAAAAAAAAAAAA4D8AAAAAAADgPwAAAAAAAOA/AAAAAAAA4D8AAAAAAADgPwAAAAAAAOA/AAAAAAAA4D8AAAAAAADgPwAAAAAAAOA/AAAAAAAA4D8CAAAAjAAAAAAAAAAAAAAAu+DjDP///wgAAAAAAAAAAAAAAAAAAAAAAAAAAAAAAAAAAAAAZAAAAAEAAABAAAAAAAAAAAAAAAAAAAAAAAAAAAAAAAAAAAAAAAAAAAAAAAAAAAAAAAAAAAAAAAAAAAAAAAAAAAAAAAAAAAAAAAAAAAAAAAAAAAAAAAAAAAAAAAAAAAAAFAAAADwAAAAAAAAAAAAAAAAAAAkUAAAAAQAAABQAAAAUAAAAFAAAAAEAAAAAAAAAZAAAAGQAAAAAAAAAZAAAAGQAAAAVAAAAYAAAAAAAAAAAAAAADwAAACADAAAAAAAAAAAAAAEAAACgMgAAVgcAAKr4//8BAAAAf39/AAEAAABkAAAAAAAAABQAAABAHwAAAAAAACYAAAAAAAAAwOD//wAAAAAmAAAAZAAAABYAAABMAAAAAAAAAAAAAAAEAAAAAAAAAAEAAACAgIAKAAAAACgAAAAoAAAAZAAAAGQAAAAAAAAAzMzMAAAAAABQAAAAUAAAAGQAAABkAAAAAAAAABcAAAAUAAAAAAAAAAAAAAD/fwAA/38AAAAAAAAJAAAABAAAAAAAAAAMAAAAEAAAAAAAAAAAAAAAAAAAAAAAAAAeAAAAaAAAAAAAAAAAAAAAAAAAAAAAAAAAAAAAECcAABAnAAAAAAAAAAAAAAAAAAAAAAAAAAAAAAAAAAAAAAAAAAAAABQAAAAAAAAAwMD/AAAAAABkAAAAMgAAAAAAAABkAAAAAAAAAH9/fwAKAAAAHwAAAFQAAAAAAAAFAAAAAQAAAAAAAAAAAAAAAAAAAAAAAAAAAAAAAAAAAAAAAAAAAAAAAn9/fwAAAAADzMzMAMDA/wB/f38AAAAAAAAAAAAAAAAAAAAAAAAAAAAhAAAAGAAAABQAAAA4EwAAGycAAAglAABZKQAAEAAAACYAAAAIAAAAAAAAAAAAAAA="/>
+                <pr:smNativeData xmlns:pr="smNativeData" val="SMDATA_13_of3fZRMAAAAlAAAAZAAAAA8BAAAAkAAAAEgAAACQAAAASAAAAAAAAAABAAAAAAAAAAEAAABQAAAAAAAAAAAA4D8AAAAAAADgPwAAAAAAAOA/AAAAAAAA4D8AAAAAAADgPwAAAAAAAOA/AAAAAAAA4D8AAAAAAADgPwAAAAAAAOA/AAAAAAAA4D8CAAAAjAAAAAAAAAAAAAAAu+DjDP///wgAAAAAAAAAAAAAAAAAAAAAAAAAAAAAAAAAAAAAZAAAAAEAAABAAAAAAAAAAAAAAAAAAAAAAAAAAAAAAAAAAAAAAAAAAAAAAAAAAAAAAAAAAAAAAAAAAAAAAAAAAAAAAAAAAAAAAAAAAAAAAAAAAAAAAAAAAAAAAAAAAAAAFAAAADwAAAAAAAAAAAAAAAAAAAkUAAAAAQAAABQAAAAUAAAAFAAAAAEAAAAAAAAAZAAAAGQAAAAAAAAAZAAAAGQAAAAVAAAAYAAAAAAAAAAAAAAADwAAACADAAAAAAAAAAAAAAEAAACgMgAAVgcAAKr4//8BAAAAf39/AAEAAABkAAAAAAAAABQAAABAHwAAAAAAACYAAAAAAAAAwOD//wAAAAAmAAAAZAAAABYAAABMAAAAAAAAAAAAAAAEAAAAAAAAAAEAAACAgIAKAAAAACgAAAAoAAAAZAAAAGQAAAAAAAAAzMzMAAAAAABQAAAAUAAAAGQAAABkAAAAAAAAABcAAAAUAAAAAAAAAAAAAAD/fwAA/38AAAAAAAAJAAAABAAAAAAAAAAMAAAAEAAAAAAAAAAAAAAAAAAAAAAAAAAeAAAAaAAAAAAAAAAAAAAAAAAAAAAAAAAAAAAAECcAABAnAAAAAAAAAAAAAAAAAAAAAAAAAAAAAAAAAAAAAAAAAAAAABQAAAAAAAAAwMD/AAAAAABkAAAAMgAAAAAAAABkAAAAAAAAAH9/fwAKAAAAHwAAAFQAAAAAAAAFAAAAAQAAAAAAAAAAAAAAAAAAAAAAAAAAAAAAAAAAAAAAAAAAAAAAAn9/fwAAAAADzMzMAMDA/wB/f38AAAAAAAAAAAAAAAAAAAAAAAAAAAAhAAAAGAAAABQAAAA4EwAAGycAAAglAABZKQAAEAAAACYAAAAIAAAAAAAAAAAAAAA="/>
               </a:ext>
             </a:extLst>
           </p:cNvSpPr>
@@ -2156,7 +2156,7 @@
             <a:spLocks noGrp="1" noChangeArrowheads="1"/>
             <a:extLst>
               <a:ext uri="smNativeData">
-                <pr:smNativeData xmlns:pr="smNativeData" val="SMDATA_13_lv/SZRMAAAAlAAAAZAAAAA8BAAAAkAAAAEgAAACQAAAASAAAAAAAAAABAAAAAAAAAAEAAABQAAAAAAAAAAAA4D8AAAAAAADgPwAAAAAAAOA/AAAAAAAA4D8AAAAAAADgPwAAAAAAAOA/AAAAAAAA4D8AAAAAAADgPwAAAAAAAOA/AAAAAAAA4D8CAAAAjAAAAAAAAAAAAAAAu+DjDP///wgAAAAAAAAAAAAAAAAAAAAAAAAAAAAAAAAAAAAAZAAAAAEAAABAAAAAAAAAAAAAAAAAAAAAAAAAAAAAAAAAAAAAAAAAAAAAAAAAAAAAAAAAAAAAAAAAAAAAAAAAAAAAAAAAAAAAAAAAAAAAAAAAAAAAAAAAAAAAAAAAAAAAFAAAADwAAAAAAAAAAAAAAAAAAAkUAAAAAQAAABQAAAAUAAAAFAAAAAEAAAAAAAAAZAAAAGQAAAAAAAAAZAAAAGQAAAAVAAAAYAAAAAAAAAAAAAAADwAAACADAAAAAAAAAAAAAAEAAACgMgAAVgcAAKr4//8BAAAAf39/AAEAAABkAAAAAAAAABQAAABAHwAAAAAAACYAAAAAAAAAwOD//wAAAAAmAAAAZAAAABYAAABMAAAAAAAAAAAAAAAEAAAAAAAAAAEAAACAgIAKAAAAACgAAAAoAAAAZAAAAGQAAAAAAAAAzMzMAAAAAABQAAAAUAAAAGQAAABkAAAAAAAAABcAAAAUAAAAAAAAAAAAAAD/fwAA/38AAAAAAAAJAAAABAAAAAAAAAAMAAAAEAAAAAAAAAAAAAAAAAAAAAAAAAAeAAAAaAAAAAAAAAAAAAAAAAAAAAAAAAAAAAAAECcAABAnAAAAAAAAAAAAAAAAAAAAAAAAAAAAAAAAAAAAAAAAAAAAABQAAAAAAAAAwMD/AAAAAABkAAAAMgAAAAAAAABkAAAAAAAAAH9/fwAKAAAAHwAAAFQAAAAAAAAFAAAAAQAAAAAAAAAAAAAAAAAAAAAAAAAAAAAAAAAAAAAAAAAAAAAAAn9/fwAAAAADzMzMAMDA/wB/f38AAAAAAAAAAAAAAAAAAAAAAAAAAAAhAAAAGAAAABQAAABQKAAAGycAAHA1AABZKQAAEAAAACYAAAAIAAAAAAAAAAAAAAA="/>
+                <pr:smNativeData xmlns:pr="smNativeData" val="SMDATA_13_of3fZRMAAAAlAAAAZAAAAA8BAAAAkAAAAEgAAACQAAAASAAAAAAAAAABAAAAAAAAAAEAAABQAAAAAAAAAAAA4D8AAAAAAADgPwAAAAAAAOA/AAAAAAAA4D8AAAAAAADgPwAAAAAAAOA/AAAAAAAA4D8AAAAAAADgPwAAAAAAAOA/AAAAAAAA4D8CAAAAjAAAAAAAAAAAAAAAu+DjDP///wgAAAAAAAAAAAAAAAAAAAAAAAAAAAAAAAAAAAAAZAAAAAEAAABAAAAAAAAAAAAAAAAAAAAAAAAAAAAAAAAAAAAAAAAAAAAAAAAAAAAAAAAAAAAAAAAAAAAAAAAAAAAAAAAAAAAAAAAAAAAAAAAAAAAAAAAAAAAAAAAAAAAAFAAAADwAAAAAAAAAAAAAAAAAAAkUAAAAAQAAABQAAAAUAAAAFAAAAAEAAAAAAAAAZAAAAGQAAAAAAAAAZAAAAGQAAAAVAAAAYAAAAAAAAAAAAAAADwAAACADAAAAAAAAAAAAAAEAAACgMgAAVgcAAKr4//8BAAAAf39/AAEAAABkAAAAAAAAABQAAABAHwAAAAAAACYAAAAAAAAAwOD//wAAAAAmAAAAZAAAABYAAABMAAAAAAAAAAAAAAAEAAAAAAAAAAEAAACAgIAKAAAAACgAAAAoAAAAZAAAAGQAAAAAAAAAzMzMAAAAAABQAAAAUAAAAGQAAABkAAAAAAAAABcAAAAUAAAAAAAAAAAAAAD/fwAA/38AAAAAAAAJAAAABAAAAAAAAAAMAAAAEAAAAAAAAAAAAAAAAAAAAAAAAAAeAAAAaAAAAAAAAAAAAAAAAAAAAAAAAAAAAAAAECcAABAnAAAAAAAAAAAAAAAAAAAAAAAAAAAAAAAAAAAAAAAAAAAAABQAAAAAAAAAwMD/AAAAAABkAAAAMgAAAAAAAABkAAAAAAAAAH9/fwAKAAAAHwAAAFQAAAAAAAAFAAAAAQAAAAAAAAAAAAAAAAAAAAAAAAAAAAAAAAAAAAAAAAAAAAAAAn9/fwAAAAADzMzMAMDA/wB/f38AAAAAAAAAAAAAAAAAAAAAAAAAAAAhAAAAGAAAABQAAABQKAAAGycAAHA1AABZKQAAEAAAACYAAAAIAAAAAAAAAAAAAAA="/>
               </a:ext>
             </a:extLst>
           </p:cNvSpPr>
@@ -2170,7 +2170,7 @@
           <a:lstStyle/>
           <a:p>
             <a:pPr/>
-            <a:fld id="{3F6C908E-C0D2-3966-9CD4-3633DE9A6A63}" type="slidenum">
+            <a:fld id="{3F123FB1-FFD2-47C9-9CAA-099C71E46A5C}" type="slidenum">
               <a:t/>
             </a:fld>
           </a:p>
@@ -2208,7 +2208,7 @@
             <a:spLocks noGrp="1" noChangeArrowheads="1"/>
             <a:extLst>
               <a:ext uri="smNativeData">
-                <pr:smNativeData xmlns:pr="smNativeData" val="SMDATA_13_lv/SZRMAAAAlAAAAZAAAAA8BAAAAkAAAAEgAAACQAAAASAAAAAAAAAACAAAAAAAAAAEAAABQAAAAAAAAAAAA4D8AAAAAAADgPwAAAAAAAOA/AAAAAAAA4D8AAAAAAADgPwAAAAAAAOA/AAAAAAAA4D8AAAAAAADgPwAAAAAAAOA/AAAAAAAA4D8CAAAAjAAAAAAAAAAAAAAAu+DjDP///wgAAAAAAAAAAAAAAAAAAAAAAAAAAAAAAAAAAAAAZAAAAAEAAABAAAAAAAAAAAAAAAAAAAAAAAAAAAAAAAAAAAAAAAAAAAAAAAAAAAAAAAAAAAAAAAAAAAAAAAAAAAAAAAAAAAAAAAAAAAAAAAAAAAAAAAAAAAAAAAAAAAAAFAAAADwAAAAAAAAAAAAAAAAAAAkUAAAAAQAAABQAAAAUAAAAFAAAAAEAAAAAAAAAZAAAAGQAAAAAAAAAZAAAAGQAAAAVAAAAYAAAAAAAAAAAAAAADwAAACADAAAAAAAAAAAAAAEAAACgMgAAVgcAAKr4//8BAAAAf39/AAEAAABkAAAAAAAAABQAAABAHwAAAAAAACYAAAAAAAAAwOD//wAAAAAmAAAAZAAAABYAAABMAAAAAAAAAAAAAAAEAAAAAAAAAAEAAACAgIAKAAAAACgAAAAoAAAAZAAAAGQAAAAAAAAAzMzMAAAAAABQAAAAUAAAAGQAAABkAAAAAAAAABcAAAAUAAAAAAAAAAAAAAD/fwAA/38AAAAAAAAJAAAABAAAAAAAAAAMAAAAEAAAAAAAAAAAAAAAAAAAAAAAAAAeAAAAaAAAAAAAAAAAAAAAAAAAAAAAAAAAAAAAECcAABAnAAAAAAAAAAAAAAAAAAAAAAAAAAAAAAAAAAAAAAAAAAAAABQAAAAAAAAAwMD/AAAAAABkAAAAMgAAAAAAAABkAAAAAAAAAH9/fwAKAAAAHwAAAFQAAAAAAAAFAAAAAQAAAAAAAAAAAAAAAAAAAAAAAAAAAAAAAAAAAAAAAAAAAAAAAn9/fwAAAAADzMzMAMDA/wB/f38AAAAAAAAAAAAAAAAAAAAAAAAAAAAhAAAAGAAAABQAAADQAgAArgEAAFIVAADUCAAAEAAAACYAAAAIAAAAgYAAAAAAAAA="/>
+                <pr:smNativeData xmlns:pr="smNativeData" val="SMDATA_13_of3fZRMAAAAlAAAAZAAAAA8BAAAAkAAAAEgAAACQAAAASAAAAAAAAAACAAAAAAAAAAEAAABQAAAAAAAAAAAA4D8AAAAAAADgPwAAAAAAAOA/AAAAAAAA4D8AAAAAAADgPwAAAAAAAOA/AAAAAAAA4D8AAAAAAADgPwAAAAAAAOA/AAAAAAAA4D8CAAAAjAAAAAAAAAAAAAAAu+DjDP///wgAAAAAAAAAAAAAAAAAAAAAAAAAAAAAAAAAAAAAZAAAAAEAAABAAAAAAAAAAAAAAAAAAAAAAAAAAAAAAAAAAAAAAAAAAAAAAAAAAAAAAAAAAAAAAAAAAAAAAAAAAAAAAAAAAAAAAAAAAAAAAAAAAAAAAAAAAAAAAAAAAAAAFAAAADwAAAAAAAAAAAAAAAAAAAkUAAAAAQAAABQAAAAUAAAAFAAAAAEAAAAAAAAAZAAAAGQAAAAAAAAAZAAAAGQAAAAVAAAAYAAAAAAAAAAAAAAADwAAACADAAAAAAAAAAAAAAEAAACgMgAAVgcAAKr4//8BAAAAf39/AAEAAABkAAAAAAAAABQAAABAHwAAAAAAACYAAAAAAAAAwOD//wAAAAAmAAAAZAAAABYAAABMAAAAAAAAAAAAAAAEAAAAAAAAAAEAAACAgIAKAAAAACgAAAAoAAAAZAAAAGQAAAAAAAAAzMzMAAAAAABQAAAAUAAAAGQAAABkAAAAAAAAABcAAAAUAAAAAAAAAAAAAAD/fwAA/38AAAAAAAAJAAAABAAAAAAAAAAMAAAAEAAAAAAAAAAAAAAAAAAAAAAAAAAeAAAAaAAAAAAAAAAAAAAAAAAAAAAAAAAAAAAAECcAABAnAAAAAAAAAAAAAAAAAAAAAAAAAAAAAAAAAAAAAAAAAAAAABQAAAAAAAAAwMD/AAAAAABkAAAAMgAAAAAAAABkAAAAAAAAAH9/fwAKAAAAHwAAAFQAAAAAAAAFAAAAAQAAAAAAAAAAAAAAAAAAAAAAAAAAAAAAAAAAAAAAAAAAAAAAAn9/fwAAAAADzMzMAMDA/wB/f38AAAAAAAAAAAAAAAAAAAAAAAAAAAAhAAAAGAAAABQAAADQAgAArgEAAFIVAADUCAAAEAAAACYAAAAIAAAAgYAAAAAAAAA="/>
               </a:ext>
             </a:extLst>
           </p:cNvSpPr>
@@ -2248,7 +2248,7 @@
             <a:spLocks noGrp="1" noChangeArrowheads="1"/>
             <a:extLst>
               <a:ext uri="smNativeData">
-                <pr:smNativeData xmlns:pr="smNativeData" val="SMDATA_13_lv/SZRMAAAAlAAAAZAAAAA8BAAAAkAAAAEgAAACQAAAASAAAAAAAAAAAAAAAAAAAAAEAAABQAAAAAAAAAAAA4D8AAAAAAADgPwAAAAAAAOA/AAAAAAAA4D8AAAAAAADgPwAAAAAAAOA/AAAAAAAA4D8AAAAAAADgPwAAAAAAAOA/AAAAAAAA4D8CAAAAjAAAAAAAAAAAAAAAu+DjDP///wgAAAAAAAAAAAAAAAAAAAAAAAAAAAAAAAAAAAAAZAAAAAEAAABAAAAAAAAAAAAAAAAAAAAAAAAAAAAAAAAAAAAAAAAAAAAAAAAAAAAAAAAAAAAAAAAAAAAAAAAAAAAAAAAAAAAAAAAAAAAAAAAAAAAAAAAAAAAAAAAAAAAAFAAAADwAAAAAAAAAAAAAAAAAAAkUAAAAAQAAABQAAAAUAAAAFAAAAAEAAAAAAAAAZAAAAGQAAAAAAAAAZAAAAGQAAAAVAAAAYAAAAAAAAAAAAAAADwAAACADAAAAAAAAAAAAAAEAAACgMgAAVgcAAKr4//8BAAAAf39/AAEAAABkAAAAAAAAABQAAABAHwAAAAAAACYAAAAAAAAAwOD//wAAAAAmAAAAZAAAABYAAABMAAAAAAAAAAAAAAAEAAAAAAAAAAEAAACAgIAKAAAAACgAAAAoAAAAZAAAAGQAAAAAAAAAzMzMAAAAAABQAAAAUAAAAGQAAABkAAAAAAAAABcAAAAUAAAAAAAAAAAAAAD/fwAA/38AAAAAAAAJAAAABAAAAAAAAAAMAAAAEAAAAAAAAAAAAAAAAAAAAAAAAAAeAAAAaAAAAAAAAAAAAAAAAAAAAAAAAAAAAAAAECcAABAnAAAAAAAAAAAAAAAAAAAAAAAAAAAAAAAAAAAAAAAAAAAAABQAAAAAAAAAwMD/AAAAAABkAAAAMgAAAAAAAABkAAAAAAAAAH9/fwAKAAAAHwAAAFQAAAAAAAAFAAAAAQAAAAAAAAAAAAAAAAAAAAAAAAAAAAAAAAAAAAAAAAAAAAAAAn9/fwAAAAADzMzMAMDA/wB/f38AAAAAAAAAAAAAAAAAAAAAAAAAAAAhAAAAGAAAABQAAAD+FQAArgEAAHA1AACwJQAAEAAAACYAAAAIAAAAAYAAAAAAAAA="/>
+                <pr:smNativeData xmlns:pr="smNativeData" val="SMDATA_13_of3fZRMAAAAlAAAAZAAAAA8BAAAAkAAAAEgAAACQAAAASAAAAAAAAAAAAAAAAAAAAAEAAABQAAAAAAAAAAAA4D8AAAAAAADgPwAAAAAAAOA/AAAAAAAA4D8AAAAAAADgPwAAAAAAAOA/AAAAAAAA4D8AAAAAAADgPwAAAAAAAOA/AAAAAAAA4D8CAAAAjAAAAAAAAAAAAAAAu+DjDP///wgAAAAAAAAAAAAAAAAAAAAAAAAAAAAAAAAAAAAAZAAAAAEAAABAAAAAAAAAAAAAAAAAAAAAAAAAAAAAAAAAAAAAAAAAAAAAAAAAAAAAAAAAAAAAAAAAAAAAAAAAAAAAAAAAAAAAAAAAAAAAAAAAAAAAAAAAAAAAAAAAAAAAFAAAADwAAAAAAAAAAAAAAAAAAAkUAAAAAQAAABQAAAAUAAAAFAAAAAEAAAAAAAAAZAAAAGQAAAAAAAAAZAAAAGQAAAAVAAAAYAAAAAAAAAAAAAAADwAAACADAAAAAAAAAAAAAAEAAACgMgAAVgcAAKr4//8BAAAAf39/AAEAAABkAAAAAAAAABQAAABAHwAAAAAAACYAAAAAAAAAwOD//wAAAAAmAAAAZAAAABYAAABMAAAAAAAAAAAAAAAEAAAAAAAAAAEAAACAgIAKAAAAACgAAAAoAAAAZAAAAGQAAAAAAAAAzMzMAAAAAABQAAAAUAAAAGQAAABkAAAAAAAAABcAAAAUAAAAAAAAAAAAAAD/fwAA/38AAAAAAAAJAAAABAAAAAAAAAAMAAAAEAAAAAAAAAAAAAAAAAAAAAAAAAAeAAAAaAAAAAAAAAAAAAAAAAAAAAAAAAAAAAAAECcAABAnAAAAAAAAAAAAAAAAAAAAAAAAAAAAAAAAAAAAAAAAAAAAABQAAAAAAAAAwMD/AAAAAABkAAAAMgAAAAAAAABkAAAAAAAAAH9/fwAKAAAAHwAAAFQAAAAAAAAFAAAAAQAAAAAAAAAAAAAAAAAAAAAAAAAAAAAAAAAAAAAAAAAAAAAAAn9/fwAAAAADzMzMAMDA/wB/f38AAAAAAAAAAAAAAAAAAAAAAAAAAAAhAAAAGAAAABQAAAD+FQAArgEAAHA1AACwJQAAEAAAACYAAAAIAAAAAYAAAAAAAAA="/>
               </a:ext>
             </a:extLst>
           </p:cNvSpPr>
@@ -2332,7 +2332,7 @@
             <a:spLocks noGrp="1" noChangeArrowheads="1"/>
             <a:extLst>
               <a:ext uri="smNativeData">
-                <pr:smNativeData xmlns:pr="smNativeData" val="SMDATA_13_lv/SZRMAAAAlAAAAZAAAAA8BAAAAkAAAAEgAAACQAAAASAAAAAAAAAAAAAAAAAAAAAEAAABQAAAAAAAAAAAA4D8AAAAAAADgPwAAAAAAAOA/AAAAAAAA4D8AAAAAAADgPwAAAAAAAOA/AAAAAAAA4D8AAAAAAADgPwAAAAAAAOA/AAAAAAAA4D8CAAAAjAAAAAAAAAAAAAAAu+DjDP///wgAAAAAAAAAAAAAAAAAAAAAAAAAAAAAAAAAAAAAZAAAAAEAAABAAAAAAAAAAAAAAAAAAAAAAAAAAAAAAAAAAAAAAAAAAAAAAAAAAAAAAAAAAAAAAAAAAAAAAAAAAAAAAAAAAAAAAAAAAAAAAAAAAAAAAAAAAAAAAAAAAAAAFAAAADwAAAAAAAAAAAAAAAAAAAkUAAAAAQAAABQAAAAUAAAAFAAAAAEAAAAAAAAAZAAAAGQAAAAAAAAAZAAAAGQAAAAVAAAAYAAAAAAAAAAAAAAADwAAACADAAAAAAAAAAAAAAEAAACgMgAAVgcAAKr4//8BAAAAf39/AAEAAABkAAAAAAAAABQAAABAHwAAAAAAACYAAAAAAAAAwOD//wAAAAAmAAAAZAAAABYAAABMAAAAAAAAAAAAAAAEAAAAAAAAAAEAAACAgIAKAAAAACgAAAAoAAAAZAAAAGQAAAAAAAAAzMzMAAAAAABQAAAAUAAAAGQAAABkAAAAAAAAABcAAAAUAAAAAAAAAAAAAAD/fwAA/38AAAAAAAAJAAAABAAAAAAAAAAMAAAAEAAAAAAAAAAAAAAAAAAAAAAAAAAeAAAAaAAAAAAAAAAAAAAAAAAAAAAAAAAAAAAAECcAABAnAAAAAAAAAAAAAAAAAAAAAAAAAAAAAAAAAAAAAAAAAAAAABQAAAAAAAAAwMD/AAAAAABkAAAAMgAAAAAAAABkAAAAAAAAAH9/fwAKAAAAHwAAAFQAAAAAAAAFAAAAAQAAAAAAAAAAAAAAAAAAAAAAAAAAAAAAAAAAAAAAAAAAAAAAAn9/fwAAAAADzMzMAMDA/wB/f38AAAAAAAAAAAAAAAAAAAAAAAAAAAAhAAAAGAAAABQAAADQAgAA1AgAAFIVAACwJQAAEAAAACYAAAAIAAAAAYAAAAAAAAA="/>
+                <pr:smNativeData xmlns:pr="smNativeData" val="SMDATA_13_of3fZRMAAAAlAAAAZAAAAA8BAAAAkAAAAEgAAACQAAAASAAAAAAAAAAAAAAAAAAAAAEAAABQAAAAAAAAAAAA4D8AAAAAAADgPwAAAAAAAOA/AAAAAAAA4D8AAAAAAADgPwAAAAAAAOA/AAAAAAAA4D8AAAAAAADgPwAAAAAAAOA/AAAAAAAA4D8CAAAAjAAAAAAAAAAAAAAAu+DjDP///wgAAAAAAAAAAAAAAAAAAAAAAAAAAAAAAAAAAAAAZAAAAAEAAABAAAAAAAAAAAAAAAAAAAAAAAAAAAAAAAAAAAAAAAAAAAAAAAAAAAAAAAAAAAAAAAAAAAAAAAAAAAAAAAAAAAAAAAAAAAAAAAAAAAAAAAAAAAAAAAAAAAAAFAAAADwAAAAAAAAAAAAAAAAAAAkUAAAAAQAAABQAAAAUAAAAFAAAAAEAAAAAAAAAZAAAAGQAAAAAAAAAZAAAAGQAAAAVAAAAYAAAAAAAAAAAAAAADwAAACADAAAAAAAAAAAAAAEAAACgMgAAVgcAAKr4//8BAAAAf39/AAEAAABkAAAAAAAAABQAAABAHwAAAAAAACYAAAAAAAAAwOD//wAAAAAmAAAAZAAAABYAAABMAAAAAAAAAAAAAAAEAAAAAAAAAAEAAACAgIAKAAAAACgAAAAoAAAAZAAAAGQAAAAAAAAAzMzMAAAAAABQAAAAUAAAAGQAAABkAAAAAAAAABcAAAAUAAAAAAAAAAAAAAD/fwAA/38AAAAAAAAJAAAABAAAAAAAAAAMAAAAEAAAAAAAAAAAAAAAAAAAAAAAAAAeAAAAaAAAAAAAAAAAAAAAAAAAAAAAAAAAAAAAECcAABAnAAAAAAAAAAAAAAAAAAAAAAAAAAAAAAAAAAAAAAAAAAAAABQAAAAAAAAAwMD/AAAAAABkAAAAMgAAAAAAAABkAAAAAAAAAH9/fwAKAAAAHwAAAFQAAAAAAAAFAAAAAQAAAAAAAAAAAAAAAAAAAAAAAAAAAAAAAAAAAAAAAAAAAAAAAn9/fwAAAAADzMzMAMDA/wB/f38AAAAAAAAAAAAAAAAAAAAAAAAAAAAhAAAAGAAAABQAAADQAgAA1AgAAFIVAACwJQAAEAAAACYAAAAIAAAAAYAAAAAAAAA="/>
               </a:ext>
             </a:extLst>
           </p:cNvSpPr>
@@ -2401,7 +2401,7 @@
             <a:spLocks noGrp="1" noChangeArrowheads="1"/>
             <a:extLst>
               <a:ext uri="smNativeData">
-                <pr:smNativeData xmlns:pr="smNativeData" val="SMDATA_13_lv/SZRMAAAAlAAAAZAAAAA8BAAAAkAAAAEgAAACQAAAASAAAAAAAAAABAAAAAAAAAAEAAABQAAAAAAAAAAAA4D8AAAAAAADgPwAAAAAAAOA/AAAAAAAA4D8AAAAAAADgPwAAAAAAAOA/AAAAAAAA4D8AAAAAAADgPwAAAAAAAOA/AAAAAAAA4D8CAAAAjAAAAAAAAAAAAAAAu+DjDP///wgAAAAAAAAAAAAAAAAAAAAAAAAAAAAAAAAAAAAAZAAAAAEAAABAAAAAAAAAAAAAAAAAAAAAAAAAAAAAAAAAAAAAAAAAAAAAAAAAAAAAAAAAAAAAAAAAAAAAAAAAAAAAAAAAAAAAAAAAAAAAAAAAAAAAAAAAAAAAAAAAAAAAFAAAADwAAAAAAAAAAAAAAAAAAAkUAAAAAQAAABQAAAAUAAAAFAAAAAEAAAAAAAAAZAAAAGQAAAAAAAAAZAAAAGQAAAAVAAAAYAAAAAAAAAAAAAAADwAAACADAAAAAAAAAAAAAAEAAACgMgAAVgcAAKr4//8BAAAAf39/AAEAAABkAAAAAAAAABQAAABAHwAAAAAAACYAAAAAAAAAwOD//wAAAAAmAAAAZAAAABYAAABMAAAAAAAAAAAAAAAEAAAAAAAAAAEAAACAgIAKAAAAACgAAAAoAAAAZAAAAGQAAAAAAAAAzMzMAAAAAABQAAAAUAAAAGQAAABkAAAAAAAAABcAAAAUAAAAAAAAAAAAAAD/fwAA/38AAAAAAAAJAAAABAAAAAAAAAAMAAAAEAAAAAAAAAAAAAAAAAAAAAAAAAAeAAAAaAAAAAAAAAAAAAAAAAAAAAAAAAAAAAAAECcAABAnAAAAAAAAAAAAAAAAAAAAAAAAAAAAAAAAAAAAAAAAAAAAABQAAAAAAAAAwMD/AAAAAABkAAAAMgAAAAAAAABkAAAAAAAAAH9/fwAKAAAAHwAAAFQAAAAAAAAFAAAAAQAAAAAAAAAAAAAAAAAAAAAAAAAAAAAAAAAAAAAAAAAAAAAAAn9/fwAAAAADzMzMAMDA/wB/f38AAAAAAAAAAAAAAAAAAAAAAAAAAAAhAAAAGAAAABQAAADQAgAAGycAAPAPAABZKQAAEAAAACYAAAAIAAAAAAAAAAAAAAA="/>
+                <pr:smNativeData xmlns:pr="smNativeData" val="SMDATA_13_of3fZRMAAAAlAAAAZAAAAA8BAAAAkAAAAEgAAACQAAAASAAAAAAAAAABAAAAAAAAAAEAAABQAAAAAAAAAAAA4D8AAAAAAADgPwAAAAAAAOA/AAAAAAAA4D8AAAAAAADgPwAAAAAAAOA/AAAAAAAA4D8AAAAAAADgPwAAAAAAAOA/AAAAAAAA4D8CAAAAjAAAAAAAAAAAAAAAu+DjDP///wgAAAAAAAAAAAAAAAAAAAAAAAAAAAAAAAAAAAAAZAAAAAEAAABAAAAAAAAAAAAAAAAAAAAAAAAAAAAAAAAAAAAAAAAAAAAAAAAAAAAAAAAAAAAAAAAAAAAAAAAAAAAAAAAAAAAAAAAAAAAAAAAAAAAAAAAAAAAAAAAAAAAAFAAAADwAAAAAAAAAAAAAAAAAAAkUAAAAAQAAABQAAAAUAAAAFAAAAAEAAAAAAAAAZAAAAGQAAAAAAAAAZAAAAGQAAAAVAAAAYAAAAAAAAAAAAAAADwAAACADAAAAAAAAAAAAAAEAAACgMgAAVgcAAKr4//8BAAAAf39/AAEAAABkAAAAAAAAABQAAABAHwAAAAAAACYAAAAAAAAAwOD//wAAAAAmAAAAZAAAABYAAABMAAAAAAAAAAAAAAAEAAAAAAAAAAEAAACAgIAKAAAAACgAAAAoAAAAZAAAAGQAAAAAAAAAzMzMAAAAAABQAAAAUAAAAGQAAABkAAAAAAAAABcAAAAUAAAAAAAAAAAAAAD/fwAA/38AAAAAAAAJAAAABAAAAAAAAAAMAAAAEAAAAAAAAAAAAAAAAAAAAAAAAAAeAAAAaAAAAAAAAAAAAAAAAAAAAAAAAAAAAAAAECcAABAnAAAAAAAAAAAAAAAAAAAAAAAAAAAAAAAAAAAAAAAAAAAAABQAAAAAAAAAwMD/AAAAAABkAAAAMgAAAAAAAABkAAAAAAAAAH9/fwAKAAAAHwAAAFQAAAAAAAAFAAAAAQAAAAAAAAAAAAAAAAAAAAAAAAAAAAAAAAAAAAAAAAAAAAAAAn9/fwAAAAADzMzMAMDA/wB/f38AAAAAAAAAAAAAAAAAAAAAAAAAAAAhAAAAGAAAABQAAADQAgAAGycAAPAPAABZKQAAEAAAACYAAAAIAAAAAAAAAAAAAAA="/>
               </a:ext>
             </a:extLst>
           </p:cNvSpPr>
@@ -2415,7 +2415,7 @@
           <a:lstStyle/>
           <a:p>
             <a:pPr/>
-            <a:fld id="{3F6C9392-DCD2-3965-9CD4-2A30DD9A6A7F}" type="datetime1">
+            <a:fld id="{3F123939-77D2-47CF-9CAA-819A77E46AD4}" type="datetime1">
               <a:t/>
             </a:fld>
           </a:p>
@@ -2428,7 +2428,7 @@
             <a:spLocks noGrp="1" noChangeArrowheads="1"/>
             <a:extLst>
               <a:ext uri="smNativeData">
-                <pr:smNativeData xmlns:pr="smNativeData" val="SMDATA_13_lv/SZRMAAAAlAAAAZAAAAA8BAAAAkAAAAEgAAACQAAAASAAAAAAAAAABAAAAAAAAAAEAAABQAAAAAAAAAAAA4D8AAAAAAADgPwAAAAAAAOA/AAAAAAAA4D8AAAAAAADgPwAAAAAAAOA/AAAAAAAA4D8AAAAAAADgPwAAAAAAAOA/AAAAAAAA4D8CAAAAjAAAAAAAAAAAAAAAu+DjDP///wgAAAAAAAAAAAAAAAAAAAAAAAAAAAAAAAAAAAAAZAAAAAEAAABAAAAAAAAAAAAAAAAAAAAAAAAAAAAAAAAAAAAAAAAAAAAAAAAAAAAAAAAAAAAAAAAAAAAAAAAAAAAAAAAAAAAAAAAAAAAAAAAAAAAAAAAAAAAAAAAAAAAAFAAAADwAAAAAAAAAAAAAAAAAAAkUAAAAAQAAABQAAAAUAAAAFAAAAAEAAAAAAAAAZAAAAGQAAAAAAAAAZAAAAGQAAAAVAAAAYAAAAAAAAAAAAAAADwAAACADAAAAAAAAAAAAAAEAAACgMgAAVgcAAKr4//8BAAAAf39/AAEAAABkAAAAAAAAABQAAABAHwAAAAAAACYAAAAAAAAAwOD//wAAAAAmAAAAZAAAABYAAABMAAAAAAAAAAAAAAAEAAAAAAAAAAEAAACAgIAKAAAAACgAAAAoAAAAZAAAAGQAAAAAAAAAzMzMAAAAAABQAAAAUAAAAGQAAABkAAAAAAAAABcAAAAUAAAAAAAAAAAAAAD/fwAA/38AAAAAAAAJAAAABAAAAAAAAAAMAAAAEAAAAAAAAAAAAAAAAAAAAAAAAAAeAAAAaAAAAAAAAAAAAAAAAAAAAAAAAAAAAAAAECcAABAnAAAAAAAAAAAAAAAAAAAAAAAAAAAAAAAAAAAAAAAAAAAAABQAAAAAAAAAwMD/AAAAAABkAAAAMgAAAAAAAABkAAAAAAAAAH9/fwAKAAAAHwAAAFQAAAAAAAAFAAAAAQAAAAAAAAAAAAAAAAAAAAAAAAAAAAAAAAAAAAAAAAAAAAAAAn9/fwAAAAADzMzMAMDA/wB/f38AAAAAAAAAAAAAAAAAAAAAAAAAAAAhAAAAGAAAABQAAAA4EwAAGycAAAglAABZKQAAEAAAACYAAAAIAAAAAAAAAAAAAAA="/>
+                <pr:smNativeData xmlns:pr="smNativeData" val="SMDATA_13_of3fZRMAAAAlAAAAZAAAAA8BAAAAkAAAAEgAAACQAAAASAAAAAAAAAABAAAAAAAAAAEAAABQAAAAAAAAAAAA4D8AAAAAAADgPwAAAAAAAOA/AAAAAAAA4D8AAAAAAADgPwAAAAAAAOA/AAAAAAAA4D8AAAAAAADgPwAAAAAAAOA/AAAAAAAA4D8CAAAAjAAAAAAAAAAAAAAAu+DjDP///wgAAAAAAAAAAAAAAAAAAAAAAAAAAAAAAAAAAAAAZAAAAAEAAABAAAAAAAAAAAAAAAAAAAAAAAAAAAAAAAAAAAAAAAAAAAAAAAAAAAAAAAAAAAAAAAAAAAAAAAAAAAAAAAAAAAAAAAAAAAAAAAAAAAAAAAAAAAAAAAAAAAAAFAAAADwAAAAAAAAAAAAAAAAAAAkUAAAAAQAAABQAAAAUAAAAFAAAAAEAAAAAAAAAZAAAAGQAAAAAAAAAZAAAAGQAAAAVAAAAYAAAAAAAAAAAAAAADwAAACADAAAAAAAAAAAAAAEAAACgMgAAVgcAAKr4//8BAAAAf39/AAEAAABkAAAAAAAAABQAAABAHwAAAAAAACYAAAAAAAAAwOD//wAAAAAmAAAAZAAAABYAAABMAAAAAAAAAAAAAAAEAAAAAAAAAAEAAACAgIAKAAAAACgAAAAoAAAAZAAAAGQAAAAAAAAAzMzMAAAAAABQAAAAUAAAAGQAAABkAAAAAAAAABcAAAAUAAAAAAAAAAAAAAD/fwAA/38AAAAAAAAJAAAABAAAAAAAAAAMAAAAEAAAAAAAAAAAAAAAAAAAAAAAAAAeAAAAaAAAAAAAAAAAAAAAAAAAAAAAAAAAAAAAECcAABAnAAAAAAAAAAAAAAAAAAAAAAAAAAAAAAAAAAAAAAAAAAAAABQAAAAAAAAAwMD/AAAAAABkAAAAMgAAAAAAAABkAAAAAAAAAH9/fwAKAAAAHwAAAFQAAAAAAAAFAAAAAQAAAAAAAAAAAAAAAAAAAAAAAAAAAAAAAAAAAAAAAAAAAAAAAn9/fwAAAAADzMzMAMDA/wB/f38AAAAAAAAAAAAAAAAAAAAAAAAAAAAhAAAAGAAAABQAAAA4EwAAGycAAAglAABZKQAAEAAAACYAAAAIAAAAAAAAAAAAAAA="/>
               </a:ext>
             </a:extLst>
           </p:cNvSpPr>
@@ -2452,7 +2452,7 @@
             <a:spLocks noGrp="1" noChangeArrowheads="1"/>
             <a:extLst>
               <a:ext uri="smNativeData">
-                <pr:smNativeData xmlns:pr="smNativeData" val="SMDATA_13_lv/SZRMAAAAlAAAAZAAAAA8BAAAAkAAAAEgAAACQAAAASAAAAAAAAAABAAAAAAAAAAEAAABQAAAAAAAAAAAA4D8AAAAAAADgPwAAAAAAAOA/AAAAAAAA4D8AAAAAAADgPwAAAAAAAOA/AAAAAAAA4D8AAAAAAADgPwAAAAAAAOA/AAAAAAAA4D8CAAAAjAAAAAAAAAAAAAAAu+DjDP///wgAAAAAAAAAAAAAAAAAAAAAAAAAAAAAAAAAAAAAZAAAAAEAAABAAAAAAAAAAAAAAAAAAAAAAAAAAAAAAAAAAAAAAAAAAAAAAAAAAAAAAAAAAAAAAAAAAAAAAAAAAAAAAAAAAAAAAAAAAAAAAAAAAAAAAAAAAAAAAAAAAAAAFAAAADwAAAAAAAAAAAAAAAAAAAkUAAAAAQAAABQAAAAUAAAAFAAAAAEAAAAAAAAAZAAAAGQAAAAAAAAAZAAAAGQAAAAVAAAAYAAAAAAAAAAAAAAADwAAACADAAAAAAAAAAAAAAEAAACgMgAAVgcAAKr4//8BAAAAf39/AAEAAABkAAAAAAAAABQAAABAHwAAAAAAACYAAAAAAAAAwOD//wAAAAAmAAAAZAAAABYAAABMAAAAAAAAAAAAAAAEAAAAAAAAAAEAAACAgIAKAAAAACgAAAAoAAAAZAAAAGQAAAAAAAAAzMzMAAAAAABQAAAAUAAAAGQAAABkAAAAAAAAABcAAAAUAAAAAAAAAAAAAAD/fwAA/38AAAAAAAAJAAAABAAAAAAAAAAMAAAAEAAAAAAAAAAAAAAAAAAAAAAAAAAeAAAAaAAAAAAAAAAAAAAAAAAAAAAAAAAAAAAAECcAABAnAAAAAAAAAAAAAAAAAAAAAAAAAAAAAAAAAAAAAAAAAAAAABQAAAAAAAAAwMD/AAAAAABkAAAAMgAAAAAAAABkAAAAAAAAAH9/fwAKAAAAHwAAAFQAAAAAAAAFAAAAAQAAAAAAAAAAAAAAAAAAAAAAAAAAAAAAAAAAAAAAAAAAAAAAAn9/fwAAAAADzMzMAMDA/wB/f38AAAAAAAAAAAAAAAAAAAAAAAAAAAAhAAAAGAAAABQAAABQKAAAGycAAHA1AABZKQAAEAAAACYAAAAIAAAAAAAAAAAAAAA="/>
+                <pr:smNativeData xmlns:pr="smNativeData" val="SMDATA_13_of3fZRMAAAAlAAAAZAAAAA8BAAAAkAAAAEgAAACQAAAASAAAAAAAAAABAAAAAAAAAAEAAABQAAAAAAAAAAAA4D8AAAAAAADgPwAAAAAAAOA/AAAAAAAA4D8AAAAAAADgPwAAAAAAAOA/AAAAAAAA4D8AAAAAAADgPwAAAAAAAOA/AAAAAAAA4D8CAAAAjAAAAAAAAAAAAAAAu+DjDP///wgAAAAAAAAAAAAAAAAAAAAAAAAAAAAAAAAAAAAAZAAAAAEAAABAAAAAAAAAAAAAAAAAAAAAAAAAAAAAAAAAAAAAAAAAAAAAAAAAAAAAAAAAAAAAAAAAAAAAAAAAAAAAAAAAAAAAAAAAAAAAAAAAAAAAAAAAAAAAAAAAAAAAFAAAADwAAAAAAAAAAAAAAAAAAAkUAAAAAQAAABQAAAAUAAAAFAAAAAEAAAAAAAAAZAAAAGQAAAAAAAAAZAAAAGQAAAAVAAAAYAAAAAAAAAAAAAAADwAAACADAAAAAAAAAAAAAAEAAACgMgAAVgcAAKr4//8BAAAAf39/AAEAAABkAAAAAAAAABQAAABAHwAAAAAAACYAAAAAAAAAwOD//wAAAAAmAAAAZAAAABYAAABMAAAAAAAAAAAAAAAEAAAAAAAAAAEAAACAgIAKAAAAACgAAAAoAAAAZAAAAGQAAAAAAAAAzMzMAAAAAABQAAAAUAAAAGQAAABkAAAAAAAAABcAAAAUAAAAAAAAAAAAAAD/fwAA/38AAAAAAAAJAAAABAAAAAAAAAAMAAAAEAAAAAAAAAAAAAAAAAAAAAAAAAAeAAAAaAAAAAAAAAAAAAAAAAAAAAAAAAAAAAAAECcAABAnAAAAAAAAAAAAAAAAAAAAAAAAAAAAAAAAAAAAAAAAAAAAABQAAAAAAAAAwMD/AAAAAABkAAAAMgAAAAAAAABkAAAAAAAAAH9/fwAKAAAAHwAAAFQAAAAAAAAFAAAAAQAAAAAAAAAAAAAAAAAAAAAAAAAAAAAAAAAAAAAAAAAAAAAAAn9/fwAAAAADzMzMAMDA/wB/f38AAAAAAAAAAAAAAAAAAAAAAAAAAAAhAAAAGAAAABQAAABQKAAAGycAAHA1AABZKQAAEAAAACYAAAAIAAAAAAAAAAAAAAA="/>
               </a:ext>
             </a:extLst>
           </p:cNvSpPr>
@@ -2466,7 +2466,7 @@
           <a:lstStyle/>
           <a:p>
             <a:pPr/>
-            <a:fld id="{3F6CD618-56D2-3920-9CD4-A075989A6AF5}" type="slidenum">
+            <a:fld id="{3F1231CB-85D2-47C7-9CAA-73927FE46A26}" type="slidenum">
               <a:t/>
             </a:fld>
           </a:p>
@@ -2504,7 +2504,7 @@
             <a:spLocks noGrp="1" noChangeArrowheads="1"/>
             <a:extLst>
               <a:ext uri="smNativeData">
-                <pr:smNativeData xmlns:pr="smNativeData" val="SMDATA_13_lv/SZRMAAAAlAAAAZAAAAA8BAAAAkAAAAEgAAACQAAAASAAAAAAAAAACAAAAAAAAAAEAAABQAAAAAAAAAAAA4D8AAAAAAADgPwAAAAAAAOA/AAAAAAAA4D8AAAAAAADgPwAAAAAAAOA/AAAAAAAA4D8AAAAAAADgPwAAAAAAAOA/AAAAAAAA4D8CAAAAjAAAAAAAAAAAAAAAu+DjDP///wgAAAAAAAAAAAAAAAAAAAAAAAAAAAAAAAAAAAAAZAAAAAEAAABAAAAAAAAAAAAAAAAAAAAAAAAAAAAAAAAAAAAAAAAAAAAAAAAAAAAAAAAAAAAAAAAAAAAAAAAAAAAAAAAAAAAAAAAAAAAAAAAAAAAAAAAAAAAAAAAAAAAAFAAAADwAAAAAAAAAAAAAAAAAAAkUAAAAAQAAABQAAAAUAAAAFAAAAAEAAAAAAAAAZAAAAGQAAAAAAAAAZAAAAGQAAAAVAAAAYAAAAAAAAAAAAAAADwAAACADAAAAAAAAAAAAAAEAAACgMgAAVgcAAKr4//8BAAAAf39/AAEAAABkAAAAAAAAABQAAABAHwAAAAAAACYAAAAAAAAAwOD//wAAAAAmAAAAZAAAABYAAABMAAAAAAAAAAAAAAAEAAAAAAAAAAEAAACAgIAKAAAAACgAAAAoAAAAZAAAAGQAAAAAAAAAzMzMAAAAAABQAAAAUAAAAGQAAABkAAAAAAAAABcAAAAUAAAAAAAAAAAAAAD/fwAA/38AAAAAAAAJAAAABAAAAAAAAAAMAAAAEAAAAAAAAAAAAAAAAAAAAAAAAAAeAAAAaAAAAAAAAAAAAAAAAAAAAAAAAAAAAAAAECcAABAnAAAAAAAAAAAAAAAAAAAAAAAAAAAAAAAAAAAAAAAAAAAAABQAAAAAAAAAwMD/AAAAAABkAAAAMgAAAAAAAABkAAAAAAAAAH9/fwAKAAAAHwAAAFQAAAAAAAAFAAAAAQAAAAAAAAAAAAAAAAAAAAAAAAAAAAAAAAAAAAAAAAAAAAAAAn9/fwAAAAADzMzMAMDA/wB/f38AAAAAAAAAAAAAAAAAAAAAAAAAAAAhAAAAGAAAABQAAAAGCwAAiB0AAMYsAAAEIQAAEAAAACYAAAAIAAAAgYAAAAAAAAA="/>
+                <pr:smNativeData xmlns:pr="smNativeData" val="SMDATA_13_of3fZRMAAAAlAAAAZAAAAA8BAAAAkAAAAEgAAACQAAAASAAAAAAAAAACAAAAAAAAAAEAAABQAAAAAAAAAAAA4D8AAAAAAADgPwAAAAAAAOA/AAAAAAAA4D8AAAAAAADgPwAAAAAAAOA/AAAAAAAA4D8AAAAAAADgPwAAAAAAAOA/AAAAAAAA4D8CAAAAjAAAAAAAAAAAAAAAu+DjDP///wgAAAAAAAAAAAAAAAAAAAAAAAAAAAAAAAAAAAAAZAAAAAEAAABAAAAAAAAAAAAAAAAAAAAAAAAAAAAAAAAAAAAAAAAAAAAAAAAAAAAAAAAAAAAAAAAAAAAAAAAAAAAAAAAAAAAAAAAAAAAAAAAAAAAAAAAAAAAAAAAAAAAAFAAAADwAAAAAAAAAAAAAAAAAAAkUAAAAAQAAABQAAAAUAAAAFAAAAAEAAAAAAAAAZAAAAGQAAAAAAAAAZAAAAGQAAAAVAAAAYAAAAAAAAAAAAAAADwAAACADAAAAAAAAAAAAAAEAAACgMgAAVgcAAKr4//8BAAAAf39/AAEAAABkAAAAAAAAABQAAABAHwAAAAAAACYAAAAAAAAAwOD//wAAAAAmAAAAZAAAABYAAABMAAAAAAAAAAAAAAAEAAAAAAAAAAEAAACAgIAKAAAAACgAAAAoAAAAZAAAAGQAAAAAAAAAzMzMAAAAAABQAAAAUAAAAGQAAABkAAAAAAAAABcAAAAUAAAAAAAAAAAAAAD/fwAA/38AAAAAAAAJAAAABAAAAAAAAAAMAAAAEAAAAAAAAAAAAAAAAAAAAAAAAAAeAAAAaAAAAAAAAAAAAAAAAAAAAAAAAAAAAAAAECcAABAnAAAAAAAAAAAAAAAAAAAAAAAAAAAAAAAAAAAAAAAAAAAAABQAAAAAAAAAwMD/AAAAAABkAAAAMgAAAAAAAABkAAAAAAAAAH9/fwAKAAAAHwAAAFQAAAAAAAAFAAAAAQAAAAAAAAAAAAAAAAAAAAAAAAAAAAAAAAAAAAAAAAAAAAAAAn9/fwAAAAADzMzMAMDA/wB/f38AAAAAAAAAAAAAAAAAAAAAAAAAAAAhAAAAGAAAABQAAAAGCwAAiB0AAMYsAAAEIQAAEAAAACYAAAAIAAAAgYAAAAAAAAA="/>
               </a:ext>
             </a:extLst>
           </p:cNvSpPr>
@@ -2544,7 +2544,7 @@
             <a:spLocks noGrp="1" noChangeArrowheads="1"/>
             <a:extLst>
               <a:ext uri="smNativeData">
-                <pr:smNativeData xmlns:pr="smNativeData" val="SMDATA_13_lv/SZRMAAAAlAAAAZAAAAA8BAAAAkAAAAEgAAACQAAAASAAAAAAAAAAAAAAAAAAAAAEAAABQAAAAAAAAAAAA4D8AAAAAAADgPwAAAAAAAOA/AAAAAAAA4D8AAAAAAADgPwAAAAAAAOA/AAAAAAAA4D8AAAAAAADgPwAAAAAAAOA/AAAAAAAA4D8CAAAAjAAAAAAAAAAAAAAAu+DjDP///wgAAAAAAAAAAAAAAAAAAAAAAAAAAAAAAAAAAAAAZAAAAAEAAABAAAAAAAAAAAAAAAAAAAAAAAAAAAAAAAAAAAAAAAAAAAAAAAAAAAAAAAAAAAAAAAAAAAAAAAAAAAAAAAAAAAAAAAAAAAAAAAAAAAAAAAAAAAAAAAAAAAAAFAAAADwAAAAAAAAAAAAAAAAAAAkUAAAAAQAAABQAAAAUAAAAFAAAAAEAAAAAAAAAZAAAAGQAAAAAAAAAZAAAAGQAAAAVAAAAYAAAAAAAAAAAAAAADwAAACADAAAAAAAAAAAAAAEAAACgMgAAVgcAAKr4//8BAAAAf39/AAEAAABkAAAAAAAAABQAAABAHwAAAAAAACYAAAAAAAAAwOD//wAAAAAmAAAAZAAAABYAAABMAAAAAAAAAAAAAAAEAAAAAAAAAAEAAACAgIAKAAAAACgAAAAoAAAAZAAAAGQAAAAAAAAAzMzMAAAAAABQAAAAUAAAAGQAAABkAAAAAAAAABcAAAAUAAAAAAAAAAAAAAD/fwAA/38AAAAAAAAJAAAABAAAAAAAAAAMAAAAEAAAAAAAAAAAAAAAAAAAAAAAAAAeAAAAaAAAAAAAAAAAAAAAAAAAAAAAAAAAAAAAECcAABAnAAAAAAAAAAAAAAAAAAAAAAAAAAAAAAAAAAAAAAAAAAAAABQAAAAAAAAAwMD/AAAAAABkAAAAMgAAAAAAAABkAAAAAAAAAH9/fwAKAAAAHwAAAFQAAAAAAAAFAAAAAQAAAAAAAAAAAAAAAAAAAAAAAAAAAAAAAAAAAAAAAAAAAAAAAn9/fwAAAAADzMzMAMDA/wB/f38AAAAAAAAAAAAAAAAAAAAAAAAAAAAhAAAAGAAAABQAAAAGCwAAxgMAAMYsAAAWHQAAEAAAACYAAAAIAAAAAYAAAAAAAAA="/>
+                <pr:smNativeData xmlns:pr="smNativeData" val="SMDATA_13_of3fZRMAAAAlAAAAZAAAAA8BAAAAkAAAAEgAAACQAAAASAAAAAAAAAAAAAAAAAAAAAEAAABQAAAAAAAAAAAA4D8AAAAAAADgPwAAAAAAAOA/AAAAAAAA4D8AAAAAAADgPwAAAAAAAOA/AAAAAAAA4D8AAAAAAADgPwAAAAAAAOA/AAAAAAAA4D8CAAAAjAAAAAAAAAAAAAAAu+DjDP///wgAAAAAAAAAAAAAAAAAAAAAAAAAAAAAAAAAAAAAZAAAAAEAAABAAAAAAAAAAAAAAAAAAAAAAAAAAAAAAAAAAAAAAAAAAAAAAAAAAAAAAAAAAAAAAAAAAAAAAAAAAAAAAAAAAAAAAAAAAAAAAAAAAAAAAAAAAAAAAAAAAAAAFAAAADwAAAAAAAAAAAAAAAAAAAkUAAAAAQAAABQAAAAUAAAAFAAAAAEAAAAAAAAAZAAAAGQAAAAAAAAAZAAAAGQAAAAVAAAAYAAAAAAAAAAAAAAADwAAACADAAAAAAAAAAAAAAEAAACgMgAAVgcAAKr4//8BAAAAf39/AAEAAABkAAAAAAAAABQAAABAHwAAAAAAACYAAAAAAAAAwOD//wAAAAAmAAAAZAAAABYAAABMAAAAAAAAAAAAAAAEAAAAAAAAAAEAAACAgIAKAAAAACgAAAAoAAAAZAAAAGQAAAAAAAAAzMzMAAAAAABQAAAAUAAAAGQAAABkAAAAAAAAABcAAAAUAAAAAAAAAAAAAAD/fwAA/38AAAAAAAAJAAAABAAAAAAAAAAMAAAAEAAAAAAAAAAAAAAAAAAAAAAAAAAeAAAAaAAAAAAAAAAAAAAAAAAAAAAAAAAAAAAAECcAABAnAAAAAAAAAAAAAAAAAAAAAAAAAAAAAAAAAAAAAAAAAAAAABQAAAAAAAAAwMD/AAAAAABkAAAAMgAAAAAAAABkAAAAAAAAAH9/fwAKAAAAHwAAAFQAAAAAAAAFAAAAAQAAAAAAAAAAAAAAAAAAAAAAAAAAAAAAAAAAAAAAAAAAAAAAAn9/fwAAAAADzMzMAMDA/wB/f38AAAAAAAAAAAAAAAAAAAAAAAAAAAAhAAAAGAAAABQAAAAGCwAAxgMAAMYsAAAWHQAAEAAAACYAAAAIAAAAAYAAAAAAAAA="/>
               </a:ext>
             </a:extLst>
           </p:cNvSpPr>
@@ -2613,7 +2613,7 @@
             <a:spLocks noGrp="1" noChangeArrowheads="1"/>
             <a:extLst>
               <a:ext uri="smNativeData">
-                <pr:smNativeData xmlns:pr="smNativeData" val="SMDATA_13_lv/SZRMAAAAlAAAAZAAAAA8BAAAAkAAAAEgAAACQAAAASAAAAAAAAAAAAAAAAAAAAAEAAABQAAAAAAAAAAAA4D8AAAAAAADgPwAAAAAAAOA/AAAAAAAA4D8AAAAAAADgPwAAAAAAAOA/AAAAAAAA4D8AAAAAAADgPwAAAAAAAOA/AAAAAAAA4D8CAAAAjAAAAAAAAAAAAAAAu+DjDP///wgAAAAAAAAAAAAAAAAAAAAAAAAAAAAAAAAAAAAAZAAAAAEAAABAAAAAAAAAAAAAAAAAAAAAAAAAAAAAAAAAAAAAAAAAAAAAAAAAAAAAAAAAAAAAAAAAAAAAAAAAAAAAAAAAAAAAAAAAAAAAAAAAAAAAAAAAAAAAAAAAAAAAFAAAADwAAAAAAAAAAAAAAAAAAAkUAAAAAQAAABQAAAAUAAAAFAAAAAEAAAAAAAAAZAAAAGQAAAAAAAAAZAAAAGQAAAAVAAAAYAAAAAAAAAAAAAAADwAAACADAAAAAAAAAAAAAAEAAACgMgAAVgcAAKr4//8BAAAAf39/AAEAAABkAAAAAAAAABQAAABAHwAAAAAAACYAAAAAAAAAwOD//wAAAAAmAAAAZAAAABYAAABMAAAAAAAAAAAAAAAEAAAAAAAAAAEAAACAgIAKAAAAACgAAAAoAAAAZAAAAGQAAAAAAAAAzMzMAAAAAABQAAAAUAAAAGQAAABkAAAAAAAAABcAAAAUAAAAAAAAAAAAAAD/fwAA/38AAAAAAAAJAAAABAAAAAAAAAAMAAAAEAAAAAAAAAAAAAAAAAAAAAAAAAAeAAAAaAAAAAAAAAAAAAAAAAAAAAAAAAAAAAAAECcAABAnAAAAAAAAAAAAAAAAAAAAAAAAAAAAAAAAAAAAAAAAAAAAABQAAAAAAAAAwMD/AAAAAABkAAAAMgAAAAAAAABkAAAAAAAAAH9/fwAKAAAAHwAAAFQAAAAAAAAFAAAAAQAAAAAAAAAAAAAAAAAAAAAAAAAAAAAAAAAAAAAAAAAAAAAAAn9/fwAAAAADzMzMAMDA/wB/f38AAAAAAAAAAAAAAAAAAAAAAAAAAAAhAAAAGAAAABQAAAAGCwAABCEAAMYsAAD4JQAAEAAAACYAAAAIAAAAAYAAAAAAAAA="/>
+                <pr:smNativeData xmlns:pr="smNativeData" val="SMDATA_13_of3fZRMAAAAlAAAAZAAAAA8BAAAAkAAAAEgAAACQAAAASAAAAAAAAAAAAAAAAAAAAAEAAABQAAAAAAAAAAAA4D8AAAAAAADgPwAAAAAAAOA/AAAAAAAA4D8AAAAAAADgPwAAAAAAAOA/AAAAAAAA4D8AAAAAAADgPwAAAAAAAOA/AAAAAAAA4D8CAAAAjAAAAAAAAAAAAAAAu+DjDP///wgAAAAAAAAAAAAAAAAAAAAAAAAAAAAAAAAAAAAAZAAAAAEAAABAAAAAAAAAAAAAAAAAAAAAAAAAAAAAAAAAAAAAAAAAAAAAAAAAAAAAAAAAAAAAAAAAAAAAAAAAAAAAAAAAAAAAAAAAAAAAAAAAAAAAAAAAAAAAAAAAAAAAFAAAADwAAAAAAAAAAAAAAAAAAAkUAAAAAQAAABQAAAAUAAAAFAAAAAEAAAAAAAAAZAAAAGQAAAAAAAAAZAAAAGQAAAAVAAAAYAAAAAAAAAAAAAAADwAAACADAAAAAAAAAAAAAAEAAACgMgAAVgcAAKr4//8BAAAAf39/AAEAAABkAAAAAAAAABQAAABAHwAAAAAAACYAAAAAAAAAwOD//wAAAAAmAAAAZAAAABYAAABMAAAAAAAAAAAAAAAEAAAAAAAAAAEAAACAgIAKAAAAACgAAAAoAAAAZAAAAGQAAAAAAAAAzMzMAAAAAABQAAAAUAAAAGQAAABkAAAAAAAAABcAAAAUAAAAAAAAAAAAAAD/fwAA/38AAAAAAAAJAAAABAAAAAAAAAAMAAAAEAAAAAAAAAAAAAAAAAAAAAAAAAAeAAAAaAAAAAAAAAAAAAAAAAAAAAAAAAAAAAAAECcAABAnAAAAAAAAAAAAAAAAAAAAAAAAAAAAAAAAAAAAAAAAAAAAABQAAAAAAAAAwMD/AAAAAABkAAAAMgAAAAAAAABkAAAAAAAAAH9/fwAKAAAAHwAAAFQAAAAAAAAFAAAAAQAAAAAAAAAAAAAAAAAAAAAAAAAAAAAAAAAAAAAAAAAAAAAAAn9/fwAAAAADzMzMAMDA/wB/f38AAAAAAAAAAAAAAAAAAAAAAAAAAAAhAAAAGAAAABQAAAAGCwAABCEAAMYsAAD4JQAAEAAAACYAAAAIAAAAAYAAAAAAAAA="/>
               </a:ext>
             </a:extLst>
           </p:cNvSpPr>
@@ -2682,7 +2682,7 @@
             <a:spLocks noGrp="1" noChangeArrowheads="1"/>
             <a:extLst>
               <a:ext uri="smNativeData">
-                <pr:smNativeData xmlns:pr="smNativeData" val="SMDATA_13_lv/SZRMAAAAlAAAAZAAAAA8BAAAAkAAAAEgAAACQAAAASAAAAAAAAAABAAAAAAAAAAEAAABQAAAAAAAAAAAA4D8AAAAAAADgPwAAAAAAAOA/AAAAAAAA4D8AAAAAAADgPwAAAAAAAOA/AAAAAAAA4D8AAAAAAADgPwAAAAAAAOA/AAAAAAAA4D8CAAAAjAAAAAAAAAAAAAAAu+DjDP///wgAAAAAAAAAAAAAAAAAAAAAAAAAAAAAAAAAAAAAZAAAAAEAAABAAAAAAAAAAAAAAAAAAAAAAAAAAAAAAAAAAAAAAAAAAAAAAAAAAAAAAAAAAAAAAAAAAAAAAAAAAAAAAAAAAAAAAAAAAAAAAAAAAAAAAAAAAAAAAAAAAAAAFAAAADwAAAAAAAAAAAAAAAAAAAkUAAAAAQAAABQAAAAUAAAAFAAAAAEAAAAAAAAAZAAAAGQAAAAAAAAAZAAAAGQAAAAVAAAAYAAAAAAAAAAAAAAADwAAACADAAAAAAAAAAAAAAEAAACgMgAAVgcAAKr4//8BAAAAf39/AAEAAABkAAAAAAAAABQAAABAHwAAAAAAACYAAAAAAAAAwOD//wAAAAAmAAAAZAAAABYAAABMAAAAAAAAAAAAAAAEAAAAAAAAAAEAAACAgIAKAAAAACgAAAAoAAAAZAAAAGQAAAAAAAAAzMzMAAAAAABQAAAAUAAAAGQAAABkAAAAAAAAABcAAAAUAAAAAAAAAAAAAAD/fwAA/38AAAAAAAAJAAAABAAAAAAAAAAMAAAAEAAAAAAAAAAAAAAAAAAAAAAAAAAeAAAAaAAAAAAAAAAAAAAAAAAAAAAAAAAAAAAAECcAABAnAAAAAAAAAAAAAAAAAAAAAAAAAAAAAAAAAAAAAAAAAAAAABQAAAAAAAAAwMD/AAAAAABkAAAAMgAAAAAAAABkAAAAAAAAAH9/fwAKAAAAHwAAAFQAAAAAAAAFAAAAAQAAAAAAAAAAAAAAAAAAAAAAAAAAAAAAAAAAAAAAAAAAAAAAAn9/fwAAAAADzMzMAMDA/wB/f38AAAAAAAAAAAAAAAAAAAAAAAAAAAAhAAAAGAAAABQAAADQAgAAGycAAPAPAABZKQAAEAAAACYAAAAIAAAAAAAAAAAAAAA="/>
+                <pr:smNativeData xmlns:pr="smNativeData" val="SMDATA_13_of3fZRMAAAAlAAAAZAAAAA8BAAAAkAAAAEgAAACQAAAASAAAAAAAAAABAAAAAAAAAAEAAABQAAAAAAAAAAAA4D8AAAAAAADgPwAAAAAAAOA/AAAAAAAA4D8AAAAAAADgPwAAAAAAAOA/AAAAAAAA4D8AAAAAAADgPwAAAAAAAOA/AAAAAAAA4D8CAAAAjAAAAAAAAAAAAAAAu+DjDP///wgAAAAAAAAAAAAAAAAAAAAAAAAAAAAAAAAAAAAAZAAAAAEAAABAAAAAAAAAAAAAAAAAAAAAAAAAAAAAAAAAAAAAAAAAAAAAAAAAAAAAAAAAAAAAAAAAAAAAAAAAAAAAAAAAAAAAAAAAAAAAAAAAAAAAAAAAAAAAAAAAAAAAFAAAADwAAAAAAAAAAAAAAAAAAAkUAAAAAQAAABQAAAAUAAAAFAAAAAEAAAAAAAAAZAAAAGQAAAAAAAAAZAAAAGQAAAAVAAAAYAAAAAAAAAAAAAAADwAAACADAAAAAAAAAAAAAAEAAACgMgAAVgcAAKr4//8BAAAAf39/AAEAAABkAAAAAAAAABQAAABAHwAAAAAAACYAAAAAAAAAwOD//wAAAAAmAAAAZAAAABYAAABMAAAAAAAAAAAAAAAEAAAAAAAAAAEAAACAgIAKAAAAACgAAAAoAAAAZAAAAGQAAAAAAAAAzMzMAAAAAABQAAAAUAAAAGQAAABkAAAAAAAAABcAAAAUAAAAAAAAAAAAAAD/fwAA/38AAAAAAAAJAAAABAAAAAAAAAAMAAAAEAAAAAAAAAAAAAAAAAAAAAAAAAAeAAAAaAAAAAAAAAAAAAAAAAAAAAAAAAAAAAAAECcAABAnAAAAAAAAAAAAAAAAAAAAAAAAAAAAAAAAAAAAAAAAAAAAABQAAAAAAAAAwMD/AAAAAABkAAAAMgAAAAAAAABkAAAAAAAAAH9/fwAKAAAAHwAAAFQAAAAAAAAFAAAAAQAAAAAAAAAAAAAAAAAAAAAAAAAAAAAAAAAAAAAAAAAAAAAAAn9/fwAAAAADzMzMAMDA/wB/f38AAAAAAAAAAAAAAAAAAAAAAAAAAAAhAAAAGAAAABQAAADQAgAAGycAAPAPAABZKQAAEAAAACYAAAAIAAAAAAAAAAAAAAA="/>
               </a:ext>
             </a:extLst>
           </p:cNvSpPr>
@@ -2696,7 +2696,7 @@
           <a:lstStyle/>
           <a:p>
             <a:pPr/>
-            <a:fld id="{3F6CC7BC-F2D2-3931-9CD4-0464899A6A51}" type="datetime1">
+            <a:fld id="{3F126263-2DD2-4794-9CAA-DBC12CE46A8E}" type="datetime1">
               <a:t/>
             </a:fld>
           </a:p>
@@ -2709,7 +2709,7 @@
             <a:spLocks noGrp="1" noChangeArrowheads="1"/>
             <a:extLst>
               <a:ext uri="smNativeData">
-                <pr:smNativeData xmlns:pr="smNativeData" val="SMDATA_13_lv/SZRMAAAAlAAAAZAAAAA8BAAAAkAAAAEgAAACQAAAASAAAAAAAAAABAAAAAAAAAAEAAABQAAAAAAAAAAAA4D8AAAAAAADgPwAAAAAAAOA/AAAAAAAA4D8AAAAAAADgPwAAAAAAAOA/AAAAAAAA4D8AAAAAAADgPwAAAAAAAOA/AAAAAAAA4D8CAAAAjAAAAAAAAAAAAAAAu+DjDP///wgAAAAAAAAAAAAAAAAAAAAAAAAAAAAAAAAAAAAAZAAAAAEAAABAAAAAAAAAAAAAAAAAAAAAAAAAAAAAAAAAAAAAAAAAAAAAAAAAAAAAAAAAAAAAAAAAAAAAAAAAAAAAAAAAAAAAAAAAAAAAAAAAAAAAAAAAAAAAAAAAAAAAFAAAADwAAAAAAAAAAAAAAAAAAAkUAAAAAQAAABQAAAAUAAAAFAAAAAEAAAAAAAAAZAAAAGQAAAAAAAAAZAAAAGQAAAAVAAAAYAAAAAAAAAAAAAAADwAAACADAAAAAAAAAAAAAAEAAACgMgAAVgcAAKr4//8BAAAAf39/AAEAAABkAAAAAAAAABQAAABAHwAAAAAAACYAAAAAAAAAwOD//wAAAAAmAAAAZAAAABYAAABMAAAAAAAAAAAAAAAEAAAAAAAAAAEAAACAgIAKAAAAACgAAAAoAAAAZAAAAGQAAAAAAAAAzMzMAAAAAABQAAAAUAAAAGQAAABkAAAAAAAAABcAAAAUAAAAAAAAAAAAAAD/fwAA/38AAAAAAAAJAAAABAAAAAAAAAAMAAAAEAAAAAAAAAAAAAAAAAAAAAAAAAAeAAAAaAAAAAAAAAAAAAAAAAAAAAAAAAAAAAAAECcAABAnAAAAAAAAAAAAAAAAAAAAAAAAAAAAAAAAAAAAAAAAAAAAABQAAAAAAAAAwMD/AAAAAABkAAAAMgAAAAAAAABkAAAAAAAAAH9/fwAKAAAAHwAAAFQAAAAAAAAFAAAAAQAAAAAAAAAAAAAAAAAAAAAAAAAAAAAAAAAAAAAAAAAAAAAAAn9/fwAAAAADzMzMAMDA/wB/f38AAAAAAAAAAAAAAAAAAAAAAAAAAAAhAAAAGAAAABQAAAA4EwAAGycAAAglAABZKQAAEAAAACYAAAAIAAAAAAAAAAAAAAA="/>
+                <pr:smNativeData xmlns:pr="smNativeData" val="SMDATA_13_of3fZRMAAAAlAAAAZAAAAA8BAAAAkAAAAEgAAACQAAAASAAAAAAAAAABAAAAAAAAAAEAAABQAAAAAAAAAAAA4D8AAAAAAADgPwAAAAAAAOA/AAAAAAAA4D8AAAAAAADgPwAAAAAAAOA/AAAAAAAA4D8AAAAAAADgPwAAAAAAAOA/AAAAAAAA4D8CAAAAjAAAAAAAAAAAAAAAu+DjDP///wgAAAAAAAAAAAAAAAAAAAAAAAAAAAAAAAAAAAAAZAAAAAEAAABAAAAAAAAAAAAAAAAAAAAAAAAAAAAAAAAAAAAAAAAAAAAAAAAAAAAAAAAAAAAAAAAAAAAAAAAAAAAAAAAAAAAAAAAAAAAAAAAAAAAAAAAAAAAAAAAAAAAAFAAAADwAAAAAAAAAAAAAAAAAAAkUAAAAAQAAABQAAAAUAAAAFAAAAAEAAAAAAAAAZAAAAGQAAAAAAAAAZAAAAGQAAAAVAAAAYAAAAAAAAAAAAAAADwAAACADAAAAAAAAAAAAAAEAAACgMgAAVgcAAKr4//8BAAAAf39/AAEAAABkAAAAAAAAABQAAABAHwAAAAAAACYAAAAAAAAAwOD//wAAAAAmAAAAZAAAABYAAABMAAAAAAAAAAAAAAAEAAAAAAAAAAEAAACAgIAKAAAAACgAAAAoAAAAZAAAAGQAAAAAAAAAzMzMAAAAAABQAAAAUAAAAGQAAABkAAAAAAAAABcAAAAUAAAAAAAAAAAAAAD/fwAA/38AAAAAAAAJAAAABAAAAAAAAAAMAAAAEAAAAAAAAAAAAAAAAAAAAAAAAAAeAAAAaAAAAAAAAAAAAAAAAAAAAAAAAAAAAAAAECcAABAnAAAAAAAAAAAAAAAAAAAAAAAAAAAAAAAAAAAAAAAAAAAAABQAAAAAAAAAwMD/AAAAAABkAAAAMgAAAAAAAABkAAAAAAAAAH9/fwAKAAAAHwAAAFQAAAAAAAAFAAAAAQAAAAAAAAAAAAAAAAAAAAAAAAAAAAAAAAAAAAAAAAAAAAAAAn9/fwAAAAADzMzMAMDA/wB/f38AAAAAAAAAAAAAAAAAAAAAAAAAAAAhAAAAGAAAABQAAAA4EwAAGycAAAglAABZKQAAEAAAACYAAAAIAAAAAAAAAAAAAAA="/>
               </a:ext>
             </a:extLst>
           </p:cNvSpPr>
@@ -2733,7 +2733,7 @@
             <a:spLocks noGrp="1" noChangeArrowheads="1"/>
             <a:extLst>
               <a:ext uri="smNativeData">
-                <pr:smNativeData xmlns:pr="smNativeData" val="SMDATA_13_lv/SZRMAAAAlAAAAZAAAAA8BAAAAkAAAAEgAAACQAAAASAAAAAAAAAABAAAAAAAAAAEAAABQAAAAAAAAAAAA4D8AAAAAAADgPwAAAAAAAOA/AAAAAAAA4D8AAAAAAADgPwAAAAAAAOA/AAAAAAAA4D8AAAAAAADgPwAAAAAAAOA/AAAAAAAA4D8CAAAAjAAAAAAAAAAAAAAAu+DjDP///wgAAAAAAAAAAAAAAAAAAAAAAAAAAAAAAAAAAAAAZAAAAAEAAABAAAAAAAAAAAAAAAAAAAAAAAAAAAAAAAAAAAAAAAAAAAAAAAAAAAAAAAAAAAAAAAAAAAAAAAAAAAAAAAAAAAAAAAAAAAAAAAAAAAAAAAAAAAAAAAAAAAAAFAAAADwAAAAAAAAAAAAAAAAAAAkUAAAAAQAAABQAAAAUAAAAFAAAAAEAAAAAAAAAZAAAAGQAAAAAAAAAZAAAAGQAAAAVAAAAYAAAAAAAAAAAAAAADwAAACADAAAAAAAAAAAAAAEAAACgMgAAVgcAAKr4//8BAAAAf39/AAEAAABkAAAAAAAAABQAAABAHwAAAAAAACYAAAAAAAAAwOD//wAAAAAmAAAAZAAAABYAAABMAAAAAAAAAAAAAAAEAAAAAAAAAAEAAACAgIAKAAAAACgAAAAoAAAAZAAAAGQAAAAAAAAAzMzMAAAAAABQAAAAUAAAAGQAAABkAAAAAAAAABcAAAAUAAAAAAAAAAAAAAD/fwAA/38AAAAAAAAJAAAABAAAAAAAAAAMAAAAEAAAAAAAAAAAAAAAAAAAAAAAAAAeAAAAaAAAAAAAAAAAAAAAAAAAAAAAAAAAAAAAECcAABAnAAAAAAAAAAAAAAAAAAAAAAAAAAAAAAAAAAAAAAAAAAAAABQAAAAAAAAAwMD/AAAAAABkAAAAMgAAAAAAAABkAAAAAAAAAH9/fwAKAAAAHwAAAFQAAAAAAAAFAAAAAQAAAAAAAAAAAAAAAAAAAAAAAAAAAAAAAAAAAAAAAAAAAAAAAn9/fwAAAAADzMzMAMDA/wB/f38AAAAAAAAAAAAAAAAAAAAAAAAAAAAhAAAAGAAAABQAAABQKAAAGycAAHA1AABZKQAAEAAAACYAAAAIAAAAAAAAAAAAAAA="/>
+                <pr:smNativeData xmlns:pr="smNativeData" val="SMDATA_13_of3fZRMAAAAlAAAAZAAAAA8BAAAAkAAAAEgAAACQAAAASAAAAAAAAAABAAAAAAAAAAEAAABQAAAAAAAAAAAA4D8AAAAAAADgPwAAAAAAAOA/AAAAAAAA4D8AAAAAAADgPwAAAAAAAOA/AAAAAAAA4D8AAAAAAADgPwAAAAAAAOA/AAAAAAAA4D8CAAAAjAAAAAAAAAAAAAAAu+DjDP///wgAAAAAAAAAAAAAAAAAAAAAAAAAAAAAAAAAAAAAZAAAAAEAAABAAAAAAAAAAAAAAAAAAAAAAAAAAAAAAAAAAAAAAAAAAAAAAAAAAAAAAAAAAAAAAAAAAAAAAAAAAAAAAAAAAAAAAAAAAAAAAAAAAAAAAAAAAAAAAAAAAAAAFAAAADwAAAAAAAAAAAAAAAAAAAkUAAAAAQAAABQAAAAUAAAAFAAAAAEAAAAAAAAAZAAAAGQAAAAAAAAAZAAAAGQAAAAVAAAAYAAAAAAAAAAAAAAADwAAACADAAAAAAAAAAAAAAEAAACgMgAAVgcAAKr4//8BAAAAf39/AAEAAABkAAAAAAAAABQAAABAHwAAAAAAACYAAAAAAAAAwOD//wAAAAAmAAAAZAAAABYAAABMAAAAAAAAAAAAAAAEAAAAAAAAAAEAAACAgIAKAAAAACgAAAAoAAAAZAAAAGQAAAAAAAAAzMzMAAAAAABQAAAAUAAAAGQAAABkAAAAAAAAABcAAAAUAAAAAAAAAAAAAAD/fwAA/38AAAAAAAAJAAAABAAAAAAAAAAMAAAAEAAAAAAAAAAAAAAAAAAAAAAAAAAeAAAAaAAAAAAAAAAAAAAAAAAAAAAAAAAAAAAAECcAABAnAAAAAAAAAAAAAAAAAAAAAAAAAAAAAAAAAAAAAAAAAAAAABQAAAAAAAAAwMD/AAAAAABkAAAAMgAAAAAAAABkAAAAAAAAAH9/fwAKAAAAHwAAAFQAAAAAAAAFAAAAAQAAAAAAAAAAAAAAAAAAAAAAAAAAAAAAAAAAAAAAAAAAAAAAAn9/fwAAAAADzMzMAMDA/wB/f38AAAAAAAAAAAAAAAAAAAAAAAAAAAAhAAAAGAAAABQAAABQKAAAGycAAHA1AABZKQAAEAAAACYAAAAIAAAAAAAAAAAAAAA="/>
               </a:ext>
             </a:extLst>
           </p:cNvSpPr>
@@ -2747,7 +2747,7 @@
           <a:lstStyle/>
           <a:p>
             <a:pPr/>
-            <a:fld id="{3F6C9D7F-31D2-396B-9CD4-C73ED39A6A92}" type="slidenum">
+            <a:fld id="{3F1254E2-ACD2-47A2-9CAA-5AF71AE46A0F}" type="slidenum">
               <a:t/>
             </a:fld>
           </a:p>
@@ -2793,7 +2793,7 @@
             <a:spLocks noGrp="1" noChangeArrowheads="1"/>
             <a:extLst>
               <a:ext uri="smNativeData">
-                <pr:smNativeData xmlns:pr="smNativeData" val="SMDATA_13_lv/SZRMAAAAlAAAAZAAAAA8BAAAAkAAAAEgAAACQAAAASAAAAAAAAAABAAAAAAAAAAEAAABQAAAAAAAAAAAA4D8AAAAAAADgPwAAAAAAAOA/AAAAAAAA4D8AAAAAAADgPwAAAAAAAOA/AAAAAAAA4D8AAAAAAADgPwAAAAAAAOA/AAAAAAAA4D8CAAAAjAAAAAAAAAAAAAAAu+DjDP///wgAAAAAAAAAAAAAAAAAAAAAAAAAAAAAAAAAAAAAZAAAAAEAAABAAAAAAAAAAAAAAAAAAAAAAAAAAAAAAAAAAAAAAAAAAAAAAAAAAAAAAAAAAAAAAAAAAAAAAAAAAAAAAAAAAAAAAAAAAAAAAAAAAAAAAAAAAAAAAAAAAAAAFAAAADwAAAAAAAAAAAAAAAAAAAkUAAAAAQAAABQAAAAUAAAAFAAAAAEAAAAAAAAAZAAAAGQAAAAAAAAAZAAAAGQAAAAVAAAAYAAAAAAAAAAAAAAADwAAACADAAAAAAAAAAAAAAEAAACgMgAAVgcAAKr4//8BAAAAf39/AAEAAABkAAAAAAAAABQAAABAHwAAAAAAACYAAAAAAAAAwOD//wAAAAAmAAAAZAAAABYAAABMAAAAAAAAAAAAAAAEAAAAAAAAAAEAAACAgIAKAAAAACgAAAAoAAAAZAAAAGQAAAAAAAAAzMzMAAAAAABQAAAAUAAAAGQAAABkAAAAAAAAABcAAAAUAAAAAAAAAAAAAAD/fwAA/38AAAAAAAAJAAAABAAAAAAAAAAMAAAAEAAAAAAAAAAAAAAAAAAAAAAAAAAeAAAAaAAAAAAAAAAAAAAAAAAAAAAAAAAAAAAAECcAABAnAAAAAAAAAAAAAAAAAAAAAAAAAAAAAAAAAAAAAAAAAAAAABQAAAAAAAAAwMD/AAAAAABkAAAAMgAAAAAAAABkAAAAAAAAAH9/fwAKAAAAHwAAAFQAAAAAAAAFAAAAAQAAAAAAAAAAAAAAAAAAAAAAAAAAAAAAAAAAAAAAAAAAAAAAAn9/fwAAAAADzMzMAMDA/wB/f38AAAAAAAAAAAAAAAAAAAAAAAAAAAAhAAAAGAAAABQAAADQAgAAsAEAAHA1AAC4CAAAEAAAACYAAAAIAAAA//////////8="/>
+                <pr:smNativeData xmlns:pr="smNativeData" val="SMDATA_13_of3fZRMAAAAlAAAAZAAAAA8BAAAAkAAAAEgAAACQAAAASAAAAAAAAAABAAAAAAAAAAEAAABQAAAAAAAAAAAA4D8AAAAAAADgPwAAAAAAAOA/AAAAAAAA4D8AAAAAAADgPwAAAAAAAOA/AAAAAAAA4D8AAAAAAADgPwAAAAAAAOA/AAAAAAAA4D8CAAAAjAAAAAAAAAAAAAAAu+DjDP///wgAAAAAAAAAAAAAAAAAAAAAAAAAAAAAAAAAAAAAZAAAAAEAAABAAAAAAAAAAAAAAAAAAAAAAAAAAAAAAAAAAAAAAAAAAAAAAAAAAAAAAAAAAAAAAAAAAAAAAAAAAAAAAAAAAAAAAAAAAAAAAAAAAAAAAAAAAAAAAAAAAAAAFAAAADwAAAAAAAAAAAAAAAAAAAkUAAAAAQAAABQAAAAUAAAAFAAAAAEAAAAAAAAAZAAAAGQAAAAAAAAAZAAAAGQAAAAVAAAAYAAAAAAAAAAAAAAADwAAACADAAAAAAAAAAAAAAEAAACgMgAAVgcAAKr4//8BAAAAf39/AAEAAABkAAAAAAAAABQAAABAHwAAAAAAACYAAAAAAAAAwOD//wAAAAAmAAAAZAAAABYAAABMAAAAAAAAAAAAAAAEAAAAAAAAAAEAAACAgIAKAAAAACgAAAAoAAAAZAAAAGQAAAAAAAAAzMzMAAAAAABQAAAAUAAAAGQAAABkAAAAAAAAABcAAAAUAAAAAAAAAAAAAAD/fwAA/38AAAAAAAAJAAAABAAAAAAAAAAMAAAAEAAAAAAAAAAAAAAAAAAAAAAAAAAeAAAAaAAAAAAAAAAAAAAAAAAAAAAAAAAAAAAAECcAABAnAAAAAAAAAAAAAAAAAAAAAAAAAAAAAAAAAAAAAAAAAAAAABQAAAAAAAAAwMD/AAAAAABkAAAAMgAAAAAAAABkAAAAAAAAAH9/fwAKAAAAHwAAAFQAAAAAAAAFAAAAAQAAAAAAAAAAAAAAAAAAAAAAAAAAAAAAAAAAAAAAAAAAAAAAAn9/fwAAAAADzMzMAMDA/wB/f38AAAAAAAAAAAAAAAAAAAAAAAAAAAAhAAAAGAAAABQAAADQAgAAsAEAAHA1AAC4CAAAEAAAACYAAAAIAAAA//////////8="/>
               </a:ext>
             </a:extLst>
           </p:cNvSpPr>
@@ -2837,7 +2837,7 @@
             <a:spLocks noGrp="1" noChangeArrowheads="1"/>
             <a:extLst>
               <a:ext uri="smNativeData">
-                <pr:smNativeData xmlns:pr="smNativeData" val="SMDATA_13_lv/SZRMAAAAlAAAAZAAAAA8BAAAAkAAAAEgAAACQAAAASAAAAAAAAAAAAAAAAAAAAAEAAABQAAAAAAAAAAAA4D8AAAAAAADgPwAAAAAAAOA/AAAAAAAA4D8AAAAAAADgPwAAAAAAAOA/AAAAAAAA4D8AAAAAAADgPwAAAAAAAOA/AAAAAAAA4D8CAAAAjAAAAAAAAAAAAAAAu+DjDP///wgAAAAAAAAAAAAAAAAAAAAAAAAAAAAAAAAAAAAAZAAAAAEAAABAAAAAAAAAAAAAAAAAAAAAAAAAAAAAAAAAAAAAAAAAAAAAAAAAAAAAAAAAAAAAAAAAAAAAAAAAAAAAAAAAAAAAAAAAAAAAAAAAAAAAAAAAAAAAAAAAAAAAFAAAADwAAAAAAAAAAAAAAAAAAAkUAAAAAQAAABQAAAAUAAAAFAAAAAEAAAAAAAAAZAAAAGQAAAAAAAAAZAAAAGQAAAAVAAAAYAAAAAAAAAAAAAAADwAAACADAAAAAAAAAAAAAAEAAACgMgAAVgcAAKr4//8BAAAAf39/AAEAAABkAAAAAAAAABQAAABAHwAAAAAAACYAAAAAAAAAwOD//wAAAAAmAAAAZAAAABYAAABMAAAAAAAAAAAAAAAEAAAAAAAAAAEAAACAgIAKAAAAACgAAAAoAAAAZAAAAGQAAAAAAAAAzMzMAAAAAABQAAAAUAAAAGQAAABkAAAAAAAAABcAAAAUAAAAAAAAAAAAAAD/fwAA/38AAAAAAAAJAAAABAAAAAAAAAAMAAAAEAAAAAAAAAAAAAAAAAAAAAAAAAAeAAAAaAAAAAAAAAAAAAAAAAAAAAAAAAAAAAAAECcAABAnAAAAAAAAAAAAAAAAAAAAAAAAAAAAAAAAAAAAAAAAAAAAABQAAAAAAAAAwMD/AAAAAABkAAAAMgAAAAAAAABkAAAAAAAAAH9/fwAKAAAAHwAAAFQAAAAAAAAFAAAAAQAAAAAAAAAAAAAAAAAAAAAAAAAAAAAAAAAAAAAAAAAAAAAAAn9/fwAAAAADzMzMAMDA/wB/f38AAAAAAAAAAAAAAAAAAAAAAAAAAAAhAAAAGAAAABQAAADQAgAA2AkAAHA1AACwJQAAEAAAACYAAAAIAAAA//////////8="/>
+                <pr:smNativeData xmlns:pr="smNativeData" val="SMDATA_13_of3fZRMAAAAlAAAAZAAAAA8BAAAAkAAAAEgAAACQAAAASAAAAAAAAAAAAAAAAAAAAAEAAABQAAAAAAAAAAAA4D8AAAAAAADgPwAAAAAAAOA/AAAAAAAA4D8AAAAAAADgPwAAAAAAAOA/AAAAAAAA4D8AAAAAAADgPwAAAAAAAOA/AAAAAAAA4D8CAAAAjAAAAAAAAAAAAAAAu+DjDP///wgAAAAAAAAAAAAAAAAAAAAAAAAAAAAAAAAAAAAAZAAAAAEAAABAAAAAAAAAAAAAAAAAAAAAAAAAAAAAAAAAAAAAAAAAAAAAAAAAAAAAAAAAAAAAAAAAAAAAAAAAAAAAAAAAAAAAAAAAAAAAAAAAAAAAAAAAAAAAAAAAAAAAFAAAADwAAAAAAAAAAAAAAAAAAAkUAAAAAQAAABQAAAAUAAAAFAAAAAEAAAAAAAAAZAAAAGQAAAAAAAAAZAAAAGQAAAAVAAAAYAAAAAAAAAAAAAAADwAAACADAAAAAAAAAAAAAAEAAACgMgAAVgcAAKr4//8BAAAAf39/AAEAAABkAAAAAAAAABQAAABAHwAAAAAAACYAAAAAAAAAwOD//wAAAAAmAAAAZAAAABYAAABMAAAAAAAAAAAAAAAEAAAAAAAAAAEAAACAgIAKAAAAACgAAAAoAAAAZAAAAGQAAAAAAAAAzMzMAAAAAABQAAAAUAAAAGQAAABkAAAAAAAAABcAAAAUAAAAAAAAAAAAAAD/fwAA/38AAAAAAAAJAAAABAAAAAAAAAAMAAAAEAAAAAAAAAAAAAAAAAAAAAAAAAAeAAAAaAAAAAAAAAAAAAAAAAAAAAAAAAAAAAAAECcAABAnAAAAAAAAAAAAAAAAAAAAAAAAAAAAAAAAAAAAAAAAAAAAABQAAAAAAAAAwMD/AAAAAABkAAAAMgAAAAAAAABkAAAAAAAAAH9/fwAKAAAAHwAAAFQAAAAAAAAFAAAAAQAAAAAAAAAAAAAAAAAAAAAAAAAAAAAAAAAAAAAAAAAAAAAAAn9/fwAAAAADzMzMAMDA/wB/f38AAAAAAAAAAAAAAAAAAAAAAAAAAAAhAAAAGAAAABQAAADQAgAA2AkAAHA1AACwJQAAEAAAACYAAAAIAAAA//////////8="/>
               </a:ext>
             </a:extLst>
           </p:cNvSpPr>
@@ -2905,7 +2905,7 @@
             <a:spLocks noGrp="1" noChangeArrowheads="1"/>
             <a:extLst>
               <a:ext uri="smNativeData">
-                <pr:smNativeData xmlns:pr="smNativeData" val="SMDATA_13_lv/SZRMAAAAlAAAAZAAAAA8BAAAAkAAAAEgAAACQAAAASAAAAAAAAAABAAAAAAAAAAEAAABQAAAAAAAAAAAA4D8AAAAAAADgPwAAAAAAAOA/AAAAAAAA4D8AAAAAAADgPwAAAAAAAOA/AAAAAAAA4D8AAAAAAADgPwAAAAAAAOA/AAAAAAAA4D8CAAAAjAAAAAAAAAAAAAAAu+DjDP///wgAAAAAAAAAAAAAAAAAAAAAAAAAAAAAAAAAAAAAZAAAAAEAAABAAAAAAAAAAAAAAAAAAAAAAAAAAAAAAAAAAAAAAAAAAAAAAAAAAAAAAAAAAAAAAAAAAAAAAAAAAAAAAAAAAAAAAAAAAAAAAAAAAAAAAAAAAAAAAAAAAAAAFAAAADwAAAAAAAAAAAAAAAAAAAkUAAAAAQAAABQAAAAUAAAAFAAAAAEAAAAAAAAAZAAAAGQAAAAAAAAAZAAAAGQAAAAVAAAAYAAAAAAAAAAAAAAADwAAACADAAAAAAAAAAAAAAEAAACgMgAAVgcAAKr4//8BAAAAf39/AAEAAABkAAAAAAAAABQAAABAHwAAAAAAACYAAAAAAAAAwOD//wAAAAAmAAAAZAAAABYAAABMAAAAAAAAAAAAAAAEAAAAAAAAAAEAAACAgIAKAAAAACgAAAAoAAAAZAAAAGQAAAAAAAAAzMzMAAAAAABQAAAAUAAAAGQAAABkAAAAAAAAABcAAAAUAAAAAAAAAAAAAAD/fwAA/38AAAAAAAAJAAAABAAAAAAAAAAMAAAAEAAAAAAAAAAAAAAAAAAAAAAAAAAeAAAAaAAAAAAAAAAAAAAAAAAAAAAAAAAAAAAAECcAABAnAAAAAAAAAAAAAAAAAAAAAAAAAAAAAAAAAAAAAAAAAAAAABQAAAAAAAAAwMD/AAAAAABkAAAAMgAAAAAAAABkAAAAAAAAAH9/fwAKAAAAHwAAAFQAAAAAAAAFAAAAAQAAAAAAAAAAAAAAAAAAAAAAAAAAAAAAAAAAAAAAAAAAAAAAAn9/fwAAAAADzMzMAMDA/wB/f38AAAAAAAAAAAAAAAAAAAAAAAAAAAAhAAAAGAAAABQAAADQAgAAGycAAPAPAABZKQAAEAAAACYAAAAIAAAA//////////8="/>
+                <pr:smNativeData xmlns:pr="smNativeData" val="SMDATA_13_of3fZRMAAAAlAAAAZAAAAA8BAAAAkAAAAEgAAACQAAAASAAAAAAAAAABAAAAAAAAAAEAAABQAAAAAAAAAAAA4D8AAAAAAADgPwAAAAAAAOA/AAAAAAAA4D8AAAAAAADgPwAAAAAAAOA/AAAAAAAA4D8AAAAAAADgPwAAAAAAAOA/AAAAAAAA4D8CAAAAjAAAAAAAAAAAAAAAu+DjDP///wgAAAAAAAAAAAAAAAAAAAAAAAAAAAAAAAAAAAAAZAAAAAEAAABAAAAAAAAAAAAAAAAAAAAAAAAAAAAAAAAAAAAAAAAAAAAAAAAAAAAAAAAAAAAAAAAAAAAAAAAAAAAAAAAAAAAAAAAAAAAAAAAAAAAAAAAAAAAAAAAAAAAAFAAAADwAAAAAAAAAAAAAAAAAAAkUAAAAAQAAABQAAAAUAAAAFAAAAAEAAAAAAAAAZAAAAGQAAAAAAAAAZAAAAGQAAAAVAAAAYAAAAAAAAAAAAAAADwAAACADAAAAAAAAAAAAAAEAAACgMgAAVgcAAKr4//8BAAAAf39/AAEAAABkAAAAAAAAABQAAABAHwAAAAAAACYAAAAAAAAAwOD//wAAAAAmAAAAZAAAABYAAABMAAAAAAAAAAAAAAAEAAAAAAAAAAEAAACAgIAKAAAAACgAAAAoAAAAZAAAAGQAAAAAAAAAzMzMAAAAAABQAAAAUAAAAGQAAABkAAAAAAAAABcAAAAUAAAAAAAAAAAAAAD/fwAA/38AAAAAAAAJAAAABAAAAAAAAAAMAAAAEAAAAAAAAAAAAAAAAAAAAAAAAAAeAAAAaAAAAAAAAAAAAAAAAAAAAAAAAAAAAAAAECcAABAnAAAAAAAAAAAAAAAAAAAAAAAAAAAAAAAAAAAAAAAAAAAAABQAAAAAAAAAwMD/AAAAAABkAAAAMgAAAAAAAABkAAAAAAAAAH9/fwAKAAAAHwAAAFQAAAAAAAAFAAAAAQAAAAAAAAAAAAAAAAAAAAAAAAAAAAAAAAAAAAAAAAAAAAAAAn9/fwAAAAADzMzMAMDA/wB/f38AAAAAAAAAAAAAAAAAAAAAAAAAAAAhAAAAGAAAABQAAADQAgAAGycAAPAPAABZKQAAEAAAACYAAAAIAAAA//////////8="/>
               </a:ext>
             </a:extLst>
           </p:cNvSpPr>
@@ -2940,7 +2940,7 @@
           </a:lstStyle>
           <a:p>
             <a:pPr/>
-            <a:fld id="{3F6CC3F4-BAD2-3935-9CD4-4C608D9A6A19}" type="datetime1">
+            <a:fld id="{3F120720-6ED2-47F1-9CAA-98A449E46ACD}" type="datetime1">
               <a:t/>
             </a:fld>
           </a:p>
@@ -2953,7 +2953,7 @@
             <a:spLocks noGrp="1" noChangeArrowheads="1"/>
             <a:extLst>
               <a:ext uri="smNativeData">
-                <pr:smNativeData xmlns:pr="smNativeData" val="SMDATA_13_lv/SZRMAAAAlAAAAZAAAAA8BAAAAkAAAAEgAAACQAAAASAAAAAAAAAABAAAAAAAAAAEAAABQAAAAAAAAAAAA4D8AAAAAAADgPwAAAAAAAOA/AAAAAAAA4D8AAAAAAADgPwAAAAAAAOA/AAAAAAAA4D8AAAAAAADgPwAAAAAAAOA/AAAAAAAA4D8CAAAAjAAAAAAAAAAAAAAAu+DjDP///wgAAAAAAAAAAAAAAAAAAAAAAAAAAAAAAAAAAAAAZAAAAAEAAABAAAAAAAAAAAAAAAAAAAAAAAAAAAAAAAAAAAAAAAAAAAAAAAAAAAAAAAAAAAAAAAAAAAAAAAAAAAAAAAAAAAAAAAAAAAAAAAAAAAAAAAAAAAAAAAAAAAAAFAAAADwAAAAAAAAAAAAAAAAAAAkUAAAAAQAAABQAAAAUAAAAFAAAAAEAAAAAAAAAZAAAAGQAAAAAAAAAZAAAAGQAAAAVAAAAYAAAAAAAAAAAAAAADwAAACADAAAAAAAAAAAAAAEAAACgMgAAVgcAAKr4//8BAAAAf39/AAEAAABkAAAAAAAAABQAAABAHwAAAAAAACYAAAAAAAAAwOD//wAAAAAmAAAAZAAAABYAAABMAAAAAAAAAAAAAAAEAAAAAAAAAAEAAACAgIAKAAAAACgAAAAoAAAAZAAAAGQAAAAAAAAAzMzMAAAAAABQAAAAUAAAAGQAAABkAAAAAAAAABcAAAAUAAAAAAAAAAAAAAD/fwAA/38AAAAAAAAJAAAABAAAAAAAAAAMAAAAEAAAAAAAAAAAAAAAAAAAAAAAAAAeAAAAaAAAAAAAAAAAAAAAAAAAAAAAAAAAAAAAECcAABAnAAAAAAAAAAAAAAAAAAAAAAAAAAAAAAAAAAAAAAAAAAAAABQAAAAAAAAAwMD/AAAAAABkAAAAMgAAAAAAAABkAAAAAAAAAH9/fwAKAAAAHwAAAFQAAAAAAAAFAAAAAQAAAAAAAAAAAAAAAAAAAAAAAAAAAAAAAAAAAAAAAAAAAAAAAn9/fwAAAAADzMzMAMDA/wB/f38AAAAAAAAAAAAAAAAAAAAAAAAAAAAhAAAAGAAAABQAAAA4EwAAGycAAAglAABZKQAAEAAAACYAAAAIAAAA//////////8="/>
+                <pr:smNativeData xmlns:pr="smNativeData" val="SMDATA_13_of3fZRMAAAAlAAAAZAAAAA8BAAAAkAAAAEgAAACQAAAASAAAAAAAAAABAAAAAAAAAAEAAABQAAAAAAAAAAAA4D8AAAAAAADgPwAAAAAAAOA/AAAAAAAA4D8AAAAAAADgPwAAAAAAAOA/AAAAAAAA4D8AAAAAAADgPwAAAAAAAOA/AAAAAAAA4D8CAAAAjAAAAAAAAAAAAAAAu+DjDP///wgAAAAAAAAAAAAAAAAAAAAAAAAAAAAAAAAAAAAAZAAAAAEAAABAAAAAAAAAAAAAAAAAAAAAAAAAAAAAAAAAAAAAAAAAAAAAAAAAAAAAAAAAAAAAAAAAAAAAAAAAAAAAAAAAAAAAAAAAAAAAAAAAAAAAAAAAAAAAAAAAAAAAFAAAADwAAAAAAAAAAAAAAAAAAAkUAAAAAQAAABQAAAAUAAAAFAAAAAEAAAAAAAAAZAAAAGQAAAAAAAAAZAAAAGQAAAAVAAAAYAAAAAAAAAAAAAAADwAAACADAAAAAAAAAAAAAAEAAACgMgAAVgcAAKr4//8BAAAAf39/AAEAAABkAAAAAAAAABQAAABAHwAAAAAAACYAAAAAAAAAwOD//wAAAAAmAAAAZAAAABYAAABMAAAAAAAAAAAAAAAEAAAAAAAAAAEAAACAgIAKAAAAACgAAAAoAAAAZAAAAGQAAAAAAAAAzMzMAAAAAABQAAAAUAAAAGQAAABkAAAAAAAAABcAAAAUAAAAAAAAAAAAAAD/fwAA/38AAAAAAAAJAAAABAAAAAAAAAAMAAAAEAAAAAAAAAAAAAAAAAAAAAAAAAAeAAAAaAAAAAAAAAAAAAAAAAAAAAAAAAAAAAAAECcAABAnAAAAAAAAAAAAAAAAAAAAAAAAAAAAAAAAAAAAAAAAAAAAABQAAAAAAAAAwMD/AAAAAABkAAAAMgAAAAAAAABkAAAAAAAAAH9/fwAKAAAAHwAAAFQAAAAAAAAFAAAAAQAAAAAAAAAAAAAAAAAAAAAAAAAAAAAAAAAAAAAAAAAAAAAAAn9/fwAAAAADzMzMAMDA/wB/f38AAAAAAAAAAAAAAAAAAAAAAAAAAAAhAAAAGAAAABQAAAA4EwAAGycAAAglAABZKQAAEAAAACYAAAAIAAAA//////////8="/>
               </a:ext>
             </a:extLst>
           </p:cNvSpPr>
@@ -2998,7 +2998,7 @@
             <a:spLocks noGrp="1" noChangeArrowheads="1"/>
             <a:extLst>
               <a:ext uri="smNativeData">
-                <pr:smNativeData xmlns:pr="smNativeData" val="SMDATA_13_lv/SZRMAAAAlAAAAZAAAAA8BAAAAkAAAAEgAAACQAAAASAAAAAAAAAABAAAAAAAAAAEAAABQAAAAAAAAAAAA4D8AAAAAAADgPwAAAAAAAOA/AAAAAAAA4D8AAAAAAADgPwAAAAAAAOA/AAAAAAAA4D8AAAAAAADgPwAAAAAAAOA/AAAAAAAA4D8CAAAAjAAAAAAAAAAAAAAAu+DjDP///wgAAAAAAAAAAAAAAAAAAAAAAAAAAAAAAAAAAAAAZAAAAAEAAABAAAAAAAAAAAAAAAAAAAAAAAAAAAAAAAAAAAAAAAAAAAAAAAAAAAAAAAAAAAAAAAAAAAAAAAAAAAAAAAAAAAAAAAAAAAAAAAAAAAAAAAAAAAAAAAAAAAAAFAAAADwAAAAAAAAAAAAAAAAAAAkUAAAAAQAAABQAAAAUAAAAFAAAAAEAAAAAAAAAZAAAAGQAAAAAAAAAZAAAAGQAAAAVAAAAYAAAAAAAAAAAAAAADwAAACADAAAAAAAAAAAAAAEAAACgMgAAVgcAAKr4//8BAAAAf39/AAEAAABkAAAAAAAAABQAAABAHwAAAAAAACYAAAAAAAAAwOD//wAAAAAmAAAAZAAAABYAAABMAAAAAAAAAAAAAAAEAAAAAAAAAAEAAACAgIAKAAAAACgAAAAoAAAAZAAAAGQAAAAAAAAAzMzMAAAAAABQAAAAUAAAAGQAAABkAAAAAAAAABcAAAAUAAAAAAAAAAAAAAD/fwAA/38AAAAAAAAJAAAABAAAAAAAAAAMAAAAEAAAAAAAAAAAAAAAAAAAAAAAAAAeAAAAaAAAAAAAAAAAAAAAAAAAAAAAAAAAAAAAECcAABAnAAAAAAAAAAAAAAAAAAAAAAAAAAAAAAAAAAAAAAAAAAAAABQAAAAAAAAAwMD/AAAAAABkAAAAMgAAAAAAAABkAAAAAAAAAH9/fwAKAAAAHwAAAFQAAAAAAAAFAAAAAQAAAAAAAAAAAAAAAAAAAAAAAAAAAAAAAAAAAAAAAAAAAAAAAn9/fwAAAAADzMzMAMDA/wB/f38AAAAAAAAAAAAAAAAAAAAAAAAAAAAhAAAAGAAAABQAAABQKAAAGycAAHA1AABZKQAAEAAAACYAAAAIAAAA//////////8="/>
+                <pr:smNativeData xmlns:pr="smNativeData" val="SMDATA_13_of3fZRMAAAAlAAAAZAAAAA8BAAAAkAAAAEgAAACQAAAASAAAAAAAAAABAAAAAAAAAAEAAABQAAAAAAAAAAAA4D8AAAAAAADgPwAAAAAAAOA/AAAAAAAA4D8AAAAAAADgPwAAAAAAAOA/AAAAAAAA4D8AAAAAAADgPwAAAAAAAOA/AAAAAAAA4D8CAAAAjAAAAAAAAAAAAAAAu+DjDP///wgAAAAAAAAAAAAAAAAAAAAAAAAAAAAAAAAAAAAAZAAAAAEAAABAAAAAAAAAAAAAAAAAAAAAAAAAAAAAAAAAAAAAAAAAAAAAAAAAAAAAAAAAAAAAAAAAAAAAAAAAAAAAAAAAAAAAAAAAAAAAAAAAAAAAAAAAAAAAAAAAAAAAFAAAADwAAAAAAAAAAAAAAAAAAAkUAAAAAQAAABQAAAAUAAAAFAAAAAEAAAAAAAAAZAAAAGQAAAAAAAAAZAAAAGQAAAAVAAAAYAAAAAAAAAAAAAAADwAAACADAAAAAAAAAAAAAAEAAACgMgAAVgcAAKr4//8BAAAAf39/AAEAAABkAAAAAAAAABQAAABAHwAAAAAAACYAAAAAAAAAwOD//wAAAAAmAAAAZAAAABYAAABMAAAAAAAAAAAAAAAEAAAAAAAAAAEAAACAgIAKAAAAACgAAAAoAAAAZAAAAGQAAAAAAAAAzMzMAAAAAABQAAAAUAAAAGQAAABkAAAAAAAAABcAAAAUAAAAAAAAAAAAAAD/fwAA/38AAAAAAAAJAAAABAAAAAAAAAAMAAAAEAAAAAAAAAAAAAAAAAAAAAAAAAAeAAAAaAAAAAAAAAAAAAAAAAAAAAAAAAAAAAAAECcAABAnAAAAAAAAAAAAAAAAAAAAAAAAAAAAAAAAAAAAAAAAAAAAABQAAAAAAAAAwMD/AAAAAABkAAAAMgAAAAAAAABkAAAAAAAAAH9/fwAKAAAAHwAAAFQAAAAAAAAFAAAAAQAAAAAAAAAAAAAAAAAAAAAAAAAAAAAAAAAAAAAAAAAAAAAAAn9/fwAAAAADzMzMAMDA/wB/f38AAAAAAAAAAAAAAAAAAAAAAAAAAAAhAAAAGAAAABQAAABQKAAAGycAAHA1AABZKQAAEAAAACYAAAAIAAAA//////////8="/>
               </a:ext>
             </a:extLst>
           </p:cNvSpPr>
@@ -3033,7 +3033,7 @@
           </a:lstStyle>
           <a:p>
             <a:pPr/>
-            <a:fld id="{3F6CD5E6-A8D2-3923-9CD4-5E769B9A6A0B}" type="slidenum">
+            <a:fld id="{3F12068F-C1D2-47F0-9CAA-37A548E46A62}" type="slidenum">
               <a:t/>
             </a:fld>
           </a:p>
@@ -3712,7 +3712,7 @@
             <a:spLocks noGrp="1" noChangeArrowheads="1"/>
             <a:extLst>
               <a:ext uri="smNativeData">
-                <pr:smNativeData xmlns:pr="smNativeData" val="SMDATA_13_lv/SZRMAAAAlAAAAZAAAAA8BAAAAkAAAAEgAAACQAAAASAAAAAAAAAABAAAAAAAAAAEAAABQAAAAAAAAAAAA4D8AAAAAAADgPwAAAAAAAOA/AAAAAAAA4D8AAAAAAADgPwAAAAAAAOA/AAAAAAAA4D8AAAAAAADgPwAAAAAAAOA/AAAAAAAA4D8CAAAAjAAAAAAAAAAAAAAAu+DjDP///wgAAAAAAAAAAAAAAAAAAAAAAAAAAAAAAAAAAAAAZAAAAAEAAABAAAAAAAAAAAAAAAAAAAAAAAAAAAAAAAAAAAAAAAAAAAAAAAAAAAAAAAAAAAAAAAAAAAAAAAAAAAAAAAAAAAAAAAAAAAAAAAAAAAAAAAAAAAAAAAAAAAAAFAAAADwAAAAAAAAAAAAAAAAAAAkUAAAAAQAAABQAAAAUAAAAFAAAAAEAAAAAAAAAZAAAAGQAAAAAAAAAZAAAAGQAAAAVAAAAYAAAAAAAAAAAAAAADwAAACADAAAAAAAAAAAAAAEAAACgMgAAVgcAAKr4//8BAAAAf39/AAEAAABkAAAAAAAAABQAAABAHwAAAAAAACYAAAAAAAAAwOD//wAAAAAmAAAAZAAAABYAAABMAAAAAAAAAAAAAAAEAAAAAAAAAAEAAACAgIAKAAAAACgAAAAoAAAAZAAAAGQAAAAAAAAAzMzMAAAAAABQAAAAUAAAAGQAAABkAAAAAAAAABcAAAAUAAAAAAAAAAAAAAD/fwAA/38AAAAAAAAJAAAABAAAAAAAAAAMAAAAEAAAAAAAAAAAAAAAAAAAAAAAAAAeAAAAaAAAAAAAAAAAAAAAAAAAAAAAAAAAAAAAECcAABAnAAAAAAAAAAAAAAAAAAAAAAAAAAAAAAAAAAAAAAAAAAAAABQAAAAAAAAAwMD/AAAAAABkAAAAMgAAAAAAAABkAAAAAAAAAH9/fwAKAAAAHwAAAFQAAAC74OMF////AQAAAAAAAAAAAAAAAAAAAAAAAAAAAAAAAAAAAAAAAAAAAAAAAn9/fwCAgIADzMzMAMDA/wB/f38AAAAAAAAAAAAAAAAAAAAAAAAAAAAhAAAAGAAAABQAAADVAwAATAUAAKUzAABYDgAAEAAAACYAAAAIAAAAAQAAAAAAAAA="/>
+                <pr:smNativeData xmlns:pr="smNativeData" val="SMDATA_13_of3fZRMAAAAlAAAAZAAAAA8BAAAAkAAAAEgAAACQAAAASAAAAAAAAAABAAAAAAAAAAEAAABQAAAAAAAAAAAA4D8AAAAAAADgPwAAAAAAAOA/AAAAAAAA4D8AAAAAAADgPwAAAAAAAOA/AAAAAAAA4D8AAAAAAADgPwAAAAAAAOA/AAAAAAAA4D8CAAAAjAAAAAAAAAAAAAAAu+DjDP///wgAAAAAAAAAAAAAAAAAAAAAAAAAAAAAAAAAAAAAZAAAAAEAAABAAAAAAAAAAAAAAAAAAAAAAAAAAAAAAAAAAAAAAAAAAAAAAAAAAAAAAAAAAAAAAAAAAAAAAAAAAAAAAAAAAAAAAAAAAAAAAAAAAAAAAAAAAAAAAAAAAAAAFAAAADwAAAAAAAAAAAAAAAAAAAkUAAAAAQAAABQAAAAUAAAAFAAAAAEAAAAAAAAAZAAAAGQAAAAAAAAAZAAAAGQAAAAVAAAAYAAAAAAAAAAAAAAADwAAACADAAAAAAAAAAAAAAEAAACgMgAAVgcAAKr4//8BAAAAf39/AAEAAABkAAAAAAAAABQAAABAHwAAAAAAACYAAAAAAAAAwOD//wAAAAAmAAAAZAAAABYAAABMAAAAAAAAAAAAAAAEAAAAAAAAAAEAAACAgIAKAAAAACgAAAAoAAAAZAAAAGQAAAAAAAAAzMzMAAAAAABQAAAAUAAAAGQAAABkAAAAAAAAABcAAAAUAAAAAAAAAAAAAAD/fwAA/38AAAAAAAAJAAAABAAAAAAAAAAMAAAAEAAAAAAAAAAAAAAAAAAAAAAAAAAeAAAAaAAAAAAAAAAAAAAAAAAAAAAAAAAAAAAAECcAABAnAAAAAAAAAAAAAAAAAAAAAAAAAAAAAAAAAAAAAAAAAAAAABQAAAAAAAAAwMD/AAAAAABkAAAAMgAAAAAAAABkAAAAAAAAAH9/fwAKAAAAHwAAAFQAAAC74OMF////AQAAAAAAAAAAAAAAAAAAAAAAAAAAAAAAAAAAAAAAAAAAAAAAAn9/fwCAgIADzMzMAMDA/wB/f38AAAAAAAAAAAAAAAAAAAAAAAAAAAAhAAAAGAAAABQAAADVAwAATAUAAKUzAABYDgAAEAAAACYAAAAIAAAAAQAAAAAAAAA="/>
               </a:ext>
             </a:extLst>
           </p:cNvSpPr>
@@ -3750,7 +3750,7 @@
             <a:spLocks noGrp="1" noChangeArrowheads="1"/>
             <a:extLst>
               <a:ext uri="smNativeData">
-                <pr:smNativeData xmlns:pr="smNativeData" val="SMDATA_13_lv/SZRMAAAAlAAAAZAAAAA8BAAAAkAAAAEgAAACQAAAASAAAAAAAAAAAAAAAAAAAAAEAAABQAAAAAAAAAAAA4D8AAAAAAADgPwAAAAAAAOA/AAAAAAAA4D8AAAAAAADgPwAAAAAAAOA/AAAAAAAA4D8AAAAAAADgPwAAAAAAAOA/AAAAAAAA4D8CAAAAjAAAAAAAAAAAAAAAu+DjDP///wgAAAAAAAAAAAAAAAAAAAAAAAAAAAAAAAAAAAAAZAAAAAEAAABAAAAAAAAAAAAAAAAAAAAAAAAAAAAAAAAAAAAAAAAAAAAAAAAAAAAAAAAAAAAAAAAAAAAAAAAAAAAAAAAAAAAAAAAAAAAAAAAAAAAAAAAAAAAAAAAAAAAAFAAAADwAAAAAAAAAAAAAAAAAAAkUAAAAAQAAABQAAAAUAAAAFAAAAAEAAAAAAAAAZAAAAGQAAAAAAAAAZAAAAGQAAAAVAAAAYAAAAAAAAAAAAAAADwAAACADAAAAAAAAAAAAAAEAAACgMgAAVgcAAKr4//8BAAAAf39/AAEAAABkAAAAAAAAABQAAABAHwAAAAAAACYAAAAAAAAAwOD//wAAAAAmAAAAZAAAABYAAABMAAAAAAAAAAAAAAAEAAAAAAAAAAEAAACAgIAKAAAAACgAAAAoAAAAZAAAAGQAAAAAAAAAzMzMAAAAAABQAAAAUAAAAGQAAABkAAAAAAAAABcAAAAUAAAAAAAAAAAAAAD/fwAA/38AAAAAAAAJAAAABAAAAAAAAAAMAAAAEAAAAAAAAAAAAAAAAAAAAAAAAAAeAAAAaAAAAAAAAAAAAAAAAAAAAAAAAAAAAAAAECcAABAnAAAAAAAAAAAAAAAAAAAAAAAAAAAAAAAAAAAAAAAAAAAAABQAAAAAAAAAwMD/AAAAAABkAAAAMgAAAAAAAABkAAAAAAAAAH9/fwAKAAAAHwAAAFQAAAC74OMF////AQAAAAAAAAAAAAAAAAAAAAAAAAAAAAAAAAAAAAAAAAAAAAAAAn9/fwCAgIADzMzMAMDA/wB/f38AAAAAAAAAAAAAAAAAAAAAAAAAAAAhAAAAGAAAABQAAABwCAAAqBEAANAvAACwIgAAEAAAACYAAAAIAAAAAQAAAAAAAAA="/>
+                <pr:smNativeData xmlns:pr="smNativeData" val="SMDATA_13_of3fZRMAAAAlAAAAZAAAAA8BAAAAkAAAAEgAAACQAAAASAAAAAAAAAAAAAAAAAAAAAEAAABQAAAAAAAAAAAA4D8AAAAAAADgPwAAAAAAAOA/AAAAAAAA4D8AAAAAAADgPwAAAAAAAOA/AAAAAAAA4D8AAAAAAADgPwAAAAAAAOA/AAAAAAAA4D8CAAAAjAAAAAAAAAAAAAAAu+DjDP///wgAAAAAAAAAAAAAAAAAAAAAAAAAAAAAAAAAAAAAZAAAAAEAAABAAAAAAAAAAAAAAAAAAAAAAAAAAAAAAAAAAAAAAAAAAAAAAAAAAAAAAAAAAAAAAAAAAAAAAAAAAAAAAAAAAAAAAAAAAAAAAAAAAAAAAAAAAAAAAAAAAAAAFAAAADwAAAAAAAAAAAAAAAAAAAkUAAAAAQAAABQAAAAUAAAAFAAAAAEAAAAAAAAAZAAAAGQAAAAAAAAAZAAAAGQAAAAVAAAAYAAAAAAAAAAAAAAADwAAACADAAAAAAAAAAAAAAEAAACgMgAAVgcAAKr4//8BAAAAf39/AAEAAABkAAAAAAAAABQAAABAHwAAAAAAACYAAAAAAAAAwOD//wAAAAAmAAAAZAAAABYAAABMAAAAAAAAAAAAAAAEAAAAAAAAAAEAAACAgIAKAAAAACgAAAAoAAAAZAAAAGQAAAAAAAAAzMzMAAAAAABQAAAAUAAAAGQAAABkAAAAAAAAABcAAAAUAAAAAAAAAAAAAAD/fwAA/38AAAAAAAAJAAAABAAAAAAAAAAMAAAAEAAAAAAAAAAAAAAAAAAAAAAAAAAeAAAAaAAAAAAAAAAAAAAAAAAAAAAAAAAAAAAAECcAABAnAAAAAAAAAAAAAAAAAAAAAAAAAAAAAAAAAAAAAAAAAAAAABQAAAAAAAAAwMD/AAAAAABkAAAAMgAAAAAAAABkAAAAAAAAAH9/fwAKAAAAHwAAAFQAAAC74OMF////AQAAAAAAAAAAAAAAAAAAAAAAAAAAAAAAAAAAAAAAAAAAAAAAAn9/fwCAgIADzMzMAMDA/wB/f38AAAAAAAAAAAAAAAAAAAAAAAAAAAAhAAAAGAAAABQAAABwCAAAqBEAANAvAACwIgAAEAAAACYAAAAIAAAAAQAAAAAAAAA="/>
               </a:ext>
             </a:extLst>
           </p:cNvSpPr>
@@ -3840,7 +3840,7 @@
             <a:spLocks noGrp="1" noChangeArrowheads="1"/>
             <a:extLst>
               <a:ext uri="smNativeData">
-                <pr:smNativeData xmlns:pr="smNativeData" val="SMDATA_13_lv/SZRMAAAAlAAAAZAAAAA8BAAAAkAAAAEgAAACQAAAASAAAAAAAAAAAAAAAAAAAAAEAAABQAAAAAAAAAAAA4D8AAAAAAADgPwAAAAAAAOA/AAAAAAAA4D8AAAAAAADgPwAAAAAAAOA/AAAAAAAA4D8AAAAAAADgPwAAAAAAAOA/AAAAAAAA4D8CAAAAjAAAAAAAAAAAAAAAu+DjDP///wgAAAAAAAAAAAAAAAAAAAAAAAAAAAAAAAAAAAAAZAAAAAEAAABAAAAAAAAAAAAAAAAAAAAAAAAAAAAAAAAAAAAAAAAAAAAAAAAAAAAAAAAAAAAAAAAAAAAAAAAAAAAAAAAAAAAAAAAAAAAAAAAAAAAAAAAAAAAAAAAAAAAAFAAAADwAAAAAAAAAAAAAAAAAAAkUAAAAAQAAABQAAAAUAAAAFAAAAAEAAAAAAAAAZAAAAGQAAAAAAAAAZAAAAGQAAAAVAAAAYAAAAAAAAAAAAAAADwAAACADAAAAAAAAAAAAAAEAAACgMgAAVgcAAKr4//8BAAAAf39/AAEAAABkAAAAAAAAABQAAABAHwAAAAAAACYAAAAAAAAAwOD//wAAAAAmAAAAZAAAABYAAABMAAAAAAAAAAAAAAAEAAAAAAAAAAEAAACAgIAKAAAAACgAAAAoAAAAZAAAAGQAAAAAAAAAzMzMAAAAAABQAAAAUAAAAGQAAABkAAAAAAAAABcAAAAUAAAAAAAAAAAAAAD/fwAA/38AAAAAAAAJAAAABAAAAAAAAAAMAAAAEAAAAAAAAAAAAAAAAAAAAAAAAAAeAAAAaAAAAAAAAAAAAAAAAAAAAAAAAAAAAAAAECcAABAnAAAAAAAAAAAAAAAAAAAAAAAAAAAAAAAAAAAAAAAAAAAAABQAAAAAAAAAwMD/AAAAAABkAAAAMgAAAAAAAABkAAAAAAAAAH9/fwAKAAAAHwAAAFQAAAC74OMF////AQAAAAAAAAAAAAAAAAAAAAAAAAAAAAAAAAAAAAAAAAAAAAAAAn9/fwCAgIADzMzMAMDA/wB/f38AAAAAAAAAAAAAAAAAAAAAAAAAAAAhAAAAGAAAABQAAABwCAAAUwEAANAvAACwIgAAEAAAACYAAAAIAAAAAQAAAAAAAAA="/>
+                <pr:smNativeData xmlns:pr="smNativeData" val="SMDATA_13_of3fZRMAAAAlAAAAZAAAAA8BAAAAkAAAAEgAAACQAAAASAAAAAAAAAAAAAAAAAAAAAEAAABQAAAAAAAAAAAA4D8AAAAAAADgPwAAAAAAAOA/AAAAAAAA4D8AAAAAAADgPwAAAAAAAOA/AAAAAAAA4D8AAAAAAADgPwAAAAAAAOA/AAAAAAAA4D8CAAAAjAAAAAAAAAAAAAAAu+DjDP///wgAAAAAAAAAAAAAAAAAAAAAAAAAAAAAAAAAAAAAZAAAAAEAAABAAAAAAAAAAAAAAAAAAAAAAAAAAAAAAAAAAAAAAAAAAAAAAAAAAAAAAAAAAAAAAAAAAAAAAAAAAAAAAAAAAAAAAAAAAAAAAAAAAAAAAAAAAAAAAAAAAAAAFAAAADwAAAAAAAAAAAAAAAAAAAkUAAAAAQAAABQAAAAUAAAAFAAAAAEAAAAAAAAAZAAAAGQAAAAAAAAAZAAAAGQAAAAVAAAAYAAAAAAAAAAAAAAADwAAACADAAAAAAAAAAAAAAEAAACgMgAAVgcAAKr4//8BAAAAf39/AAEAAABkAAAAAAAAABQAAABAHwAAAAAAACYAAAAAAAAAwOD//wAAAAAmAAAAZAAAABYAAABMAAAAAAAAAAAAAAAEAAAAAAAAAAEAAACAgIAKAAAAACgAAAAoAAAAZAAAAGQAAAAAAAAAzMzMAAAAAABQAAAAUAAAAGQAAABkAAAAAAAAABcAAAAUAAAAAAAAAAAAAAD/fwAA/38AAAAAAAAJAAAABAAAAAAAAAAMAAAAEAAAAAAAAAAAAAAAAAAAAAAAAAAeAAAAaAAAAAAAAAAAAAAAAAAAAAAAAAAAAAAAECcAABAnAAAAAAAAAAAAAAAAAAAAAAAAAAAAAAAAAAAAAAAAAAAAABQAAAAAAAAAwMD/AAAAAABkAAAAMgAAAAAAAABkAAAAAAAAAH9/fwAKAAAAHwAAAFQAAAC74OMF////AQAAAAAAAAAAAAAAAAAAAAAAAAAAAAAAAAAAAAAAAAAAAAAAAn9/fwCAgIADzMzMAMDA/wB/f38AAAAAAAAAAAAAAAAAAAAAAAAAAAAhAAAAGAAAABQAAABwCAAAUwEAANAvAACwIgAAEAAAACYAAAAIAAAAAQAAAAAAAAA="/>
               </a:ext>
             </a:extLst>
           </p:cNvSpPr>
@@ -4295,7 +4295,7 @@
     </p:bldLst>
     <p:extLst>
       <p:ext uri="smNativeData">
-        <pr:smNativeData xmlns:pr="smNativeData" val="lv/SZQcAAAAFAAAAAAAAAAEAAAABAAAAAAAAAAAAAAAAAAAAAAAAAAkAAAABAAAAAQAAAAEAAAAAAAAAAAAAAAAAAAAAAAAADQAAAAIAAAABAAAAAQAAAAAAAAAAAAAAAAAAAAAAAAARAAAAAwAAAAEAAAABAAAAAAAAAAAAAAAAAAAAAAAAABUAAAAEAAAAAQAAAAEAAAAAAAAAAAAAAAAAAAAAAAAAGQAAAAUAAAABAAAAAQAAAAAAAAAAAAAAAAAAAAAAAAAdAAAABgAAAAEAAAABAAAAAAAAAAAAAAAAAAAAAAAAAA=="/>
+        <pr:smNativeData xmlns:pr="smNativeData" val="of3fZQcAAAAFAAAAAAAAAAEAAAABAAAAAAAAAAAAAAAAAAAAAAAAAAkAAAABAAAAAQAAAAEAAAAAAAAAAAAAAAAAAAAAAAAADQAAAAIAAAABAAAAAQAAAAAAAAAAAAAAAAAAAAAAAAARAAAAAwAAAAEAAAABAAAAAAAAAAAAAAAAAAAAAAAAABUAAAAEAAAAAQAAAAEAAAAAAAAAAAAAAAAAAAAAAAAAGQAAAAUAAAABAAAAAQAAAAAAAAAAAAAAAAAAAAAAAAAdAAAABgAAAAEAAAABAAAAAAAAAAAAAAAAAAAAAAAAAA=="/>
       </p:ext>
     </p:extLst>
   </p:timing>
@@ -4326,7 +4326,7 @@
             <a:spLocks noGrp="1" noChangeArrowheads="1"/>
             <a:extLst>
               <a:ext uri="smNativeData">
-                <pr:smNativeData xmlns:pr="smNativeData" val="SMDATA_13_lv/SZRMAAAAlAAAAZAAAAA8BAAAAkAAAAEgAAACQAAAASAAAAAAAAAABAAAAAAAAAAEAAABQAAAAAAAAAAAA4D8AAAAAAADgPwAAAAAAAOA/AAAAAAAA4D8AAAAAAADgPwAAAAAAAOA/AAAAAAAA4D8AAAAAAADgPwAAAAAAAOA/AAAAAAAA4D8CAAAAjAAAAAAAAAAAAAAAu+DjDP///wgAAAAAAAAAAAAAAAAAAAAAAAAAAAAAAAAAAAAAZAAAAAEAAABAAAAAAAAAAAAAAAAAAAAAAAAAAAAAAAAAAAAAAAAAAAAAAAAAAAAAAAAAAAAAAAAAAAAAAAAAAAAAAAAAAAAAAAAAAAAAAAAAAAAAAAAAAAAAAAAAAAAAFAAAADwAAAAAAAAAAAAAAAAAAAkUAAAAAQAAABQAAAAUAAAAFAAAAAEAAAAAAAAAZAAAAGQAAAAAAAAAZAAAAGQAAAAVAAAAYAAAAAAAAAAAAAAADwAAACADAAAAAAAAAAAAAAEAAACgMgAAVgcAAKr4//8BAAAAf39/AAEAAABkAAAAAAAAABQAAABAHwAAAAAAACYAAAAAAAAAwOD//wAAAAAmAAAAZAAAABYAAABMAAAAAAAAAAAAAAAEAAAAAAAAAAEAAACAgIAKAAAAACgAAAAoAAAAZAAAAGQAAAAAAAAAzMzMAAAAAABQAAAAUAAAAGQAAABkAAAAAAAAABcAAAAUAAAAAAAAAAAAAAD/fwAA/38AAAAAAAAJAAAABAAAAAAAAAAMAAAAEAAAAAAAAAAAAAAAAAAAAAAAAAAeAAAAaAAAAAAAAAAAAAAAAAAAAAAAAAAAAAAAECcAABAnAAAAAAAAAAAAAAAAAAAAAAAAAAAAAAAAAAAAAAAAAAAAABQAAAAAAAAAwMD/AAAAAABkAAAAMgAAAAAAAABkAAAAAAAAAH9/fwAKAAAAHwAAAFQAAAC74OMF////AQAAAAAAAAAAAAAAAAAAAAAAAAAAAAAAAAAAAAAAAAAAAAAAAn9/fwCAgIADzMzMAMDA/wB/f38AAAAAAAAAAAAAAAAAAAAAAAAAAAAhAAAAGAAAABQAAACIAwAAggIAAFgzAAB6CwAAEAAAACYAAAAIAAAAAQAAAAAAAAA="/>
+                <pr:smNativeData xmlns:pr="smNativeData" val="SMDATA_13_of3fZRMAAAAlAAAAZAAAAA8BAAAAkAAAAEgAAACQAAAASAAAAAAAAAABAAAAAAAAAAEAAABQAAAAAAAAAAAA4D8AAAAAAADgPwAAAAAAAOA/AAAAAAAA4D8AAAAAAADgPwAAAAAAAOA/AAAAAAAA4D8AAAAAAADgPwAAAAAAAOA/AAAAAAAA4D8CAAAAjAAAAAAAAAAAAAAAu+DjDP///wgAAAAAAAAAAAAAAAAAAAAAAAAAAAAAAAAAAAAAZAAAAAEAAABAAAAAAAAAAAAAAAAAAAAAAAAAAAAAAAAAAAAAAAAAAAAAAAAAAAAAAAAAAAAAAAAAAAAAAAAAAAAAAAAAAAAAAAAAAAAAAAAAAAAAAAAAAAAAAAAAAAAAFAAAADwAAAAAAAAAAAAAAAAAAAkUAAAAAQAAABQAAAAUAAAAFAAAAAEAAAAAAAAAZAAAAGQAAAAAAAAAZAAAAGQAAAAVAAAAYAAAAAAAAAAAAAAADwAAACADAAAAAAAAAAAAAAEAAACgMgAAVgcAAKr4//8BAAAAf39/AAEAAABkAAAAAAAAABQAAABAHwAAAAAAACYAAAAAAAAAwOD//wAAAAAmAAAAZAAAABYAAABMAAAAAAAAAAAAAAAEAAAAAAAAAAEAAACAgIAKAAAAACgAAAAoAAAAZAAAAGQAAAAAAAAAzMzMAAAAAABQAAAAUAAAAGQAAABkAAAAAAAAABcAAAAUAAAAAAAAAAAAAAD/fwAA/38AAAAAAAAJAAAABAAAAAAAAAAMAAAAEAAAAAAAAAAAAAAAAAAAAAAAAAAeAAAAaAAAAAAAAAAAAAAAAAAAAAAAAAAAAAAAECcAABAnAAAAAAAAAAAAAAAAAAAAAAAAAAAAAAAAAAAAAAAAAAAAABQAAAAAAAAAwMD/AAAAAABkAAAAMgAAAAAAAABkAAAAAAAAAH9/fwAKAAAAHwAAAFQAAAC74OMF////AQAAAAAAAAAAAAAAAAAAAAAAAAAAAAAAAAAAAAAAAAAAAAAAAn9/fwCAgIADzMzMAMDA/wB/f38AAAAAAAAAAAAAAAAAAAAAAAAAAAAhAAAAGAAAABQAAACIAwAAggIAAFgzAAB6CwAAEAAAACYAAAAIAAAAAQAAAAAAAAA="/>
               </a:ext>
             </a:extLst>
           </p:cNvSpPr>
@@ -4364,7 +4364,7 @@
             <a:spLocks noGrp="1" noChangeArrowheads="1"/>
             <a:extLst>
               <a:ext uri="smNativeData">
-                <pr:smNativeData xmlns:pr="smNativeData" val="SMDATA_13_lv/SZRMAAAAlAAAAZAAAAA8BAAAAkAAAAEgAAACQAAAASAAAAAAAAAAAAAAAAAAAAAEAAABQAAAAAAAAAAAA4D8AAAAAAADgPwAAAAAAAOA/AAAAAAAA4D8AAAAAAADgPwAAAAAAAOA/AAAAAAAA4D8AAAAAAADgPwAAAAAAAOA/AAAAAAAA4D8CAAAAjAAAAAAAAAAAAAAAu+DjDP///wgAAAAAAAAAAAAAAAAAAAAAAAAAAAAAAAAAAAAAZAAAAAEAAABAAAAAAAAAAAAAAAAAAAAAAAAAAAAAAAAAAAAAAAAAAAAAAAAAAAAAAAAAAAAAAAAAAAAAAAAAAAAAAAAAAAAAAAAAAAAAAAAAAAAAAAAAAAAAAAAAAAAAFAAAADwAAAAAAAAAAAAAAAAAAAkUAAAAAQAAABQAAAAUAAAAFAAAAAEAAAAAAAAAZAAAAGQAAAAAAAAAZAAAAGQAAAAVAAAAYAAAAAAAAAAAAAAADwAAACADAAAAAAAAAAAAAAEAAACgMgAAVgcAAKr4//8BAAAAf39/AAEAAABkAAAAAAAAABQAAABAHwAAAAAAACYAAAAAAAAAwOD//wAAAAAmAAAAZAAAABYAAABMAAAAAAAAAAAAAAAEAAAAAAAAAAEAAACAgIAKAAAAACgAAAAoAAAAZAAAAGQAAAAAAAAAzMzMAAAAAABQAAAAUAAAAGQAAABkAAAAAAAAABcAAAAUAAAAAAAAAAAAAAD/fwAA/38AAAAAAAAJAAAABAAAAP///wAMAAAAEAAAAAAAAAAAAAAAAAAAAAAAAAAeAAAAaAAAAAAAAAAAAAAAAAAAAAAAAAAAAAAAECcAABAnAAAAAAAAAAAAAAAAAAAAAAAAAAAAAAAAAAAAAAAAAAAAABQAAAAAAAAAwMD/AAAAAABkAAAAMgAAAAAAAABkAAAAAAAAAH9/fwAKAAAAHwAAAFQAAAC74OMF////AQAAAAAAAAAAAAAAAAAAAAAAAAAAAAAAAAAAAAAAAAAAAAAAAn9/fwCAgIADzMzMAMDA/wB/f38AAAAAAAAAAAAAAAAAAAAAAAAAAAAhAAAAGAAAABQAAABwCAAAPg0AANAvAACwIgAAEAAAACYAAAAIAAAAAQAAAAAAAAA="/>
+                <pr:smNativeData xmlns:pr="smNativeData" val="SMDATA_13_of3fZRMAAAAlAAAAZAAAAA8BAAAAkAAAAEgAAACQAAAASAAAAAAAAAAAAAAAAAAAAAEAAABQAAAAAAAAAAAA4D8AAAAAAADgPwAAAAAAAOA/AAAAAAAA4D8AAAAAAADgPwAAAAAAAOA/AAAAAAAA4D8AAAAAAADgPwAAAAAAAOA/AAAAAAAA4D8CAAAAjAAAAAAAAAAAAAAAu+DjDP///wgAAAAAAAAAAAAAAAAAAAAAAAAAAAAAAAAAAAAAZAAAAAEAAABAAAAAAAAAAAAAAAAAAAAAAAAAAAAAAAAAAAAAAAAAAAAAAAAAAAAAAAAAAAAAAAAAAAAAAAAAAAAAAAAAAAAAAAAAAAAAAAAAAAAAAAAAAAAAAAAAAAAAFAAAADwAAAAAAAAAAAAAAAAAAAkUAAAAAQAAABQAAAAUAAAAFAAAAAEAAAAAAAAAZAAAAGQAAAAAAAAAZAAAAGQAAAAVAAAAYAAAAAAAAAAAAAAADwAAACADAAAAAAAAAAAAAAEAAACgMgAAVgcAAKr4//8BAAAAf39/AAEAAABkAAAAAAAAABQAAABAHwAAAAAAACYAAAAAAAAAwOD//wAAAAAmAAAAZAAAABYAAABMAAAAAAAAAAAAAAAEAAAAAAAAAAEAAACAgIAKAAAAACgAAAAoAAAAZAAAAGQAAAAAAAAAzMzMAAAAAABQAAAAUAAAAGQAAABkAAAAAAAAABcAAAAUAAAAAAAAAAAAAAD/fwAA/38AAAAAAAAJAAAABAAAAP///wAMAAAAEAAAAAAAAAAAAAAAAAAAAAAAAAAeAAAAaAAAAAAAAAAAAAAAAAAAAAAAAAAAAAAAECcAABAnAAAAAAAAAAAAAAAAAAAAAAAAAAAAAAAAAAAAAAAAAAAAABQAAAAAAAAAwMD/AAAAAABkAAAAMgAAAAAAAABkAAAAAAAAAH9/fwAKAAAAHwAAAFQAAAC74OMF////AQAAAAAAAAAAAAAAAAAAAAAAAAAAAAAAAAAAAAAAAAAAAAAAAn9/fwCAgIADzMzMAMDA/wB/f38AAAAAAAAAAAAAAAAAAAAAAAAAAAAhAAAAGAAAABQAAABwCAAAPg0AANAvAACwIgAAEAAAACYAAAAIAAAAAQAAAAAAAAA="/>
               </a:ext>
             </a:extLst>
           </p:cNvSpPr>
@@ -4454,7 +4454,7 @@
             <a:spLocks noGrp="1" noChangeArrowheads="1"/>
             <a:extLst>
               <a:ext uri="smNativeData">
-                <pr:smNativeData xmlns:pr="smNativeData" val="SMDATA_13_lv/SZRMAAAAlAAAAZAAAAA8BAAAAkAAAAEgAAACQAAAASAAAAAAAAAAAAAAAAAAAAAEAAABQAAAAAAAAAAAA4D8AAAAAAADgPwAAAAAAAOA/AAAAAAAA4D8AAAAAAADgPwAAAAAAAOA/AAAAAAAA4D8AAAAAAADgPwAAAAAAAOA/AAAAAAAA4D8CAAAAjAAAAAAAAAAAAAAAu+DjDP///wgAAAAAAAAAAAAAAAAAAAAAAAAAAAAAAAAAAAAAZAAAAAEAAABAAAAAAAAAAAAAAAAAAAAAAAAAAAAAAAAAAAAAAAAAAAAAAAAAAAAAAAAAAAAAAAAAAAAAAAAAAAAAAAAAAAAAAAAAAAAAAAAAAAAAAAAAAAAAAAAAAAAAFAAAADwAAAAAAAAAAAAAAAAAAAkUAAAAAQAAABQAAAAUAAAAFAAAAAEAAAAAAAAAZAAAAGQAAAAAAAAAZAAAAGQAAAAVAAAAYAAAAAAAAAAAAAAADwAAACADAAAAAAAAAAAAAAEAAACgMgAAVgcAAKr4//8BAAAAf39/AAEAAABkAAAAAAAAABQAAABAHwAAAAAAACYAAAAAAAAAwOD//wAAAAAmAAAAZAAAABYAAABMAAAAAAAAAAAAAAAEAAAAAAAAAAEAAACAgIAKAAAAACgAAAAoAAAAZAAAAGQAAAAAAAAAzMzMAAAAAABQAAAAUAAAAGQAAABkAAAAAAAAABcAAAAUAAAAAAAAAAAAAAD/fwAA/38AAAAAAAAJAAAABAAAAAAAAAAMAAAAEAAAAAAAAAAAAAAAAAAAAAAAAAAeAAAAaAAAAAAAAAAAAAAAAAAAAAAAAAAAAAAAECcAABAnAAAAAAAAAAAAAAAAAAAAAAAAAAAAAAAAAAAAAAAAAAAAABQAAAAAAAAAwMD/AAAAAABkAAAAMgAAAAAAAABkAAAAAAAAAH9/fwAKAAAAHwAAAFQAAAC74OMF////AQAAAAAAAAAAAAAAAAAAAAAAAAAAAAAAAAAAAAAAAAAAAAAAAn9/fwCAgIADzMzMAMDA/wB/f38AAAAAAAAAAAAAAAAAAAAAAAAAAAAhAAAAGAAAABQAAABwCAAAFwMAANAvAACwIgAAEAAAACYAAAAIAAAAAQAAAAAAAAA="/>
+                <pr:smNativeData xmlns:pr="smNativeData" val="SMDATA_13_of3fZRMAAAAlAAAAZAAAAA8BAAAAkAAAAEgAAACQAAAASAAAAAAAAAAAAAAAAAAAAAEAAABQAAAAAAAAAAAA4D8AAAAAAADgPwAAAAAAAOA/AAAAAAAA4D8AAAAAAADgPwAAAAAAAOA/AAAAAAAA4D8AAAAAAADgPwAAAAAAAOA/AAAAAAAA4D8CAAAAjAAAAAAAAAAAAAAAu+DjDP///wgAAAAAAAAAAAAAAAAAAAAAAAAAAAAAAAAAAAAAZAAAAAEAAABAAAAAAAAAAAAAAAAAAAAAAAAAAAAAAAAAAAAAAAAAAAAAAAAAAAAAAAAAAAAAAAAAAAAAAAAAAAAAAAAAAAAAAAAAAAAAAAAAAAAAAAAAAAAAAAAAAAAAFAAAADwAAAAAAAAAAAAAAAAAAAkUAAAAAQAAABQAAAAUAAAAFAAAAAEAAAAAAAAAZAAAAGQAAAAAAAAAZAAAAGQAAAAVAAAAYAAAAAAAAAAAAAAADwAAACADAAAAAAAAAAAAAAEAAACgMgAAVgcAAKr4//8BAAAAf39/AAEAAABkAAAAAAAAABQAAABAHwAAAAAAACYAAAAAAAAAwOD//wAAAAAmAAAAZAAAABYAAABMAAAAAAAAAAAAAAAEAAAAAAAAAAEAAACAgIAKAAAAACgAAAAoAAAAZAAAAGQAAAAAAAAAzMzMAAAAAABQAAAAUAAAAGQAAABkAAAAAAAAABcAAAAUAAAAAAAAAAAAAAD/fwAA/38AAAAAAAAJAAAABAAAAAAAAAAMAAAAEAAAAAAAAAAAAAAAAAAAAAAAAAAeAAAAaAAAAAAAAAAAAAAAAAAAAAAAAAAAAAAAECcAABAnAAAAAAAAAAAAAAAAAAAAAAAAAAAAAAAAAAAAAAAAAAAAABQAAAAAAAAAwMD/AAAAAABkAAAAMgAAAAAAAABkAAAAAAAAAH9/fwAKAAAAHwAAAFQAAAC74OMF////AQAAAAAAAAAAAAAAAAAAAAAAAAAAAAAAAAAAAAAAAAAAAAAAAn9/fwCAgIADzMzMAMDA/wB/f38AAAAAAAAAAAAAAAAAAAAAAAAAAAAhAAAAGAAAABQAAABwCAAAFwMAANAvAACwIgAAEAAAACYAAAAIAAAAAQAAAAAAAAA="/>
               </a:ext>
             </a:extLst>
           </p:cNvSpPr>
@@ -4851,7 +4851,7 @@
     </p:bldLst>
     <p:extLst>
       <p:ext uri="smNativeData">
-        <pr:smNativeData xmlns:pr="smNativeData" val="lv/SZQYAAAAFAAAAAAAAAAEAAAABAAAAAAAAAAAAAAAAAAAAAAAAAAkAAAABAAAAAQAAAAEAAAAAAAAAAAAAAAAAAAAAAAAADQAAAAIAAAABAAAAAQAAAAAAAAAAAAAAAAAAAAAAAAARAAAAAwAAAAEAAAABAAAAAAAAAAAAAAAAAAAAAAAAABUAAAAEAAAAAQAAAAEAAAAAAAAAAAAAAAAAAAAAAAAAGQAAAAUAAAABAAAAAQAAAAAAAAAAAAAAAAAAAAAAAAA="/>
+        <pr:smNativeData xmlns:pr="smNativeData" val="of3fZQYAAAAFAAAAAAAAAAEAAAABAAAAAAAAAAAAAAAAAAAAAAAAAAkAAAABAAAAAQAAAAEAAAAAAAAAAAAAAAAAAAAAAAAADQAAAAIAAAABAAAAAQAAAAAAAAAAAAAAAAAAAAAAAAARAAAAAwAAAAEAAAABAAAAAAAAAAAAAAAAAAAAAAAAABUAAAAEAAAAAQAAAAEAAAAAAAAAAAAAAAAAAAAAAAAAGQAAAAUAAAABAAAAAQAAAAAAAAAAAAAAAAAAAAAAAAA="/>
       </p:ext>
     </p:extLst>
   </p:timing>
@@ -4882,7 +4882,7 @@
             <a:spLocks noGrp="1" noChangeArrowheads="1"/>
             <a:extLst>
               <a:ext uri="smNativeData">
-                <pr:smNativeData xmlns:pr="smNativeData" val="SMDATA_13_lv/SZRMAAAAlAAAAZAAAAA8BAAAAkAAAAEgAAACQAAAASAAAAAAAAAABAAAAAAAAAAEAAABQAAAAAAAAAAAA4D8AAAAAAADgPwAAAAAAAOA/AAAAAAAA4D8AAAAAAADgPwAAAAAAAOA/AAAAAAAA4D8AAAAAAADgPwAAAAAAAOA/AAAAAAAA4D8CAAAAjAAAAAAAAAAAAAAAu+DjDP///wgAAAAAAAAAAAAAAAAAAAAAAAAAAAAAAAAAAAAAZAAAAAEAAABAAAAAAAAAAAAAAAAAAAAAAAAAAAAAAAAAAAAAAAAAAAAAAAAAAAAAAAAAAAAAAAAAAAAAAAAAAAAAAAAAAAAAAAAAAAAAAAAAAAAAAAAAAAAAAAAAAAAAFAAAADwAAAAAAAAAAAAAAAAAAAkUAAAAAQAAABQAAAAUAAAAFAAAAAEAAAAAAAAAZAAAAGQAAAAAAAAAZAAAAGQAAAAVAAAAYAAAAAAAAAAAAAAADwAAACADAAAAAAAAAAAAAAEAAACgMgAAVgcAAKr4//8BAAAAf39/AAEAAABkAAAAAAAAABQAAABAHwAAAAAAACYAAAAAAAAAwOD//wAAAAAmAAAAZAAAABYAAABMAAAAAAAAAAAAAAAEAAAAAAAAAAEAAACAgIAKAAAAACgAAAAoAAAAZAAAAGQAAAAAAAAAzMzMAAAAAABQAAAAUAAAAGQAAABkAAAAAAAAABcAAAAUAAAAAAAAAAAAAAD/fwAA/38AAAAAAAAJAAAABAAAAAAAAAAMAAAAEAAAAAAAAAAAAAAAAAAAAAAAAAAeAAAAaAAAAAAAAAAAAAAAAAAAAAAAAAAAAAAAECcAABAnAAAAAAAAAAAAAAAAAAAAAAAAAAAAAAAAAAAAAAAAAAAAABQAAAAAAAAAwMD/AAAAAABkAAAAMgAAAAAAAABkAAAAAAAAAH9/fwAKAAAAHwAAAFQAAAC74OMF////AQAAAAAAAAAAAAAAAAAAAAAAAAAAAAAAAAAAAAAAAAAAAAAAAn9/fwCAgIADzMzMAMDA/wB/f38AAAAAAAAAAAAAAAAAAAAAAAAAAAAhAAAAGAAAABQAAAD5AwAAbgIAAMkzAAB6CwAAEAAAACYAAAAIAAAAAQAAAAAAAAA="/>
+                <pr:smNativeData xmlns:pr="smNativeData" val="SMDATA_13_of3fZRMAAAAlAAAAZAAAAA8BAAAAkAAAAEgAAACQAAAASAAAAAAAAAABAAAAAAAAAAEAAABQAAAAAAAAAAAA4D8AAAAAAADgPwAAAAAAAOA/AAAAAAAA4D8AAAAAAADgPwAAAAAAAOA/AAAAAAAA4D8AAAAAAADgPwAAAAAAAOA/AAAAAAAA4D8CAAAAjAAAAAAAAAAAAAAAu+DjDP///wgAAAAAAAAAAAAAAAAAAAAAAAAAAAAAAAAAAAAAZAAAAAEAAABAAAAAAAAAAAAAAAAAAAAAAAAAAAAAAAAAAAAAAAAAAAAAAAAAAAAAAAAAAAAAAAAAAAAAAAAAAAAAAAAAAAAAAAAAAAAAAAAAAAAAAAAAAAAAAAAAAAAAFAAAADwAAAAAAAAAAAAAAAAAAAkUAAAAAQAAABQAAAAUAAAAFAAAAAEAAAAAAAAAZAAAAGQAAAAAAAAAZAAAAGQAAAAVAAAAYAAAAAAAAAAAAAAADwAAACADAAAAAAAAAAAAAAEAAACgMgAAVgcAAKr4//8BAAAAf39/AAEAAABkAAAAAAAAABQAAABAHwAAAAAAACYAAAAAAAAAwOD//wAAAAAmAAAAZAAAABYAAABMAAAAAAAAAAAAAAAEAAAAAAAAAAEAAACAgIAKAAAAACgAAAAoAAAAZAAAAGQAAAAAAAAAzMzMAAAAAABQAAAAUAAAAGQAAABkAAAAAAAAABcAAAAUAAAAAAAAAAAAAAD/fwAA/38AAAAAAAAJAAAABAAAAAAAAAAMAAAAEAAAAAAAAAAAAAAAAAAAAAAAAAAeAAAAaAAAAAAAAAAAAAAAAAAAAAAAAAAAAAAAECcAABAnAAAAAAAAAAAAAAAAAAAAAAAAAAAAAAAAAAAAAAAAAAAAABQAAAAAAAAAwMD/AAAAAABkAAAAMgAAAAAAAABkAAAAAAAAAH9/fwAKAAAAHwAAAFQAAAC74OMF////AQAAAAAAAAAAAAAAAAAAAAAAAAAAAAAAAAAAAAAAAAAAAAAAAn9/fwCAgIADzMzMAMDA/wB/f38AAAAAAAAAAAAAAAAAAAAAAAAAAAAhAAAAGAAAABQAAAD5AwAAbgIAAMkzAAB6CwAAEAAAACYAAAAIAAAAAQAAAAAAAAA="/>
               </a:ext>
             </a:extLst>
           </p:cNvSpPr>
@@ -4920,7 +4920,7 @@
             <a:spLocks noGrp="1" noChangeArrowheads="1"/>
             <a:extLst>
               <a:ext uri="smNativeData">
-                <pr:smNativeData xmlns:pr="smNativeData" val="SMDATA_13_lv/SZRMAAAAlAAAAZAAAAA8BAAAAkAAAAEgAAACQAAAASAAAAAAAAAAAAAAAAAAAAAEAAABQAAAAAAAAAAAA4D8AAAAAAADgPwAAAAAAAOA/AAAAAAAA4D8AAAAAAADgPwAAAAAAAOA/AAAAAAAA4D8AAAAAAADgPwAAAAAAAOA/AAAAAAAA4D8CAAAAjAAAAAAAAAAAAAAAu+DjDP///wgAAAAAAAAAAAAAAAAAAAAAAAAAAAAAAAAAAAAAZAAAAAEAAABAAAAAAAAAAAAAAAAAAAAAAAAAAAAAAAAAAAAAAAAAAAAAAAAAAAAAAAAAAAAAAAAAAAAAAAAAAAAAAAAAAAAAAAAAAAAAAAAAAAAAAAAAAAAAAAAAAAAAFAAAADwAAAAAAAAAAAAAAAAAAAkUAAAAAQAAABQAAAAUAAAAFAAAAAEAAAAAAAAAZAAAAGQAAAAAAAAAZAAAAGQAAAAVAAAAYAAAAAAAAAAAAAAADwAAACADAAAAAAAAAAAAAAEAAACgMgAAVgcAAKr4//8BAAAAf39/AAEAAABkAAAAAAAAABQAAABAHwAAAAAAACYAAAAAAAAAwOD//wAAAAAmAAAAZAAAABYAAABMAAAAAAAAAAAAAAAEAAAAAAAAAAEAAACAgIAKAAAAACgAAAAoAAAAZAAAAGQAAAAAAAAAzMzMAAAAAABQAAAAUAAAAGQAAABkAAAAAAAAABcAAAAUAAAAAAAAAAAAAAD/fwAA/38AAAAAAAAJAAAABAAAAAAAAAAMAAAAEAAAAAAAAAAAAAAAAAAAAAAAAAAeAAAAaAAAAAAAAAAAAAAAAAAAAAAAAAAAAAAAECcAABAnAAAAAAAAAAAAAAAAAAAAAAAAAAAAAAAAAAAAAAAAAAAAABQAAAAAAAAAwMD/AAAAAABkAAAAMgAAAAAAAABkAAAAAAAAAH9/fwAKAAAAHwAAAFQAAAC74OMF////AQAAAAAAAAAAAAAAAAAAAAAAAAAAAAAAAAAAAAAAAAAAAAAAAn9/fwCAgIADzMzMAMDA/wB/f38AAAAAAAAAAAAAAAAAAAAAAAAAAAAhAAAAGAAAABQAAADbBwAArw0AADsvAADYJgAAEAAAACYAAAAIAAAAAQAAAAAAAAA="/>
+                <pr:smNativeData xmlns:pr="smNativeData" val="SMDATA_13_of3fZRMAAAAlAAAAZAAAAA8BAAAAkAAAAEgAAACQAAAASAAAAAAAAAAAAAAAAAAAAAEAAABQAAAAAAAAAAAA4D8AAAAAAADgPwAAAAAAAOA/AAAAAAAA4D8AAAAAAADgPwAAAAAAAOA/AAAAAAAA4D8AAAAAAADgPwAAAAAAAOA/AAAAAAAA4D8CAAAAjAAAAAAAAAAAAAAAu+DjDP///wgAAAAAAAAAAAAAAAAAAAAAAAAAAAAAAAAAAAAAZAAAAAEAAABAAAAAAAAAAAAAAAAAAAAAAAAAAAAAAAAAAAAAAAAAAAAAAAAAAAAAAAAAAAAAAAAAAAAAAAAAAAAAAAAAAAAAAAAAAAAAAAAAAAAAAAAAAAAAAAAAAAAAFAAAADwAAAAAAAAAAAAAAAAAAAkUAAAAAQAAABQAAAAUAAAAFAAAAAEAAAAAAAAAZAAAAGQAAAAAAAAAZAAAAGQAAAAVAAAAYAAAAAAAAAAAAAAADwAAACADAAAAAAAAAAAAAAEAAACgMgAAVgcAAKr4//8BAAAAf39/AAEAAABkAAAAAAAAABQAAABAHwAAAAAAACYAAAAAAAAAwOD//wAAAAAmAAAAZAAAABYAAABMAAAAAAAAAAAAAAAEAAAAAAAAAAEAAACAgIAKAAAAACgAAAAoAAAAZAAAAGQAAAAAAAAAzMzMAAAAAABQAAAAUAAAAGQAAABkAAAAAAAAABcAAAAUAAAAAAAAAAAAAAD/fwAA/38AAAAAAAAJAAAABAAAAAAAAAAMAAAAEAAAAAAAAAAAAAAAAAAAAAAAAAAeAAAAaAAAAAAAAAAAAAAAAAAAAAAAAAAAAAAAECcAABAnAAAAAAAAAAAAAAAAAAAAAAAAAAAAAAAAAAAAAAAAAAAAABQAAAAAAAAAwMD/AAAAAABkAAAAMgAAAAAAAABkAAAAAAAAAH9/fwAKAAAAHwAAAFQAAAC74OMF////AQAAAAAAAAAAAAAAAAAAAAAAAAAAAAAAAAAAAAAAAAAAAAAAAn9/fwCAgIADzMzMAMDA/wB/f38AAAAAAAAAAAAAAAAAAAAAAAAAAAAhAAAAGAAAABQAAADbBwAArw0AADsvAADYJgAAEAAAACYAAAAIAAAAAQAAAAAAAAA="/>
               </a:ext>
             </a:extLst>
           </p:cNvSpPr>
@@ -5031,7 +5031,7 @@
             <a:spLocks noGrp="1" noChangeArrowheads="1"/>
             <a:extLst>
               <a:ext uri="smNativeData">
-                <pr:smNativeData xmlns:pr="smNativeData" val="SMDATA_13_lv/SZRMAAAAlAAAAZAAAAA8BAAAAkAAAAEgAAACQAAAASAAAAAAAAAAAAAAAAAAAAAEAAABQAAAAAAAAAAAA4D8AAAAAAADgPwAAAAAAAOA/AAAAAAAA4D8AAAAAAADgPwAAAAAAAOA/AAAAAAAA4D8AAAAAAADgPwAAAAAAAOA/AAAAAAAA4D8CAAAAjAAAAAAAAAAAAAAAu+DjDP///wgAAAAAAAAAAAAAAAAAAAAAAAAAAAAAAAAAAAAAZAAAAAEAAABAAAAAAAAAAAAAAAAAAAAAAAAAAAAAAAAAAAAAAAAAAAAAAAAAAAAAAAAAAAAAAAAAAAAAAAAAAAAAAAAAAAAAAAAAAAAAAAAAAAAAAAAAAAAAAAAAAAAAFAAAADwAAAAAAAAAAAAAAAAAAAkUAAAAAQAAABQAAAAUAAAAFAAAAAEAAAAAAAAAZAAAAGQAAAAAAAAAZAAAAGQAAAAVAAAAYAAAAAAAAAAAAAAADwAAACADAAAAAAAAAAAAAAEAAACgMgAAVgcAAKr4//8BAAAAf39/AAEAAABkAAAAAAAAABQAAABAHwAAAAAAACYAAAAAAAAAwOD//wAAAAAmAAAAZAAAABYAAABMAAAAAAAAAAAAAAAEAAAAAAAAAAEAAACAgIAKAAAAACgAAAAoAAAAZAAAAGQAAAAAAAAAzMzMAAAAAABQAAAAUAAAAGQAAABkAAAAAAAAABcAAAAUAAAAAAAAAAAAAAD/fwAA/38AAAAAAAAJAAAABAAAAAAAAAAMAAAAEAAAAAAAAAAAAAAAAAAAAAAAAAAeAAAAaAAAAAAAAAAAAAAAAAAAAAAAAAAAAAAAECcAABAnAAAAAAAAAAAAAAAAAAAAAAAAAAAAAAAAAAAAAAAAAAAAABQAAAAAAAAAwMD/AAAAAABkAAAAMgAAAAAAAABkAAAAAAAAAH9/fwAKAAAAHwAAAFQAAAC74OMF////AQAAAAAAAAAAAAAAAAAAAAAAAAAAAAAAAAAAAAAAAAAAAAAAAn9/fwCAgIADzMzMAMDA/wB/f38AAAAAAAAAAAAAAAAAAAAAAAAAAAAhAAAAGAAAABQAAABwCAAApgIAANAvAACwIgAAEAAAACYAAAAIAAAAAQAAAAAAAAA="/>
+                <pr:smNativeData xmlns:pr="smNativeData" val="SMDATA_13_of3fZRMAAAAlAAAAZAAAAA8BAAAAkAAAAEgAAACQAAAASAAAAAAAAAAAAAAAAAAAAAEAAABQAAAAAAAAAAAA4D8AAAAAAADgPwAAAAAAAOA/AAAAAAAA4D8AAAAAAADgPwAAAAAAAOA/AAAAAAAA4D8AAAAAAADgPwAAAAAAAOA/AAAAAAAA4D8CAAAAjAAAAAAAAAAAAAAAu+DjDP///wgAAAAAAAAAAAAAAAAAAAAAAAAAAAAAAAAAAAAAZAAAAAEAAABAAAAAAAAAAAAAAAAAAAAAAAAAAAAAAAAAAAAAAAAAAAAAAAAAAAAAAAAAAAAAAAAAAAAAAAAAAAAAAAAAAAAAAAAAAAAAAAAAAAAAAAAAAAAAAAAAAAAAFAAAADwAAAAAAAAAAAAAAAAAAAkUAAAAAQAAABQAAAAUAAAAFAAAAAEAAAAAAAAAZAAAAGQAAAAAAAAAZAAAAGQAAAAVAAAAYAAAAAAAAAAAAAAADwAAACADAAAAAAAAAAAAAAEAAACgMgAAVgcAAKr4//8BAAAAf39/AAEAAABkAAAAAAAAABQAAABAHwAAAAAAACYAAAAAAAAAwOD//wAAAAAmAAAAZAAAABYAAABMAAAAAAAAAAAAAAAEAAAAAAAAAAEAAACAgIAKAAAAACgAAAAoAAAAZAAAAGQAAAAAAAAAzMzMAAAAAABQAAAAUAAAAGQAAABkAAAAAAAAABcAAAAUAAAAAAAAAAAAAAD/fwAA/38AAAAAAAAJAAAABAAAAAAAAAAMAAAAEAAAAAAAAAAAAAAAAAAAAAAAAAAeAAAAaAAAAAAAAAAAAAAAAAAAAAAAAAAAAAAAECcAABAnAAAAAAAAAAAAAAAAAAAAAAAAAAAAAAAAAAAAAAAAAAAAABQAAAAAAAAAwMD/AAAAAABkAAAAMgAAAAAAAABkAAAAAAAAAH9/fwAKAAAAHwAAAFQAAAC74OMF////AQAAAAAAAAAAAAAAAAAAAAAAAAAAAAAAAAAAAAAAAAAAAAAAAn9/fwCAgIADzMzMAMDA/wB/f38AAAAAAAAAAAAAAAAAAAAAAAAAAAAhAAAAGAAAABQAAABwCAAApgIAANAvAACwIgAAEAAAACYAAAAIAAAAAQAAAAAAAAA="/>
               </a:ext>
             </a:extLst>
           </p:cNvSpPr>
@@ -5541,7 +5541,7 @@
     </p:bldLst>
     <p:extLst>
       <p:ext uri="smNativeData">
-        <pr:smNativeData xmlns:pr="smNativeData" val="lv/SZQgAAAAFAAAAAAAAAAEAAAABAAAAAAAAAAAAAAAAAAAAAAAAAAkAAAABAAAAAQAAAAEAAAAAAAAAAAAAAAAAAAAAAAAADQAAAAIAAAABAAAAAQAAAAAAAAAAAAAAAAAAAAAAAAARAAAAAwAAAAEAAAABAAAAAAAAAAAAAAAAAAAAAAAAABUAAAAEAAAAAQAAAAEAAAAAAAAAAAAAAAAAAAAAAAAAGQAAAAUAAAABAAAAAQAAAAAAAAAAAAAAAAAAAAAAAAAdAAAABgAAAAEAAAABAAAAAAAAAAAAAAAAAAAAAAAAACEAAAAHAAAAAQAAAAEAAAAAAAAAAAAAAAAAAAAAAAAA"/>
+        <pr:smNativeData xmlns:pr="smNativeData" val="of3fZQgAAAAFAAAAAAAAAAEAAAABAAAAAAAAAAAAAAAAAAAAAAAAAAkAAAABAAAAAQAAAAEAAAAAAAAAAAAAAAAAAAAAAAAADQAAAAIAAAABAAAAAQAAAAAAAAAAAAAAAAAAAAAAAAARAAAAAwAAAAEAAAABAAAAAAAAAAAAAAAAAAAAAAAAABUAAAAEAAAAAQAAAAEAAAAAAAAAAAAAAAAAAAAAAAAAGQAAAAUAAAABAAAAAQAAAAAAAAAAAAAAAAAAAAAAAAAdAAAABgAAAAEAAAABAAAAAAAAAAAAAAAAAAAAAAAAACEAAAAHAAAAAQAAAAEAAAAAAAAAAAAAAAAAAAAAAAAA"/>
       </p:ext>
     </p:extLst>
   </p:timing>
@@ -5572,7 +5572,7 @@
             <a:spLocks noGrp="1" noChangeArrowheads="1"/>
             <a:extLst>
               <a:ext uri="smNativeData">
-                <pr:smNativeData xmlns:pr="smNativeData" val="SMDATA_13_lv/SZRMAAAAlAAAAZAAAAA8BAAAAkAAAAEgAAACQAAAASAAAAAAAAAABAAAAAAAAAAEAAABQAAAAAAAAAAAA4D8AAAAAAADgPwAAAAAAAOA/AAAAAAAA4D8AAAAAAADgPwAAAAAAAOA/AAAAAAAA4D8AAAAAAADgPwAAAAAAAOA/AAAAAAAA4D8CAAAAjAAAAAAAAAAAAAAAu+DjDP///wgAAAAAAAAAAAAAAAAAAAAAAAAAAAAAAAAAAAAAZAAAAAEAAABAAAAAAAAAAAAAAAAAAAAAAAAAAAAAAAAAAAAAAAAAAAAAAAAAAAAAAAAAAAAAAAAAAAAAAAAAAAAAAAAAAAAAAAAAAAAAAAAAAAAAAAAAAAAAAAAAAAAAFAAAADwAAAAAAAAAAAAAAAAAAAkUAAAAAQAAABQAAAAUAAAAFAAAAAEAAAAAAAAAZAAAAGQAAAAAAAAAZAAAAGQAAAAVAAAAYAAAAAAAAAAAAAAADwAAACADAAAAAAAAAAAAAAEAAACgMgAAVgcAAKr4//8BAAAAf39/AAEAAABkAAAAAAAAABQAAABAHwAAAAAAACYAAAAAAAAAwOD//wAAAAAmAAAAZAAAABYAAABMAAAAAAAAAAAAAAAEAAAAAAAAAAEAAACAgIAKAAAAACgAAAAoAAAAZAAAAGQAAAAAAAAAzMzMAAAAAABQAAAAUAAAAGQAAABkAAAAAAAAABcAAAAUAAAAAAAAAAAAAAD/fwAA/38AAAAAAAAJAAAABAAAAAAAAAAMAAAAEAAAAAAAAAAAAAAAAAAAAAAAAAAeAAAAaAAAAAAAAAAAAAAAAAAAAAAAAAAAAAAAECcAABAnAAAAAAAAAAAAAAAAAAAAAAAAAAAAAAAAAAAAAAAAAAAAABQAAAAAAAAAwMD/AAAAAABkAAAAMgAAAAAAAABkAAAAAAAAAH9/fwAKAAAAHwAAAFQAAAC74OMF////AQAAAAAAAAAAAAAAAAAAAAAAAAAAAAAAAAAAAAAAAAAAAAAAAn9/fwCAgIADzMzMAMDA/wB/f38AAAAAAAAAAAAAAAAAAAAAAAAAAAAhAAAAGAAAABQAAAD5AwAApgIAAMkzAACyCwAAEAAAACYAAAAIAAAAAQAAAAAAAAA="/>
+                <pr:smNativeData xmlns:pr="smNativeData" val="SMDATA_13_of3fZRMAAAAlAAAAZAAAAA8BAAAAkAAAAEgAAACQAAAASAAAAAAAAAABAAAAAAAAAAEAAABQAAAAAAAAAAAA4D8AAAAAAADgPwAAAAAAAOA/AAAAAAAA4D8AAAAAAADgPwAAAAAAAOA/AAAAAAAA4D8AAAAAAADgPwAAAAAAAOA/AAAAAAAA4D8CAAAAjAAAAAAAAAAAAAAAu+DjDP///wgAAAAAAAAAAAAAAAAAAAAAAAAAAAAAAAAAAAAAZAAAAAEAAABAAAAAAAAAAAAAAAAAAAAAAAAAAAAAAAAAAAAAAAAAAAAAAAAAAAAAAAAAAAAAAAAAAAAAAAAAAAAAAAAAAAAAAAAAAAAAAAAAAAAAAAAAAAAAAAAAAAAAFAAAADwAAAAAAAAAAAAAAAAAAAkUAAAAAQAAABQAAAAUAAAAFAAAAAEAAAAAAAAAZAAAAGQAAAAAAAAAZAAAAGQAAAAVAAAAYAAAAAAAAAAAAAAADwAAACADAAAAAAAAAAAAAAEAAACgMgAAVgcAAKr4//8BAAAAf39/AAEAAABkAAAAAAAAABQAAABAHwAAAAAAACYAAAAAAAAAwOD//wAAAAAmAAAAZAAAABYAAABMAAAAAAAAAAAAAAAEAAAAAAAAAAEAAACAgIAKAAAAACgAAAAoAAAAZAAAAGQAAAAAAAAAzMzMAAAAAABQAAAAUAAAAGQAAABkAAAAAAAAABcAAAAUAAAAAAAAAAAAAAD/fwAA/38AAAAAAAAJAAAABAAAAAAAAAAMAAAAEAAAAAAAAAAAAAAAAAAAAAAAAAAeAAAAaAAAAAAAAAAAAAAAAAAAAAAAAAAAAAAAECcAABAnAAAAAAAAAAAAAAAAAAAAAAAAAAAAAAAAAAAAAAAAAAAAABQAAAAAAAAAwMD/AAAAAABkAAAAMgAAAAAAAABkAAAAAAAAAH9/fwAKAAAAHwAAAFQAAAC74OMF////AQAAAAAAAAAAAAAAAAAAAAAAAAAAAAAAAAAAAAAAAAAAAAAAAn9/fwCAgIADzMzMAMDA/wB/f38AAAAAAAAAAAAAAAAAAAAAAAAAAAAhAAAAGAAAABQAAAD5AwAApgIAAMkzAACyCwAAEAAAACYAAAAIAAAAAQAAAAAAAAA="/>
               </a:ext>
             </a:extLst>
           </p:cNvSpPr>
@@ -5610,7 +5610,7 @@
             <a:spLocks noGrp="1" noChangeArrowheads="1"/>
             <a:extLst>
               <a:ext uri="smNativeData">
-                <pr:smNativeData xmlns:pr="smNativeData" val="SMDATA_13_lv/SZRMAAAAlAAAAZAAAAA8BAAAAkAAAAEgAAACQAAAASAAAAAAAAAAAAAAAAAAAAAEAAABQAAAAAAAAAAAA4D8AAAAAAADgPwAAAAAAAOA/AAAAAAAA4D8AAAAAAADgPwAAAAAAAOA/AAAAAAAA4D8AAAAAAADgPwAAAAAAAOA/AAAAAAAA4D8CAAAAjAAAAAAAAAAAAAAAu+DjDP///wgAAAAAAAAAAAAAAAAAAAAAAAAAAAAAAAAAAAAAZAAAAAEAAABAAAAAAAAAAAAAAAAAAAAAAAAAAAAAAAAAAAAAAAAAAAAAAAAAAAAAAAAAAAAAAAAAAAAAAAAAAAAAAAAAAAAAAAAAAAAAAAAAAAAAAAAAAAAAAAAAAAAAFAAAADwAAAAAAAAAAAAAAAAAAAkUAAAAAQAAABQAAAAUAAAAFAAAAAEAAAAAAAAAZAAAAGQAAAAAAAAAZAAAAGQAAAAVAAAAYAAAAAAAAAAAAAAADwAAACADAAAAAAAAAAAAAAEAAACgMgAAVgcAAKr4//8BAAAAf39/AAEAAABkAAAAAAAAABQAAABAHwAAAAAAACYAAAAAAAAAwOD//wAAAAAmAAAAZAAAABYAAABMAAAAAAAAAAAAAAAEAAAAAAAAAAEAAACAgIAKAAAAACgAAAAoAAAAZAAAAGQAAAAAAAAAzMzMAAAAAABQAAAAUAAAAGQAAABkAAAAAAAAABcAAAAUAAAAAAAAAAAAAAD/fwAA/38AAAAAAAAJAAAABAAAAAAAAAAMAAAAEAAAAAAAAAAAAAAAAAAAAAAAAAAeAAAAaAAAAAAAAAAAAAAAAAAAAAAAAAAAAAAAECcAABAnAAAAAAAAAAAAAAAAAAAAAAAAAAAAAAAAAAAAAAAAAAAAABQAAAAAAAAAwMD/AAAAAABkAAAAMgAAAAAAAABkAAAAAAAAAH9/fwAKAAAAHwAAAFQAAAC74OMF////AQAAAAAAAAAAAAAAAAAAAAAAAAAAAAAAAAAAAAAAAAAAAAAAAn9/fwCAgIADzMzMAMDA/wB/f38AAAAAAAAAAAAAAAAAAAAAAAAAAAAhAAAAGAAAABQAAABMCAAAfw0AAKwvAABnJgAAEAAAACYAAAAIAAAAAQAAAAAAAAA="/>
+                <pr:smNativeData xmlns:pr="smNativeData" val="SMDATA_13_of3fZRMAAAAlAAAAZAAAAA8BAAAAkAAAAEgAAACQAAAASAAAAAAAAAAAAAAAAAAAAAEAAABQAAAAAAAAAAAA4D8AAAAAAADgPwAAAAAAAOA/AAAAAAAA4D8AAAAAAADgPwAAAAAAAOA/AAAAAAAA4D8AAAAAAADgPwAAAAAAAOA/AAAAAAAA4D8CAAAAjAAAAAAAAAAAAAAAu+DjDP///wgAAAAAAAAAAAAAAAAAAAAAAAAAAAAAAAAAAAAAZAAAAAEAAABAAAAAAAAAAAAAAAAAAAAAAAAAAAAAAAAAAAAAAAAAAAAAAAAAAAAAAAAAAAAAAAAAAAAAAAAAAAAAAAAAAAAAAAAAAAAAAAAAAAAAAAAAAAAAAAAAAAAAFAAAADwAAAAAAAAAAAAAAAAAAAkUAAAAAQAAABQAAAAUAAAAFAAAAAEAAAAAAAAAZAAAAGQAAAAAAAAAZAAAAGQAAAAVAAAAYAAAAAAAAAAAAAAADwAAACADAAAAAAAAAAAAAAEAAACgMgAAVgcAAKr4//8BAAAAf39/AAEAAABkAAAAAAAAABQAAABAHwAAAAAAACYAAAAAAAAAwOD//wAAAAAmAAAAZAAAABYAAABMAAAAAAAAAAAAAAAEAAAAAAAAAAEAAACAgIAKAAAAACgAAAAoAAAAZAAAAGQAAAAAAAAAzMzMAAAAAABQAAAAUAAAAGQAAABkAAAAAAAAABcAAAAUAAAAAAAAAAAAAAD/fwAA/38AAAAAAAAJAAAABAAAAAAAAAAMAAAAEAAAAAAAAAAAAAAAAAAAAAAAAAAeAAAAaAAAAAAAAAAAAAAAAAAAAAAAAAAAAAAAECcAABAnAAAAAAAAAAAAAAAAAAAAAAAAAAAAAAAAAAAAAAAAAAAAABQAAAAAAAAAwMD/AAAAAABkAAAAMgAAAAAAAABkAAAAAAAAAH9/fwAKAAAAHwAAAFQAAAC74OMF////AQAAAAAAAAAAAAAAAAAAAAAAAAAAAAAAAAAAAAAAAAAAAAAAAn9/fwCAgIADzMzMAMDA/wB/f38AAAAAAAAAAAAAAAAAAAAAAAAAAAAhAAAAGAAAABQAAABMCAAAfw0AAKwvAABnJgAAEAAAACYAAAAIAAAAAQAAAAAAAAA="/>
               </a:ext>
             </a:extLst>
           </p:cNvSpPr>
@@ -5712,7 +5712,7 @@
             <a:spLocks noGrp="1" noChangeArrowheads="1"/>
             <a:extLst>
               <a:ext uri="smNativeData">
-                <pr:smNativeData xmlns:pr="smNativeData" val="SMDATA_13_lv/SZRMAAAAlAAAAZAAAAA8BAAAAkAAAAEgAAACQAAAASAAAAAAAAAAAAAAAAAAAAAEAAABQAAAAAAAAAAAA4D8AAAAAAADgPwAAAAAAAOA/AAAAAAAA4D8AAAAAAADgPwAAAAAAAOA/AAAAAAAA4D8AAAAAAADgPwAAAAAAAOA/AAAAAAAA4D8CAAAAjAAAAAAAAAAAAAAAu+DjDP///wgAAAAAAAAAAAAAAAAAAAAAAAAAAAAAAAAAAAAAZAAAAAEAAABAAAAAAAAAAAAAAAAAAAAAAAAAAAAAAAAAAAAAAAAAAAAAAAAAAAAAAAAAAAAAAAAAAAAAAAAAAAAAAAAAAAAAAAAAAAAAAAAAAAAAAAAAAAAAAAAAAAAAFAAAADwAAAAAAAAAAAAAAAAAAAkUAAAAAQAAABQAAAAUAAAAFAAAAAEAAAAAAAAAZAAAAGQAAAAAAAAAZAAAAGQAAAAVAAAAYAAAAAAAAAAAAAAADwAAACADAAAAAAAAAAAAAAEAAACgMgAAVgcAAKr4//8BAAAAf39/AAEAAABkAAAAAAAAABQAAABAHwAAAAAAACYAAAAAAAAAwOD//wAAAAAmAAAAZAAAABYAAABMAAAAAAAAAAAAAAAEAAAAAAAAAAEAAACAgIAKAAAAACgAAAAoAAAAZAAAAGQAAAAAAAAAzMzMAAAAAABQAAAAUAAAAGQAAABkAAAAAAAAABcAAAAUAAAAAAAAAAAAAAD/fwAA/38AAAAAAAAJAAAABAAAAAAAAAAMAAAAEAAAAAAAAAAAAAAAAAAAAAAAAAAeAAAAaAAAAAAAAAAAAAAAAAAAAAAAAAAAAAAAECcAABAnAAAAAAAAAAAAAAAAAAAAAAAAAAAAAAAAAAAAAAAAAAAAABQAAAAAAAAAwMD/AAAAAABkAAAAMgAAAAAAAABkAAAAAAAAAH9/fwAKAAAAHwAAAFQAAAC74OMF////AQAAAAAAAAAAAAAAAAAAAAAAAAAAAAAAAAAAAAAAAAAAAAAAAn9/fwCAgIADzMzMAMDA/wB/f38AAAAAAAAAAAAAAAAAAAAAAAAAAAAhAAAAGAAAABQAAABwCAAAFwMAANAvAACwIgAAEAAAACYAAAAIAAAAAQAAAAAAAAA="/>
+                <pr:smNativeData xmlns:pr="smNativeData" val="SMDATA_13_of3fZRMAAAAlAAAAZAAAAA8BAAAAkAAAAEgAAACQAAAASAAAAAAAAAAAAAAAAAAAAAEAAABQAAAAAAAAAAAA4D8AAAAAAADgPwAAAAAAAOA/AAAAAAAA4D8AAAAAAADgPwAAAAAAAOA/AAAAAAAA4D8AAAAAAADgPwAAAAAAAOA/AAAAAAAA4D8CAAAAjAAAAAAAAAAAAAAAu+DjDP///wgAAAAAAAAAAAAAAAAAAAAAAAAAAAAAAAAAAAAAZAAAAAEAAABAAAAAAAAAAAAAAAAAAAAAAAAAAAAAAAAAAAAAAAAAAAAAAAAAAAAAAAAAAAAAAAAAAAAAAAAAAAAAAAAAAAAAAAAAAAAAAAAAAAAAAAAAAAAAAAAAAAAAFAAAADwAAAAAAAAAAAAAAAAAAAkUAAAAAQAAABQAAAAUAAAAFAAAAAEAAAAAAAAAZAAAAGQAAAAAAAAAZAAAAGQAAAAVAAAAYAAAAAAAAAAAAAAADwAAACADAAAAAAAAAAAAAAEAAACgMgAAVgcAAKr4//8BAAAAf39/AAEAAABkAAAAAAAAABQAAABAHwAAAAAAACYAAAAAAAAAwOD//wAAAAAmAAAAZAAAABYAAABMAAAAAAAAAAAAAAAEAAAAAAAAAAEAAACAgIAKAAAAACgAAAAoAAAAZAAAAGQAAAAAAAAAzMzMAAAAAABQAAAAUAAAAGQAAABkAAAAAAAAABcAAAAUAAAAAAAAAAAAAAD/fwAA/38AAAAAAAAJAAAABAAAAAAAAAAMAAAAEAAAAAAAAAAAAAAAAAAAAAAAAAAeAAAAaAAAAAAAAAAAAAAAAAAAAAAAAAAAAAAAECcAABAnAAAAAAAAAAAAAAAAAAAAAAAAAAAAAAAAAAAAAAAAAAAAABQAAAAAAAAAwMD/AAAAAABkAAAAMgAAAAAAAABkAAAAAAAAAH9/fwAKAAAAHwAAAFQAAAC74OMF////AQAAAAAAAAAAAAAAAAAAAAAAAAAAAAAAAAAAAAAAAAAAAAAAAn9/fwCAgIADzMzMAMDA/wB/f38AAAAAAAAAAAAAAAAAAAAAAAAAAAAhAAAAGAAAABQAAABwCAAAFwMAANAvAACwIgAAEAAAACYAAAAIAAAAAQAAAAAAAAA="/>
               </a:ext>
             </a:extLst>
           </p:cNvSpPr>
@@ -6167,7 +6167,7 @@
     </p:bldLst>
     <p:extLst>
       <p:ext uri="smNativeData">
-        <pr:smNativeData xmlns:pr="smNativeData" val="lv/SZQcAAAAFAAAAAAAAAAEAAAABAAAAAAAAAAAAAAAAAAAAAAAAAAkAAAABAAAAAQAAAAEAAAAAAAAAAAAAAAAAAAAAAAAADQAAAAIAAAABAAAAAQAAAAAAAAAAAAAAAAAAAAAAAAARAAAAAwAAAAEAAAABAAAAAAAAAAAAAAAAAAAAAAAAABUAAAAEAAAAAQAAAAEAAAAAAAAAAAAAAAAAAAAAAAAAGQAAAAUAAAABAAAAAQAAAAAAAAAAAAAAAAAAAAAAAAAdAAAABgAAAAEAAAABAAAAAAAAAAAAAAAAAAAAAAAAAA=="/>
+        <pr:smNativeData xmlns:pr="smNativeData" val="of3fZQcAAAAFAAAAAAAAAAEAAAABAAAAAAAAAAAAAAAAAAAAAAAAAAkAAAABAAAAAQAAAAEAAAAAAAAAAAAAAAAAAAAAAAAADQAAAAIAAAABAAAAAQAAAAAAAAAAAAAAAAAAAAAAAAARAAAAAwAAAAEAAAABAAAAAAAAAAAAAAAAAAAAAAAAABUAAAAEAAAAAQAAAAEAAAAAAAAAAAAAAAAAAAAAAAAAGQAAAAUAAAABAAAAAQAAAAAAAAAAAAAAAAAAAAAAAAAdAAAABgAAAAEAAAABAAAAAAAAAAAAAAAAAAAAAAAAAA=="/>
       </p:ext>
     </p:extLst>
   </p:timing>
@@ -6198,7 +6198,7 @@
             <a:spLocks noGrp="1" noChangeArrowheads="1"/>
             <a:extLst>
               <a:ext uri="smNativeData">
-                <pr:smNativeData xmlns:pr="smNativeData" val="SMDATA_13_lv/SZRMAAAAlAAAAZAAAAA8BAAAAkAAAAEgAAACQAAAASAAAAAAAAAABAAAAAAAAAAEAAABQAAAAAAAAAAAA4D8AAAAAAADgPwAAAAAAAOA/AAAAAAAA4D8AAAAAAADgPwAAAAAAAOA/AAAAAAAA4D8AAAAAAADgPwAAAAAAAOA/AAAAAAAA4D8CAAAAjAAAAAAAAAAAAAAAu+DjDP///wgAAAAAAAAAAAAAAAAAAAAAAAAAAAAAAAAAAAAAZAAAAAEAAABAAAAAAAAAAAAAAAAAAAAAAAAAAAAAAAAAAAAAAAAAAAAAAAAAAAAAAAAAAAAAAAAAAAAAAAAAAAAAAAAAAAAAAAAAAAAAAAAAAAAAAAAAAAAAAAAAAAAAFAAAADwAAAAAAAAAAAAAAAAAAAkUAAAAAQAAABQAAAAUAAAAFAAAAAEAAAAAAAAAZAAAAGQAAAAAAAAAZAAAAGQAAAAVAAAAYAAAAAAAAAAAAAAADwAAACADAAAAAAAAAAAAAAEAAACgMgAAVgcAAKr4//8BAAAAf39/AAEAAABkAAAAAAAAABQAAABAHwAAAAAAACYAAAAAAAAAwOD//wAAAAAmAAAAZAAAABYAAABMAAAAAAAAAAAAAAAEAAAAAAAAAAEAAACAgIAKAAAAACgAAAAoAAAAZAAAAGQAAAAAAAAAzMzMAAAAAABQAAAAUAAAAGQAAABkAAAAAAAAABcAAAAUAAAAAAAAAAAAAAD/fwAA/38AAAAAAAAJAAAABAAAAAAAAAAMAAAAEAAAAAAAAAAAAAAAAAAAAAAAAAAeAAAAaAAAAAAAAAAAAAAAAAAAAAAAAAAAAAAAECcAABAnAAAAAAAAAAAAAAAAAAAAAAAAAAAAAAAAAAAAAAAAAAAAABQAAAAAAAAAwMD/AAAAAABkAAAAMgAAAAAAAABkAAAAAAAAAH9/fwAKAAAAHwAAAFQAAAC74OMF////AQAAAAAAAAAAAAAAAAAAAAAAAAAAAAAAAAAAAAAAAAAAAAAAAn9/fwCAgIADzMzMAMDA/wB/f38AAAAAAAAAAAAAAAAAAAAAAAAAAAAhAAAAGAAAABQAAABkAwAAbgIAADQzAAB6CwAAEAAAACYAAAAIAAAAAQAAAAAAAAA="/>
+                <pr:smNativeData xmlns:pr="smNativeData" val="SMDATA_13_of3fZRMAAAAlAAAAZAAAAA8BAAAAkAAAAEgAAACQAAAASAAAAAAAAAABAAAAAAAAAAEAAABQAAAAAAAAAAAA4D8AAAAAAADgPwAAAAAAAOA/AAAAAAAA4D8AAAAAAADgPwAAAAAAAOA/AAAAAAAA4D8AAAAAAADgPwAAAAAAAOA/AAAAAAAA4D8CAAAAjAAAAAAAAAAAAAAAu+DjDP///wgAAAAAAAAAAAAAAAAAAAAAAAAAAAAAAAAAAAAAZAAAAAEAAABAAAAAAAAAAAAAAAAAAAAAAAAAAAAAAAAAAAAAAAAAAAAAAAAAAAAAAAAAAAAAAAAAAAAAAAAAAAAAAAAAAAAAAAAAAAAAAAAAAAAAAAAAAAAAAAAAAAAAFAAAADwAAAAAAAAAAAAAAAAAAAkUAAAAAQAAABQAAAAUAAAAFAAAAAEAAAAAAAAAZAAAAGQAAAAAAAAAZAAAAGQAAAAVAAAAYAAAAAAAAAAAAAAADwAAACADAAAAAAAAAAAAAAEAAACgMgAAVgcAAKr4//8BAAAAf39/AAEAAABkAAAAAAAAABQAAABAHwAAAAAAACYAAAAAAAAAwOD//wAAAAAmAAAAZAAAABYAAABMAAAAAAAAAAAAAAAEAAAAAAAAAAEAAACAgIAKAAAAACgAAAAoAAAAZAAAAGQAAAAAAAAAzMzMAAAAAABQAAAAUAAAAGQAAABkAAAAAAAAABcAAAAUAAAAAAAAAAAAAAD/fwAA/38AAAAAAAAJAAAABAAAAAAAAAAMAAAAEAAAAAAAAAAAAAAAAAAAAAAAAAAeAAAAaAAAAAAAAAAAAAAAAAAAAAAAAAAAAAAAECcAABAnAAAAAAAAAAAAAAAAAAAAAAAAAAAAAAAAAAAAAAAAAAAAABQAAAAAAAAAwMD/AAAAAABkAAAAMgAAAAAAAABkAAAAAAAAAH9/fwAKAAAAHwAAAFQAAAC74OMF////AQAAAAAAAAAAAAAAAAAAAAAAAAAAAAAAAAAAAAAAAAAAAAAAAn9/fwCAgIADzMzMAMDA/wB/f38AAAAAAAAAAAAAAAAAAAAAAAAAAAAhAAAAGAAAABQAAABkAwAAbgIAADQzAAB6CwAAEAAAACYAAAAIAAAAAQAAAAAAAAA="/>
               </a:ext>
             </a:extLst>
           </p:cNvSpPr>
@@ -6236,7 +6236,7 @@
             <a:spLocks noGrp="1" noChangeArrowheads="1"/>
             <a:extLst>
               <a:ext uri="smNativeData">
-                <pr:smNativeData xmlns:pr="smNativeData" val="SMDATA_13_lv/SZRMAAAAlAAAAZAAAAA8BAAAAkAAAAEgAAACQAAAASAAAAAAAAAAAAAAAAAAAAAEAAABQAAAAAAAAAAAA4D8AAAAAAADgPwAAAAAAAOA/AAAAAAAA4D8AAAAAAADgPwAAAAAAAOA/AAAAAAAA4D8AAAAAAADgPwAAAAAAAOA/AAAAAAAA4D8CAAAAjAAAAAAAAAAAAAAAu+DjDP///wgAAAAAAAAAAAAAAAAAAAAAAAAAAAAAAAAAAAAAZAAAAAEAAABAAAAAAAAAAAAAAAAAAAAAAAAAAAAAAAAAAAAAAAAAAAAAAAAAAAAAAAAAAAAAAAAAAAAAAAAAAAAAAAAAAAAAAAAAAAAAAAAAAAAAAAAAAAAAAAAAAAAAFAAAADwAAAAAAAAAAAAAAAAAAAkUAAAAAQAAABQAAAAUAAAAFAAAAAEAAAAAAAAAZAAAAGQAAAAAAAAAZAAAAGQAAAAVAAAAYAAAAAAAAAAAAAAADwAAACADAAAAAAAAAAAAAAEAAACgMgAAVgcAAKr4//8BAAAAf39/AAEAAABkAAAAAAAAABQAAABAHwAAAAAAACYAAAAAAAAAwOD//wAAAAAmAAAAZAAAABYAAABMAAAAAAAAAAAAAAAEAAAAAAAAAAEAAACAgIAKAAAAACgAAAAoAAAAZAAAAGQAAAAAAAAAzMzMAAAAAABQAAAAUAAAAGQAAABkAAAAAAAAABcAAAAUAAAAAAAAAAAAAAD/fwAA/38AAAAAAAAJAAAABAAAAAAAAAAMAAAAEAAAAAAAAAAAAAAAAAAAAAAAAAAeAAAAaAAAAAAAAAAAAAAAAAAAAAAAAAAAAAAAECcAABAnAAAAAAAAAAAAAAAAAAAAAAAAAAAAAAAAAAAAAAAAAAAAABQAAAAAAAAAwMD/AAAAAABkAAAAMgAAAAAAAABkAAAAAAAAAH9/fwAKAAAAHwAAAFQAAAC74OMF////AQAAAAAAAAAAAAAAAAAAAAAAAAAAAAAAAAAAAAAAAAAAAAAAAn9/fwCAgIADzMzMAMDA/wB/f38AAAAAAAAAAAAAAAAAAAAAAAAAAAAhAAAAGAAAABQAAABwCAAAPg0AANAvAAArKAAAEAAAACYAAAAIAAAAAQAAAAAAAAA="/>
+                <pr:smNativeData xmlns:pr="smNativeData" val="SMDATA_13_of3fZRMAAAAlAAAAZAAAAA8BAAAAkAAAAEgAAACQAAAASAAAAAAAAAAAAAAAAAAAAAEAAABQAAAAAAAAAAAA4D8AAAAAAADgPwAAAAAAAOA/AAAAAAAA4D8AAAAAAADgPwAAAAAAAOA/AAAAAAAA4D8AAAAAAADgPwAAAAAAAOA/AAAAAAAA4D8CAAAAjAAAAAAAAAAAAAAAu+DjDP///wgAAAAAAAAAAAAAAAAAAAAAAAAAAAAAAAAAAAAAZAAAAAEAAABAAAAAAAAAAAAAAAAAAAAAAAAAAAAAAAAAAAAAAAAAAAAAAAAAAAAAAAAAAAAAAAAAAAAAAAAAAAAAAAAAAAAAAAAAAAAAAAAAAAAAAAAAAAAAAAAAAAAAFAAAADwAAAAAAAAAAAAAAAAAAAkUAAAAAQAAABQAAAAUAAAAFAAAAAEAAAAAAAAAZAAAAGQAAAAAAAAAZAAAAGQAAAAVAAAAYAAAAAAAAAAAAAAADwAAACADAAAAAAAAAAAAAAEAAACgMgAAVgcAAKr4//8BAAAAf39/AAEAAABkAAAAAAAAABQAAABAHwAAAAAAACYAAAAAAAAAwOD//wAAAAAmAAAAZAAAABYAAABMAAAAAAAAAAAAAAAEAAAAAAAAAAEAAACAgIAKAAAAACgAAAAoAAAAZAAAAGQAAAAAAAAAzMzMAAAAAABQAAAAUAAAAGQAAABkAAAAAAAAABcAAAAUAAAAAAAAAAAAAAD/fwAA/38AAAAAAAAJAAAABAAAAAAAAAAMAAAAEAAAAAAAAAAAAAAAAAAAAAAAAAAeAAAAaAAAAAAAAAAAAAAAAAAAAAAAAAAAAAAAECcAABAnAAAAAAAAAAAAAAAAAAAAAAAAAAAAAAAAAAAAAAAAAAAAABQAAAAAAAAAwMD/AAAAAABkAAAAMgAAAAAAAABkAAAAAAAAAH9/fwAKAAAAHwAAAFQAAAC74OMF////AQAAAAAAAAAAAAAAAAAAAAAAAAAAAAAAAAAAAAAAAAAAAAAAAn9/fwCAgIADzMzMAMDA/wB/f38AAAAAAAAAAAAAAAAAAAAAAAAAAAAhAAAAGAAAABQAAABwCAAAPg0AANAvAAArKAAAEAAAACYAAAAIAAAAAQAAAAAAAAA="/>
               </a:ext>
             </a:extLst>
           </p:cNvSpPr>
@@ -6341,7 +6341,7 @@
             <a:spLocks noGrp="1" noChangeArrowheads="1"/>
             <a:extLst>
               <a:ext uri="smNativeData">
-                <pr:smNativeData xmlns:pr="smNativeData" val="SMDATA_13_lv/SZRMAAAAlAAAAZAAAAA8BAAAAkAAAAEgAAACQAAAASAAAAAAAAAAAAAAAAAAAAAEAAABQAAAAAAAAAAAA4D8AAAAAAADgPwAAAAAAAOA/AAAAAAAA4D8AAAAAAADgPwAAAAAAAOA/AAAAAAAA4D8AAAAAAADgPwAAAAAAAOA/AAAAAAAA4D8CAAAAjAAAAAAAAAAAAAAAu+DjDP///wgAAAAAAAAAAAAAAAAAAAAAAAAAAAAAAAAAAAAAZAAAAAEAAABAAAAAAAAAAAAAAAAAAAAAAAAAAAAAAAAAAAAAAAAAAAAAAAAAAAAAAAAAAAAAAAAAAAAAAAAAAAAAAAAAAAAAAAAAAAAAAAAAAAAAAAAAAAAAAAAAAAAAFAAAADwAAAAAAAAAAAAAAAAAAAkUAAAAAQAAABQAAAAUAAAAFAAAAAEAAAAAAAAAZAAAAGQAAAAAAAAAZAAAAGQAAAAVAAAAYAAAAAAAAAAAAAAADwAAACADAAAAAAAAAAAAAAEAAACgMgAAVgcAAKr4//8BAAAAf39/AAEAAABkAAAAAAAAABQAAABAHwAAAAAAACYAAAAAAAAAwOD//wAAAAAmAAAAZAAAABYAAABMAAAAAAAAAAAAAAAEAAAAAAAAAAEAAACAgIAKAAAAACgAAAAoAAAAZAAAAGQAAAAAAAAAzMzMAAAAAABQAAAAUAAAAGQAAABkAAAAAAAAABcAAAAUAAAAAAAAAAAAAAD/fwAA/38AAAAAAAAJAAAABAAAAAAAAAAMAAAAEAAAAAAAAAAAAAAAAAAAAAAAAAAeAAAAaAAAAAAAAAAAAAAAAAAAAAAAAAAAAAAAECcAABAnAAAAAAAAAAAAAAAAAAAAAAAAAAAAAAAAAAAAAAAAAAAAABQAAAAAAAAAwMD/AAAAAABkAAAAMgAAAAAAAABkAAAAAAAAAH9/fwAKAAAAHwAAAFQAAAC74OMF////AQAAAAAAAAAAAAAAAAAAAAAAAAAAAAAAAAAAAAAAAAAAAAAAAn9/fwCAgIADzMzMAMDA/wB/f38AAAAAAAAAAAAAAAAAAAAAAAAAAAAhAAAAGAAAABQAAADbBwAAygMAADsvAADZJgAAEAAAACYAAAAIAAAAAQAAAAAAAAA="/>
+                <pr:smNativeData xmlns:pr="smNativeData" val="SMDATA_13_of3fZRMAAAAlAAAAZAAAAA8BAAAAkAAAAEgAAACQAAAASAAAAAAAAAAAAAAAAAAAAAEAAABQAAAAAAAAAAAA4D8AAAAAAADgPwAAAAAAAOA/AAAAAAAA4D8AAAAAAADgPwAAAAAAAOA/AAAAAAAA4D8AAAAAAADgPwAAAAAAAOA/AAAAAAAA4D8CAAAAjAAAAAAAAAAAAAAAu+DjDP///wgAAAAAAAAAAAAAAAAAAAAAAAAAAAAAAAAAAAAAZAAAAAEAAABAAAAAAAAAAAAAAAAAAAAAAAAAAAAAAAAAAAAAAAAAAAAAAAAAAAAAAAAAAAAAAAAAAAAAAAAAAAAAAAAAAAAAAAAAAAAAAAAAAAAAAAAAAAAAAAAAAAAAFAAAADwAAAAAAAAAAAAAAAAAAAkUAAAAAQAAABQAAAAUAAAAFAAAAAEAAAAAAAAAZAAAAGQAAAAAAAAAZAAAAGQAAAAVAAAAYAAAAAAAAAAAAAAADwAAACADAAAAAAAAAAAAAAEAAACgMgAAVgcAAKr4//8BAAAAf39/AAEAAABkAAAAAAAAABQAAABAHwAAAAAAACYAAAAAAAAAwOD//wAAAAAmAAAAZAAAABYAAABMAAAAAAAAAAAAAAAEAAAAAAAAAAEAAACAgIAKAAAAACgAAAAoAAAAZAAAAGQAAAAAAAAAzMzMAAAAAABQAAAAUAAAAGQAAABkAAAAAAAAABcAAAAUAAAAAAAAAAAAAAD/fwAA/38AAAAAAAAJAAAABAAAAAAAAAAMAAAAEAAAAAAAAAAAAAAAAAAAAAAAAAAeAAAAaAAAAAAAAAAAAAAAAAAAAAAAAAAAAAAAECcAABAnAAAAAAAAAAAAAAAAAAAAAAAAAAAAAAAAAAAAAAAAAAAAABQAAAAAAAAAwMD/AAAAAABkAAAAMgAAAAAAAABkAAAAAAAAAH9/fwAKAAAAHwAAAFQAAAC74OMF////AQAAAAAAAAAAAAAAAAAAAAAAAAAAAAAAAAAAAAAAAAAAAAAAAn9/fwCAgIADzMzMAMDA/wB/f38AAAAAAAAAAAAAAAAAAAAAAAAAAAAhAAAAGAAAABQAAADbBwAAygMAADsvAADZJgAAEAAAACYAAAAIAAAAAQAAAAAAAAA="/>
               </a:ext>
             </a:extLst>
           </p:cNvSpPr>
@@ -6796,7 +6796,7 @@
     </p:bldLst>
     <p:extLst>
       <p:ext uri="smNativeData">
-        <pr:smNativeData xmlns:pr="smNativeData" val="lv/SZQcAAAAFAAAAAAAAAAEAAAABAAAAAAAAAAAAAAAAAAAAAAAAAAkAAAABAAAAAQAAAAEAAAAAAAAAAAAAAAAAAAAAAAAADQAAAAIAAAABAAAAAQAAAAAAAAAAAAAAAAAAAAAAAAARAAAAAwAAAAEAAAABAAAAAAAAAAAAAAAAAAAAAAAAABUAAAAEAAAAAQAAAAEAAAAAAAAAAAAAAAAAAAAAAAAAGQAAAAUAAAABAAAAAQAAAAAAAAAAAAAAAAAAAAAAAAAdAAAABgAAAAEAAAABAAAAAAAAAAAAAAAAAAAAAAAAAA=="/>
+        <pr:smNativeData xmlns:pr="smNativeData" val="of3fZQcAAAAFAAAAAAAAAAEAAAABAAAAAAAAAAAAAAAAAAAAAAAAAAkAAAABAAAAAQAAAAEAAAAAAAAAAAAAAAAAAAAAAAAADQAAAAIAAAABAAAAAQAAAAAAAAAAAAAAAAAAAAAAAAARAAAAAwAAAAEAAAABAAAAAAAAAAAAAAAAAAAAAAAAABUAAAAEAAAAAQAAAAEAAAAAAAAAAAAAAAAAAAAAAAAAGQAAAAUAAAABAAAAAQAAAAAAAAAAAAAAAAAAAAAAAAAdAAAABgAAAAEAAAABAAAAAAAAAAAAAAAAAAAAAAAAAA=="/>
       </p:ext>
     </p:extLst>
   </p:timing>
@@ -6827,7 +6827,7 @@
             <a:spLocks noGrp="1" noChangeArrowheads="1"/>
             <a:extLst>
               <a:ext uri="smNativeData">
-                <pr:smNativeData xmlns:pr="smNativeData" val="SMDATA_13_lv/SZRMAAAAlAAAAZAAAAA8BAAAAkAAAAEgAAACQAAAASAAAAAAAAAABAAAAAAAAAAEAAABQAAAAAAAAAAAA4D8AAAAAAADgPwAAAAAAAOA/AAAAAAAA4D8AAAAAAADgPwAAAAAAAOA/AAAAAAAA4D8AAAAAAADgPwAAAAAAAOA/AAAAAAAA4D8CAAAAjAAAAAAAAAAAAAAAu+DjDP///wgAAAAAAAAAAAAAAAAAAAAAAAAAAAAAAAAAAAAAZAAAAAEAAABAAAAAAAAAAAAAAAAAAAAAAAAAAAAAAAAAAAAAAAAAAAAAAAAAAAAAAAAAAAAAAAAAAAAAAAAAAAAAAAAAAAAAAAAAAAAAAAAAAAAAAAAAAAAAAAAAAAAAFAAAADwAAAAAAAAAAAAAAAAAAAkUAAAAAQAAABQAAAAUAAAAFAAAAAEAAAAAAAAAZAAAAGQAAAAAAAAAZAAAAGQAAAAVAAAAYAAAAAAAAAAAAAAADwAAACADAAAAAAAAAAAAAAEAAACgMgAAVgcAAKr4//8BAAAAf39/AAEAAABkAAAAAAAAABQAAABAHwAAAAAAACYAAAAAAAAAwOD//wAAAAAmAAAAZAAAABYAAABMAAAAAAAAAAAAAAAEAAAAAAAAAAEAAACAgIAKAAAAACgAAAAoAAAAZAAAAGQAAAAAAAAAzMzMAAAAAABQAAAAUAAAAGQAAABkAAAAAAAAABcAAAAUAAAAAAAAAAAAAAD/fwAA/38AAAAAAAAJAAAABAAAAAAAAAAMAAAAEAAAAAAAAAAAAAAAAAAAAAAAAAAeAAAAaAAAAAAAAAAAAAAAAAAAAAAAAAAAAAAAECcAABAnAAAAAAAAAAAAAAAAAAAAAAAAAAAAAAAAAAAAAAAAAAAAABQAAAAAAAAAwMD/AAAAAABkAAAAMgAAAAAAAABkAAAAAAAAAH9/fwAKAAAAHwAAAFQAAAC74OMF////AQAAAAAAAAAAAAAAAAAAAAAAAAAAAAAAAAAAAAAAAAAAAAAAAn9/fwCAgIADzMzMAMDA/wB/f38AAAAAAAAAAAAAAAAAAAAAAAAAAAAhAAAAGAAAABQAAAC3BAAANQIAAIc0AABBCwAAAAAAACYAAAAIAAAAAQAAAAAAAAA="/>
+                <pr:smNativeData xmlns:pr="smNativeData" val="SMDATA_13_of3fZRMAAAAlAAAAZAAAAA8BAAAAkAAAAEgAAACQAAAASAAAAAAAAAABAAAAAAAAAAEAAABQAAAAAAAAAAAA4D8AAAAAAADgPwAAAAAAAOA/AAAAAAAA4D8AAAAAAADgPwAAAAAAAOA/AAAAAAAA4D8AAAAAAADgPwAAAAAAAOA/AAAAAAAA4D8CAAAAjAAAAAAAAAAAAAAAu+DjDP///wgAAAAAAAAAAAAAAAAAAAAAAAAAAAAAAAAAAAAAZAAAAAEAAABAAAAAAAAAAAAAAAAAAAAAAAAAAAAAAAAAAAAAAAAAAAAAAAAAAAAAAAAAAAAAAAAAAAAAAAAAAAAAAAAAAAAAAAAAAAAAAAAAAAAAAAAAAAAAAAAAAAAAFAAAADwAAAAAAAAAAAAAAAAAAAkUAAAAAQAAABQAAAAUAAAAFAAAAAEAAAAAAAAAZAAAAGQAAAAAAAAAZAAAAGQAAAAVAAAAYAAAAAAAAAAAAAAADwAAACADAAAAAAAAAAAAAAEAAACgMgAAVgcAAKr4//8BAAAAf39/AAEAAABkAAAAAAAAABQAAABAHwAAAAAAACYAAAAAAAAAwOD//wAAAAAmAAAAZAAAABYAAABMAAAAAAAAAAAAAAAEAAAAAAAAAAEAAACAgIAKAAAAACgAAAAoAAAAZAAAAGQAAAAAAAAAzMzMAAAAAABQAAAAUAAAAGQAAABkAAAAAAAAABcAAAAUAAAAAAAAAAAAAAD/fwAA/38AAAAAAAAJAAAABAAAAAAAAAAMAAAAEAAAAAAAAAAAAAAAAAAAAAAAAAAeAAAAaAAAAAAAAAAAAAAAAAAAAAAAAAAAAAAAECcAABAnAAAAAAAAAAAAAAAAAAAAAAAAAAAAAAAAAAAAAAAAAAAAABQAAAAAAAAAwMD/AAAAAABkAAAAMgAAAAAAAABkAAAAAAAAAH9/fwAKAAAAHwAAAFQAAAC74OMF////AQAAAAAAAAAAAAAAAAAAAAAAAAAAAAAAAAAAAAAAAAAAAAAAAn9/fwCAgIADzMzMAMDA/wB/f38AAAAAAAAAAAAAAAAAAAAAAAAAAAAhAAAAGAAAABQAAAC3BAAANQIAAIc0AABBCwAAEAAAACYAAAAIAAAAAQAAAAAAAAA="/>
               </a:ext>
             </a:extLst>
           </p:cNvSpPr>
@@ -6865,7 +6865,7 @@
             <a:spLocks noGrp="1" noChangeArrowheads="1"/>
             <a:extLst>
               <a:ext uri="smNativeData">
-                <pr:smNativeData xmlns:pr="smNativeData" val="SMDATA_13_lv/SZRMAAAAlAAAAZAAAAA8BAAAAkAAAAEgAAACQAAAASAAAAAAAAAAAAAAAAAAAAAEAAABQAAAAAAAAAAAA4D8AAAAAAADgPwAAAAAAAOA/AAAAAAAA4D8AAAAAAADgPwAAAAAAAOA/AAAAAAAA4D8AAAAAAADgPwAAAAAAAOA/AAAAAAAA4D8CAAAAjAAAAAAAAAAAAAAAu+DjDP///wgAAAAAAAAAAAAAAAAAAAAAAAAAAAAAAAAAAAAAZAAAAAEAAABAAAAAAAAAAAAAAAAAAAAAAAAAAAAAAAAAAAAAAAAAAAAAAAAAAAAAAAAAAAAAAAAAAAAAAAAAAAAAAAAAAAAAAAAAAAAAAAAAAAAAAAAAAAAAAAAAAAAAFAAAADwAAAAAAAAAAAAAAAAAAAkUAAAAAQAAABQAAAAUAAAAFAAAAAEAAAAAAAAAZAAAAGQAAAAAAAAAZAAAAGQAAAAVAAAAYAAAAAAAAAAAAAAADwAAACADAAAAAAAAAAAAAAEAAACgMgAAVgcAAKr4//8BAAAAf39/AAEAAABkAAAAAAAAABQAAABAHwAAAAAAACYAAAAAAAAAwOD//wAAAAAmAAAAZAAAABYAAABMAAAAAAAAAAAAAAAEAAAAAAAAAAEAAACAgIAKAAAAACgAAAAoAAAAZAAAAGQAAAAAAAAAzMzMAAAAAABQAAAAUAAAAGQAAABkAAAAAAAAABcAAAAUAAAAAAAAAAAAAAD/fwAA/38AAAAAAAAJAAAABAAAAAAAAAAMAAAAEAAAAAAAAAAAAAAAAAAAAAAAAAAeAAAAaAAAAAAAAAAAAAAAAAAAAAAAAAAAAAAAECcAABAnAAAAAAAAAAAAAAAAAAAAAAAAAAAAAAAAAAAAAAAAAAAAABQAAAAAAAAAwMD/AAAAAABkAAAAMgAAAAAAAABkAAAAAAAAAH9/fwAKAAAAHwAAAFQAAAC74OMF////AQAAAAAAAAAAAAAAAAAAAAAAAAAAAAAAAAAAAAAAAAAAAAAAAn9/fwCAgIADzMzMAMDA/wB/f38AAAAAAAAAAAAAAAAAAAAAAAAAAAAhAAAAGAAAABQAAABwCAAAPg0AANAvAACwIgAAAAAAACYAAAAIAAAAAQAAAAAAAAA="/>
+                <pr:smNativeData xmlns:pr="smNativeData" val="SMDATA_13_of3fZRMAAAAlAAAAZAAAAA8BAAAAkAAAAEgAAACQAAAASAAAAAAAAAAAAAAAAAAAAAEAAABQAAAAAAAAAAAA4D8AAAAAAADgPwAAAAAAAOA/AAAAAAAA4D8AAAAAAADgPwAAAAAAAOA/AAAAAAAA4D8AAAAAAADgPwAAAAAAAOA/AAAAAAAA4D8CAAAAjAAAAAAAAAAAAAAAu+DjDP///wgAAAAAAAAAAAAAAAAAAAAAAAAAAAAAAAAAAAAAZAAAAAEAAABAAAAAAAAAAAAAAAAAAAAAAAAAAAAAAAAAAAAAAAAAAAAAAAAAAAAAAAAAAAAAAAAAAAAAAAAAAAAAAAAAAAAAAAAAAAAAAAAAAAAAAAAAAAAAAAAAAAAAFAAAADwAAAAAAAAAAAAAAAAAAAkUAAAAAQAAABQAAAAUAAAAFAAAAAEAAAAAAAAAZAAAAGQAAAAAAAAAZAAAAGQAAAAVAAAAYAAAAAAAAAAAAAAADwAAACADAAAAAAAAAAAAAAEAAACgMgAAVgcAAKr4//8BAAAAf39/AAEAAABkAAAAAAAAABQAAABAHwAAAAAAACYAAAAAAAAAwOD//wAAAAAmAAAAZAAAABYAAABMAAAAAAAAAAAAAAAEAAAAAAAAAAEAAACAgIAKAAAAACgAAAAoAAAAZAAAAGQAAAAAAAAAzMzMAAAAAABQAAAAUAAAAGQAAABkAAAAAAAAABcAAAAUAAAAAAAAAAAAAAD/fwAA/38AAAAAAAAJAAAABAAAAAAAAAAMAAAAEAAAAAAAAAAAAAAAAAAAAAAAAAAeAAAAaAAAAAAAAAAAAAAAAAAAAAAAAAAAAAAAECcAABAnAAAAAAAAAAAAAAAAAAAAAAAAAAAAAAAAAAAAAAAAAAAAABQAAAAAAAAAwMD/AAAAAABkAAAAMgAAAAAAAABkAAAAAAAAAH9/fwAKAAAAHwAAAFQAAAC74OMF////AQAAAAAAAAAAAAAAAAAAAAAAAAAAAAAAAAAAAAAAAAAAAAAAAn9/fwCAgIADzMzMAMDA/wB/f38AAAAAAAAAAAAAAAAAAAAAAAAAAAAhAAAAGAAAABQAAABwCAAAPg0AANAvAACwIgAAEAAAACYAAAAIAAAAAQAAAAAAAAA="/>
               </a:ext>
             </a:extLst>
           </p:cNvSpPr>
@@ -6961,7 +6961,7 @@
             <a:spLocks noGrp="1" noChangeArrowheads="1"/>
             <a:extLst>
               <a:ext uri="smNativeData">
-                <pr:smNativeData xmlns:pr="smNativeData" val="SMDATA_13_lv/SZRMAAAAlAAAAZAAAAA8BAAAAkAAAAEgAAACQAAAASAAAAAAAAAAAAAAAAAAAAAEAAABQAAAAAAAAAAAA4D8AAAAAAADgPwAAAAAAAOA/AAAAAAAA4D8AAAAAAADgPwAAAAAAAOA/AAAAAAAA4D8AAAAAAADgPwAAAAAAAOA/AAAAAAAA4D8CAAAAjAAAAAAAAAAAAAAAu+DjDP///wgAAAAAAAAAAAAAAAAAAAAAAAAAAAAAAAAAAAAAZAAAAAEAAABAAAAAAAAAAAAAAAAAAAAAAAAAAAAAAAAAAAAAAAAAAAAAAAAAAAAAAAAAAAAAAAAAAAAAAAAAAAAAAAAAAAAAAAAAAAAAAAAAAAAAAAAAAAAAAAAAAAAAFAAAADwAAAAAAAAAAAAAAAAAAAkUAAAAAQAAABQAAAAUAAAAFAAAAAEAAAAAAAAAZAAAAGQAAAAAAAAAZAAAAGQAAAAVAAAAYAAAAAAAAAAAAAAADwAAACADAAAAAAAAAAAAAAEAAACgMgAAVgcAAKr4//8BAAAAf39/AAEAAABkAAAAAAAAABQAAABAHwAAAAAAACYAAAAAAAAAwOD//wAAAAAmAAAAZAAAABYAAABMAAAAAAAAAAAAAAAEAAAAAAAAAAEAAACAgIAKAAAAACgAAAAoAAAAZAAAAGQAAAAAAAAAzMzMAAAAAABQAAAAUAAAAGQAAABkAAAAAAAAABcAAAAUAAAAAAAAAAAAAAD/fwAA/38AAAAAAAAJAAAABAAAAAAAAAAMAAAAEAAAAAAAAAAAAAAAAAAAAAAAAAAeAAAAaAAAAAAAAAAAAAAAAAAAAAAAAAAAAAAAECcAABAnAAAAAAAAAAAAAAAAAAAAAAAAAAAAAAAAAAAAAAAAAAAAABQAAAAAAAAAwMD/AAAAAABkAAAAMgAAAAAAAABkAAAAAAAAAH9/fwAKAAAAHwAAAFQAAAC74OMF////AQAAAAAAAAAAAAAAAAAAAAAAAAAAAAAAAAAAAAAAAAAAAAAAAn9/fwCAgIADzMzMAMDA/wB/f38AAAAAAAAAAAAAAAAAAAAAAAAAAAAhAAAAGAAAABQAAABwCAAApgIAANAvAACwIgAAEAAAACYAAAAIAAAAAQAAAAAAAAA="/>
+                <pr:smNativeData xmlns:pr="smNativeData" val="SMDATA_13_of3fZRMAAAAlAAAAZAAAAA8BAAAAkAAAAEgAAACQAAAASAAAAAAAAAAAAAAAAAAAAAEAAABQAAAAAAAAAAAA4D8AAAAAAADgPwAAAAAAAOA/AAAAAAAA4D8AAAAAAADgPwAAAAAAAOA/AAAAAAAA4D8AAAAAAADgPwAAAAAAAOA/AAAAAAAA4D8CAAAAjAAAAAAAAAAAAAAAu+DjDP///wgAAAAAAAAAAAAAAAAAAAAAAAAAAAAAAAAAAAAAZAAAAAEAAABAAAAAAAAAAAAAAAAAAAAAAAAAAAAAAAAAAAAAAAAAAAAAAAAAAAAAAAAAAAAAAAAAAAAAAAAAAAAAAAAAAAAAAAAAAAAAAAAAAAAAAAAAAAAAAAAAAAAAFAAAADwAAAAAAAAAAAAAAAAAAAkUAAAAAQAAABQAAAAUAAAAFAAAAAEAAAAAAAAAZAAAAGQAAAAAAAAAZAAAAGQAAAAVAAAAYAAAAAAAAAAAAAAADwAAACADAAAAAAAAAAAAAAEAAACgMgAAVgcAAKr4//8BAAAAf39/AAEAAABkAAAAAAAAABQAAABAHwAAAAAAACYAAAAAAAAAwOD//wAAAAAmAAAAZAAAABYAAABMAAAAAAAAAAAAAAAEAAAAAAAAAAEAAACAgIAKAAAAACgAAAAoAAAAZAAAAGQAAAAAAAAAzMzMAAAAAABQAAAAUAAAAGQAAABkAAAAAAAAABcAAAAUAAAAAAAAAAAAAAD/fwAA/38AAAAAAAAJAAAABAAAAAAAAAAMAAAAEAAAAAAAAAAAAAAAAAAAAAAAAAAeAAAAaAAAAAAAAAAAAAAAAAAAAAAAAAAAAAAAECcAABAnAAAAAAAAAAAAAAAAAAAAAAAAAAAAAAAAAAAAAAAAAAAAABQAAAAAAAAAwMD/AAAAAABkAAAAMgAAAAAAAABkAAAAAAAAAH9/fwAKAAAAHwAAAFQAAAC74OMF////AQAAAAAAAAAAAAAAAAAAAAAAAAAAAAAAAAAAAAAAAAAAAAAAAn9/fwCAgIADzMzMAMDA/wB/f38AAAAAAAAAAAAAAAAAAAAAAAAAAAAhAAAAGAAAABQAAABwCAAApgIAANAvAACwIgAAAAAAACYAAAAIAAAAAQAAAAAAAAA="/>
               </a:ext>
             </a:extLst>
           </p:cNvSpPr>
@@ -6984,7 +6984,7 @@
               <a:buChar char=""/>
             </a:pPr>
             <a:r>
-              <a:t>The country’s official language is English</a:t>
+              <a:t>The country’s official language is English.</a:t>
             </a:r>
           </a:p>
           <a:p>
@@ -7005,7 +7005,7 @@
               <a:buChar char=""/>
             </a:pPr>
             <a:r>
-              <a:t>They are the official representatives of our client</a:t>
+              <a:t>They are the official representatives of our client.</a:t>
             </a:r>
           </a:p>
           <a:p>
@@ -7020,7 +7020,7 @@
               <a:buChar char=""/>
             </a:pPr>
             <a:r>
-              <a:t>The official judges will determine your overall score</a:t>
+              <a:t>The official judges will determine your overall score.</a:t>
             </a:r>
           </a:p>
         </p:txBody>
@@ -7358,7 +7358,7 @@
     </p:bldLst>
     <p:extLst>
       <p:ext uri="smNativeData">
-        <pr:smNativeData xmlns:pr="smNativeData" val="lv/SZQYAAAAFAAAAAAAAAAEAAAABAAAAAAAAAAAAAAAAAAAAAAAAAAkAAAABAAAAAQAAAAEAAAAAAAAAAAAAAAAAAAAAAAAADQAAAAIAAAABAAAAAQAAAAAAAAAAAAAAAAAAAAAAAAARAAAAAwAAAAEAAAABAAAAAAAAAAAAAAAAAAAAAAAAABUAAAAEAAAAAQAAAAEAAAAAAAAAAAAAAAAAAAAAAAAAGQAAAAUAAAABAAAAAQAAAAAAAAAAAAAAAAAAAAAAAAA="/>
+        <pr:smNativeData xmlns:pr="smNativeData" val="of3fZQYAAAAFAAAAAAAAAAEAAAABAAAAAAAAAAAAAAAAAAAAAAAAAAkAAAABAAAAAQAAAAEAAAAAAAAAAAAAAAAAAAAAAAAADQAAAAIAAAABAAAAAQAAAAAAAAAAAAAAAAAAAAAAAAARAAAAAwAAAAEAAAABAAAAAAAAAAAAAAAAAAAAAAAAABUAAAAEAAAAAQAAAAEAAAAAAAAAAAAAAAAAAAAAAAAAGQAAAAUAAAABAAAAAQAAAAAAAAAAAAAAAAAAAAAAAAA="/>
       </p:ext>
     </p:extLst>
   </p:timing>
@@ -7389,7 +7389,7 @@
             <a:spLocks noGrp="1" noChangeArrowheads="1"/>
             <a:extLst>
               <a:ext uri="smNativeData">
-                <pr:smNativeData xmlns:pr="smNativeData" val="SMDATA_13_lv/SZRMAAAAlAAAAZAAAAA8BAAAAkAAAAEgAAACQAAAASAAAAAAAAAAAAAAAAAAAAAEAAABQAAAAAAAAAAAA4D8AAAAAAADgPwAAAAAAAOA/AAAAAAAA4D8AAAAAAADgPwAAAAAAAOA/AAAAAAAA4D8AAAAAAADgPwAAAAAAAOA/AAAAAAAA4D8CAAAAjAAAAAAAAAAAAAAAu+DjDP///wgAAAAAAAAAAAAAAAAAAAAAAAAAAAAAAAAAAAAAZAAAAAEAAABAAAAAAAAAAAAAAAAAAAAAAAAAAAAAAAAAAAAAAAAAAAAAAAAAAAAAAAAAAAAAAAAAAAAAAAAAAAAAAAAAAAAAAAAAAAAAAAAAAAAAAAAAAAAAAAAAAAAAFAAAADwAAAAAAAAAAAAAAAAAAAkUAAAAAQAAABQAAAAUAAAAFAAAAAEAAAAAAAAAZAAAAGQAAAAAAAAAZAAAAGQAAAAVAAAAYAAAAAAAAAAAAAAADwAAACADAAAAAAAAAAAAAAEAAACgMgAAVgcAAKr4//8BAAAAf39/AAEAAABkAAAAAAAAABQAAABAHwAAAAAAACYAAAAAAAAAwOD//wAAAAAmAAAAZAAAABYAAABMAAAAAAAAAAAAAAAEAAAAAAAAAAEAAACAgIAKAAAAACgAAAAoAAAAZAAAAGQAAAAAAAAAzMzMAAAAAABQAAAAUAAAAGQAAABkAAAAAAAAABcAAAAUAAAAAAAAAAAAAAD/fwAA/38AAAAAAAAJAAAABAAAAAAAAAAMAAAAEAAAAAAAAAAAAAAAAAAAAAAAAAAeAAAAaAAAAAAAAAAAAAAAAAAAAAAAAAAAAAAAECcAABAnAAAAAAAAAAAAAAAAAAAAAAAAAAAAAAAAAAAAAAAAAAAAABQAAAAAAAAAwMD/AAAAAABkAAAAMgAAAAAAAABkAAAAAAAAAH9/fwAKAAAAHwAAAFQAAAC74OMF////AQAAAAAAAAAAAAAAAAAAAAAAAAAAAAAAAAAAAAAAAAAAAAAAAn9/fwCAgIADzMzMAMDA/wB/f38AAAAAAAAAAAAAAAAAAAAAAAAAAAAhAAAAGAAAABQAAABjCAAA+QMAAMMvAACeIgAAAAAAACYAAAAIAAAAAQAAAAAAAAA="/>
+                <pr:smNativeData xmlns:pr="smNativeData" val="SMDATA_13_of3fZRMAAAAlAAAAZAAAAA8BAAAAkAAAAEgAAACQAAAASAAAAAAAAAAAAAAAAAAAAAEAAABQAAAAAAAAAAAA4D8AAAAAAADgPwAAAAAAAOA/AAAAAAAA4D8AAAAAAADgPwAAAAAAAOA/AAAAAAAA4D8AAAAAAADgPwAAAAAAAOA/AAAAAAAA4D8CAAAAjAAAAAAAAAAAAAAAu+DjDP///wgAAAAAAAAAAAAAAAAAAAAAAAAAAAAAAAAAAAAAZAAAAAEAAABAAAAAAAAAAAAAAAAAAAAAAAAAAAAAAAAAAAAAAAAAAAAAAAAAAAAAAAAAAAAAAAAAAAAAAAAAAAAAAAAAAAAAAAAAAAAAAAAAAAAAAAAAAAAAAAAAAAAAFAAAADwAAAAAAAAAAAAAAAAAAAkUAAAAAQAAABQAAAAUAAAAFAAAAAEAAAAAAAAAZAAAAGQAAAAAAAAAZAAAAGQAAAAVAAAAYAAAAAAAAAAAAAAADwAAACADAAAAAAAAAAAAAAEAAACgMgAAVgcAAKr4//8BAAAAf39/AAEAAABkAAAAAAAAABQAAABAHwAAAAAAACYAAAAAAAAAwOD//wAAAAAmAAAAZAAAABYAAABMAAAAAAAAAAAAAAAEAAAAAAAAAAEAAACAgIAKAAAAACgAAAAoAAAAZAAAAGQAAAAAAAAAzMzMAAAAAABQAAAAUAAAAGQAAABkAAAAAAAAABcAAAAUAAAAAAAAAAAAAAD/fwAA/38AAAAAAAAJAAAABAAAAAAAAAAMAAAAEAAAAAAAAAAAAAAAAAAAAAAAAAAeAAAAaAAAAAAAAAAAAAAAAAAAAAAAAAAAAAAAECcAABAnAAAAAAAAAAAAAAAAAAAAAAAAAAAAAAAAAAAAAAAAAAAAABQAAAAAAAAAwMD/AAAAAABkAAAAMgAAAAAAAABkAAAAAAAAAH9/fwAKAAAAHwAAAFQAAAC74OMF////AQAAAAAAAAAAAAAAAAAAAAAAAAAAAAAAAAAAAAAAAAAAAAAAAn9/fwCAgIADzMzMAMDA/wB/f38AAAAAAAAAAAAAAAAAAAAAAAAAAAAhAAAAGAAAABQAAABjCAAA+QMAAMMvAACeIgAAEAAAACYAAAAIAAAAAQAAAAAAAAA="/>
               </a:ext>
             </a:extLst>
           </p:cNvSpPr>
@@ -7899,7 +7899,7 @@
     </p:bldLst>
     <p:extLst>
       <p:ext uri="smNativeData">
-        <pr:smNativeData xmlns:pr="smNativeData" val="lv/SZQgAAAAFAAAAAAAAAAEAAAABAAAAAAAAAAAAAAAAAAAAAAAAAAkAAAABAAAAAQAAAAEAAAAAAAAAAAAAAAAAAAAAAAAADQAAAAIAAAABAAAAAQAAAAAAAAAAAAAAAAAAAAAAAAARAAAAAwAAAAEAAAABAAAAAAAAAAAAAAAAAAAAAAAAABUAAAAEAAAAAQAAAAEAAAAAAAAAAAAAAAAAAAAAAAAAGQAAAAUAAAABAAAAAQAAAAAAAAAAAAAAAAAAAAAAAAAdAAAABgAAAAEAAAABAAAAAAAAAAAAAAAAAAAAAAAAACEAAAAHAAAAAQAAAAEAAAAAAAAAAAAAAAAAAAAAAAAA"/>
+        <pr:smNativeData xmlns:pr="smNativeData" val="of3fZQgAAAAFAAAAAAAAAAEAAAABAAAAAAAAAAAAAAAAAAAAAAAAAAkAAAABAAAAAQAAAAEAAAAAAAAAAAAAAAAAAAAAAAAADQAAAAIAAAABAAAAAQAAAAAAAAAAAAAAAAAAAAAAAAARAAAAAwAAAAEAAAABAAAAAAAAAAAAAAAAAAAAAAAAABUAAAAEAAAAAQAAAAEAAAAAAAAAAAAAAAAAAAAAAAAAGQAAAAUAAAABAAAAAQAAAAAAAAAAAAAAAAAAAAAAAAAdAAAABgAAAAEAAAABAAAAAAAAAAAAAAAAAAAAAAAAACEAAAAHAAAAAQAAAAEAAAAAAAAAAAAAAAAAAAAAAAAA"/>
       </p:ext>
     </p:extLst>
   </p:timing>
@@ -7930,7 +7930,7 @@
             <a:spLocks noGrp="1" noChangeArrowheads="1"/>
             <a:extLst>
               <a:ext uri="smNativeData">
-                <pr:smNativeData xmlns:pr="smNativeData" val="SMDATA_13_lv/SZRMAAAAlAAAAZAAAAA8BAAAAkAAAAEgAAACQAAAASAAAAAAAAAABAAAAAAAAAAEAAABQAAAAAAAAAAAA4D8AAAAAAADgPwAAAAAAAOA/AAAAAAAA4D8AAAAAAADgPwAAAAAAAOA/AAAAAAAA4D8AAAAAAADgPwAAAAAAAOA/AAAAAAAA4D8CAAAAjAAAAAAAAAAAAAAAu+DjDP///wgAAAAAAAAAAAAAAAAAAAAAAAAAAAAAAAAAAAAAZAAAAAEAAABAAAAAAAAAAAAAAAAAAAAAAAAAAAAAAAAAAAAAAAAAAAAAAAAAAAAAAAAAAAAAAAAAAAAAAAAAAAAAAAAAAAAAAAAAAAAAAAAAAAAAAAAAAAAAAAAAAAAAFAAAADwAAAAAAAAAAAAAAAAAAAkUAAAAAQAAABQAAAAUAAAAFAAAAAEAAAAAAAAAZAAAAGQAAAAAAAAAZAAAAGQAAAAVAAAAYAAAAAAAAAAAAAAADwAAACADAAAAAAAAAAAAAAEAAACgMgAAVgcAAKr4//8BAAAAf39/AAEAAABkAAAAAAAAABQAAABAHwAAAAAAACYAAAAAAAAAwOD//wAAAAAmAAAAZAAAABYAAABMAAAAAAAAAAAAAAAEAAAAAAAAAAEAAACAgIAKAAAAACgAAAAoAAAAZAAAAGQAAAAAAAAAzMzMAAAAAABQAAAAUAAAAGQAAABkAAAAAAAAABcAAAAUAAAAAAAAAAAAAAD/fwAA/38AAAAAAAAJAAAABAAAAAAAAAAMAAAAEAAAAAAAAAAAAAAAAAAAAAAAAAAeAAAAaAAAAAAAAAAAAAAAAAAAAAAAAAAAAAAAECcAABAnAAAAAAAAAAAAAAAAAAAAAAAAAAAAAAAAAAAAAAAAAAAAABQAAAAAAAAAwMD/AAAAAABkAAAAMgAAAAAAAABkAAAAAAAAAH9/fwAKAAAAHwAAAFQAAAC74OMF////AQAAAAAAAAAAAAAAAAAAAAAAAAAAAAAAAAAAAAAAAAAAAAAAAn9/fwCAgIADzMzMAMDA/wB/f38AAAAAAAAAAAAAAAAAAAAAAAAAAAAhAAAAGAAAABQAAADVAwAA2wQAAKUzAADnDQAAEAAAACYAAAAIAAAAAQAAAAAAAAA="/>
+                <pr:smNativeData xmlns:pr="smNativeData" val="SMDATA_13_of3fZRMAAAAlAAAAZAAAAA8BAAAAkAAAAEgAAACQAAAASAAAAAAAAAABAAAAAAAAAAEAAABQAAAAAAAAAAAA4D8AAAAAAADgPwAAAAAAAOA/AAAAAAAA4D8AAAAAAADgPwAAAAAAAOA/AAAAAAAA4D8AAAAAAADgPwAAAAAAAOA/AAAAAAAA4D8CAAAAjAAAAAAAAAAAAAAAu+DjDP///wgAAAAAAAAAAAAAAAAAAAAAAAAAAAAAAAAAAAAAZAAAAAEAAABAAAAAAAAAAAAAAAAAAAAAAAAAAAAAAAAAAAAAAAAAAAAAAAAAAAAAAAAAAAAAAAAAAAAAAAAAAAAAAAAAAAAAAAAAAAAAAAAAAAAAAAAAAAAAAAAAAAAAFAAAADwAAAAAAAAAAAAAAAAAAAkUAAAAAQAAABQAAAAUAAAAFAAAAAEAAAAAAAAAZAAAAGQAAAAAAAAAZAAAAGQAAAAVAAAAYAAAAAAAAAAAAAAADwAAACADAAAAAAAAAAAAAAEAAACgMgAAVgcAAKr4//8BAAAAf39/AAEAAABkAAAAAAAAABQAAABAHwAAAAAAACYAAAAAAAAAwOD//wAAAAAmAAAAZAAAABYAAABMAAAAAAAAAAAAAAAEAAAAAAAAAAEAAACAgIAKAAAAACgAAAAoAAAAZAAAAGQAAAAAAAAAzMzMAAAAAABQAAAAUAAAAGQAAABkAAAAAAAAABcAAAAUAAAAAAAAAAAAAAD/fwAA/38AAAAAAAAJAAAABAAAAAAAAAAMAAAAEAAAAAAAAAAAAAAAAAAAAAAAAAAeAAAAaAAAAAAAAAAAAAAAAAAAAAAAAAAAAAAAECcAABAnAAAAAAAAAAAAAAAAAAAAAAAAAAAAAAAAAAAAAAAAAAAAABQAAAAAAAAAwMD/AAAAAABkAAAAMgAAAAAAAABkAAAAAAAAAH9/fwAKAAAAHwAAAFQAAAC74OMF////AQAAAAAAAAAAAAAAAAAAAAAAAAAAAAAAAAAAAAAAAAAAAAAAAn9/fwCAgIADzMzMAMDA/wB/f38AAAAAAAAAAAAAAAAAAAAAAAAAAAAhAAAAGAAAABQAAADVAwAA2wQAAKUzAADnDQAAEAAAACYAAAAIAAAAAQAAAAAAAAA="/>
               </a:ext>
             </a:extLst>
           </p:cNvSpPr>
@@ -7968,7 +7968,7 @@
             <a:spLocks noGrp="1" noChangeArrowheads="1"/>
             <a:extLst>
               <a:ext uri="smNativeData">
-                <pr:smNativeData xmlns:pr="smNativeData" val="SMDATA_13_lv/SZRMAAAAlAAAAZAAAAA8BAAAAkAAAAEgAAACQAAAASAAAAAAAAAAAAAAAAAAAAAEAAABQAAAAAAAAAAAA4D8AAAAAAADgPwAAAAAAAOA/AAAAAAAA4D8AAAAAAADgPwAAAAAAAOA/AAAAAAAA4D8AAAAAAADgPwAAAAAAAOA/AAAAAAAA4D8CAAAAjAAAAAAAAAAAAAAAu+DjDP///wgAAAAAAAAAAAAAAAAAAAAAAAAAAAAAAAAAAAAAZAAAAAEAAABAAAAAAAAAAAAAAAAAAAAAAAAAAAAAAAAAAAAAAAAAAAAAAAAAAAAAAAAAAAAAAAAAAAAAAAAAAAAAAAAAAAAAAAAAAAAAAAAAAAAAAAAAAAAAAAAAAAAAFAAAADwAAAAAAAAAAAAAAAAAAAkUAAAAAQAAABQAAAAUAAAAFAAAAAEAAAAAAAAAZAAAAGQAAAAAAAAAZAAAAGQAAAAVAAAAYAAAAAAAAAAAAAAADwAAACADAAAAAAAAAAAAAAEAAACgMgAAVgcAAKr4//8BAAAAf39/AAEAAABkAAAAAAAAABQAAABAHwAAAAAAACYAAAAAAAAAwOD//wAAAAAmAAAAZAAAABYAAABMAAAAAAAAAAAAAAAEAAAAAAAAAAEAAACAgIAKAAAAACgAAAAoAAAAZAAAAGQAAAAAAAAAzMzMAAAAAABQAAAAUAAAAGQAAABkAAAAAAAAABcAAAAUAAAAAAAAAAAAAAD/fwAA/38AAAAAAAAJAAAABAAAAAAAAAAMAAAAEAAAAAAAAAAAAAAAAAAAAAAAAAAeAAAAaAAAAAAAAAAAAAAAAAAAAAAAAAAAAAAAECcAABAnAAAAAAAAAAAAAAAAAAAAAAAAAAAAAAAAAAAAAAAAAAAAABQAAAAAAAAAwMD/AAAAAABkAAAAMgAAAAAAAABkAAAAAAAAAH9/fwAKAAAAHwAAAFQAAAC74OMF////AQAAAAAAAAAAAAAAAAAAAAAAAAAAAAAAAAAAAAAAAAAAAAAAAn9/fwCAgIADzMzMAMDA/wB/f38AAAAAAAAAAAAAAAAAAAAAAAAAAAAhAAAAGAAAABQAAABwCAAAAg8AANAvAACwIgAAEAAAACYAAAAIAAAAAQAAAAAAAAA="/>
+                <pr:smNativeData xmlns:pr="smNativeData" val="SMDATA_13_of3fZRMAAAAlAAAAZAAAAA8BAAAAkAAAAEgAAACQAAAASAAAAAAAAAAAAAAAAAAAAAEAAABQAAAAAAAAAAAA4D8AAAAAAADgPwAAAAAAAOA/AAAAAAAA4D8AAAAAAADgPwAAAAAAAOA/AAAAAAAA4D8AAAAAAADgPwAAAAAAAOA/AAAAAAAA4D8CAAAAjAAAAAAAAAAAAAAAu+DjDP///wgAAAAAAAAAAAAAAAAAAAAAAAAAAAAAAAAAAAAAZAAAAAEAAABAAAAAAAAAAAAAAAAAAAAAAAAAAAAAAAAAAAAAAAAAAAAAAAAAAAAAAAAAAAAAAAAAAAAAAAAAAAAAAAAAAAAAAAAAAAAAAAAAAAAAAAAAAAAAAAAAAAAAFAAAADwAAAAAAAAAAAAAAAAAAAkUAAAAAQAAABQAAAAUAAAAFAAAAAEAAAAAAAAAZAAAAGQAAAAAAAAAZAAAAGQAAAAVAAAAYAAAAAAAAAAAAAAADwAAACADAAAAAAAAAAAAAAEAAACgMgAAVgcAAKr4//8BAAAAf39/AAEAAABkAAAAAAAAABQAAABAHwAAAAAAACYAAAAAAAAAwOD//wAAAAAmAAAAZAAAABYAAABMAAAAAAAAAAAAAAAEAAAAAAAAAAEAAACAgIAKAAAAACgAAAAoAAAAZAAAAGQAAAAAAAAAzMzMAAAAAABQAAAAUAAAAGQAAABkAAAAAAAAABcAAAAUAAAAAAAAAAAAAAD/fwAA/38AAAAAAAAJAAAABAAAAAAAAAAMAAAAEAAAAAAAAAAAAAAAAAAAAAAAAAAeAAAAaAAAAAAAAAAAAAAAAAAAAAAAAAAAAAAAECcAABAnAAAAAAAAAAAAAAAAAAAAAAAAAAAAAAAAAAAAAAAAAAAAABQAAAAAAAAAwMD/AAAAAABkAAAAMgAAAAAAAABkAAAAAAAAAH9/fwAKAAAAHwAAAFQAAAC74OMF////AQAAAAAAAAAAAAAAAAAAAAAAAAAAAAAAAAAAAAAAAAAAAAAAAn9/fwCAgIADzMzMAMDA/wB/f38AAAAAAAAAAAAAAAAAAAAAAAAAAAAhAAAAGAAAABQAAABwCAAAAg8AANAvAACwIgAAEAAAACYAAAAIAAAAAQAAAAAAAAA="/>
               </a:ext>
             </a:extLst>
           </p:cNvSpPr>
@@ -8064,7 +8064,7 @@
             <a:spLocks noGrp="1" noChangeArrowheads="1"/>
             <a:extLst>
               <a:ext uri="smNativeData">
-                <pr:smNativeData xmlns:pr="smNativeData" val="SMDATA_13_lv/SZRMAAAAlAAAAZAAAAA8BAAAAkAAAAEgAAACQAAAASAAAAAAAAAAAAAAAAAAAAAEAAABQAAAAAAAAAAAA4D8AAAAAAADgPwAAAAAAAOA/AAAAAAAA4D8AAAAAAADgPwAAAAAAAOA/AAAAAAAA4D8AAAAAAADgPwAAAAAAAOA/AAAAAAAA4D8CAAAAjAAAAAAAAAAAAAAAu+DjDP///wgAAAAAAAAAAAAAAAAAAAAAAAAAAAAAAAAAAAAAZAAAAAEAAABAAAAAAAAAAAAAAAAAAAAAAAAAAAAAAAAAAAAAAAAAAAAAAAAAAAAAAAAAAAAAAAAAAAAAAAAAAAAAAAAAAAAAAAAAAAAAAAAAAAAAAAAAAAAAAAAAAAAAFAAAADwAAAAAAAAAAAAAAAAAAAkUAAAAAQAAABQAAAAUAAAAFAAAAAEAAAAAAAAAZAAAAGQAAAAAAAAAZAAAAGQAAAAVAAAAYAAAAAAAAAAAAAAADwAAACADAAAAAAAAAAAAAAEAAACgMgAAVgcAAKr4//8BAAAAf39/AAEAAABkAAAAAAAAABQAAABAHwAAAAAAACYAAAAAAAAAwOD//wAAAAAmAAAAZAAAABYAAABMAAAAAAAAAAAAAAAEAAAAAAAAAAEAAACAgIAKAAAAACgAAAAoAAAAZAAAAGQAAAAAAAAAzMzMAAAAAABQAAAAUAAAAGQAAABkAAAAAAAAABcAAAAUAAAAAAAAAAAAAAD/fwAA/38AAAAAAAAJAAAABAAAAAAAAAAMAAAAEAAAAAAAAAAAAAAAAAAAAAAAAAAeAAAAaAAAAAAAAAAAAAAAAAAAAAAAAAAAAAAAECcAABAnAAAAAAAAAAAAAAAAAAAAAAAAAAAAAAAAAAAAAAAAAAAAABQAAAAAAAAAwMD/AAAAAABkAAAAMgAAAAAAAABkAAAAAAAAAH9/fwAKAAAAHwAAAFQAAAC74OMF////AQAAAAAAAAAAAAAAAAAAAAAAAAAAAAAAAAAAAAAAAAAAAAAAAn9/fwCAgIADzMzMAMDA/wB/f38AAAAAAAAAAAAAAAAAAAAAAAAAAAAhAAAAGAAAABQAAABwCAAANQIAANAvAACwIgAAEAAAACYAAAAIAAAAAQAAAAAAAAA="/>
+                <pr:smNativeData xmlns:pr="smNativeData" val="SMDATA_13_of3fZRMAAAAlAAAAZAAAAA8BAAAAkAAAAEgAAACQAAAASAAAAAAAAAAAAAAAAAAAAAEAAABQAAAAAAAAAAAA4D8AAAAAAADgPwAAAAAAAOA/AAAAAAAA4D8AAAAAAADgPwAAAAAAAOA/AAAAAAAA4D8AAAAAAADgPwAAAAAAAOA/AAAAAAAA4D8CAAAAjAAAAAAAAAAAAAAAu+DjDP///wgAAAAAAAAAAAAAAAAAAAAAAAAAAAAAAAAAAAAAZAAAAAEAAABAAAAAAAAAAAAAAAAAAAAAAAAAAAAAAAAAAAAAAAAAAAAAAAAAAAAAAAAAAAAAAAAAAAAAAAAAAAAAAAAAAAAAAAAAAAAAAAAAAAAAAAAAAAAAAAAAAAAAFAAAADwAAAAAAAAAAAAAAAAAAAkUAAAAAQAAABQAAAAUAAAAFAAAAAEAAAAAAAAAZAAAAGQAAAAAAAAAZAAAAGQAAAAVAAAAYAAAAAAAAAAAAAAADwAAACADAAAAAAAAAAAAAAEAAACgMgAAVgcAAKr4//8BAAAAf39/AAEAAABkAAAAAAAAABQAAABAHwAAAAAAACYAAAAAAAAAwOD//wAAAAAmAAAAZAAAABYAAABMAAAAAAAAAAAAAAAEAAAAAAAAAAEAAACAgIAKAAAAACgAAAAoAAAAZAAAAGQAAAAAAAAAzMzMAAAAAABQAAAAUAAAAGQAAABkAAAAAAAAABcAAAAUAAAAAAAAAAAAAAD/fwAA/38AAAAAAAAJAAAABAAAAAAAAAAMAAAAEAAAAAAAAAAAAAAAAAAAAAAAAAAeAAAAaAAAAAAAAAAAAAAAAAAAAAAAAAAAAAAAECcAABAnAAAAAAAAAAAAAAAAAAAAAAAAAAAAAAAAAAAAAAAAAAAAABQAAAAAAAAAwMD/AAAAAABkAAAAMgAAAAAAAABkAAAAAAAAAH9/fwAKAAAAHwAAAFQAAAC74OMF////AQAAAAAAAAAAAAAAAAAAAAAAAAAAAAAAAAAAAAAAAAAAAAAAAn9/fwCAgIADzMzMAMDA/wB/f38AAAAAAAAAAAAAAAAAAAAAAAAAAAAhAAAAGAAAABQAAABwCAAANQIAANAvAACwIgAAAAAAACYAAAAIAAAAAQAAAAAAAAA="/>
               </a:ext>
             </a:extLst>
           </p:cNvSpPr>
@@ -8087,7 +8087,7 @@
               <a:buChar char=""/>
             </a:pPr>
             <a:r>
-              <a:t>My plants are growing slowly</a:t>
+              <a:t>My plants are growing slowly.</a:t>
             </a:r>
           </a:p>
           <a:p>
@@ -8102,7 +8102,7 @@
               <a:buChar char=""/>
             </a:pPr>
             <a:r>
-              <a:t>Our company is growing at a rapid rate</a:t>
+              <a:t>Our company is growing at a rapid rate.</a:t>
             </a:r>
           </a:p>
           <a:p>
@@ -8117,7 +8117,7 @@
               <a:buChar char=""/>
             </a:pPr>
             <a:r>
-              <a:t>Our finances are a growing concern</a:t>
+              <a:t>Our finances are a growing concern.</a:t>
             </a:r>
           </a:p>
           <a:p>
@@ -8132,7 +8132,7 @@
               <a:buChar char=""/>
             </a:pPr>
             <a:r>
-              <a:t>Our sales department is growing</a:t>
+              <a:t>Our sales department is growing.</a:t>
             </a:r>
           </a:p>
         </p:txBody>
@@ -8519,7 +8519,7 @@
     </p:bldLst>
     <p:extLst>
       <p:ext uri="smNativeData">
-        <pr:smNativeData xmlns:pr="smNativeData" val="lv/SZQcAAAAFAAAAAAAAAAEAAAABAAAAAAAAAAAAAAAAAAAAAAAAAAkAAAABAAAAAQAAAAEAAAAAAAAAAAAAAAAAAAAAAAAADQAAAAIAAAABAAAAAQAAAAAAAAAAAAAAAAAAAAAAAAARAAAAAwAAAAEAAAABAAAAAAAAAAAAAAAAAAAAAAAAABUAAAAEAAAAAQAAAAEAAAAAAAAAAAAAAAAAAAAAAAAAGQAAAAUAAAABAAAAAQAAAAAAAAAAAAAAAAAAAAAAAAAdAAAABgAAAAEAAAABAAAAAAAAAAAAAAAAAAAAAAAAAA=="/>
+        <pr:smNativeData xmlns:pr="smNativeData" val="of3fZQcAAAAFAAAAAAAAAAEAAAABAAAAAAAAAAAAAAAAAAAAAAAAAAkAAAABAAAAAQAAAAEAAAAAAAAAAAAAAAAAAAAAAAAADQAAAAIAAAABAAAAAQAAAAAAAAAAAAAAAAAAAAAAAAARAAAAAwAAAAEAAAABAAAAAAAAAAAAAAAAAAAAAAAAABUAAAAEAAAAAQAAAAEAAAAAAAAAAAAAAAAAAAAAAAAAGQAAAAUAAAABAAAAAQAAAAAAAAAAAAAAAAAAAAAAAAAdAAAABgAAAAEAAAABAAAAAAAAAAAAAAAAAAAAAAAAAA=="/>
       </p:ext>
     </p:extLst>
   </p:timing>
@@ -8550,7 +8550,7 @@
             <a:spLocks noGrp="1" noChangeArrowheads="1"/>
             <a:extLst>
               <a:ext uri="smNativeData">
-                <pr:smNativeData xmlns:pr="smNativeData" val="SMDATA_13_lv/SZRMAAAAlAAAAZAAAAA8BAAAAkAAAAEgAAACQAAAASAAAAAAAAAABAAAAAAAAAAEAAABQAAAAAAAAAAAA4D8AAAAAAADgPwAAAAAAAOA/AAAAAAAA4D8AAAAAAADgPwAAAAAAAOA/AAAAAAAA4D8AAAAAAADgPwAAAAAAAOA/AAAAAAAA4D8CAAAAjAAAAAAAAAAAAAAAu+DjDP///wgAAAAAAAAAAAAAAAAAAAAAAAAAAAAAAAAAAAAAZAAAAAEAAABAAAAAAAAAAAAAAAAAAAAAAAAAAAAAAAAAAAAAAAAAAAAAAAAAAAAAAAAAAAAAAAAAAAAAAAAAAAAAAAAAAAAAAAAAAAAAAAAAAAAAAAAAAAAAAAAAAAAAFAAAADwAAAAAAAAAAAAAAAAAAAkUAAAAAQAAABQAAAAUAAAAFAAAAAEAAAAAAAAAZAAAAGQAAAAAAAAAZAAAAGQAAAAVAAAAYAAAAAAAAAAAAAAADwAAACADAAAAAAAAAAAAAAEAAACgMgAAVgcAAKr4//8BAAAAf39/AAEAAABkAAAAAAAAABQAAABAHwAAAAAAACYAAAAAAAAAwOD//wAAAAAmAAAAZAAAABYAAABMAAAAAAAAAAAAAAAEAAAAAAAAAAEAAACAgIAKAAAAACgAAAAoAAAAZAAAAGQAAAAAAAAAzMzMAAAAAABQAAAAUAAAAGQAAABkAAAAAAAAABcAAAAUAAAAAAAAAAAAAAD/fwAA/38AAAAAAAAJAAAABAAAAAAAAAAMAAAAEAAAAAAAAAAAAAAAAAAAAAAAAAAeAAAAaAAAAAAAAAAAAAAAAAAAAAAAAAAAAAAAECcAABAnAAAAAAAAAAAAAAAAAAAAAAAAAAAAAAAAAAAAAAAAAAAAABQAAAAAAAAAwMD/AAAAAABkAAAAMgAAAAAAAABkAAAAAAAAAH9/fwAKAAAAHwAAAFQAAAC74OMF////AQAAAAAAAAAAAAAAAAAAAAAAAAAAAAAAAAAAAAAAAAAAAAAAAn9/fwCAgIADzMzMAMDA/wB/f38AAAAAAAAAAAAAAAAAAAAAAAAAAAAhAAAAGAAAABQAAAD5AwAApgIAAMkzAACyCwAAEAAAACYAAAAIAAAAAQAAAAAAAAA="/>
+                <pr:smNativeData xmlns:pr="smNativeData" val="SMDATA_13_of3fZRMAAAAlAAAAZAAAAA8BAAAAkAAAAEgAAACQAAAASAAAAAAAAAABAAAAAAAAAAEAAABQAAAAAAAAAAAA4D8AAAAAAADgPwAAAAAAAOA/AAAAAAAA4D8AAAAAAADgPwAAAAAAAOA/AAAAAAAA4D8AAAAAAADgPwAAAAAAAOA/AAAAAAAA4D8CAAAAjAAAAAAAAAAAAAAAu+DjDP///wgAAAAAAAAAAAAAAAAAAAAAAAAAAAAAAAAAAAAAZAAAAAEAAABAAAAAAAAAAAAAAAAAAAAAAAAAAAAAAAAAAAAAAAAAAAAAAAAAAAAAAAAAAAAAAAAAAAAAAAAAAAAAAAAAAAAAAAAAAAAAAAAAAAAAAAAAAAAAAAAAAAAAFAAAADwAAAAAAAAAAAAAAAAAAAkUAAAAAQAAABQAAAAUAAAAFAAAAAEAAAAAAAAAZAAAAGQAAAAAAAAAZAAAAGQAAAAVAAAAYAAAAAAAAAAAAAAADwAAACADAAAAAAAAAAAAAAEAAACgMgAAVgcAAKr4//8BAAAAf39/AAEAAABkAAAAAAAAABQAAABAHwAAAAAAACYAAAAAAAAAwOD//wAAAAAmAAAAZAAAABYAAABMAAAAAAAAAAAAAAAEAAAAAAAAAAEAAACAgIAKAAAAACgAAAAoAAAAZAAAAGQAAAAAAAAAzMzMAAAAAABQAAAAUAAAAGQAAABkAAAAAAAAABcAAAAUAAAAAAAAAAAAAAD/fwAA/38AAAAAAAAJAAAABAAAAAAAAAAMAAAAEAAAAAAAAAAAAAAAAAAAAAAAAAAeAAAAaAAAAAAAAAAAAAAAAAAAAAAAAAAAAAAAECcAABAnAAAAAAAAAAAAAAAAAAAAAAAAAAAAAAAAAAAAAAAAAAAAABQAAAAAAAAAwMD/AAAAAABkAAAAMgAAAAAAAABkAAAAAAAAAH9/fwAKAAAAHwAAAFQAAAC74OMF////AQAAAAAAAAAAAAAAAAAAAAAAAAAAAAAAAAAAAAAAAAAAAAAAAn9/fwCAgIADzMzMAMDA/wB/f38AAAAAAAAAAAAAAAAAAAAAAAAAAAAhAAAAGAAAABQAAAD5AwAApgIAAMkzAACyCwAAEAAAACYAAAAIAAAAAQAAAAAAAAA="/>
               </a:ext>
             </a:extLst>
           </p:cNvSpPr>
@@ -8588,7 +8588,7 @@
             <a:spLocks noGrp="1" noChangeArrowheads="1"/>
             <a:extLst>
               <a:ext uri="smNativeData">
-                <pr:smNativeData xmlns:pr="smNativeData" val="SMDATA_13_lv/SZRMAAAAlAAAAZAAAAA8BAAAAkAAAAEgAAACQAAAASAAAAAAAAAAAAAAAAAAAAAEAAABQAAAAAAAAAAAA4D8AAAAAAADgPwAAAAAAAOA/AAAAAAAA4D8AAAAAAADgPwAAAAAAAOA/AAAAAAAA4D8AAAAAAADgPwAAAAAAAOA/AAAAAAAA4D8CAAAAjAAAAAAAAAAAAAAAu+DjDP///wgAAAAAAAAAAAAAAAAAAAAAAAAAAAAAAAAAAAAAZAAAAAEAAABAAAAAAAAAAAAAAAAAAAAAAAAAAAAAAAAAAAAAAAAAAAAAAAAAAAAAAAAAAAAAAAAAAAAAAAAAAAAAAAAAAAAAAAAAAAAAAAAAAAAAAAAAAAAAAAAAAAAAFAAAADwAAAAAAAAAAAAAAAAAAAkUAAAAAQAAABQAAAAUAAAAFAAAAAEAAAAAAAAAZAAAAGQAAAAAAAAAZAAAAGQAAAAVAAAAYAAAAAAAAAAAAAAADwAAACADAAAAAAAAAAAAAAEAAACgMgAAVgcAAKr4//8BAAAAf39/AAEAAABkAAAAAAAAABQAAABAHwAAAAAAACYAAAAAAAAAwOD//wAAAAAmAAAAZAAAABYAAABMAAAAAAAAAAAAAAAEAAAAAAAAAAEAAACAgIAKAAAAACgAAAAoAAAAZAAAAGQAAAAAAAAAzMzMAAAAAABQAAAAUAAAAGQAAABkAAAAAAAAABcAAAAUAAAAAAAAAAAAAAD/fwAA/38AAAAAAAAJAAAABAAAAAAAAAAMAAAAEAAAAAAAAAAAAAAAAAAAAAAAAAAeAAAAaAAAAAAAAAAAAAAAAAAAAAAAAAAAAAAAECcAABAnAAAAAAAAAAAAAAAAAAAAAAAAAAAAAAAAAAAAAAAAAAAAABQAAAAAAAAAwMD/AAAAAABkAAAAMgAAAAAAAABkAAAAAAAAAH9/fwAKAAAAHwAAAFQAAAC74OMF////AQAAAAAAAAAAAAAAAAAAAAAAAAAAAAAAAAAAAAAAAAAAAAAAAn9/fwCAgIADzMzMAMDA/wB/f38AAAAAAAAAAAAAAAAAAAAAAAAAAAAhAAAAGAAAABQAAABwCAAAzQwAANAvAAD2JQAAEAAAACYAAAAIAAAAAQAAAAAAAAA="/>
+                <pr:smNativeData xmlns:pr="smNativeData" val="SMDATA_13_of3fZRMAAAAlAAAAZAAAAA8BAAAAkAAAAEgAAACQAAAASAAAAAAAAAAAAAAAAAAAAAEAAABQAAAAAAAAAAAA4D8AAAAAAADgPwAAAAAAAOA/AAAAAAAA4D8AAAAAAADgPwAAAAAAAOA/AAAAAAAA4D8AAAAAAADgPwAAAAAAAOA/AAAAAAAA4D8CAAAAjAAAAAAAAAAAAAAAu+DjDP///wgAAAAAAAAAAAAAAAAAAAAAAAAAAAAAAAAAAAAAZAAAAAEAAABAAAAAAAAAAAAAAAAAAAAAAAAAAAAAAAAAAAAAAAAAAAAAAAAAAAAAAAAAAAAAAAAAAAAAAAAAAAAAAAAAAAAAAAAAAAAAAAAAAAAAAAAAAAAAAAAAAAAAFAAAADwAAAAAAAAAAAAAAAAAAAkUAAAAAQAAABQAAAAUAAAAFAAAAAEAAAAAAAAAZAAAAGQAAAAAAAAAZAAAAGQAAAAVAAAAYAAAAAAAAAAAAAAADwAAACADAAAAAAAAAAAAAAEAAACgMgAAVgcAAKr4//8BAAAAf39/AAEAAABkAAAAAAAAABQAAABAHwAAAAAAACYAAAAAAAAAwOD//wAAAAAmAAAAZAAAABYAAABMAAAAAAAAAAAAAAAEAAAAAAAAAAEAAACAgIAKAAAAACgAAAAoAAAAZAAAAGQAAAAAAAAAzMzMAAAAAABQAAAAUAAAAGQAAABkAAAAAAAAABcAAAAUAAAAAAAAAAAAAAD/fwAA/38AAAAAAAAJAAAABAAAAAAAAAAMAAAAEAAAAAAAAAAAAAAAAAAAAAAAAAAeAAAAaAAAAAAAAAAAAAAAAAAAAAAAAAAAAAAAECcAABAnAAAAAAAAAAAAAAAAAAAAAAAAAAAAAAAAAAAAAAAAAAAAABQAAAAAAAAAwMD/AAAAAABkAAAAMgAAAAAAAABkAAAAAAAAAH9/fwAKAAAAHwAAAFQAAAC74OMF////AQAAAAAAAAAAAAAAAAAAAAAAAAAAAAAAAAAAAAAAAAAAAAAAAn9/fwCAgIADzMzMAMDA/wB/f38AAAAAAAAAAAAAAAAAAAAAAAAAAAAhAAAAGAAAABQAAABwCAAAzQwAANAvAAD2JQAAEAAAACYAAAAIAAAAAQAAAAAAAAA="/>
               </a:ext>
             </a:extLst>
           </p:cNvSpPr>
@@ -8684,7 +8684,7 @@
             <a:spLocks noGrp="1" noChangeArrowheads="1"/>
             <a:extLst>
               <a:ext uri="smNativeData">
-                <pr:smNativeData xmlns:pr="smNativeData" val="SMDATA_13_lv/SZRMAAAAlAAAAZAAAAA8BAAAAkAAAAEgAAACQAAAASAAAAAAAAAAAAAAAAAAAAAEAAABQAAAAAAAAAAAA4D8AAAAAAADgPwAAAAAAAOA/AAAAAAAA4D8AAAAAAADgPwAAAAAAAOA/AAAAAAAA4D8AAAAAAADgPwAAAAAAAOA/AAAAAAAA4D8CAAAAjAAAAAAAAAAAAAAAu+DjDP///wgAAAAAAAAAAAAAAAAAAAAAAAAAAAAAAAAAAAAAZAAAAAEAAABAAAAAAAAAAAAAAAAAAAAAAAAAAAAAAAAAAAAAAAAAAAAAAAAAAAAAAAAAAAAAAAAAAAAAAAAAAAAAAAAAAAAAAAAAAAAAAAAAAAAAAAAAAAAAAAAAAAAAFAAAADwAAAAAAAAAAAAAAAAAAAkUAAAAAQAAABQAAAAUAAAAFAAAAAEAAAAAAAAAZAAAAGQAAAAAAAAAZAAAAGQAAAAVAAAAYAAAAAAAAAAAAAAADwAAACADAAAAAAAAAAAAAAEAAACgMgAAVgcAAKr4//8BAAAAf39/AAEAAABkAAAAAAAAABQAAABAHwAAAAAAACYAAAAAAAAAwOD//wAAAAAmAAAAZAAAABYAAABMAAAAAAAAAAAAAAAEAAAAAAAAAAEAAACAgIAKAAAAACgAAAAoAAAAZAAAAGQAAAAAAAAAzMzMAAAAAABQAAAAUAAAAGQAAABkAAAAAAAAABcAAAAUAAAAAAAAAAAAAAD/fwAA/38AAAAAAAAJAAAABAAAAPf29f8MAAAAEAAAAAAAAAAAAAAAAAAAAAAAAAAeAAAAaAAAAAAAAAAAAAAAAAAAAAAAAAAAAAAAECcAABAnAAAAAAAAAAAAAAAAAAAAAAAAAAAAAAAAAAAAAAAAAAAAABQAAAAAAAAAwMD/AAAAAABkAAAAMgAAAAAAAABkAAAAAAAAAH9/fwAKAAAAHwAAAFQAAAC74OMF////AQAAAAAAAAAAAAAAAAAAAAAAAAAAAAAAAAAAAAAAAAAAAAAAAn9/fwCAgIADzMzMAMDA/wB/f38AAAAAAAAAAAAAAAAAAAAAAAAAAAAhAAAAGAAAABQAAABwCAAAFwMAANAvAACwIgAAEAAAACYAAAAIAAAAAQAAAAAAAAA="/>
+                <pr:smNativeData xmlns:pr="smNativeData" val="SMDATA_13_of3fZRMAAAAlAAAAZAAAAA8BAAAAkAAAAEgAAACQAAAASAAAAAAAAAAAAAAAAAAAAAEAAABQAAAAAAAAAAAA4D8AAAAAAADgPwAAAAAAAOA/AAAAAAAA4D8AAAAAAADgPwAAAAAAAOA/AAAAAAAA4D8AAAAAAADgPwAAAAAAAOA/AAAAAAAA4D8CAAAAjAAAAAAAAAAAAAAAu+DjDP///wgAAAAAAAAAAAAAAAAAAAAAAAAAAAAAAAAAAAAAZAAAAAEAAABAAAAAAAAAAAAAAAAAAAAAAAAAAAAAAAAAAAAAAAAAAAAAAAAAAAAAAAAAAAAAAAAAAAAAAAAAAAAAAAAAAAAAAAAAAAAAAAAAAAAAAAAAAAAAAAAAAAAAFAAAADwAAAAAAAAAAAAAAAAAAAkUAAAAAQAAABQAAAAUAAAAFAAAAAEAAAAAAAAAZAAAAGQAAAAAAAAAZAAAAGQAAAAVAAAAYAAAAAAAAAAAAAAADwAAACADAAAAAAAAAAAAAAEAAACgMgAAVgcAAKr4//8BAAAAf39/AAEAAABkAAAAAAAAABQAAABAHwAAAAAAACYAAAAAAAAAwOD//wAAAAAmAAAAZAAAABYAAABMAAAAAAAAAAAAAAAEAAAAAAAAAAEAAACAgIAKAAAAACgAAAAoAAAAZAAAAGQAAAAAAAAAzMzMAAAAAABQAAAAUAAAAGQAAABkAAAAAAAAABcAAAAUAAAAAAAAAAAAAAD/fwAA/38AAAAAAAAJAAAABAAAAPf29f8MAAAAEAAAAAAAAAAAAAAAAAAAAAAAAAAeAAAAaAAAAAAAAAAAAAAAAAAAAAAAAAAAAAAAECcAABAnAAAAAAAAAAAAAAAAAAAAAAAAAAAAAAAAAAAAAAAAAAAAABQAAAAAAAAAwMD/AAAAAABkAAAAMgAAAAAAAABkAAAAAAAAAH9/fwAKAAAAHwAAAFQAAAC74OMF////AQAAAAAAAAAAAAAAAAAAAAAAAAAAAAAAAAAAAAAAAAAAAAAAAn9/fwCAgIADzMzMAMDA/wB/f38AAAAAAAAAAAAAAAAAAAAAAAAAAAAhAAAAGAAAABQAAABwCAAAFwMAANAvAACwIgAAEAAAACYAAAAIAAAAAQAAAAAAAAA="/>
               </a:ext>
             </a:extLst>
           </p:cNvSpPr>
@@ -9139,7 +9139,7 @@
     </p:bldLst>
     <p:extLst>
       <p:ext uri="smNativeData">
-        <pr:smNativeData xmlns:pr="smNativeData" val="lv/SZQcAAAAFAAAAAAAAAAEAAAABAAAAAAAAAAAAAAAAAAAAAAAAAAkAAAABAAAAAQAAAAEAAAAAAAAAAAAAAAAAAAAAAAAADQAAAAIAAAABAAAAAQAAAAAAAAAAAAAAAAAAAAAAAAARAAAAAwAAAAEAAAABAAAAAAAAAAAAAAAAAAAAAAAAABUAAAAEAAAAAQAAAAEAAAAAAAAAAAAAAAAAAAAAAAAAGQAAAAUAAAABAAAAAQAAAAAAAAAAAAAAAAAAAAAAAAAdAAAABgAAAAEAAAABAAAAAAAAAAAAAAAAAAAAAAAAAA=="/>
+        <pr:smNativeData xmlns:pr="smNativeData" val="of3fZQcAAAAFAAAAAAAAAAEAAAABAAAAAAAAAAAAAAAAAAAAAAAAAAkAAAABAAAAAQAAAAEAAAAAAAAAAAAAAAAAAAAAAAAADQAAAAIAAAABAAAAAQAAAAAAAAAAAAAAAAAAAAAAAAARAAAAAwAAAAEAAAABAAAAAAAAAAAAAAAAAAAAAAAAABUAAAAEAAAAAQAAAAEAAAAAAAAAAAAAAAAAAAAAAAAAGQAAAAUAAAABAAAAAQAAAAAAAAAAAAAAAAAAAAAAAAAdAAAABgAAAAEAAAABAAAAAAAAAAAAAAAAAAAAAAAAAA=="/>
       </p:ext>
     </p:extLst>
   </p:timing>
@@ -9170,7 +9170,7 @@
             <a:spLocks noGrp="1" noChangeArrowheads="1"/>
             <a:extLst>
               <a:ext uri="smNativeData">
-                <pr:smNativeData xmlns:pr="smNativeData" val="SMDATA_13_lv/SZRMAAAAlAAAAZAAAAA8BAAAAkAAAAEgAAACQAAAASAAAAAAAAAABAAAAAAAAAAEAAABQAAAAAAAAAAAA4D8AAAAAAADgPwAAAAAAAOA/AAAAAAAA4D8AAAAAAADgPwAAAAAAAOA/AAAAAAAA4D8AAAAAAADgPwAAAAAAAOA/AAAAAAAA4D8CAAAAjAAAAAAAAAAAAAAAu+DjDP///wgAAAAAAAAAAAAAAAAAAAAAAAAAAAAAAAAAAAAAZAAAAAEAAABAAAAAAAAAAAAAAAAAAAAAAAAAAAAAAAAAAAAAAAAAAAAAAAAAAAAAAAAAAAAAAAAAAAAAAAAAAAAAAAAAAAAAAAAAAAAAAAAAAAAAAAAAAAAAAAAAAAAAFAAAADwAAAAAAAAAAAAAAAAAAAkUAAAAAQAAABQAAAAUAAAAFAAAAAEAAAAAAAAAZAAAAGQAAAAAAAAAZAAAAGQAAAAVAAAAYAAAAAAAAAAAAAAADwAAACADAAAAAAAAAAAAAAEAAACgMgAAVgcAAKr4//8BAAAAf39/AAEAAABkAAAAAAAAABQAAABAHwAAAAAAACYAAAAAAAAAwOD//wAAAAAmAAAAZAAAABYAAABMAAAAAAAAAAAAAAAEAAAAAAAAAAEAAACAgIAKAAAAACgAAAAoAAAAZAAAAGQAAAAAAAAAzMzMAAAAAABQAAAAUAAAAGQAAABkAAAAAAAAABcAAAAUAAAAAAAAAAAAAAD/fwAA/38AAAAAAAAJAAAABAAAAAAAAAAMAAAAEAAAAAAAAAAAAAAAAAAAAAAAAAAeAAAAaAAAAAAAAAAAAAAAAAAAAAAAAAAAAAAAECcAABAnAAAAAAAAAAAAAAAAAAAAAAAAAAAAAAAAAAAAAAAAAAAAABQAAAAAAAAAwMD/AAAAAABkAAAAMgAAAAAAAABkAAAAAAAAAH9/fwAKAAAAHwAAAFQAAAC74OMF////AQAAAAAAAAAAAAAAAAAAAAAAAAAAAAAAAAAAAAAAAAAAAAAAAn9/fwCAgIADzMzMAMDA/wB/f38AAAAAAAAAAAAAAAAAAAAAAAAAAAAhAAAAGAAAABQAAABqBAAAagQAADo0AAB2DQAAEAAAACYAAAAIAAAAAQAAAAAAAAA="/>
+                <pr:smNativeData xmlns:pr="smNativeData" val="SMDATA_13_of3fZRMAAAAlAAAAZAAAAA8BAAAAkAAAAEgAAACQAAAASAAAAAAAAAABAAAAAAAAAAEAAABQAAAAAAAAAAAA4D8AAAAAAADgPwAAAAAAAOA/AAAAAAAA4D8AAAAAAADgPwAAAAAAAOA/AAAAAAAA4D8AAAAAAADgPwAAAAAAAOA/AAAAAAAA4D8CAAAAjAAAAAAAAAAAAAAAu+DjDP///wgAAAAAAAAAAAAAAAAAAAAAAAAAAAAAAAAAAAAAZAAAAAEAAABAAAAAAAAAAAAAAAAAAAAAAAAAAAAAAAAAAAAAAAAAAAAAAAAAAAAAAAAAAAAAAAAAAAAAAAAAAAAAAAAAAAAAAAAAAAAAAAAAAAAAAAAAAAAAAAAAAAAAFAAAADwAAAAAAAAAAAAAAAAAAAkUAAAAAQAAABQAAAAUAAAAFAAAAAEAAAAAAAAAZAAAAGQAAAAAAAAAZAAAAGQAAAAVAAAAYAAAAAAAAAAAAAAADwAAACADAAAAAAAAAAAAAAEAAACgMgAAVgcAAKr4//8BAAAAf39/AAEAAABkAAAAAAAAABQAAABAHwAAAAAAACYAAAAAAAAAwOD//wAAAAAmAAAAZAAAABYAAABMAAAAAAAAAAAAAAAEAAAAAAAAAAEAAACAgIAKAAAAACgAAAAoAAAAZAAAAGQAAAAAAAAAzMzMAAAAAABQAAAAUAAAAGQAAABkAAAAAAAAABcAAAAUAAAAAAAAAAAAAAD/fwAA/38AAAAAAAAJAAAABAAAAAAAAAAMAAAAEAAAAAAAAAAAAAAAAAAAAAAAAAAeAAAAaAAAAAAAAAAAAAAAAAAAAAAAAAAAAAAAECcAABAnAAAAAAAAAAAAAAAAAAAAAAAAAAAAAAAAAAAAAAAAAAAAABQAAAAAAAAAwMD/AAAAAABkAAAAMgAAAAAAAABkAAAAAAAAAH9/fwAKAAAAHwAAAFQAAAC74OMF////AQAAAAAAAAAAAAAAAAAAAAAAAAAAAAAAAAAAAAAAAAAAAAAAAn9/fwCAgIADzMzMAMDA/wB/f38AAAAAAAAAAAAAAAAAAAAAAAAAAAAhAAAAGAAAABQAAABqBAAAagQAADo0AAB2DQAAEAAAACYAAAAIAAAAAQAAAAAAAAA="/>
               </a:ext>
             </a:extLst>
           </p:cNvSpPr>
@@ -9208,7 +9208,7 @@
             <a:spLocks noGrp="1" noChangeArrowheads="1"/>
             <a:extLst>
               <a:ext uri="smNativeData">
-                <pr:smNativeData xmlns:pr="smNativeData" val="SMDATA_13_lv/SZRMAAAAlAAAAZAAAAA8BAAAAkAAAAEgAAACQAAAASAAAAAAAAAAAAAAAAAAAAAEAAABQAAAAAAAAAAAA4D8AAAAAAADgPwAAAAAAAOA/AAAAAAAA4D8AAAAAAADgPwAAAAAAAOA/AAAAAAAA4D8AAAAAAADgPwAAAAAAAOA/AAAAAAAA4D8CAAAAjAAAAAAAAAAAAAAAu+DjDP///wgAAAAAAAAAAAAAAAAAAAAAAAAAAAAAAAAAAAAAZAAAAAEAAABAAAAAAAAAAAAAAAAAAAAAAAAAAAAAAAAAAAAAAAAAAAAAAAAAAAAAAAAAAAAAAAAAAAAAAAAAAAAAAAAAAAAAAAAAAAAAAAAAAAAAAAAAAAAAAAAAAAAAFAAAADwAAAAAAAAAAAAAAAAAAAkUAAAAAQAAABQAAAAUAAAAFAAAAAEAAAAAAAAAZAAAAGQAAAAAAAAAZAAAAGQAAAAVAAAAYAAAAAAAAAAAAAAADwAAACADAAAAAAAAAAAAAAEAAACgMgAAVgcAAKr4//8BAAAAf39/AAEAAABkAAAAAAAAABQAAABAHwAAAAAAACYAAAAAAAAAwOD//wAAAAAmAAAAZAAAABYAAABMAAAAAAAAAAAAAAAEAAAAAAAAAAEAAACAgIAKAAAAACgAAAAoAAAAZAAAAGQAAAAAAAAAzMzMAAAAAABQAAAAUAAAAGQAAABkAAAAAAAAABcAAAAUAAAAAAAAAAAAAAD/fwAA/38AAAAAAAAJAAAABAAAAAAAAAAMAAAAEAAAAAAAAAAAAAAAAAAAAAAAAAAeAAAAaAAAAAAAAAAAAAAAAAAAAAAAAAAAAAAAECcAABAnAAAAAAAAAAAAAAAAAAAAAAAAAAAAAAAAAAAAAAAAAAAAABQAAAAAAAAAwMD/AAAAAABkAAAAMgAAAAAAAABkAAAAAAAAAH9/fwAKAAAAHwAAAFQAAAC74OMF////AQAAAAAAAAAAAAAAAAAAAAAAAAAAAAAAAAAAAAAAAAAAAAAAAn9/fwCAgIADzMzMAMDA/wB/f38AAAAAAAAAAAAAAAAAAAAAAAAAAAAhAAAAGAAAABQAAADyBwAAVRAAAFIvAAAdGwAAEAAAACYAAAAIAAAAAQAAAAAAAAA="/>
+                <pr:smNativeData xmlns:pr="smNativeData" val="SMDATA_13_of3fZRMAAAAlAAAAZAAAAA8BAAAAkAAAAEgAAACQAAAASAAAAAAAAAAAAAAAAAAAAAEAAABQAAAAAAAAAAAA4D8AAAAAAADgPwAAAAAAAOA/AAAAAAAA4D8AAAAAAADgPwAAAAAAAOA/AAAAAAAA4D8AAAAAAADgPwAAAAAAAOA/AAAAAAAA4D8CAAAAjAAAAAAAAAAAAAAAu+DjDP///wgAAAAAAAAAAAAAAAAAAAAAAAAAAAAAAAAAAAAAZAAAAAEAAABAAAAAAAAAAAAAAAAAAAAAAAAAAAAAAAAAAAAAAAAAAAAAAAAAAAAAAAAAAAAAAAAAAAAAAAAAAAAAAAAAAAAAAAAAAAAAAAAAAAAAAAAAAAAAAAAAAAAAFAAAADwAAAAAAAAAAAAAAAAAAAkUAAAAAQAAABQAAAAUAAAAFAAAAAEAAAAAAAAAZAAAAGQAAAAAAAAAZAAAAGQAAAAVAAAAYAAAAAAAAAAAAAAADwAAACADAAAAAAAAAAAAAAEAAACgMgAAVgcAAKr4//8BAAAAf39/AAEAAABkAAAAAAAAABQAAABAHwAAAAAAACYAAAAAAAAAwOD//wAAAAAmAAAAZAAAABYAAABMAAAAAAAAAAAAAAAEAAAAAAAAAAEAAACAgIAKAAAAACgAAAAoAAAAZAAAAGQAAAAAAAAAzMzMAAAAAABQAAAAUAAAAGQAAABkAAAAAAAAABcAAAAUAAAAAAAAAAAAAAD/fwAA/38AAAAAAAAJAAAABAAAAAAAAAAMAAAAEAAAAAAAAAAAAAAAAAAAAAAAAAAeAAAAaAAAAAAAAAAAAAAAAAAAAAAAAAAAAAAAECcAABAnAAAAAAAAAAAAAAAAAAAAAAAAAAAAAAAAAAAAAAAAAAAAABQAAAAAAAAAwMD/AAAAAABkAAAAMgAAAAAAAABkAAAAAAAAAH9/fwAKAAAAHwAAAFQAAAC74OMF////AQAAAAAAAAAAAAAAAAAAAAAAAAAAAAAAAAAAAAAAAAAAAAAAAn9/fwCAgIADzMzMAMDA/wB/f38AAAAAAAAAAAAAAAAAAAAAAAAAAAAhAAAAGAAAABQAAADyBwAAVRAAAFIvAAAdGwAAEAAAACYAAAAIAAAAAQAAAAAAAAA="/>
               </a:ext>
             </a:extLst>
           </p:cNvSpPr>
@@ -9304,7 +9304,7 @@
             <a:spLocks noGrp="1" noChangeArrowheads="1"/>
             <a:extLst>
               <a:ext uri="smNativeData">
-                <pr:smNativeData xmlns:pr="smNativeData" val="SMDATA_13_lv/SZRMAAAAlAAAAZAAAAA8BAAAAkAAAAEgAAACQAAAASAAAAAAAAAAAAAAAAAAAAAEAAABQAAAAAAAAAAAA4D8AAAAAAADgPwAAAAAAAOA/AAAAAAAA4D8AAAAAAADgPwAAAAAAAOA/AAAAAAAA4D8AAAAAAADgPwAAAAAAAOA/AAAAAAAA4D8CAAAAjAAAAAAAAAAAAAAAu+DjDP///wgAAAAAAAAAAAAAAAAAAAAAAAAAAAAAAAAAAAAAZAAAAAEAAABAAAAAAAAAAAAAAAAAAAAAAAAAAAAAAAAAAAAAAAAAAAAAAAAAAAAAAAAAAAAAAAAAAAAAAAAAAAAAAAAAAAAAAAAAAAAAAAAAAAAAAAAAAAAAAAAAAAAAFAAAADwAAAAAAAAAAAAAAAAAAAkUAAAAAQAAABQAAAAUAAAAFAAAAAEAAAAAAAAAZAAAAGQAAAAAAAAAZAAAAGQAAAAVAAAAYAAAAAAAAAAAAAAADwAAACADAAAAAAAAAAAAAAEAAACgMgAAVgcAAKr4//8BAAAAf39/AAEAAABkAAAAAAAAABQAAABAHwAAAAAAACYAAAAAAAAAwOD//wAAAAAmAAAAZAAAABYAAABMAAAAAAAAAAAAAAAEAAAAAAAAAAEAAACAgIAKAAAAACgAAAAoAAAAZAAAAGQAAAAAAAAAzMzMAAAAAABQAAAAUAAAAGQAAABkAAAAAAAAABcAAAAUAAAAAAAAAAAAAAD/fwAA/38AAAAAAAAJAAAABAAAAP///wAMAAAAEAAAAAAAAAAAAAAAAAAAAAAAAAAeAAAAaAAAAAAAAAAAAAAAAAAAAAAAAAAAAAAAECcAABAnAAAAAAAAAAAAAAAAAAAAAAAAAAAAAAAAAAAAAAAAAAAAABQAAAAAAAAAwMD/AAAAAABkAAAAMgAAAAAAAABkAAAAAAAAAH9/fwAKAAAAHwAAAFQAAAC74OMF////AQAAAAAAAAAAAAAAAAAAAAAAAAAAAAAAAAAAAAAAAAAAAAAAAn9/fwCAgIADzMzMAMDA/wB/f38AAAAAAAAAAAAAAAAAAAAAAAAAAAAhAAAAGAAAABQAAABwCAAAiAMAANAvAACwIgAAEAAAACYAAAAIAAAAAQAAAAAAAAA="/>
+                <pr:smNativeData xmlns:pr="smNativeData" val="SMDATA_13_of3fZRMAAAAlAAAAZAAAAA8BAAAAkAAAAEgAAACQAAAASAAAAAAAAAAAAAAAAAAAAAEAAABQAAAAAAAAAAAA4D8AAAAAAADgPwAAAAAAAOA/AAAAAAAA4D8AAAAAAADgPwAAAAAAAOA/AAAAAAAA4D8AAAAAAADgPwAAAAAAAOA/AAAAAAAA4D8CAAAAjAAAAAAAAAAAAAAAu+DjDP///wgAAAAAAAAAAAAAAAAAAAAAAAAAAAAAAAAAAAAAZAAAAAEAAABAAAAAAAAAAAAAAAAAAAAAAAAAAAAAAAAAAAAAAAAAAAAAAAAAAAAAAAAAAAAAAAAAAAAAAAAAAAAAAAAAAAAAAAAAAAAAAAAAAAAAAAAAAAAAAAAAAAAAFAAAADwAAAAAAAAAAAAAAAAAAAkUAAAAAQAAABQAAAAUAAAAFAAAAAEAAAAAAAAAZAAAAGQAAAAAAAAAZAAAAGQAAAAVAAAAYAAAAAAAAAAAAAAADwAAACADAAAAAAAAAAAAAAEAAACgMgAAVgcAAKr4//8BAAAAf39/AAEAAABkAAAAAAAAABQAAABAHwAAAAAAACYAAAAAAAAAwOD//wAAAAAmAAAAZAAAABYAAABMAAAAAAAAAAAAAAAEAAAAAAAAAAEAAACAgIAKAAAAACgAAAAoAAAAZAAAAGQAAAAAAAAAzMzMAAAAAABQAAAAUAAAAGQAAABkAAAAAAAAABcAAAAUAAAAAAAAAAAAAAD/fwAA/38AAAAAAAAJAAAABAAAAP///wAMAAAAEAAAAAAAAAAAAAAAAAAAAAAAAAAeAAAAaAAAAAAAAAAAAAAAAAAAAAAAAAAAAAAAECcAABAnAAAAAAAAAAAAAAAAAAAAAAAAAAAAAAAAAAAAAAAAAAAAABQAAAAAAAAAwMD/AAAAAABkAAAAMgAAAAAAAABkAAAAAAAAAH9/fwAKAAAAHwAAAFQAAAC74OMF////AQAAAAAAAAAAAAAAAAAAAAAAAAAAAAAAAAAAAAAAAAAAAAAAAn9/fwCAgIADzMzMAMDA/wB/f38AAAAAAAAAAAAAAAAAAAAAAAAAAAAhAAAAGAAAABQAAABwCAAAiAMAANAvAACwIgAAEAAAACYAAAAIAAAAAQAAAAAAAAA="/>
               </a:ext>
             </a:extLst>
           </p:cNvSpPr>
@@ -9759,7 +9759,7 @@
     </p:bldLst>
     <p:extLst>
       <p:ext uri="smNativeData">
-        <pr:smNativeData xmlns:pr="smNativeData" val="lv/SZQcAAAAFAAAAAAAAAAEAAAABAAAAAAAAAAAAAAAAAAAAAAAAAAkAAAABAAAAAQAAAAEAAAAAAAAAAAAAAAAAAAAAAAAADQAAAAIAAAABAAAAAQAAAAAAAAAAAAAAAAAAAAAAAAARAAAAAwAAAAEAAAABAAAAAAAAAAAAAAAAAAAAAAAAABUAAAAEAAAAAQAAAAEAAAAAAAAAAAAAAAAAAAAAAAAAGQAAAAUAAAABAAAAAQAAAAAAAAAAAAAAAAAAAAAAAAAdAAAABgAAAAEAAAABAAAAAAAAAAAAAAAAAAAAAAAAAA=="/>
+        <pr:smNativeData xmlns:pr="smNativeData" val="of3fZQcAAAAFAAAAAAAAAAEAAAABAAAAAAAAAAAAAAAAAAAAAAAAAAkAAAABAAAAAQAAAAEAAAAAAAAAAAAAAAAAAAAAAAAADQAAAAIAAAABAAAAAQAAAAAAAAAAAAAAAAAAAAAAAAARAAAAAwAAAAEAAAABAAAAAAAAAAAAAAAAAAAAAAAAABUAAAAEAAAAAQAAAAEAAAAAAAAAAAAAAAAAAAAAAAAAGQAAAAUAAAABAAAAAQAAAAAAAAAAAAAAAAAAAAAAAAAdAAAABgAAAAEAAAABAAAAAAAAAAAAAAAAAAAAAAAAAA=="/>
       </p:ext>
     </p:extLst>
   </p:timing>
@@ -9790,7 +9790,7 @@
             <a:spLocks noGrp="1" noChangeArrowheads="1"/>
             <a:extLst>
               <a:ext uri="smNativeData">
-                <pr:smNativeData xmlns:pr="smNativeData" val="SMDATA_13_lv/SZRMAAAAlAAAAZAAAAA8BAAAAkAAAAEgAAACQAAAASAAAAAAAAAABAAAAAAAAAAEAAABQAAAAAAAAAAAA4D8AAAAAAADgPwAAAAAAAOA/AAAAAAAA4D8AAAAAAADgPwAAAAAAAOA/AAAAAAAA4D8AAAAAAADgPwAAAAAAAOA/AAAAAAAA4D8CAAAAjAAAAAAAAAAAAAAAu+DjDP///wgAAAAAAAAAAAAAAAAAAAAAAAAAAAAAAAAAAAAAZAAAAAEAAABAAAAAAAAAAAAAAAAAAAAAAAAAAAAAAAAAAAAAAAAAAAAAAAAAAAAAAAAAAAAAAAAAAAAAAAAAAAAAAAAAAAAAAAAAAAAAAAAAAAAAAAAAAAAAAAAAAAAAFAAAADwAAAAAAAAAAAAAAAAAAAkUAAAAAQAAABQAAAAUAAAAFAAAAAEAAAAAAAAAZAAAAGQAAAAAAAAAZAAAAGQAAAAVAAAAYAAAAAAAAAAAAAAADwAAACADAAAAAAAAAAAAAAEAAACgMgAAVgcAAKr4//8BAAAAf39/AAEAAABkAAAAAAAAABQAAABAHwAAAAAAACYAAAAAAAAAwOD//wAAAAAmAAAAZAAAABYAAABMAAAAAAAAAAAAAAAEAAAAAAAAAAEAAACAgIAKAAAAACgAAAAoAAAAZAAAAGQAAAAAAAAAzMzMAAAAAABQAAAAUAAAAGQAAABkAAAAAAAAABcAAAAUAAAAAAAAAAAAAAD/fwAA/38AAAAAAAAJAAAABAAAAAAAAAAMAAAAEAAAAAAAAAAAAAAAAAAAAAAAAAAeAAAAaAAAAAAAAAAAAAAAAAAAAAAAAAAAAAAAECcAABAnAAAAAAAAAAAAAAAAAAAAAAAAAAAAAAAAAAAAAAAAAAAAABQAAAAAAAAAwMD/AAAAAABkAAAAMgAAAAAAAABkAAAAAAAAAH9/fwAKAAAAHwAAAFQAAAC74OMF////AQAAAAAAAAAAAAAAAAAAAAAAAAAAAAAAAAAAAAAAAAAAAAAAAn9/fwCAgIADzMzMAMDA/wB/f38AAAAAAAAAAAAAAAAAAAAAAAAAAAAhAAAAGAAAABQAAABGBAAAbgIAABY0AAB6CwAAEAAAACYAAAAIAAAAAQAAAAAAAAA="/>
+                <pr:smNativeData xmlns:pr="smNativeData" val="SMDATA_13_of3fZRMAAAAlAAAAZAAAAA8BAAAAkAAAAEgAAACQAAAASAAAAAAAAAABAAAAAAAAAAEAAABQAAAAAAAAAAAA4D8AAAAAAADgPwAAAAAAAOA/AAAAAAAA4D8AAAAAAADgPwAAAAAAAOA/AAAAAAAA4D8AAAAAAADgPwAAAAAAAOA/AAAAAAAA4D8CAAAAjAAAAAAAAAAAAAAAu+DjDP///wgAAAAAAAAAAAAAAAAAAAAAAAAAAAAAAAAAAAAAZAAAAAEAAABAAAAAAAAAAAAAAAAAAAAAAAAAAAAAAAAAAAAAAAAAAAAAAAAAAAAAAAAAAAAAAAAAAAAAAAAAAAAAAAAAAAAAAAAAAAAAAAAAAAAAAAAAAAAAAAAAAAAAFAAAADwAAAAAAAAAAAAAAAAAAAkUAAAAAQAAABQAAAAUAAAAFAAAAAEAAAAAAAAAZAAAAGQAAAAAAAAAZAAAAGQAAAAVAAAAYAAAAAAAAAAAAAAADwAAACADAAAAAAAAAAAAAAEAAACgMgAAVgcAAKr4//8BAAAAf39/AAEAAABkAAAAAAAAABQAAABAHwAAAAAAACYAAAAAAAAAwOD//wAAAAAmAAAAZAAAABYAAABMAAAAAAAAAAAAAAAEAAAAAAAAAAEAAACAgIAKAAAAACgAAAAoAAAAZAAAAGQAAAAAAAAAzMzMAAAAAABQAAAAUAAAAGQAAABkAAAAAAAAABcAAAAUAAAAAAAAAAAAAAD/fwAA/38AAAAAAAAJAAAABAAAAAAAAAAMAAAAEAAAAAAAAAAAAAAAAAAAAAAAAAAeAAAAaAAAAAAAAAAAAAAAAAAAAAAAAAAAAAAAECcAABAnAAAAAAAAAAAAAAAAAAAAAAAAAAAAAAAAAAAAAAAAAAAAABQAAAAAAAAAwMD/AAAAAABkAAAAMgAAAAAAAABkAAAAAAAAAH9/fwAKAAAAHwAAAFQAAAC74OMF////AQAAAAAAAAAAAAAAAAAAAAAAAAAAAAAAAAAAAAAAAAAAAAAAAn9/fwCAgIADzMzMAMDA/wB/f38AAAAAAAAAAAAAAAAAAAAAAAAAAAAhAAAAGAAAABQAAABGBAAAbgIAABY0AAB6CwAAEAAAACYAAAAIAAAAAQAAAAAAAAA="/>
               </a:ext>
             </a:extLst>
           </p:cNvSpPr>
@@ -9828,7 +9828,7 @@
             <a:spLocks noGrp="1" noChangeArrowheads="1"/>
             <a:extLst>
               <a:ext uri="smNativeData">
-                <pr:smNativeData xmlns:pr="smNativeData" val="SMDATA_13_lv/SZRMAAAAlAAAAZAAAAA8BAAAAkAAAAEgAAACQAAAASAAAAAAAAAAAAAAAAAAAAAEAAABQAAAAAAAAAAAA4D8AAAAAAADgPwAAAAAAAOA/AAAAAAAA4D8AAAAAAADgPwAAAAAAAOA/AAAAAAAA4D8AAAAAAADgPwAAAAAAAOA/AAAAAAAA4D8CAAAAjAAAAAAAAAAAAAAAu+DjDP///wgAAAAAAAAAAAAAAAAAAAAAAAAAAAAAAAAAAAAAZAAAAAEAAABAAAAAAAAAAAAAAAAAAAAAAAAAAAAAAAAAAAAAAAAAAAAAAAAAAAAAAAAAAAAAAAAAAAAAAAAAAAAAAAAAAAAAAAAAAAAAAAAAAAAAAAAAAAAAAAAAAAAAFAAAADwAAAAAAAAAAAAAAAAAAAkUAAAAAQAAABQAAAAUAAAAFAAAAAEAAAAAAAAAZAAAAGQAAAAAAAAAZAAAAGQAAAAVAAAAYAAAAAAAAAAAAAAADwAAACADAAAAAAAAAAAAAAEAAACgMgAAVgcAAKr4//8BAAAAf39/AAEAAABkAAAAAAAAABQAAABAHwAAAAAAACYAAAAAAAAAwOD//wAAAAAmAAAAZAAAABYAAABMAAAAAAAAAAAAAAAEAAAAAAAAAAEAAACAgIAKAAAAACgAAAAoAAAAZAAAAGQAAAAAAAAAzMzMAAAAAABQAAAAUAAAAGQAAABkAAAAAAAAABcAAAAUAAAAAAAAAAAAAAD/fwAA/38AAAAAAAAJAAAABAAAAAAAAAAMAAAAEAAAAAAAAAAAAAAAAAAAAAAAAAAeAAAAaAAAAAAAAAAAAAAAAAAAAAAAAAAAAAAAECcAABAnAAAAAAAAAAAAAAAAAAAAAAAAAAAAAAAAAAAAAAAAAAAAABQAAAAAAAAAwMD/AAAAAABkAAAAMgAAAAAAAABkAAAAAAAAAH9/fwAKAAAAHwAAAFQAAAC74OMF////AQAAAAAAAAAAAAAAAAAAAAAAAAAAAAAAAAAAAAAAAAAAAAAAAn9/fwCAgIADzMzMAMDA/wB/f38AAAAAAAAAAAAAAAAAAAAAAAAAAAAhAAAAGAAAABQAAABwCAAAXAwAANAvAACFJQAAEAAAACYAAAAIAAAAAQAAAAAAAAA="/>
+                <pr:smNativeData xmlns:pr="smNativeData" val="SMDATA_13_of3fZRMAAAAlAAAAZAAAAA8BAAAAkAAAAEgAAACQAAAASAAAAAAAAAAAAAAAAAAAAAEAAABQAAAAAAAAAAAA4D8AAAAAAADgPwAAAAAAAOA/AAAAAAAA4D8AAAAAAADgPwAAAAAAAOA/AAAAAAAA4D8AAAAAAADgPwAAAAAAAOA/AAAAAAAA4D8CAAAAjAAAAAAAAAAAAAAAu+DjDP///wgAAAAAAAAAAAAAAAAAAAAAAAAAAAAAAAAAAAAAZAAAAAEAAABAAAAAAAAAAAAAAAAAAAAAAAAAAAAAAAAAAAAAAAAAAAAAAAAAAAAAAAAAAAAAAAAAAAAAAAAAAAAAAAAAAAAAAAAAAAAAAAAAAAAAAAAAAAAAAAAAAAAAFAAAADwAAAAAAAAAAAAAAAAAAAkUAAAAAQAAABQAAAAUAAAAFAAAAAEAAAAAAAAAZAAAAGQAAAAAAAAAZAAAAGQAAAAVAAAAYAAAAAAAAAAAAAAADwAAACADAAAAAAAAAAAAAAEAAACgMgAAVgcAAKr4//8BAAAAf39/AAEAAABkAAAAAAAAABQAAABAHwAAAAAAACYAAAAAAAAAwOD//wAAAAAmAAAAZAAAABYAAABMAAAAAAAAAAAAAAAEAAAAAAAAAAEAAACAgIAKAAAAACgAAAAoAAAAZAAAAGQAAAAAAAAAzMzMAAAAAABQAAAAUAAAAGQAAABkAAAAAAAAABcAAAAUAAAAAAAAAAAAAAD/fwAA/38AAAAAAAAJAAAABAAAAAAAAAAMAAAAEAAAAAAAAAAAAAAAAAAAAAAAAAAeAAAAaAAAAAAAAAAAAAAAAAAAAAAAAAAAAAAAECcAABAnAAAAAAAAAAAAAAAAAAAAAAAAAAAAAAAAAAAAAAAAAAAAABQAAAAAAAAAwMD/AAAAAABkAAAAMgAAAAAAAABkAAAAAAAAAH9/fwAKAAAAHwAAAFQAAAC74OMF////AQAAAAAAAAAAAAAAAAAAAAAAAAAAAAAAAAAAAAAAAAAAAAAAAn9/fwCAgIADzMzMAMDA/wB/f38AAAAAAAAAAAAAAAAAAAAAAAAAAAAhAAAAGAAAABQAAABwCAAAXAwAANAvAACFJQAAEAAAACYAAAAIAAAAAQAAAAAAAAA="/>
               </a:ext>
             </a:extLst>
           </p:cNvSpPr>
@@ -10728,6 +10728,47 @@
       </a:clrScheme>
       <a:clrMap bg1="lt1" tx1="dk1" bg2="lt2" tx2="dk2" accent1="accent1" accent2="accent2" accent3="accent3" accent4="accent4" accent5="accent5" accent6="accent6" hlink="hlink" folHlink="folHlink"/>
     </a:extraClrScheme>
+    <a:extraClrScheme>
+      <a:clrScheme name="Presentation 15">
+        <a:dk1>
+          <a:srgbClr val="000000"/>
+        </a:dk1>
+        <a:lt1>
+          <a:srgbClr val="FFFFFF"/>
+        </a:lt1>
+        <a:dk2>
+          <a:srgbClr val="000000"/>
+        </a:dk2>
+        <a:lt2>
+          <a:srgbClr val="808080"/>
+        </a:lt2>
+        <a:accent1>
+          <a:srgbClr val="BBE0E3"/>
+        </a:accent1>
+        <a:accent2>
+          <a:srgbClr val="333399"/>
+        </a:accent2>
+        <a:accent3>
+          <a:srgbClr val="535379"/>
+        </a:accent3>
+        <a:accent4>
+          <a:srgbClr val="737359"/>
+        </a:accent4>
+        <a:accent5>
+          <a:srgbClr val="939339"/>
+        </a:accent5>
+        <a:accent6>
+          <a:srgbClr val="B3B319"/>
+        </a:accent6>
+        <a:hlink>
+          <a:srgbClr val="009999"/>
+        </a:hlink>
+        <a:folHlink>
+          <a:srgbClr val="99CC00"/>
+        </a:folHlink>
+      </a:clrScheme>
+      <a:clrMap bg1="lt1" tx1="dk1" bg2="lt2" tx2="dk2" accent1="accent1" accent2="accent2" accent3="accent3" accent4="accent4" accent5="accent5" accent6="accent6" hlink="hlink" folHlink="folHlink"/>
+    </a:extraClrScheme>
   </a:extraClrSchemeLst>
 </a:theme>
 </file>